--- a/digital portfolio ppt.pptx
+++ b/digital portfolio ppt.pptx
@@ -1,32 +1,32 @@
 
 <file path=ppt/presentation.xml><?xml version="1.0" encoding="utf-8"?>
-<p:presentation xmlns:a="http://schemas.openxmlformats.org/drawingml/2006/main" xmlns:r="http://schemas.openxmlformats.org/officeDocument/2006/relationships" xmlns:p="http://schemas.openxmlformats.org/presentationml/2006/main">
+<p:presentation xmlns:p="http://schemas.openxmlformats.org/presentationml/2006/main" xmlns:r="http://schemas.openxmlformats.org/officeDocument/2006/relationships" xmlns:a="http://schemas.openxmlformats.org/drawingml/2006/main">
   <p:sldMasterIdLst>
     <p:sldMasterId id="2147483648" r:id="rId1"/>
   </p:sldMasterIdLst>
   <p:notesMasterIdLst>
-    <p:notesMasterId r:id="rId13"/>
+    <p:notesMasterId r:id="rId2"/>
   </p:notesMasterIdLst>
   <p:sldIdLst>
-    <p:sldId id="256" r:id="rId2"/>
     <p:sldId id="257" r:id="rId3"/>
     <p:sldId id="258" r:id="rId4"/>
     <p:sldId id="259" r:id="rId5"/>
     <p:sldId id="260" r:id="rId6"/>
     <p:sldId id="261" r:id="rId7"/>
     <p:sldId id="262" r:id="rId8"/>
-    <p:sldId id="264" r:id="rId9"/>
-    <p:sldId id="269" r:id="rId10"/>
-    <p:sldId id="263" r:id="rId11"/>
-    <p:sldId id="265" r:id="rId12"/>
+    <p:sldId id="263" r:id="rId9"/>
+    <p:sldId id="264" r:id="rId10"/>
+    <p:sldId id="265" r:id="rId11"/>
+    <p:sldId id="266" r:id="rId12"/>
+    <p:sldId id="268" r:id="rId13"/>
   </p:sldIdLst>
-  <p:sldSz cx="12192000" cy="6858000"/>
+  <p:sldSz type="screen16x9" cy="6858000" cx="12192000"/>
   <p:notesSz cx="12192000" cy="6858000"/>
   <p:defaultTextStyle>
     <a:defPPr>
       <a:defRPr lang="en-US"/>
     </a:defPPr>
-    <a:lvl1pPr marL="0" algn="l" defTabSz="914400" rtl="0" eaLnBrk="1" latinLnBrk="0" hangingPunct="1">
+    <a:lvl1pPr algn="l" defTabSz="914400" eaLnBrk="1" hangingPunct="1" latinLnBrk="0" marL="0" rtl="0">
       <a:defRPr sz="1800" kern="1200">
         <a:solidFill>
           <a:schemeClr val="tx1"/>
@@ -36,7 +36,7 @@
         <a:cs typeface="+mn-cs"/>
       </a:defRPr>
     </a:lvl1pPr>
-    <a:lvl2pPr marL="457200" algn="l" defTabSz="914400" rtl="0" eaLnBrk="1" latinLnBrk="0" hangingPunct="1">
+    <a:lvl2pPr algn="l" defTabSz="914400" eaLnBrk="1" hangingPunct="1" latinLnBrk="0" marL="457200" rtl="0">
       <a:defRPr sz="1800" kern="1200">
         <a:solidFill>
           <a:schemeClr val="tx1"/>
@@ -46,7 +46,7 @@
         <a:cs typeface="+mn-cs"/>
       </a:defRPr>
     </a:lvl2pPr>
-    <a:lvl3pPr marL="914400" algn="l" defTabSz="914400" rtl="0" eaLnBrk="1" latinLnBrk="0" hangingPunct="1">
+    <a:lvl3pPr algn="l" defTabSz="914400" eaLnBrk="1" hangingPunct="1" latinLnBrk="0" marL="914400" rtl="0">
       <a:defRPr sz="1800" kern="1200">
         <a:solidFill>
           <a:schemeClr val="tx1"/>
@@ -56,7 +56,7 @@
         <a:cs typeface="+mn-cs"/>
       </a:defRPr>
     </a:lvl3pPr>
-    <a:lvl4pPr marL="1371600" algn="l" defTabSz="914400" rtl="0" eaLnBrk="1" latinLnBrk="0" hangingPunct="1">
+    <a:lvl4pPr algn="l" defTabSz="914400" eaLnBrk="1" hangingPunct="1" latinLnBrk="0" marL="1371600" rtl="0">
       <a:defRPr sz="1800" kern="1200">
         <a:solidFill>
           <a:schemeClr val="tx1"/>
@@ -66,7 +66,7 @@
         <a:cs typeface="+mn-cs"/>
       </a:defRPr>
     </a:lvl4pPr>
-    <a:lvl5pPr marL="1828800" algn="l" defTabSz="914400" rtl="0" eaLnBrk="1" latinLnBrk="0" hangingPunct="1">
+    <a:lvl5pPr algn="l" defTabSz="914400" eaLnBrk="1" hangingPunct="1" latinLnBrk="0" marL="1828800" rtl="0">
       <a:defRPr sz="1800" kern="1200">
         <a:solidFill>
           <a:schemeClr val="tx1"/>
@@ -76,7 +76,7 @@
         <a:cs typeface="+mn-cs"/>
       </a:defRPr>
     </a:lvl5pPr>
-    <a:lvl6pPr marL="2286000" algn="l" defTabSz="914400" rtl="0" eaLnBrk="1" latinLnBrk="0" hangingPunct="1">
+    <a:lvl6pPr algn="l" defTabSz="914400" eaLnBrk="1" hangingPunct="1" latinLnBrk="0" marL="2286000" rtl="0">
       <a:defRPr sz="1800" kern="1200">
         <a:solidFill>
           <a:schemeClr val="tx1"/>
@@ -86,7 +86,7 @@
         <a:cs typeface="+mn-cs"/>
       </a:defRPr>
     </a:lvl6pPr>
-    <a:lvl7pPr marL="2743200" algn="l" defTabSz="914400" rtl="0" eaLnBrk="1" latinLnBrk="0" hangingPunct="1">
+    <a:lvl7pPr algn="l" defTabSz="914400" eaLnBrk="1" hangingPunct="1" latinLnBrk="0" marL="2743200" rtl="0">
       <a:defRPr sz="1800" kern="1200">
         <a:solidFill>
           <a:schemeClr val="tx1"/>
@@ -96,7 +96,7 @@
         <a:cs typeface="+mn-cs"/>
       </a:defRPr>
     </a:lvl7pPr>
-    <a:lvl8pPr marL="3200400" algn="l" defTabSz="914400" rtl="0" eaLnBrk="1" latinLnBrk="0" hangingPunct="1">
+    <a:lvl8pPr algn="l" defTabSz="914400" eaLnBrk="1" hangingPunct="1" latinLnBrk="0" marL="3200400" rtl="0">
       <a:defRPr sz="1800" kern="1200">
         <a:solidFill>
           <a:schemeClr val="tx1"/>
@@ -106,7 +106,7 @@
         <a:cs typeface="+mn-cs"/>
       </a:defRPr>
     </a:lvl8pPr>
-    <a:lvl9pPr marL="3657600" algn="l" defTabSz="914400" rtl="0" eaLnBrk="1" latinLnBrk="0" hangingPunct="1">
+    <a:lvl9pPr algn="l" defTabSz="914400" eaLnBrk="1" hangingPunct="1" latinLnBrk="0" marL="3657600" rtl="0">
       <a:defRPr sz="1800" kern="1200">
         <a:solidFill>
           <a:schemeClr val="tx1"/>
@@ -117,22 +117,6 @@
       </a:defRPr>
     </a:lvl9pPr>
   </p:defaultTextStyle>
-  <p:extLst>
-    <p:ext uri="{EFAFB233-063F-42B5-8137-9DF3F51BA10A}">
-      <p15:sldGuideLst xmlns:p15="http://schemas.microsoft.com/office/powerpoint/2012/main">
-        <p15:guide id="1" orient="horz" pos="2880">
-          <p15:clr>
-            <a:srgbClr val="A4A3A4"/>
-          </p15:clr>
-        </p15:guide>
-        <p15:guide id="2" pos="2160">
-          <p15:clr>
-            <a:srgbClr val="A4A3A4"/>
-          </p15:clr>
-        </p15:guide>
-      </p15:sldGuideLst>
-    </p:ext>
-  </p:extLst>
 </p:presentation>
 </file>
 
@@ -146,7 +130,7 @@
     </p:bg>
     <p:spTree>
       <p:nvGrpSpPr>
-        <p:cNvPr id="1" name=""/>
+        <p:cNvPr id="44" name=""/>
         <p:cNvGrpSpPr/>
         <p:nvPr/>
       </p:nvGrpSpPr>
@@ -160,7 +144,7 @@
       </p:grpSpPr>
       <p:sp>
         <p:nvSpPr>
-          <p:cNvPr id="2" name="Header Placeholder 1"/>
+          <p:cNvPr id="1048700" name="Header Placeholder 1"/>
           <p:cNvSpPr>
             <a:spLocks noGrp="1"/>
           </p:cNvSpPr>
@@ -173,12 +157,10 @@
             <a:off x="0" y="0"/>
             <a:ext cx="5283200" cy="344488"/>
           </a:xfrm>
-          <a:prstGeom prst="rect">
-            <a:avLst/>
-          </a:prstGeom>
-        </p:spPr>
-        <p:txBody>
-          <a:bodyPr vert="horz" lIns="91440" tIns="45720" rIns="91440" bIns="45720" rtlCol="0"/>
+          <a:prstGeom prst="rect"/>
+        </p:spPr>
+        <p:txBody>
+          <a:bodyPr bIns="45720" lIns="91440" rIns="91440" rtlCol="0" tIns="45720" vert="horz"/>
           <a:lstStyle>
             <a:lvl1pPr algn="l">
               <a:defRPr sz="1200"/>
@@ -191,7 +173,7 @@
       </p:sp>
       <p:sp>
         <p:nvSpPr>
-          <p:cNvPr id="3" name="Date Placeholder 2"/>
+          <p:cNvPr id="1048701" name="Date Placeholder 2"/>
           <p:cNvSpPr>
             <a:spLocks noGrp="1"/>
           </p:cNvSpPr>
@@ -204,12 +186,10 @@
             <a:off x="6905625" y="0"/>
             <a:ext cx="5283200" cy="344488"/>
           </a:xfrm>
-          <a:prstGeom prst="rect">
-            <a:avLst/>
-          </a:prstGeom>
-        </p:spPr>
-        <p:txBody>
-          <a:bodyPr vert="horz" lIns="91440" tIns="45720" rIns="91440" bIns="45720" rtlCol="0"/>
+          <a:prstGeom prst="rect"/>
+        </p:spPr>
+        <p:txBody>
+          <a:bodyPr bIns="45720" lIns="91440" rIns="91440" rtlCol="0" tIns="45720" vert="horz"/>
           <a:lstStyle>
             <a:lvl1pPr algn="r">
               <a:defRPr sz="1200"/>
@@ -226,9 +206,9 @@
       </p:sp>
       <p:sp>
         <p:nvSpPr>
-          <p:cNvPr id="4" name="Slide Image Placeholder 3"/>
+          <p:cNvPr id="1048702" name="Slide Image Placeholder 3"/>
           <p:cNvSpPr>
-            <a:spLocks noGrp="1" noRot="1" noChangeAspect="1"/>
+            <a:spLocks noChangeAspect="1" noRot="1" noGrp="1"/>
           </p:cNvSpPr>
           <p:nvPr>
             <p:ph type="sldImg" idx="2"/>
@@ -239,9 +219,7 @@
             <a:off x="4038600" y="857250"/>
             <a:ext cx="4114800" cy="2314575"/>
           </a:xfrm>
-          <a:prstGeom prst="rect">
-            <a:avLst/>
-          </a:prstGeom>
+          <a:prstGeom prst="rect"/>
           <a:noFill/>
           <a:ln w="12700">
             <a:solidFill>
@@ -250,8 +228,7 @@
           </a:ln>
         </p:spPr>
         <p:txBody>
-          <a:bodyPr vert="horz" lIns="91440" tIns="45720" rIns="91440" bIns="45720" rtlCol="0" anchor="ctr"/>
-          <a:lstStyle/>
+          <a:bodyPr anchor="ctr" bIns="45720" lIns="91440" rIns="91440" rtlCol="0" tIns="45720" vert="horz"/>
           <a:p>
             <a:endParaRPr lang="en-IN"/>
           </a:p>
@@ -259,7 +236,7 @@
       </p:sp>
       <p:sp>
         <p:nvSpPr>
-          <p:cNvPr id="5" name="Notes Placeholder 4"/>
+          <p:cNvPr id="1048703" name="Notes Placeholder 4"/>
           <p:cNvSpPr>
             <a:spLocks noGrp="1"/>
           </p:cNvSpPr>
@@ -272,13 +249,10 @@
             <a:off x="1219200" y="3300413"/>
             <a:ext cx="9753600" cy="2700337"/>
           </a:xfrm>
-          <a:prstGeom prst="rect">
-            <a:avLst/>
-          </a:prstGeom>
-        </p:spPr>
-        <p:txBody>
-          <a:bodyPr vert="horz" lIns="91440" tIns="45720" rIns="91440" bIns="45720" rtlCol="0"/>
-          <a:lstStyle/>
+          <a:prstGeom prst="rect"/>
+        </p:spPr>
+        <p:txBody>
+          <a:bodyPr bIns="45720" lIns="91440" rIns="91440" rtlCol="0" tIns="45720" vert="horz"/>
           <a:p>
             <a:pPr lvl="0"/>
             <a:r>
@@ -319,7 +293,7 @@
       </p:sp>
       <p:sp>
         <p:nvSpPr>
-          <p:cNvPr id="6" name="Footer Placeholder 5"/>
+          <p:cNvPr id="1048704" name="Footer Placeholder 5"/>
           <p:cNvSpPr>
             <a:spLocks noGrp="1"/>
           </p:cNvSpPr>
@@ -332,12 +306,10 @@
             <a:off x="0" y="6513513"/>
             <a:ext cx="5283200" cy="344487"/>
           </a:xfrm>
-          <a:prstGeom prst="rect">
-            <a:avLst/>
-          </a:prstGeom>
-        </p:spPr>
-        <p:txBody>
-          <a:bodyPr vert="horz" lIns="91440" tIns="45720" rIns="91440" bIns="45720" rtlCol="0" anchor="b"/>
+          <a:prstGeom prst="rect"/>
+        </p:spPr>
+        <p:txBody>
+          <a:bodyPr anchor="b" bIns="45720" lIns="91440" rIns="91440" rtlCol="0" tIns="45720" vert="horz"/>
           <a:lstStyle>
             <a:lvl1pPr algn="l">
               <a:defRPr sz="1200"/>
@@ -350,7 +322,7 @@
       </p:sp>
       <p:sp>
         <p:nvSpPr>
-          <p:cNvPr id="7" name="Slide Number Placeholder 6"/>
+          <p:cNvPr id="1048705" name="Slide Number Placeholder 6"/>
           <p:cNvSpPr>
             <a:spLocks noGrp="1"/>
           </p:cNvSpPr>
@@ -363,12 +335,10 @@
             <a:off x="6905625" y="6513513"/>
             <a:ext cx="5283200" cy="344487"/>
           </a:xfrm>
-          <a:prstGeom prst="rect">
-            <a:avLst/>
-          </a:prstGeom>
-        </p:spPr>
-        <p:txBody>
-          <a:bodyPr vert="horz" lIns="91440" tIns="45720" rIns="91440" bIns="45720" rtlCol="0" anchor="b"/>
+          <a:prstGeom prst="rect"/>
+        </p:spPr>
+        <p:txBody>
+          <a:bodyPr anchor="b" bIns="45720" lIns="91440" rIns="91440" rtlCol="0" tIns="45720" vert="horz"/>
           <a:lstStyle>
             <a:lvl1pPr algn="r">
               <a:defRPr sz="1200"/>
@@ -384,15 +354,10 @@
         </p:txBody>
       </p:sp>
     </p:spTree>
-    <p:extLst>
-      <p:ext uri="{BB962C8B-B14F-4D97-AF65-F5344CB8AC3E}">
-        <p14:creationId xmlns:p14="http://schemas.microsoft.com/office/powerpoint/2010/main" val="2918557904"/>
-      </p:ext>
-    </p:extLst>
   </p:cSld>
-  <p:clrMap bg1="lt1" tx1="dk1" bg2="lt2" tx2="dk2" accent1="accent1" accent2="accent2" accent3="accent3" accent4="accent4" accent5="accent5" accent6="accent6" hlink="hlink" folHlink="folHlink"/>
+  <p:clrMap accent1="accent1" accent2="accent2" accent3="accent3" accent4="accent4" accent5="accent5" accent6="accent6" bg1="lt1" bg2="lt2" tx1="dk1" tx2="dk2" hlink="hlink" folHlink="folHlink"/>
   <p:notesStyle>
-    <a:lvl1pPr marL="0" algn="l" defTabSz="914400" rtl="0" eaLnBrk="1" latinLnBrk="0" hangingPunct="1">
+    <a:lvl1pPr algn="l" defTabSz="914400" eaLnBrk="1" hangingPunct="1" latinLnBrk="0" marL="0" rtl="0">
       <a:defRPr sz="1200" kern="1200">
         <a:solidFill>
           <a:schemeClr val="tx1"/>
@@ -402,7 +367,7 @@
         <a:cs typeface="+mn-cs"/>
       </a:defRPr>
     </a:lvl1pPr>
-    <a:lvl2pPr marL="457200" algn="l" defTabSz="914400" rtl="0" eaLnBrk="1" latinLnBrk="0" hangingPunct="1">
+    <a:lvl2pPr algn="l" defTabSz="914400" eaLnBrk="1" hangingPunct="1" latinLnBrk="0" marL="457200" rtl="0">
       <a:defRPr sz="1200" kern="1200">
         <a:solidFill>
           <a:schemeClr val="tx1"/>
@@ -412,7 +377,7 @@
         <a:cs typeface="+mn-cs"/>
       </a:defRPr>
     </a:lvl2pPr>
-    <a:lvl3pPr marL="914400" algn="l" defTabSz="914400" rtl="0" eaLnBrk="1" latinLnBrk="0" hangingPunct="1">
+    <a:lvl3pPr algn="l" defTabSz="914400" eaLnBrk="1" hangingPunct="1" latinLnBrk="0" marL="914400" rtl="0">
       <a:defRPr sz="1200" kern="1200">
         <a:solidFill>
           <a:schemeClr val="tx1"/>
@@ -422,7 +387,7 @@
         <a:cs typeface="+mn-cs"/>
       </a:defRPr>
     </a:lvl3pPr>
-    <a:lvl4pPr marL="1371600" algn="l" defTabSz="914400" rtl="0" eaLnBrk="1" latinLnBrk="0" hangingPunct="1">
+    <a:lvl4pPr algn="l" defTabSz="914400" eaLnBrk="1" hangingPunct="1" latinLnBrk="0" marL="1371600" rtl="0">
       <a:defRPr sz="1200" kern="1200">
         <a:solidFill>
           <a:schemeClr val="tx1"/>
@@ -432,7 +397,7 @@
         <a:cs typeface="+mn-cs"/>
       </a:defRPr>
     </a:lvl4pPr>
-    <a:lvl5pPr marL="1828800" algn="l" defTabSz="914400" rtl="0" eaLnBrk="1" latinLnBrk="0" hangingPunct="1">
+    <a:lvl5pPr algn="l" defTabSz="914400" eaLnBrk="1" hangingPunct="1" latinLnBrk="0" marL="1828800" rtl="0">
       <a:defRPr sz="1200" kern="1200">
         <a:solidFill>
           <a:schemeClr val="tx1"/>
@@ -442,7 +407,7 @@
         <a:cs typeface="+mn-cs"/>
       </a:defRPr>
     </a:lvl5pPr>
-    <a:lvl6pPr marL="2286000" algn="l" defTabSz="914400" rtl="0" eaLnBrk="1" latinLnBrk="0" hangingPunct="1">
+    <a:lvl6pPr algn="l" defTabSz="914400" eaLnBrk="1" hangingPunct="1" latinLnBrk="0" marL="2286000" rtl="0">
       <a:defRPr sz="1200" kern="1200">
         <a:solidFill>
           <a:schemeClr val="tx1"/>
@@ -452,7 +417,7 @@
         <a:cs typeface="+mn-cs"/>
       </a:defRPr>
     </a:lvl6pPr>
-    <a:lvl7pPr marL="2743200" algn="l" defTabSz="914400" rtl="0" eaLnBrk="1" latinLnBrk="0" hangingPunct="1">
+    <a:lvl7pPr algn="l" defTabSz="914400" eaLnBrk="1" hangingPunct="1" latinLnBrk="0" marL="2743200" rtl="0">
       <a:defRPr sz="1200" kern="1200">
         <a:solidFill>
           <a:schemeClr val="tx1"/>
@@ -462,7 +427,7 @@
         <a:cs typeface="+mn-cs"/>
       </a:defRPr>
     </a:lvl7pPr>
-    <a:lvl8pPr marL="3200400" algn="l" defTabSz="914400" rtl="0" eaLnBrk="1" latinLnBrk="0" hangingPunct="1">
+    <a:lvl8pPr algn="l" defTabSz="914400" eaLnBrk="1" hangingPunct="1" latinLnBrk="0" marL="3200400" rtl="0">
       <a:defRPr sz="1200" kern="1200">
         <a:solidFill>
           <a:schemeClr val="tx1"/>
@@ -472,7 +437,7 @@
         <a:cs typeface="+mn-cs"/>
       </a:defRPr>
     </a:lvl8pPr>
-    <a:lvl9pPr marL="3657600" algn="l" defTabSz="914400" rtl="0" eaLnBrk="1" latinLnBrk="0" hangingPunct="1">
+    <a:lvl9pPr algn="l" defTabSz="914400" eaLnBrk="1" hangingPunct="1" latinLnBrk="0" marL="3657600" rtl="0">
       <a:defRPr sz="1200" kern="1200">
         <a:solidFill>
           <a:schemeClr val="tx1"/>
@@ -491,7 +456,7 @@
   <p:cSld>
     <p:spTree>
       <p:nvGrpSpPr>
-        <p:cNvPr id="1" name=""/>
+        <p:cNvPr id="22" name=""/>
         <p:cNvGrpSpPr/>
         <p:nvPr/>
       </p:nvGrpSpPr>
@@ -505,9 +470,9 @@
       </p:grpSpPr>
       <p:sp>
         <p:nvSpPr>
-          <p:cNvPr id="2" name="Slide Image Placeholder 1"/>
+          <p:cNvPr id="1048603" name="Slide Image Placeholder 1"/>
           <p:cNvSpPr>
-            <a:spLocks noGrp="1" noRot="1" noChangeAspect="1"/>
+            <a:spLocks noChangeAspect="1" noRot="1" noGrp="1"/>
           </p:cNvSpPr>
           <p:nvPr>
             <p:ph type="sldImg"/>
@@ -517,7 +482,7 @@
       </p:sp>
       <p:sp>
         <p:nvSpPr>
-          <p:cNvPr id="3" name="Notes Placeholder 2"/>
+          <p:cNvPr id="1048604" name="Notes Placeholder 2"/>
           <p:cNvSpPr>
             <a:spLocks noGrp="1"/>
           </p:cNvSpPr>
@@ -528,15 +493,14 @@
         <p:spPr/>
         <p:txBody>
           <a:bodyPr/>
-          <a:lstStyle/>
-          <a:p>
-            <a:endParaRPr lang="en-IN" dirty="0"/>
-          </a:p>
-        </p:txBody>
-      </p:sp>
-      <p:sp>
-        <p:nvSpPr>
-          <p:cNvPr id="4" name="Slide Number Placeholder 3"/>
+          <a:p>
+            <a:endParaRPr dirty="0" lang="en-IN"/>
+          </a:p>
+        </p:txBody>
+      </p:sp>
+      <p:sp>
+        <p:nvSpPr>
+          <p:cNvPr id="1048605" name="Slide Number Placeholder 3"/>
           <p:cNvSpPr>
             <a:spLocks noGrp="1"/>
           </p:cNvSpPr>
@@ -547,7 +511,6 @@
         <p:spPr/>
         <p:txBody>
           <a:bodyPr/>
-          <a:lstStyle/>
           <a:p>
             <a:fld id="{F7F439ED-1E90-4106-847A-8EF19031FE2F}" type="slidenum">
               <a:rPr lang="en-IN" smtClean="0"/>
@@ -558,11 +521,6 @@
         </p:txBody>
       </p:sp>
     </p:spTree>
-    <p:extLst>
-      <p:ext uri="{BB962C8B-B14F-4D97-AF65-F5344CB8AC3E}">
-        <p14:creationId xmlns:p14="http://schemas.microsoft.com/office/powerpoint/2010/main" val="404353501"/>
-      </p:ext>
-    </p:extLst>
   </p:cSld>
   <p:clrMapOvr>
     <a:masterClrMapping/>
@@ -571,11 +529,11 @@
 </file>
 
 <file path=ppt/slideLayouts/slideLayout1.xml><?xml version="1.0" encoding="utf-8"?>
-<p:sldLayout xmlns:a="http://schemas.openxmlformats.org/drawingml/2006/main" xmlns:r="http://schemas.openxmlformats.org/officeDocument/2006/relationships" xmlns:p="http://schemas.openxmlformats.org/presentationml/2006/main" type="obj" preserve="1">
+<p:sldLayout xmlns:a="http://schemas.openxmlformats.org/drawingml/2006/main" xmlns:r="http://schemas.openxmlformats.org/officeDocument/2006/relationships" xmlns:p="http://schemas.openxmlformats.org/presentationml/2006/main" preserve="1" type="obj">
   <p:cSld name="Title Slide">
     <p:spTree>
       <p:nvGrpSpPr>
-        <p:cNvPr id="1" name=""/>
+        <p:cNvPr id="18" name=""/>
         <p:cNvGrpSpPr/>
         <p:nvPr/>
       </p:nvGrpSpPr>
@@ -589,7 +547,7 @@
       </p:grpSpPr>
       <p:sp>
         <p:nvSpPr>
-          <p:cNvPr id="2" name="Holder 2"/>
+          <p:cNvPr id="1048591" name="Holder 2"/>
           <p:cNvSpPr>
             <a:spLocks noGrp="1"/>
           </p:cNvSpPr>
@@ -602,17 +560,15 @@
             <a:off x="3195574" y="2067305"/>
             <a:ext cx="5800851" cy="518160"/>
           </a:xfrm>
-          <a:prstGeom prst="rect">
-            <a:avLst/>
-          </a:prstGeom>
-        </p:spPr>
-        <p:txBody>
-          <a:bodyPr wrap="square" lIns="0" tIns="0" rIns="0" bIns="0">
+          <a:prstGeom prst="rect"/>
+        </p:spPr>
+        <p:txBody>
+          <a:bodyPr bIns="0" lIns="0" rIns="0" tIns="0" wrap="square">
             <a:spAutoFit/>
           </a:bodyPr>
           <a:lstStyle>
             <a:lvl1pPr>
-              <a:defRPr sz="3200" b="0" i="0">
+              <a:defRPr b="0" sz="3200" i="0">
                 <a:solidFill>
                   <a:schemeClr val="tx1"/>
                 </a:solidFill>
@@ -621,14 +577,12 @@
               </a:defRPr>
             </a:lvl1pPr>
           </a:lstStyle>
-          <a:p>
-            <a:endParaRPr/>
-          </a:p>
-        </p:txBody>
-      </p:sp>
-      <p:sp>
-        <p:nvSpPr>
-          <p:cNvPr id="3" name="Holder 3"/>
+          <a:p/>
+        </p:txBody>
+      </p:sp>
+      <p:sp>
+        <p:nvSpPr>
+          <p:cNvPr id="1048592" name="Holder 3"/>
           <p:cNvSpPr>
             <a:spLocks noGrp="1"/>
           </p:cNvSpPr>
@@ -641,27 +595,18 @@
             <a:off x="1828800" y="3840480"/>
             <a:ext cx="8534400" cy="1714500"/>
           </a:xfrm>
-          <a:prstGeom prst="rect">
-            <a:avLst/>
-          </a:prstGeom>
-        </p:spPr>
-        <p:txBody>
-          <a:bodyPr wrap="square" lIns="0" tIns="0" rIns="0" bIns="0">
+          <a:prstGeom prst="rect"/>
+        </p:spPr>
+        <p:txBody>
+          <a:bodyPr bIns="0" lIns="0" rIns="0" tIns="0" wrap="square">
             <a:spAutoFit/>
           </a:bodyPr>
-          <a:lstStyle>
-            <a:lvl1pPr>
-              <a:defRPr/>
-            </a:lvl1pPr>
-          </a:lstStyle>
-          <a:p>
-            <a:endParaRPr/>
-          </a:p>
-        </p:txBody>
-      </p:sp>
-      <p:sp>
-        <p:nvSpPr>
-          <p:cNvPr id="4" name="Holder 4"/>
+          <a:p/>
+        </p:txBody>
+      </p:sp>
+      <p:sp>
+        <p:nvSpPr>
+          <p:cNvPr id="1048593" name="Holder 4"/>
           <p:cNvSpPr>
             <a:spLocks noGrp="1"/>
           </p:cNvSpPr>
@@ -671,7 +616,7 @@
         </p:nvSpPr>
         <p:spPr/>
         <p:txBody>
-          <a:bodyPr lIns="0" tIns="0" rIns="0" bIns="0"/>
+          <a:bodyPr bIns="0" lIns="0" rIns="0" tIns="0"/>
           <a:lstStyle>
             <a:lvl1pPr algn="ctr">
               <a:defRPr>
@@ -683,14 +628,12 @@
               </a:defRPr>
             </a:lvl1pPr>
           </a:lstStyle>
-          <a:p>
-            <a:endParaRPr/>
-          </a:p>
-        </p:txBody>
-      </p:sp>
-      <p:sp>
-        <p:nvSpPr>
-          <p:cNvPr id="5" name="Holder 5"/>
+          <a:p/>
+        </p:txBody>
+      </p:sp>
+      <p:sp>
+        <p:nvSpPr>
+          <p:cNvPr id="1048594" name="Holder 5"/>
           <p:cNvSpPr>
             <a:spLocks noGrp="1"/>
           </p:cNvSpPr>
@@ -700,7 +643,7 @@
         </p:nvSpPr>
         <p:spPr/>
         <p:txBody>
-          <a:bodyPr lIns="0" tIns="0" rIns="0" bIns="0"/>
+          <a:bodyPr bIns="0" lIns="0" rIns="0" tIns="0"/>
           <a:lstStyle>
             <a:lvl1pPr algn="l">
               <a:defRPr>
@@ -723,7 +666,7 @@
       </p:sp>
       <p:sp>
         <p:nvSpPr>
-          <p:cNvPr id="6" name="Holder 6"/>
+          <p:cNvPr id="1048595" name="Holder 6"/>
           <p:cNvSpPr>
             <a:spLocks noGrp="1"/>
           </p:cNvSpPr>
@@ -733,10 +676,10 @@
         </p:nvSpPr>
         <p:spPr/>
         <p:txBody>
-          <a:bodyPr lIns="0" tIns="0" rIns="0" bIns="0"/>
+          <a:bodyPr bIns="0" lIns="0" rIns="0" tIns="0"/>
           <a:lstStyle>
             <a:lvl1pPr>
-              <a:defRPr sz="1100" b="0" i="0">
+              <a:defRPr b="0" sz="1100" i="0">
                 <a:solidFill>
                   <a:srgbClr val="2D936B"/>
                 </a:solidFill>
@@ -755,10 +698,10 @@
               </a:spcBef>
             </a:pPr>
             <a:fld id="{81D60167-4931-47E6-BA6A-407CBD079E47}" type="slidenum">
-              <a:rPr spc="10" dirty="0"/>
+              <a:rPr dirty="0" spc="10"/>
               <a:t>‹#›</a:t>
             </a:fld>
-            <a:endParaRPr spc="10" dirty="0"/>
+            <a:endParaRPr dirty="0" spc="10"/>
           </a:p>
         </p:txBody>
       </p:sp>
@@ -771,11 +714,11 @@
 </file>
 
 <file path=ppt/slideLayouts/slideLayout2.xml><?xml version="1.0" encoding="utf-8"?>
-<p:sldLayout xmlns:a="http://schemas.openxmlformats.org/drawingml/2006/main" xmlns:r="http://schemas.openxmlformats.org/officeDocument/2006/relationships" xmlns:p="http://schemas.openxmlformats.org/presentationml/2006/main" type="obj" preserve="1">
+<p:sldLayout xmlns:a="http://schemas.openxmlformats.org/drawingml/2006/main" xmlns:r="http://schemas.openxmlformats.org/officeDocument/2006/relationships" xmlns:p="http://schemas.openxmlformats.org/presentationml/2006/main" preserve="1" type="obj">
   <p:cSld name="Title and Content">
     <p:spTree>
       <p:nvGrpSpPr>
-        <p:cNvPr id="1" name=""/>
+        <p:cNvPr id="41" name=""/>
         <p:cNvGrpSpPr/>
         <p:nvPr/>
       </p:nvGrpSpPr>
@@ -789,7 +732,7 @@
       </p:grpSpPr>
       <p:sp>
         <p:nvSpPr>
-          <p:cNvPr id="2" name="Holder 2"/>
+          <p:cNvPr id="1048686" name="Holder 2"/>
           <p:cNvSpPr>
             <a:spLocks noGrp="1"/>
           </p:cNvSpPr>
@@ -799,10 +742,10 @@
         </p:nvSpPr>
         <p:spPr/>
         <p:txBody>
-          <a:bodyPr lIns="0" tIns="0" rIns="0" bIns="0"/>
+          <a:bodyPr bIns="0" lIns="0" rIns="0" tIns="0"/>
           <a:lstStyle>
             <a:lvl1pPr>
-              <a:defRPr sz="4800" b="1" i="0">
+              <a:defRPr b="1" sz="4800" i="0">
                 <a:solidFill>
                   <a:schemeClr val="tx1"/>
                 </a:solidFill>
@@ -811,14 +754,12 @@
               </a:defRPr>
             </a:lvl1pPr>
           </a:lstStyle>
-          <a:p>
-            <a:endParaRPr/>
-          </a:p>
-        </p:txBody>
-      </p:sp>
-      <p:sp>
-        <p:nvSpPr>
-          <p:cNvPr id="3" name="Holder 3"/>
+          <a:p/>
+        </p:txBody>
+      </p:sp>
+      <p:sp>
+        <p:nvSpPr>
+          <p:cNvPr id="1048687" name="Holder 3"/>
           <p:cNvSpPr>
             <a:spLocks noGrp="1"/>
           </p:cNvSpPr>
@@ -828,20 +769,13 @@
         </p:nvSpPr>
         <p:spPr/>
         <p:txBody>
-          <a:bodyPr lIns="0" tIns="0" rIns="0" bIns="0"/>
-          <a:lstStyle>
-            <a:lvl1pPr>
-              <a:defRPr/>
-            </a:lvl1pPr>
-          </a:lstStyle>
-          <a:p>
-            <a:endParaRPr/>
-          </a:p>
-        </p:txBody>
-      </p:sp>
-      <p:sp>
-        <p:nvSpPr>
-          <p:cNvPr id="4" name="Holder 4"/>
+          <a:bodyPr bIns="0" lIns="0" rIns="0" tIns="0"/>
+          <a:p/>
+        </p:txBody>
+      </p:sp>
+      <p:sp>
+        <p:nvSpPr>
+          <p:cNvPr id="1048688" name="Holder 4"/>
           <p:cNvSpPr>
             <a:spLocks noGrp="1"/>
           </p:cNvSpPr>
@@ -851,7 +785,7 @@
         </p:nvSpPr>
         <p:spPr/>
         <p:txBody>
-          <a:bodyPr lIns="0" tIns="0" rIns="0" bIns="0"/>
+          <a:bodyPr bIns="0" lIns="0" rIns="0" tIns="0"/>
           <a:lstStyle>
             <a:lvl1pPr algn="ctr">
               <a:defRPr>
@@ -863,14 +797,12 @@
               </a:defRPr>
             </a:lvl1pPr>
           </a:lstStyle>
-          <a:p>
-            <a:endParaRPr/>
-          </a:p>
-        </p:txBody>
-      </p:sp>
-      <p:sp>
-        <p:nvSpPr>
-          <p:cNvPr id="5" name="Holder 5"/>
+          <a:p/>
+        </p:txBody>
+      </p:sp>
+      <p:sp>
+        <p:nvSpPr>
+          <p:cNvPr id="1048689" name="Holder 5"/>
           <p:cNvSpPr>
             <a:spLocks noGrp="1"/>
           </p:cNvSpPr>
@@ -880,7 +812,7 @@
         </p:nvSpPr>
         <p:spPr/>
         <p:txBody>
-          <a:bodyPr lIns="0" tIns="0" rIns="0" bIns="0"/>
+          <a:bodyPr bIns="0" lIns="0" rIns="0" tIns="0"/>
           <a:lstStyle>
             <a:lvl1pPr algn="l">
               <a:defRPr>
@@ -903,7 +835,7 @@
       </p:sp>
       <p:sp>
         <p:nvSpPr>
-          <p:cNvPr id="6" name="Holder 6"/>
+          <p:cNvPr id="1048690" name="Holder 6"/>
           <p:cNvSpPr>
             <a:spLocks noGrp="1"/>
           </p:cNvSpPr>
@@ -913,10 +845,10 @@
         </p:nvSpPr>
         <p:spPr/>
         <p:txBody>
-          <a:bodyPr lIns="0" tIns="0" rIns="0" bIns="0"/>
+          <a:bodyPr bIns="0" lIns="0" rIns="0" tIns="0"/>
           <a:lstStyle>
             <a:lvl1pPr>
-              <a:defRPr sz="1100" b="0" i="0">
+              <a:defRPr b="0" sz="1100" i="0">
                 <a:solidFill>
                   <a:srgbClr val="2D936B"/>
                 </a:solidFill>
@@ -935,10 +867,10 @@
               </a:spcBef>
             </a:pPr>
             <a:fld id="{81D60167-4931-47E6-BA6A-407CBD079E47}" type="slidenum">
-              <a:rPr spc="10" dirty="0"/>
+              <a:rPr dirty="0" spc="10"/>
               <a:t>‹#›</a:t>
             </a:fld>
-            <a:endParaRPr spc="10" dirty="0"/>
+            <a:endParaRPr dirty="0" spc="10"/>
           </a:p>
         </p:txBody>
       </p:sp>
@@ -951,11 +883,11 @@
 </file>
 
 <file path=ppt/slideLayouts/slideLayout3.xml><?xml version="1.0" encoding="utf-8"?>
-<p:sldLayout xmlns:a="http://schemas.openxmlformats.org/drawingml/2006/main" xmlns:r="http://schemas.openxmlformats.org/officeDocument/2006/relationships" xmlns:p="http://schemas.openxmlformats.org/presentationml/2006/main" type="obj" preserve="1">
+<p:sldLayout xmlns:a="http://schemas.openxmlformats.org/drawingml/2006/main" xmlns:r="http://schemas.openxmlformats.org/officeDocument/2006/relationships" xmlns:p="http://schemas.openxmlformats.org/presentationml/2006/main" preserve="1" type="obj">
   <p:cSld name="Two Content">
     <p:spTree>
       <p:nvGrpSpPr>
-        <p:cNvPr id="1" name=""/>
+        <p:cNvPr id="42" name=""/>
         <p:cNvGrpSpPr/>
         <p:nvPr/>
       </p:nvGrpSpPr>
@@ -969,7 +901,7 @@
       </p:grpSpPr>
       <p:sp>
         <p:nvSpPr>
-          <p:cNvPr id="2" name="Holder 2"/>
+          <p:cNvPr id="1048691" name="Holder 2"/>
           <p:cNvSpPr>
             <a:spLocks noGrp="1"/>
           </p:cNvSpPr>
@@ -979,10 +911,10 @@
         </p:nvSpPr>
         <p:spPr/>
         <p:txBody>
-          <a:bodyPr lIns="0" tIns="0" rIns="0" bIns="0"/>
+          <a:bodyPr bIns="0" lIns="0" rIns="0" tIns="0"/>
           <a:lstStyle>
             <a:lvl1pPr>
-              <a:defRPr sz="4800" b="1" i="0">
+              <a:defRPr b="1" sz="4800" i="0">
                 <a:solidFill>
                   <a:schemeClr val="tx1"/>
                 </a:solidFill>
@@ -991,14 +923,12 @@
               </a:defRPr>
             </a:lvl1pPr>
           </a:lstStyle>
-          <a:p>
-            <a:endParaRPr/>
-          </a:p>
-        </p:txBody>
-      </p:sp>
-      <p:sp>
-        <p:nvSpPr>
-          <p:cNvPr id="3" name="Holder 3"/>
+          <a:p/>
+        </p:txBody>
+      </p:sp>
+      <p:sp>
+        <p:nvSpPr>
+          <p:cNvPr id="1048692" name="Holder 3"/>
           <p:cNvSpPr>
             <a:spLocks noGrp="1"/>
           </p:cNvSpPr>
@@ -1011,27 +941,18 @@
             <a:off x="609600" y="1577340"/>
             <a:ext cx="5303520" cy="4526280"/>
           </a:xfrm>
-          <a:prstGeom prst="rect">
-            <a:avLst/>
-          </a:prstGeom>
-        </p:spPr>
-        <p:txBody>
-          <a:bodyPr wrap="square" lIns="0" tIns="0" rIns="0" bIns="0">
+          <a:prstGeom prst="rect"/>
+        </p:spPr>
+        <p:txBody>
+          <a:bodyPr bIns="0" lIns="0" rIns="0" tIns="0" wrap="square">
             <a:spAutoFit/>
           </a:bodyPr>
-          <a:lstStyle>
-            <a:lvl1pPr>
-              <a:defRPr/>
-            </a:lvl1pPr>
-          </a:lstStyle>
-          <a:p>
-            <a:endParaRPr/>
-          </a:p>
-        </p:txBody>
-      </p:sp>
-      <p:sp>
-        <p:nvSpPr>
-          <p:cNvPr id="4" name="Holder 4"/>
+          <a:p/>
+        </p:txBody>
+      </p:sp>
+      <p:sp>
+        <p:nvSpPr>
+          <p:cNvPr id="1048693" name="Holder 4"/>
           <p:cNvSpPr>
             <a:spLocks noGrp="1"/>
           </p:cNvSpPr>
@@ -1044,27 +965,18 @@
             <a:off x="6278880" y="1577340"/>
             <a:ext cx="5303520" cy="4526280"/>
           </a:xfrm>
-          <a:prstGeom prst="rect">
-            <a:avLst/>
-          </a:prstGeom>
-        </p:spPr>
-        <p:txBody>
-          <a:bodyPr wrap="square" lIns="0" tIns="0" rIns="0" bIns="0">
+          <a:prstGeom prst="rect"/>
+        </p:spPr>
+        <p:txBody>
+          <a:bodyPr bIns="0" lIns="0" rIns="0" tIns="0" wrap="square">
             <a:spAutoFit/>
           </a:bodyPr>
-          <a:lstStyle>
-            <a:lvl1pPr>
-              <a:defRPr/>
-            </a:lvl1pPr>
-          </a:lstStyle>
-          <a:p>
-            <a:endParaRPr/>
-          </a:p>
-        </p:txBody>
-      </p:sp>
-      <p:sp>
-        <p:nvSpPr>
-          <p:cNvPr id="5" name="Holder 5"/>
+          <a:p/>
+        </p:txBody>
+      </p:sp>
+      <p:sp>
+        <p:nvSpPr>
+          <p:cNvPr id="1048694" name="Holder 5"/>
           <p:cNvSpPr>
             <a:spLocks noGrp="1"/>
           </p:cNvSpPr>
@@ -1074,7 +986,7 @@
         </p:nvSpPr>
         <p:spPr/>
         <p:txBody>
-          <a:bodyPr lIns="0" tIns="0" rIns="0" bIns="0"/>
+          <a:bodyPr bIns="0" lIns="0" rIns="0" tIns="0"/>
           <a:lstStyle>
             <a:lvl1pPr algn="ctr">
               <a:defRPr>
@@ -1086,14 +998,12 @@
               </a:defRPr>
             </a:lvl1pPr>
           </a:lstStyle>
-          <a:p>
-            <a:endParaRPr/>
-          </a:p>
-        </p:txBody>
-      </p:sp>
-      <p:sp>
-        <p:nvSpPr>
-          <p:cNvPr id="6" name="Holder 6"/>
+          <a:p/>
+        </p:txBody>
+      </p:sp>
+      <p:sp>
+        <p:nvSpPr>
+          <p:cNvPr id="1048695" name="Holder 6"/>
           <p:cNvSpPr>
             <a:spLocks noGrp="1"/>
           </p:cNvSpPr>
@@ -1103,7 +1013,7 @@
         </p:nvSpPr>
         <p:spPr/>
         <p:txBody>
-          <a:bodyPr lIns="0" tIns="0" rIns="0" bIns="0"/>
+          <a:bodyPr bIns="0" lIns="0" rIns="0" tIns="0"/>
           <a:lstStyle>
             <a:lvl1pPr algn="l">
               <a:defRPr>
@@ -1126,7 +1036,7 @@
       </p:sp>
       <p:sp>
         <p:nvSpPr>
-          <p:cNvPr id="7" name="Holder 7"/>
+          <p:cNvPr id="1048696" name="Holder 7"/>
           <p:cNvSpPr>
             <a:spLocks noGrp="1"/>
           </p:cNvSpPr>
@@ -1136,10 +1046,10 @@
         </p:nvSpPr>
         <p:spPr/>
         <p:txBody>
-          <a:bodyPr lIns="0" tIns="0" rIns="0" bIns="0"/>
+          <a:bodyPr bIns="0" lIns="0" rIns="0" tIns="0"/>
           <a:lstStyle>
             <a:lvl1pPr>
-              <a:defRPr sz="1100" b="0" i="0">
+              <a:defRPr b="0" sz="1100" i="0">
                 <a:solidFill>
                   <a:srgbClr val="2D936B"/>
                 </a:solidFill>
@@ -1158,10 +1068,10 @@
               </a:spcBef>
             </a:pPr>
             <a:fld id="{81D60167-4931-47E6-BA6A-407CBD079E47}" type="slidenum">
-              <a:rPr spc="10" dirty="0"/>
+              <a:rPr dirty="0" spc="10"/>
               <a:t>‹#›</a:t>
             </a:fld>
-            <a:endParaRPr spc="10" dirty="0"/>
+            <a:endParaRPr dirty="0" spc="10"/>
           </a:p>
         </p:txBody>
       </p:sp>
@@ -1174,11 +1084,11 @@
 </file>
 
 <file path=ppt/slideLayouts/slideLayout4.xml><?xml version="1.0" encoding="utf-8"?>
-<p:sldLayout xmlns:a="http://schemas.openxmlformats.org/drawingml/2006/main" xmlns:r="http://schemas.openxmlformats.org/officeDocument/2006/relationships" xmlns:p="http://schemas.openxmlformats.org/presentationml/2006/main" type="obj" preserve="1">
+<p:sldLayout xmlns:a="http://schemas.openxmlformats.org/drawingml/2006/main" xmlns:r="http://schemas.openxmlformats.org/officeDocument/2006/relationships" xmlns:p="http://schemas.openxmlformats.org/presentationml/2006/main" preserve="1" type="obj">
   <p:cSld name="Title Only">
     <p:spTree>
       <p:nvGrpSpPr>
-        <p:cNvPr id="1" name=""/>
+        <p:cNvPr id="24" name=""/>
         <p:cNvGrpSpPr/>
         <p:nvPr/>
       </p:nvGrpSpPr>
@@ -1192,7 +1102,7 @@
       </p:grpSpPr>
       <p:sp>
         <p:nvSpPr>
-          <p:cNvPr id="2" name="Holder 2"/>
+          <p:cNvPr id="1048606" name="Holder 2"/>
           <p:cNvSpPr>
             <a:spLocks noGrp="1"/>
           </p:cNvSpPr>
@@ -1202,10 +1112,10 @@
         </p:nvSpPr>
         <p:spPr/>
         <p:txBody>
-          <a:bodyPr lIns="0" tIns="0" rIns="0" bIns="0"/>
+          <a:bodyPr bIns="0" lIns="0" rIns="0" tIns="0"/>
           <a:lstStyle>
             <a:lvl1pPr>
-              <a:defRPr sz="4800" b="1" i="0">
+              <a:defRPr b="1" sz="4800" i="0">
                 <a:solidFill>
                   <a:schemeClr val="tx1"/>
                 </a:solidFill>
@@ -1214,14 +1124,12 @@
               </a:defRPr>
             </a:lvl1pPr>
           </a:lstStyle>
-          <a:p>
-            <a:endParaRPr/>
-          </a:p>
-        </p:txBody>
-      </p:sp>
-      <p:sp>
-        <p:nvSpPr>
-          <p:cNvPr id="3" name="Holder 3"/>
+          <a:p/>
+        </p:txBody>
+      </p:sp>
+      <p:sp>
+        <p:nvSpPr>
+          <p:cNvPr id="1048607" name="Holder 3"/>
           <p:cNvSpPr>
             <a:spLocks noGrp="1"/>
           </p:cNvSpPr>
@@ -1231,7 +1139,7 @@
         </p:nvSpPr>
         <p:spPr/>
         <p:txBody>
-          <a:bodyPr lIns="0" tIns="0" rIns="0" bIns="0"/>
+          <a:bodyPr bIns="0" lIns="0" rIns="0" tIns="0"/>
           <a:lstStyle>
             <a:lvl1pPr algn="ctr">
               <a:defRPr>
@@ -1243,14 +1151,12 @@
               </a:defRPr>
             </a:lvl1pPr>
           </a:lstStyle>
-          <a:p>
-            <a:endParaRPr/>
-          </a:p>
-        </p:txBody>
-      </p:sp>
-      <p:sp>
-        <p:nvSpPr>
-          <p:cNvPr id="4" name="Holder 4"/>
+          <a:p/>
+        </p:txBody>
+      </p:sp>
+      <p:sp>
+        <p:nvSpPr>
+          <p:cNvPr id="1048608" name="Holder 4"/>
           <p:cNvSpPr>
             <a:spLocks noGrp="1"/>
           </p:cNvSpPr>
@@ -1260,7 +1166,7 @@
         </p:nvSpPr>
         <p:spPr/>
         <p:txBody>
-          <a:bodyPr lIns="0" tIns="0" rIns="0" bIns="0"/>
+          <a:bodyPr bIns="0" lIns="0" rIns="0" tIns="0"/>
           <a:lstStyle>
             <a:lvl1pPr algn="l">
               <a:defRPr>
@@ -1283,7 +1189,7 @@
       </p:sp>
       <p:sp>
         <p:nvSpPr>
-          <p:cNvPr id="5" name="Holder 5"/>
+          <p:cNvPr id="1048609" name="Holder 5"/>
           <p:cNvSpPr>
             <a:spLocks noGrp="1"/>
           </p:cNvSpPr>
@@ -1293,10 +1199,10 @@
         </p:nvSpPr>
         <p:spPr/>
         <p:txBody>
-          <a:bodyPr lIns="0" tIns="0" rIns="0" bIns="0"/>
+          <a:bodyPr bIns="0" lIns="0" rIns="0" tIns="0"/>
           <a:lstStyle>
             <a:lvl1pPr>
-              <a:defRPr sz="1100" b="0" i="0">
+              <a:defRPr b="0" sz="1100" i="0">
                 <a:solidFill>
                   <a:srgbClr val="2D936B"/>
                 </a:solidFill>
@@ -1315,10 +1221,10 @@
               </a:spcBef>
             </a:pPr>
             <a:fld id="{81D60167-4931-47E6-BA6A-407CBD079E47}" type="slidenum">
-              <a:rPr spc="10" dirty="0"/>
+              <a:rPr dirty="0" spc="10"/>
               <a:t>‹#›</a:t>
             </a:fld>
-            <a:endParaRPr spc="10" dirty="0"/>
+            <a:endParaRPr dirty="0" spc="10"/>
           </a:p>
         </p:txBody>
       </p:sp>
@@ -1331,11 +1237,11 @@
 </file>
 
 <file path=ppt/slideLayouts/slideLayout5.xml><?xml version="1.0" encoding="utf-8"?>
-<p:sldLayout xmlns:a="http://schemas.openxmlformats.org/drawingml/2006/main" xmlns:r="http://schemas.openxmlformats.org/officeDocument/2006/relationships" xmlns:p="http://schemas.openxmlformats.org/presentationml/2006/main" type="obj" preserve="1">
+<p:sldLayout xmlns:a="http://schemas.openxmlformats.org/drawingml/2006/main" xmlns:r="http://schemas.openxmlformats.org/officeDocument/2006/relationships" xmlns:p="http://schemas.openxmlformats.org/presentationml/2006/main" preserve="1" type="obj">
   <p:cSld name="Blank">
     <p:spTree>
       <p:nvGrpSpPr>
-        <p:cNvPr id="1" name=""/>
+        <p:cNvPr id="43" name=""/>
         <p:cNvGrpSpPr/>
         <p:nvPr/>
       </p:nvGrpSpPr>
@@ -1349,7 +1255,7 @@
       </p:grpSpPr>
       <p:sp>
         <p:nvSpPr>
-          <p:cNvPr id="2" name="Holder 2"/>
+          <p:cNvPr id="1048697" name="Holder 2"/>
           <p:cNvSpPr>
             <a:spLocks noGrp="1"/>
           </p:cNvSpPr>
@@ -1359,7 +1265,7 @@
         </p:nvSpPr>
         <p:spPr/>
         <p:txBody>
-          <a:bodyPr lIns="0" tIns="0" rIns="0" bIns="0"/>
+          <a:bodyPr bIns="0" lIns="0" rIns="0" tIns="0"/>
           <a:lstStyle>
             <a:lvl1pPr algn="ctr">
               <a:defRPr>
@@ -1371,14 +1277,12 @@
               </a:defRPr>
             </a:lvl1pPr>
           </a:lstStyle>
-          <a:p>
-            <a:endParaRPr/>
-          </a:p>
-        </p:txBody>
-      </p:sp>
-      <p:sp>
-        <p:nvSpPr>
-          <p:cNvPr id="3" name="Holder 3"/>
+          <a:p/>
+        </p:txBody>
+      </p:sp>
+      <p:sp>
+        <p:nvSpPr>
+          <p:cNvPr id="1048698" name="Holder 3"/>
           <p:cNvSpPr>
             <a:spLocks noGrp="1"/>
           </p:cNvSpPr>
@@ -1388,7 +1292,7 @@
         </p:nvSpPr>
         <p:spPr/>
         <p:txBody>
-          <a:bodyPr lIns="0" tIns="0" rIns="0" bIns="0"/>
+          <a:bodyPr bIns="0" lIns="0" rIns="0" tIns="0"/>
           <a:lstStyle>
             <a:lvl1pPr algn="l">
               <a:defRPr>
@@ -1411,7 +1315,7 @@
       </p:sp>
       <p:sp>
         <p:nvSpPr>
-          <p:cNvPr id="4" name="Holder 4"/>
+          <p:cNvPr id="1048699" name="Holder 4"/>
           <p:cNvSpPr>
             <a:spLocks noGrp="1"/>
           </p:cNvSpPr>
@@ -1421,10 +1325,10 @@
         </p:nvSpPr>
         <p:spPr/>
         <p:txBody>
-          <a:bodyPr lIns="0" tIns="0" rIns="0" bIns="0"/>
+          <a:bodyPr bIns="0" lIns="0" rIns="0" tIns="0"/>
           <a:lstStyle>
             <a:lvl1pPr>
-              <a:defRPr sz="1100" b="0" i="0">
+              <a:defRPr b="0" sz="1100" i="0">
                 <a:solidFill>
                   <a:srgbClr val="2D936B"/>
                 </a:solidFill>
@@ -1443,10 +1347,10 @@
               </a:spcBef>
             </a:pPr>
             <a:fld id="{81D60167-4931-47E6-BA6A-407CBD079E47}" type="slidenum">
-              <a:rPr spc="10" dirty="0"/>
+              <a:rPr dirty="0" spc="10"/>
               <a:t>‹#›</a:t>
             </a:fld>
-            <a:endParaRPr spc="10" dirty="0"/>
+            <a:endParaRPr dirty="0" spc="10"/>
           </a:p>
         </p:txBody>
       </p:sp>
@@ -1471,7 +1375,7 @@
     </p:bg>
     <p:spTree>
       <p:nvGrpSpPr>
-        <p:cNvPr id="1" name=""/>
+        <p:cNvPr id="12" name=""/>
         <p:cNvGrpSpPr/>
         <p:nvPr/>
       </p:nvGrpSpPr>
@@ -1485,7 +1389,7 @@
       </p:grpSpPr>
       <p:sp>
         <p:nvSpPr>
-          <p:cNvPr id="16" name="bg object 16"/>
+          <p:cNvPr id="1048576" name="bg object 16"/>
           <p:cNvSpPr/>
           <p:nvPr/>
         </p:nvSpPr>
@@ -1496,9 +1400,7 @@
           </a:xfrm>
           <a:custGeom>
             <a:avLst/>
-            <a:gdLst/>
             <a:ahLst/>
-            <a:cxnLst/>
             <a:rect l="l" t="t" r="r" b="b"/>
             <a:pathLst>
               <a:path w="1218565" h="6853555">
@@ -1518,16 +1420,13 @@
           </a:ln>
         </p:spPr>
         <p:txBody>
-          <a:bodyPr wrap="square" lIns="0" tIns="0" rIns="0" bIns="0" rtlCol="0"/>
-          <a:lstStyle/>
-          <a:p>
-            <a:endParaRPr/>
-          </a:p>
-        </p:txBody>
-      </p:sp>
-      <p:sp>
-        <p:nvSpPr>
-          <p:cNvPr id="17" name="bg object 17"/>
+          <a:bodyPr bIns="0" lIns="0" rIns="0" rtlCol="0" tIns="0" wrap="square"/>
+          <a:p/>
+        </p:txBody>
+      </p:sp>
+      <p:sp>
+        <p:nvSpPr>
+          <p:cNvPr id="1048577" name="bg object 17"/>
           <p:cNvSpPr/>
           <p:nvPr/>
         </p:nvSpPr>
@@ -1538,9 +1437,7 @@
           </a:xfrm>
           <a:custGeom>
             <a:avLst/>
-            <a:gdLst/>
             <a:ahLst/>
-            <a:cxnLst/>
             <a:rect l="l" t="t" r="r" b="b"/>
             <a:pathLst>
               <a:path w="4743450" h="3163570">
@@ -1560,16 +1457,13 @@
           </a:ln>
         </p:spPr>
         <p:txBody>
-          <a:bodyPr wrap="square" lIns="0" tIns="0" rIns="0" bIns="0" rtlCol="0"/>
-          <a:lstStyle/>
-          <a:p>
-            <a:endParaRPr/>
-          </a:p>
-        </p:txBody>
-      </p:sp>
-      <p:sp>
-        <p:nvSpPr>
-          <p:cNvPr id="18" name="bg object 18"/>
+          <a:bodyPr bIns="0" lIns="0" rIns="0" rtlCol="0" tIns="0" wrap="square"/>
+          <a:p/>
+        </p:txBody>
+      </p:sp>
+      <p:sp>
+        <p:nvSpPr>
+          <p:cNvPr id="1048578" name="bg object 18"/>
           <p:cNvSpPr/>
           <p:nvPr/>
         </p:nvSpPr>
@@ -1580,9 +1474,7 @@
           </a:xfrm>
           <a:custGeom>
             <a:avLst/>
-            <a:gdLst/>
             <a:ahLst/>
-            <a:cxnLst/>
             <a:rect l="l" t="t" r="r" b="b"/>
             <a:pathLst>
               <a:path w="3009900" h="6858000">
@@ -1612,16 +1504,13 @@
           </a:solidFill>
         </p:spPr>
         <p:txBody>
-          <a:bodyPr wrap="square" lIns="0" tIns="0" rIns="0" bIns="0" rtlCol="0"/>
-          <a:lstStyle/>
-          <a:p>
-            <a:endParaRPr/>
-          </a:p>
-        </p:txBody>
-      </p:sp>
-      <p:sp>
-        <p:nvSpPr>
-          <p:cNvPr id="19" name="bg object 19"/>
+          <a:bodyPr bIns="0" lIns="0" rIns="0" rtlCol="0" tIns="0" wrap="square"/>
+          <a:p/>
+        </p:txBody>
+      </p:sp>
+      <p:sp>
+        <p:nvSpPr>
+          <p:cNvPr id="1048579" name="bg object 19"/>
           <p:cNvSpPr/>
           <p:nvPr/>
         </p:nvSpPr>
@@ -1632,9 +1521,7 @@
           </a:xfrm>
           <a:custGeom>
             <a:avLst/>
-            <a:gdLst/>
             <a:ahLst/>
-            <a:cxnLst/>
             <a:rect l="l" t="t" r="r" b="b"/>
             <a:pathLst>
               <a:path w="2589529" h="6858000">
@@ -1664,16 +1551,13 @@
           </a:solidFill>
         </p:spPr>
         <p:txBody>
-          <a:bodyPr wrap="square" lIns="0" tIns="0" rIns="0" bIns="0" rtlCol="0"/>
-          <a:lstStyle/>
-          <a:p>
-            <a:endParaRPr/>
-          </a:p>
-        </p:txBody>
-      </p:sp>
-      <p:sp>
-        <p:nvSpPr>
-          <p:cNvPr id="20" name="bg object 20"/>
+          <a:bodyPr bIns="0" lIns="0" rIns="0" rtlCol="0" tIns="0" wrap="square"/>
+          <a:p/>
+        </p:txBody>
+      </p:sp>
+      <p:sp>
+        <p:nvSpPr>
+          <p:cNvPr id="1048580" name="bg object 20"/>
           <p:cNvSpPr/>
           <p:nvPr/>
         </p:nvSpPr>
@@ -1684,9 +1568,7 @@
           </a:xfrm>
           <a:custGeom>
             <a:avLst/>
-            <a:gdLst/>
             <a:ahLst/>
-            <a:cxnLst/>
             <a:rect l="l" t="t" r="r" b="b"/>
             <a:pathLst>
               <a:path w="3257550" h="3810000">
@@ -1713,16 +1595,13 @@
           </a:solidFill>
         </p:spPr>
         <p:txBody>
-          <a:bodyPr wrap="square" lIns="0" tIns="0" rIns="0" bIns="0" rtlCol="0"/>
-          <a:lstStyle/>
-          <a:p>
-            <a:endParaRPr/>
-          </a:p>
-        </p:txBody>
-      </p:sp>
-      <p:sp>
-        <p:nvSpPr>
-          <p:cNvPr id="21" name="bg object 21"/>
+          <a:bodyPr bIns="0" lIns="0" rIns="0" rtlCol="0" tIns="0" wrap="square"/>
+          <a:p/>
+        </p:txBody>
+      </p:sp>
+      <p:sp>
+        <p:nvSpPr>
+          <p:cNvPr id="1048581" name="bg object 21"/>
           <p:cNvSpPr/>
           <p:nvPr/>
         </p:nvSpPr>
@@ -1733,9 +1612,7 @@
           </a:xfrm>
           <a:custGeom>
             <a:avLst/>
-            <a:gdLst/>
             <a:ahLst/>
-            <a:cxnLst/>
             <a:rect l="l" t="t" r="r" b="b"/>
             <a:pathLst>
               <a:path w="2854325" h="6858000">
@@ -1765,16 +1642,13 @@
           </a:solidFill>
         </p:spPr>
         <p:txBody>
-          <a:bodyPr wrap="square" lIns="0" tIns="0" rIns="0" bIns="0" rtlCol="0"/>
-          <a:lstStyle/>
-          <a:p>
-            <a:endParaRPr/>
-          </a:p>
-        </p:txBody>
-      </p:sp>
-      <p:sp>
-        <p:nvSpPr>
-          <p:cNvPr id="22" name="bg object 22"/>
+          <a:bodyPr bIns="0" lIns="0" rIns="0" rtlCol="0" tIns="0" wrap="square"/>
+          <a:p/>
+        </p:txBody>
+      </p:sp>
+      <p:sp>
+        <p:nvSpPr>
+          <p:cNvPr id="1048582" name="bg object 22"/>
           <p:cNvSpPr/>
           <p:nvPr/>
         </p:nvSpPr>
@@ -1785,9 +1659,7 @@
           </a:xfrm>
           <a:custGeom>
             <a:avLst/>
-            <a:gdLst/>
             <a:ahLst/>
-            <a:cxnLst/>
             <a:rect l="l" t="t" r="r" b="b"/>
             <a:pathLst>
               <a:path w="1295400" h="6858000">
@@ -1817,16 +1689,13 @@
           </a:solidFill>
         </p:spPr>
         <p:txBody>
-          <a:bodyPr wrap="square" lIns="0" tIns="0" rIns="0" bIns="0" rtlCol="0"/>
-          <a:lstStyle/>
-          <a:p>
-            <a:endParaRPr/>
-          </a:p>
-        </p:txBody>
-      </p:sp>
-      <p:sp>
-        <p:nvSpPr>
-          <p:cNvPr id="23" name="bg object 23"/>
+          <a:bodyPr bIns="0" lIns="0" rIns="0" rtlCol="0" tIns="0" wrap="square"/>
+          <a:p/>
+        </p:txBody>
+      </p:sp>
+      <p:sp>
+        <p:nvSpPr>
+          <p:cNvPr id="1048583" name="bg object 23"/>
           <p:cNvSpPr/>
           <p:nvPr/>
         </p:nvSpPr>
@@ -1837,9 +1706,7 @@
           </a:xfrm>
           <a:custGeom>
             <a:avLst/>
-            <a:gdLst/>
             <a:ahLst/>
-            <a:cxnLst/>
             <a:rect l="l" t="t" r="r" b="b"/>
             <a:pathLst>
               <a:path w="1256029" h="6858000">
@@ -1869,16 +1736,13 @@
           </a:solidFill>
         </p:spPr>
         <p:txBody>
-          <a:bodyPr wrap="square" lIns="0" tIns="0" rIns="0" bIns="0" rtlCol="0"/>
-          <a:lstStyle/>
-          <a:p>
-            <a:endParaRPr/>
-          </a:p>
-        </p:txBody>
-      </p:sp>
-      <p:sp>
-        <p:nvSpPr>
-          <p:cNvPr id="24" name="bg object 24"/>
+          <a:bodyPr bIns="0" lIns="0" rIns="0" rtlCol="0" tIns="0" wrap="square"/>
+          <a:p/>
+        </p:txBody>
+      </p:sp>
+      <p:sp>
+        <p:nvSpPr>
+          <p:cNvPr id="1048584" name="bg object 24"/>
           <p:cNvSpPr/>
           <p:nvPr/>
         </p:nvSpPr>
@@ -1889,9 +1753,7 @@
           </a:xfrm>
           <a:custGeom>
             <a:avLst/>
-            <a:gdLst/>
             <a:ahLst/>
-            <a:cxnLst/>
             <a:rect l="l" t="t" r="r" b="b"/>
             <a:pathLst>
               <a:path w="1819275" h="3267075">
@@ -1918,16 +1780,13 @@
           </a:solidFill>
         </p:spPr>
         <p:txBody>
-          <a:bodyPr wrap="square" lIns="0" tIns="0" rIns="0" bIns="0" rtlCol="0"/>
-          <a:lstStyle/>
-          <a:p>
-            <a:endParaRPr/>
-          </a:p>
-        </p:txBody>
-      </p:sp>
-      <p:sp>
-        <p:nvSpPr>
-          <p:cNvPr id="25" name="bg object 25"/>
+          <a:bodyPr bIns="0" lIns="0" rIns="0" rtlCol="0" tIns="0" wrap="square"/>
+          <a:p/>
+        </p:txBody>
+      </p:sp>
+      <p:sp>
+        <p:nvSpPr>
+          <p:cNvPr id="1048585" name="bg object 25"/>
           <p:cNvSpPr/>
           <p:nvPr/>
         </p:nvSpPr>
@@ -1938,9 +1797,7 @@
           </a:xfrm>
           <a:custGeom>
             <a:avLst/>
-            <a:gdLst/>
             <a:ahLst/>
-            <a:cxnLst/>
             <a:rect l="l" t="t" r="r" b="b"/>
             <a:pathLst>
               <a:path w="447675" h="2847975">
@@ -1967,16 +1824,13 @@
           </a:solidFill>
         </p:spPr>
         <p:txBody>
-          <a:bodyPr wrap="square" lIns="0" tIns="0" rIns="0" bIns="0" rtlCol="0"/>
-          <a:lstStyle/>
-          <a:p>
-            <a:endParaRPr/>
-          </a:p>
-        </p:txBody>
-      </p:sp>
-      <p:sp>
-        <p:nvSpPr>
-          <p:cNvPr id="2" name="Holder 2"/>
+          <a:bodyPr bIns="0" lIns="0" rIns="0" rtlCol="0" tIns="0" wrap="square"/>
+          <a:p/>
+        </p:txBody>
+      </p:sp>
+      <p:sp>
+        <p:nvSpPr>
+          <p:cNvPr id="1048586" name="Holder 2"/>
           <p:cNvSpPr>
             <a:spLocks noGrp="1"/>
           </p:cNvSpPr>
@@ -1989,17 +1843,15 @@
             <a:off x="755332" y="385444"/>
             <a:ext cx="10681335" cy="758190"/>
           </a:xfrm>
-          <a:prstGeom prst="rect">
-            <a:avLst/>
-          </a:prstGeom>
-        </p:spPr>
-        <p:txBody>
-          <a:bodyPr wrap="square" lIns="0" tIns="0" rIns="0" bIns="0">
+          <a:prstGeom prst="rect"/>
+        </p:spPr>
+        <p:txBody>
+          <a:bodyPr bIns="0" lIns="0" rIns="0" tIns="0" wrap="square">
             <a:spAutoFit/>
           </a:bodyPr>
           <a:lstStyle>
             <a:lvl1pPr>
-              <a:defRPr sz="4800" b="1" i="0">
+              <a:defRPr b="1" sz="4800" i="0">
                 <a:solidFill>
                   <a:schemeClr val="tx1"/>
                 </a:solidFill>
@@ -2008,14 +1860,12 @@
               </a:defRPr>
             </a:lvl1pPr>
           </a:lstStyle>
-          <a:p>
-            <a:endParaRPr/>
-          </a:p>
-        </p:txBody>
-      </p:sp>
-      <p:sp>
-        <p:nvSpPr>
-          <p:cNvPr id="3" name="Holder 3"/>
+          <a:p/>
+        </p:txBody>
+      </p:sp>
+      <p:sp>
+        <p:nvSpPr>
+          <p:cNvPr id="1048587" name="Holder 3"/>
           <p:cNvSpPr>
             <a:spLocks noGrp="1"/>
           </p:cNvSpPr>
@@ -2028,27 +1878,18 @@
             <a:off x="609600" y="1577340"/>
             <a:ext cx="10972800" cy="4526280"/>
           </a:xfrm>
-          <a:prstGeom prst="rect">
-            <a:avLst/>
-          </a:prstGeom>
-        </p:spPr>
-        <p:txBody>
-          <a:bodyPr wrap="square" lIns="0" tIns="0" rIns="0" bIns="0">
+          <a:prstGeom prst="rect"/>
+        </p:spPr>
+        <p:txBody>
+          <a:bodyPr bIns="0" lIns="0" rIns="0" tIns="0" wrap="square">
             <a:spAutoFit/>
           </a:bodyPr>
-          <a:lstStyle>
-            <a:lvl1pPr>
-              <a:defRPr/>
-            </a:lvl1pPr>
-          </a:lstStyle>
-          <a:p>
-            <a:endParaRPr/>
-          </a:p>
-        </p:txBody>
-      </p:sp>
-      <p:sp>
-        <p:nvSpPr>
-          <p:cNvPr id="4" name="Holder 4"/>
+          <a:p/>
+        </p:txBody>
+      </p:sp>
+      <p:sp>
+        <p:nvSpPr>
+          <p:cNvPr id="1048588" name="Holder 4"/>
           <p:cNvSpPr>
             <a:spLocks noGrp="1"/>
           </p:cNvSpPr>
@@ -2061,12 +1902,10 @@
             <a:off x="4145280" y="6377940"/>
             <a:ext cx="3901440" cy="342900"/>
           </a:xfrm>
-          <a:prstGeom prst="rect">
-            <a:avLst/>
-          </a:prstGeom>
-        </p:spPr>
-        <p:txBody>
-          <a:bodyPr wrap="square" lIns="0" tIns="0" rIns="0" bIns="0">
+          <a:prstGeom prst="rect"/>
+        </p:spPr>
+        <p:txBody>
+          <a:bodyPr bIns="0" lIns="0" rIns="0" tIns="0" wrap="square">
             <a:spAutoFit/>
           </a:bodyPr>
           <a:lstStyle>
@@ -2080,14 +1919,12 @@
               </a:defRPr>
             </a:lvl1pPr>
           </a:lstStyle>
-          <a:p>
-            <a:endParaRPr/>
-          </a:p>
-        </p:txBody>
-      </p:sp>
-      <p:sp>
-        <p:nvSpPr>
-          <p:cNvPr id="5" name="Holder 5"/>
+          <a:p/>
+        </p:txBody>
+      </p:sp>
+      <p:sp>
+        <p:nvSpPr>
+          <p:cNvPr id="1048589" name="Holder 5"/>
           <p:cNvSpPr>
             <a:spLocks noGrp="1"/>
           </p:cNvSpPr>
@@ -2100,12 +1937,10 @@
             <a:off x="609600" y="6377940"/>
             <a:ext cx="2804160" cy="342900"/>
           </a:xfrm>
-          <a:prstGeom prst="rect">
-            <a:avLst/>
-          </a:prstGeom>
-        </p:spPr>
-        <p:txBody>
-          <a:bodyPr wrap="square" lIns="0" tIns="0" rIns="0" bIns="0">
+          <a:prstGeom prst="rect"/>
+        </p:spPr>
+        <p:txBody>
+          <a:bodyPr bIns="0" lIns="0" rIns="0" tIns="0" wrap="square">
             <a:spAutoFit/>
           </a:bodyPr>
           <a:lstStyle>
@@ -2130,7 +1965,7 @@
       </p:sp>
       <p:sp>
         <p:nvSpPr>
-          <p:cNvPr id="6" name="Holder 6"/>
+          <p:cNvPr id="1048590" name="Holder 6"/>
           <p:cNvSpPr>
             <a:spLocks noGrp="1"/>
           </p:cNvSpPr>
@@ -2143,17 +1978,15 @@
             <a:off x="11353418" y="6473337"/>
             <a:ext cx="151129" cy="191770"/>
           </a:xfrm>
-          <a:prstGeom prst="rect">
-            <a:avLst/>
-          </a:prstGeom>
-        </p:spPr>
-        <p:txBody>
-          <a:bodyPr wrap="square" lIns="0" tIns="0" rIns="0" bIns="0">
+          <a:prstGeom prst="rect"/>
+        </p:spPr>
+        <p:txBody>
+          <a:bodyPr bIns="0" lIns="0" rIns="0" tIns="0" wrap="square">
             <a:spAutoFit/>
           </a:bodyPr>
           <a:lstStyle>
             <a:lvl1pPr>
-              <a:defRPr sz="1100" b="0" i="0">
+              <a:defRPr b="0" sz="1100" i="0">
                 <a:solidFill>
                   <a:srgbClr val="2D936B"/>
                 </a:solidFill>
@@ -2172,22 +2005,22 @@
               </a:spcBef>
             </a:pPr>
             <a:fld id="{81D60167-4931-47E6-BA6A-407CBD079E47}" type="slidenum">
-              <a:rPr spc="10" dirty="0"/>
+              <a:rPr dirty="0" spc="10"/>
               <a:t>‹#›</a:t>
             </a:fld>
-            <a:endParaRPr spc="10" dirty="0"/>
+            <a:endParaRPr dirty="0" spc="10"/>
           </a:p>
         </p:txBody>
       </p:sp>
     </p:spTree>
   </p:cSld>
-  <p:clrMap bg1="lt1" tx1="dk1" bg2="lt2" tx2="dk2" accent1="accent1" accent2="accent2" accent3="accent3" accent4="accent4" accent5="accent5" accent6="accent6" hlink="hlink" folHlink="folHlink"/>
+  <p:clrMap accent1="accent1" accent2="accent2" accent3="accent3" accent4="accent4" accent5="accent5" accent6="accent6" bg1="lt1" bg2="lt2" tx1="dk1" tx2="dk2" hlink="hlink" folHlink="folHlink"/>
   <p:sldLayoutIdLst>
-    <p:sldLayoutId id="2147483661" r:id="rId1"/>
-    <p:sldLayoutId id="2147483662" r:id="rId2"/>
-    <p:sldLayoutId id="2147483663" r:id="rId3"/>
-    <p:sldLayoutId id="2147483664" r:id="rId4"/>
-    <p:sldLayoutId id="2147483665" r:id="rId5"/>
+    <p:sldLayoutId id="2147483649" r:id="rId1"/>
+    <p:sldLayoutId id="2147483650" r:id="rId2"/>
+    <p:sldLayoutId id="2147483651" r:id="rId3"/>
+    <p:sldLayoutId id="2147483652" r:id="rId4"/>
+    <p:sldLayoutId id="2147483653" r:id="rId5"/>
   </p:sldLayoutIdLst>
   <p:txStyles>
     <p:titleStyle>
@@ -2338,7 +2171,7 @@
   <p:cSld>
     <p:spTree>
       <p:nvGrpSpPr>
-        <p:cNvPr id="1" name=""/>
+        <p:cNvPr id="19" name=""/>
         <p:cNvGrpSpPr/>
         <p:nvPr/>
       </p:nvGrpSpPr>
@@ -2352,7 +2185,7 @@
       </p:grpSpPr>
       <p:grpSp>
         <p:nvGrpSpPr>
-          <p:cNvPr id="2" name="object 2"/>
+          <p:cNvPr id="20" name="object 2"/>
           <p:cNvGrpSpPr/>
           <p:nvPr/>
         </p:nvGrpSpPr>
@@ -2366,7 +2199,7 @@
         </p:grpSpPr>
         <p:sp>
           <p:nvSpPr>
-            <p:cNvPr id="3" name="object 3"/>
+            <p:cNvPr id="1048596" name="object 3"/>
             <p:cNvSpPr/>
             <p:nvPr/>
           </p:nvSpPr>
@@ -2377,9 +2210,7 @@
             </a:xfrm>
             <a:custGeom>
               <a:avLst/>
-              <a:gdLst/>
               <a:ahLst/>
-              <a:cxnLst/>
               <a:rect l="l" t="t" r="r" b="b"/>
               <a:pathLst>
                 <a:path w="1228725" h="1057275">
@@ -2413,16 +2244,13 @@
             </a:solidFill>
           </p:spPr>
           <p:txBody>
-            <a:bodyPr wrap="square" lIns="0" tIns="0" rIns="0" bIns="0" rtlCol="0"/>
-            <a:lstStyle/>
-            <a:p>
-              <a:endParaRPr/>
-            </a:p>
+            <a:bodyPr bIns="0" lIns="0" rIns="0" rtlCol="0" tIns="0" wrap="square"/>
+            <a:p/>
           </p:txBody>
         </p:sp>
         <p:sp>
           <p:nvSpPr>
-            <p:cNvPr id="4" name="object 4"/>
+            <p:cNvPr id="1048597" name="object 4"/>
             <p:cNvSpPr/>
             <p:nvPr/>
           </p:nvSpPr>
@@ -2433,9 +2261,7 @@
             </a:xfrm>
             <a:custGeom>
               <a:avLst/>
-              <a:gdLst/>
               <a:ahLst/>
-              <a:cxnLst/>
               <a:rect l="l" t="t" r="r" b="b"/>
               <a:pathLst>
                 <a:path w="647700" h="561975">
@@ -2469,17 +2295,14 @@
             </a:solidFill>
           </p:spPr>
           <p:txBody>
-            <a:bodyPr wrap="square" lIns="0" tIns="0" rIns="0" bIns="0" rtlCol="0"/>
-            <a:lstStyle/>
-            <a:p>
-              <a:endParaRPr/>
-            </a:p>
+            <a:bodyPr bIns="0" lIns="0" rIns="0" rtlCol="0" tIns="0" wrap="square"/>
+            <a:p/>
           </p:txBody>
         </p:sp>
       </p:grpSp>
       <p:sp>
         <p:nvSpPr>
-          <p:cNvPr id="5" name="object 5"/>
+          <p:cNvPr id="1048598" name="object 5"/>
           <p:cNvSpPr/>
           <p:nvPr/>
         </p:nvSpPr>
@@ -2490,9 +2313,7 @@
           </a:xfrm>
           <a:custGeom>
             <a:avLst/>
-            <a:gdLst/>
             <a:ahLst/>
-            <a:cxnLst/>
             <a:rect l="l" t="t" r="r" b="b"/>
             <a:pathLst>
               <a:path w="1666875" h="1438275">
@@ -2526,16 +2347,13 @@
           </a:solidFill>
         </p:spPr>
         <p:txBody>
-          <a:bodyPr wrap="square" lIns="0" tIns="0" rIns="0" bIns="0" rtlCol="0"/>
-          <a:lstStyle/>
-          <a:p>
-            <a:endParaRPr/>
-          </a:p>
-        </p:txBody>
-      </p:sp>
-      <p:sp>
-        <p:nvSpPr>
-          <p:cNvPr id="6" name="object 6"/>
+          <a:bodyPr bIns="0" lIns="0" rIns="0" rtlCol="0" tIns="0" wrap="square"/>
+          <a:p/>
+        </p:txBody>
+      </p:sp>
+      <p:sp>
+        <p:nvSpPr>
+          <p:cNvPr id="1048599" name="object 6"/>
           <p:cNvSpPr/>
           <p:nvPr/>
         </p:nvSpPr>
@@ -2546,9 +2364,7 @@
           </a:xfrm>
           <a:custGeom>
             <a:avLst/>
-            <a:gdLst/>
             <a:ahLst/>
-            <a:cxnLst/>
             <a:rect l="l" t="t" r="r" b="b"/>
             <a:pathLst>
               <a:path w="723900" h="619125">
@@ -2582,16 +2398,13 @@
           </a:solidFill>
         </p:spPr>
         <p:txBody>
-          <a:bodyPr wrap="square" lIns="0" tIns="0" rIns="0" bIns="0" rtlCol="0"/>
-          <a:lstStyle/>
-          <a:p>
-            <a:endParaRPr/>
-          </a:p>
-        </p:txBody>
-      </p:sp>
-      <p:sp>
-        <p:nvSpPr>
-          <p:cNvPr id="7" name="object 7"/>
+          <a:bodyPr bIns="0" lIns="0" rIns="0" rtlCol="0" tIns="0" wrap="square"/>
+          <a:p/>
+        </p:txBody>
+      </p:sp>
+      <p:sp>
+        <p:nvSpPr>
+          <p:cNvPr id="1048600" name="object 7"/>
           <p:cNvSpPr txBox="1">
             <a:spLocks noGrp="1"/>
           </p:cNvSpPr>
@@ -2604,15 +2417,12 @@
             <a:off x="1523999" y="19665"/>
             <a:ext cx="7629525" cy="1001556"/>
           </a:xfrm>
-          <a:prstGeom prst="rect">
-            <a:avLst/>
-          </a:prstGeom>
-        </p:spPr>
-        <p:txBody>
-          <a:bodyPr vert="horz" wrap="square" lIns="0" tIns="16510" rIns="0" bIns="0" rtlCol="0">
+          <a:prstGeom prst="rect"/>
+        </p:spPr>
+        <p:txBody>
+          <a:bodyPr bIns="0" lIns="0" rIns="0" rtlCol="0" tIns="16510" vert="horz" wrap="square">
             <a:spAutoFit/>
           </a:bodyPr>
-          <a:lstStyle/>
           <a:p>
             <a:pPr marL="3213735">
               <a:spcBef>
@@ -2620,7 +2430,7 @@
               </a:spcBef>
             </a:pPr>
             <a:r>
-              <a:rPr lang="en-US" b="1" i="0" dirty="0">
+              <a:rPr b="1" dirty="0" i="0" lang="en-US">
                 <a:solidFill>
                   <a:srgbClr val="0F0F0F"/>
                 </a:solidFill>
@@ -2631,7 +2441,7 @@
               <a:t>Digital Portfolio </a:t>
             </a:r>
             <a:r>
-              <a:rPr lang="en-US" b="1" i="0" dirty="0">
+              <a:rPr b="1" dirty="0" i="0" lang="en-US">
                 <a:solidFill>
                   <a:srgbClr val="0F0F0F"/>
                 </a:solidFill>
@@ -2641,7 +2451,7 @@
               <a:t/>
             </a:r>
             <a:br>
-              <a:rPr lang="en-US" b="1" i="0" dirty="0">
+              <a:rPr b="1" dirty="0" i="0" lang="en-US">
                 <a:solidFill>
                   <a:srgbClr val="0F0F0F"/>
                 </a:solidFill>
@@ -2649,18 +2459,20 @@
                 <a:latin typeface="Roboto" panose="020F0502020204030204" pitchFamily="2" charset="0"/>
               </a:rPr>
             </a:br>
-            <a:endParaRPr spc="15" dirty="0"/>
+            <a:endParaRPr dirty="0" spc="15"/>
           </a:p>
         </p:txBody>
       </p:sp>
       <p:pic>
         <p:nvPicPr>
-          <p:cNvPr id="9" name="object 9"/>
-          <p:cNvPicPr/>
+          <p:cNvPr id="2097152" name="object 9"/>
+          <p:cNvPicPr>
+            <a:picLocks/>
+          </p:cNvPicPr>
           <p:nvPr/>
         </p:nvPicPr>
         <p:blipFill>
-          <a:blip r:embed="rId3" cstate="print"/>
+          <a:blip xmlns:r="http://schemas.openxmlformats.org/officeDocument/2006/relationships" r:embed="rId1" cstate="print"/>
           <a:stretch>
             <a:fillRect/>
           </a:stretch>
@@ -2670,14 +2482,12 @@
             <a:off x="676275" y="6467475"/>
             <a:ext cx="2143125" cy="200025"/>
           </a:xfrm>
-          <a:prstGeom prst="rect">
-            <a:avLst/>
-          </a:prstGeom>
+          <a:prstGeom prst="rect"/>
         </p:spPr>
       </p:pic>
       <p:sp>
         <p:nvSpPr>
-          <p:cNvPr id="11" name="object 11"/>
+          <p:cNvPr id="1048601" name="object 11"/>
           <p:cNvSpPr txBox="1">
             <a:spLocks noGrp="1"/>
           </p:cNvSpPr>
@@ -2686,15 +2496,12 @@
           </p:nvPr>
         </p:nvSpPr>
         <p:spPr>
-          <a:prstGeom prst="rect">
-            <a:avLst/>
-          </a:prstGeom>
-        </p:spPr>
-        <p:txBody>
-          <a:bodyPr vert="horz" wrap="square" lIns="0" tIns="6985" rIns="0" bIns="0" rtlCol="0">
+          <a:prstGeom prst="rect"/>
+        </p:spPr>
+        <p:txBody>
+          <a:bodyPr bIns="0" lIns="0" rIns="0" rtlCol="0" tIns="6985" vert="horz" wrap="square">
             <a:spAutoFit/>
           </a:bodyPr>
-          <a:lstStyle/>
           <a:p>
             <a:pPr marL="38100">
               <a:lnSpc>
@@ -2705,76 +2512,263 @@
               </a:spcBef>
             </a:pPr>
             <a:fld id="{81D60167-4931-47E6-BA6A-407CBD079E47}" type="slidenum">
-              <a:rPr spc="10" dirty="0"/>
+              <a:rPr dirty="0" spc="10"/>
               <a:t>1</a:t>
             </a:fld>
-            <a:endParaRPr spc="10" dirty="0"/>
-          </a:p>
-        </p:txBody>
-      </p:sp>
-      <p:sp>
-        <p:nvSpPr>
-          <p:cNvPr id="14" name="TextBox 13" descr="STUDENT NAME: Madhavan T&#10;REGISTER NO AND NMID: asunm126212400641&#10;DEPARTMENT: BCA&#10;COLLEGE: JAYA COLLEGE OF ARTS &amp; SCIENCE/UNIVERSITY OF MADRAS">
-            <a:extLst>
-              <a:ext uri="{FF2B5EF4-FFF2-40B4-BE49-F238E27FC236}">
-                <a16:creationId xmlns:a16="http://schemas.microsoft.com/office/drawing/2014/main" xmlns="" id="{D55ADE35-C35B-07C1-F5AA-C33B3DDB802E}"/>
-              </a:ext>
-              <a:ext uri="{C183D7F6-B498-43B3-948B-1728B52AA6E4}">
-                <adec:decorative xmlns:adec="http://schemas.microsoft.com/office/drawing/2017/decorative" xmlns="" val="0"/>
-              </a:ext>
-            </a:extLst>
-          </p:cNvPr>
+            <a:endParaRPr dirty="0" spc="10"/>
+          </a:p>
+        </p:txBody>
+      </p:sp>
+      <p:sp>
+        <p:nvSpPr>
+          <p:cNvPr id="1048602" name="TextBox 13" descr="STUDENT NAME: Madhavan T REGISTER NO AND NMID: asunm126212400641 DEPARTMENT: BCA COLLEGE: JAYA COLLEGE OF ARTS &amp; SCIENCE/UNIVERSITY OF MADRAS"/>
           <p:cNvSpPr txBox="1"/>
           <p:nvPr/>
         </p:nvSpPr>
         <p:spPr>
           <a:xfrm>
             <a:off x="2554542" y="3314150"/>
-            <a:ext cx="8610600" cy="1938992"/>
-          </a:xfrm>
-          <a:prstGeom prst="rect">
-            <a:avLst/>
-          </a:prstGeom>
+            <a:ext cx="8610600" cy="1869440"/>
+          </a:xfrm>
+          <a:prstGeom prst="rect"/>
           <a:noFill/>
         </p:spPr>
         <p:txBody>
-          <a:bodyPr wrap="square" lIns="91440" tIns="45720" rIns="91440" bIns="45720" rtlCol="0" anchor="t">
+          <a:bodyPr anchor="t" bIns="45720" lIns="91440" rIns="91440" rtlCol="0" tIns="45720" wrap="square">
             <a:spAutoFit/>
           </a:bodyPr>
-          <a:lstStyle/>
-          <a:p>
-            <a:r>
-              <a:rPr lang="en-US" sz="2400" dirty="0"/>
+          <a:p>
+            <a:r>
+              <a:rPr dirty="0" sz="2400" lang="en-US"/>
               <a:t>STUDENT NAME: </a:t>
             </a:r>
-          </a:p>
-          <a:p>
-            <a:r>
-              <a:rPr lang="en-US" sz="2400" dirty="0"/>
+            <a:r>
+              <a:rPr altLang="en-IN" dirty="0" sz="2400" lang="en-US"/>
+              <a:t>N</a:t>
+            </a:r>
+            <a:r>
+              <a:rPr altLang="en-IN" dirty="0" sz="2400" lang="en-US"/>
+              <a:t>.</a:t>
+            </a:r>
+            <a:r>
+              <a:rPr altLang="en-IN" dirty="0" sz="2400" lang="en-US"/>
+              <a:t>P</a:t>
+            </a:r>
+            <a:r>
+              <a:rPr altLang="en-IN" dirty="0" sz="2400" lang="en-US"/>
+              <a:t>o</a:t>
+            </a:r>
+            <a:r>
+              <a:rPr altLang="en-IN" dirty="0" sz="2400" lang="en-US"/>
+              <a:t>o</a:t>
+            </a:r>
+            <a:r>
+              <a:rPr altLang="en-IN" dirty="0" sz="2400" lang="en-US"/>
+              <a:t>r</a:t>
+            </a:r>
+            <a:r>
+              <a:rPr altLang="en-IN" dirty="0" sz="2400" lang="en-US"/>
+              <a:t>nima</a:t>
+            </a:r>
+            <a:endParaRPr altLang="en-US" lang="zh-CN"/>
+          </a:p>
+          <a:p>
+            <a:r>
+              <a:rPr dirty="0" sz="2400" lang="en-US"/>
               <a:t>REGISTER NO AND NMID: </a:t>
             </a:r>
-            <a:endParaRPr lang="en-US" sz="2400" dirty="0">
+            <a:r>
+              <a:rPr altLang="en-IN" dirty="0" sz="2400" lang="en-US"/>
+              <a:t>2</a:t>
+            </a:r>
+            <a:r>
+              <a:rPr altLang="en-IN" dirty="0" sz="2400" lang="en-US"/>
+              <a:t>1</a:t>
+            </a:r>
+            <a:r>
+              <a:rPr altLang="en-IN" dirty="0" sz="2400" lang="en-US"/>
+              <a:t>2</a:t>
+            </a:r>
+            <a:r>
+              <a:rPr altLang="en-IN" dirty="0" sz="2400" lang="en-US"/>
+              <a:t>4</a:t>
+            </a:r>
+            <a:r>
+              <a:rPr altLang="en-IN" dirty="0" sz="2400" lang="en-US"/>
+              <a:t>0</a:t>
+            </a:r>
+            <a:r>
+              <a:rPr altLang="en-IN" dirty="0" sz="2400" lang="en-US"/>
+              <a:t>0</a:t>
+            </a:r>
+            <a:r>
+              <a:rPr altLang="en-IN" dirty="0" sz="2400" lang="en-US"/>
+              <a:t>6</a:t>
+            </a:r>
+            <a:r>
+              <a:rPr altLang="en-IN" dirty="0" sz="2400" lang="en-US"/>
+              <a:t>9</a:t>
+            </a:r>
+            <a:r>
+              <a:rPr altLang="en-IN" dirty="0" sz="2400" lang="en-US"/>
+              <a:t>5</a:t>
+            </a:r>
+            <a:endParaRPr dirty="0" sz="2400" lang="en-US">
               <a:cs typeface="Calibri"/>
             </a:endParaRPr>
           </a:p>
           <a:p>
             <a:r>
-              <a:rPr lang="en-US" sz="2400" dirty="0"/>
+              <a:rPr dirty="0" sz="2400" lang="en-US"/>
               <a:t>DEPARTMENT: </a:t>
             </a:r>
-          </a:p>
-          <a:p>
-            <a:r>
-              <a:rPr lang="en-US" sz="2400" dirty="0"/>
-              <a:t>COLLEGE: COLLEGE/ UNIVERSITY</a:t>
-            </a:r>
-          </a:p>
-          <a:p>
-            <a:r>
-              <a:rPr lang="en-US" sz="2400" dirty="0"/>
+            <a:r>
+              <a:rPr altLang="en-IN" dirty="0" sz="2400" lang="en-US"/>
+              <a:t>B</a:t>
+            </a:r>
+            <a:r>
+              <a:rPr altLang="en-IN" dirty="0" sz="2400" lang="en-US"/>
+              <a:t>C</a:t>
+            </a:r>
+            <a:r>
+              <a:rPr altLang="en-IN" dirty="0" sz="2400" lang="en-US"/>
+              <a:t>A</a:t>
+            </a:r>
+            <a:endParaRPr altLang="en-US" lang="zh-CN"/>
+          </a:p>
+          <a:p>
+            <a:r>
+              <a:rPr dirty="0" sz="2400" lang="en-US"/>
+              <a:t>COLLEGE: </a:t>
+            </a:r>
+            <a:r>
+              <a:rPr altLang="en-IN" dirty="0" sz="2400" lang="en-US"/>
+              <a:t>J</a:t>
+            </a:r>
+            <a:r>
+              <a:rPr altLang="en-IN" dirty="0" sz="2400" lang="en-US"/>
+              <a:t>a</a:t>
+            </a:r>
+            <a:r>
+              <a:rPr altLang="en-IN" dirty="0" sz="2400" lang="en-US"/>
+              <a:t>y</a:t>
+            </a:r>
+            <a:r>
+              <a:rPr altLang="en-IN" dirty="0" sz="2400" lang="en-US"/>
+              <a:t>a</a:t>
+            </a:r>
+            <a:r>
+              <a:rPr altLang="en-IN" dirty="0" sz="2400" lang="en-US"/>
+              <a:t> </a:t>
+            </a:r>
+            <a:r>
+              <a:rPr altLang="en-IN" dirty="0" sz="2400" lang="en-US"/>
+              <a:t>c</a:t>
+            </a:r>
+            <a:r>
+              <a:rPr altLang="en-IN" dirty="0" sz="2400" lang="en-US"/>
+              <a:t>o</a:t>
+            </a:r>
+            <a:r>
+              <a:rPr altLang="en-IN" dirty="0" sz="2400" lang="en-US"/>
+              <a:t>l</a:t>
+            </a:r>
+            <a:r>
+              <a:rPr altLang="en-IN" dirty="0" sz="2400" lang="en-US"/>
+              <a:t>lege</a:t>
+            </a:r>
+            <a:r>
+              <a:rPr altLang="en-IN" dirty="0" sz="2400" lang="en-US"/>
+              <a:t> </a:t>
+            </a:r>
+            <a:r>
+              <a:rPr altLang="en-IN" dirty="0" sz="2400" lang="en-US"/>
+              <a:t>a</a:t>
+            </a:r>
+            <a:r>
+              <a:rPr altLang="en-IN" dirty="0" sz="2400" lang="en-US"/>
+              <a:t>r</a:t>
+            </a:r>
+            <a:r>
+              <a:rPr altLang="en-IN" dirty="0" sz="2400" lang="en-US"/>
+              <a:t>ts</a:t>
+            </a:r>
+            <a:r>
+              <a:rPr altLang="en-IN" dirty="0" sz="2400" lang="en-US"/>
+              <a:t> </a:t>
+            </a:r>
+            <a:r>
+              <a:rPr altLang="en-IN" dirty="0" sz="2400" lang="en-US"/>
+              <a:t>&amp;</a:t>
+            </a:r>
+            <a:r>
+              <a:rPr altLang="en-IN" dirty="0" sz="2400" lang="en-US"/>
+              <a:t>s</a:t>
+            </a:r>
+            <a:r>
+              <a:rPr altLang="en-IN" dirty="0" sz="2400" lang="en-US"/>
+              <a:t>c</a:t>
+            </a:r>
+            <a:r>
+              <a:rPr altLang="en-IN" dirty="0" sz="2400" lang="en-US"/>
+              <a:t>ience</a:t>
+            </a:r>
+            <a:r>
+              <a:rPr altLang="en-IN" dirty="0" sz="2400" lang="en-US"/>
+              <a:t>/</a:t>
+            </a:r>
+            <a:r>
+              <a:rPr altLang="en-IN" dirty="0" sz="2400" lang="en-US"/>
+              <a:t>m</a:t>
+            </a:r>
+            <a:r>
+              <a:rPr altLang="en-IN" dirty="0" sz="2400" lang="en-US"/>
+              <a:t>a</a:t>
+            </a:r>
+            <a:r>
+              <a:rPr altLang="en-IN" dirty="0" sz="2400" lang="en-US"/>
+              <a:t>d</a:t>
+            </a:r>
+            <a:r>
+              <a:rPr altLang="en-IN" dirty="0" sz="2400" lang="en-US"/>
+              <a:t>r</a:t>
+            </a:r>
+            <a:r>
+              <a:rPr altLang="en-IN" dirty="0" sz="2400" lang="en-US"/>
+              <a:t>as</a:t>
+            </a:r>
+            <a:r>
+              <a:rPr altLang="en-IN" dirty="0" sz="2400" lang="en-US"/>
+              <a:t> </a:t>
+            </a:r>
+            <a:r>
+              <a:rPr altLang="en-IN" dirty="0" sz="2400" lang="en-US"/>
+              <a:t>u</a:t>
+            </a:r>
+            <a:r>
+              <a:rPr altLang="en-IN" dirty="0" sz="2400" lang="en-US"/>
+              <a:t>n</a:t>
+            </a:r>
+            <a:r>
+              <a:rPr altLang="en-IN" dirty="0" sz="2400" lang="en-US"/>
+              <a:t>i</a:t>
+            </a:r>
+            <a:r>
+              <a:rPr altLang="en-IN" dirty="0" sz="2400" lang="en-US"/>
+              <a:t>v</a:t>
+            </a:r>
+            <a:r>
+              <a:rPr altLang="en-IN" dirty="0" sz="2400" lang="en-US"/>
+              <a:t>ersity</a:t>
+            </a:r>
+            <a:endParaRPr altLang="en-US" lang="zh-CN"/>
+          </a:p>
+          <a:p>
+            <a:r>
+              <a:rPr dirty="0" sz="2400" lang="en-US"/>
               <a:t>           </a:t>
             </a:r>
-            <a:endParaRPr lang="en-IN" sz="2400" dirty="0"/>
+            <a:endParaRPr dirty="0" sz="2400" lang="en-IN"/>
           </a:p>
         </p:txBody>
       </p:sp>
@@ -2791,7 +2785,7 @@
   <p:cSld>
     <p:spTree>
       <p:nvGrpSpPr>
-        <p:cNvPr id="1" name=""/>
+        <p:cNvPr id="39" name=""/>
         <p:cNvGrpSpPr/>
         <p:nvPr/>
       </p:nvGrpSpPr>
@@ -2805,7 +2799,7 @@
       </p:grpSpPr>
       <p:sp>
         <p:nvSpPr>
-          <p:cNvPr id="2" name="object 2"/>
+          <p:cNvPr id="1048673" name="object 2"/>
           <p:cNvSpPr txBox="1"/>
           <p:nvPr/>
         </p:nvSpPr>
@@ -2814,15 +2808,12 @@
             <a:off x="752475" y="6486037"/>
             <a:ext cx="1773555" cy="166370"/>
           </a:xfrm>
-          <a:prstGeom prst="rect">
-            <a:avLst/>
-          </a:prstGeom>
-        </p:spPr>
-        <p:txBody>
-          <a:bodyPr vert="horz" wrap="square" lIns="0" tIns="0" rIns="0" bIns="0" rtlCol="0">
+          <a:prstGeom prst="rect"/>
+        </p:spPr>
+        <p:txBody>
+          <a:bodyPr bIns="0" lIns="0" rIns="0" rtlCol="0" tIns="0" vert="horz" wrap="square">
             <a:spAutoFit/>
           </a:bodyPr>
-          <a:lstStyle/>
           <a:p>
             <a:pPr>
               <a:lnSpc>
@@ -2830,7 +2821,7 @@
               </a:lnSpc>
             </a:pPr>
             <a:r>
-              <a:rPr sz="1100" spc="20" dirty="0">
+              <a:rPr dirty="0" sz="1100" spc="20">
                 <a:solidFill>
                   <a:srgbClr val="2D83C3"/>
                 </a:solidFill>
@@ -2840,7 +2831,7 @@
               <a:t>3/21/202</a:t>
             </a:r>
             <a:r>
-              <a:rPr sz="1100" spc="10" dirty="0">
+              <a:rPr dirty="0" sz="1100" spc="10">
                 <a:solidFill>
                   <a:srgbClr val="2D83C3"/>
                 </a:solidFill>
@@ -2850,7 +2841,7 @@
               <a:t>4</a:t>
             </a:r>
             <a:r>
-              <a:rPr sz="1100" dirty="0">
+              <a:rPr dirty="0" sz="1100">
                 <a:solidFill>
                   <a:srgbClr val="2D83C3"/>
                 </a:solidFill>
@@ -2860,7 +2851,7 @@
               <a:t> </a:t>
             </a:r>
             <a:r>
-              <a:rPr sz="1100" spc="130" dirty="0">
+              <a:rPr dirty="0" sz="1100" spc="130">
                 <a:solidFill>
                   <a:srgbClr val="2D83C3"/>
                 </a:solidFill>
@@ -2870,7 +2861,7 @@
               <a:t> </a:t>
             </a:r>
             <a:r>
-              <a:rPr sz="1100" b="1" spc="50" dirty="0">
+              <a:rPr b="1" dirty="0" sz="1100" spc="50">
                 <a:solidFill>
                   <a:srgbClr val="2D83C3"/>
                 </a:solidFill>
@@ -2880,7 +2871,7 @@
               <a:t>A</a:t>
             </a:r>
             <a:r>
-              <a:rPr sz="1100" b="1" spc="15" dirty="0">
+              <a:rPr b="1" dirty="0" sz="1100" spc="15">
                 <a:solidFill>
                   <a:srgbClr val="2D83C3"/>
                 </a:solidFill>
@@ -2890,7 +2881,7 @@
               <a:t>nnu</a:t>
             </a:r>
             <a:r>
-              <a:rPr sz="1100" b="1" spc="10" dirty="0">
+              <a:rPr b="1" dirty="0" sz="1100" spc="10">
                 <a:solidFill>
                   <a:srgbClr val="2D83C3"/>
                 </a:solidFill>
@@ -2900,7 +2891,7 @@
               <a:t>al</a:t>
             </a:r>
             <a:r>
-              <a:rPr sz="1100" b="1" spc="-140" dirty="0">
+              <a:rPr b="1" dirty="0" sz="1100" spc="-140">
                 <a:solidFill>
                   <a:srgbClr val="2D83C3"/>
                 </a:solidFill>
@@ -2910,7 +2901,7 @@
               <a:t> </a:t>
             </a:r>
             <a:r>
-              <a:rPr sz="1100" b="1" dirty="0">
+              <a:rPr b="1" dirty="0" sz="1100">
                 <a:solidFill>
                   <a:srgbClr val="2D83C3"/>
                 </a:solidFill>
@@ -2920,7 +2911,7 @@
               <a:t>R</a:t>
             </a:r>
             <a:r>
-              <a:rPr sz="1100" b="1" spc="35" dirty="0">
+              <a:rPr b="1" dirty="0" sz="1100" spc="35">
                 <a:solidFill>
                   <a:srgbClr val="2D83C3"/>
                 </a:solidFill>
@@ -2930,7 +2921,7 @@
               <a:t>e</a:t>
             </a:r>
             <a:r>
-              <a:rPr sz="1100" b="1" spc="90" dirty="0">
+              <a:rPr b="1" dirty="0" sz="1100" spc="90">
                 <a:solidFill>
                   <a:srgbClr val="2D83C3"/>
                 </a:solidFill>
@@ -2940,7 +2931,7 @@
               <a:t>v</a:t>
             </a:r>
             <a:r>
-              <a:rPr sz="1100" b="1" spc="-35" dirty="0">
+              <a:rPr b="1" dirty="0" sz="1100" spc="-35">
                 <a:solidFill>
                   <a:srgbClr val="2D83C3"/>
                 </a:solidFill>
@@ -2950,7 +2941,7 @@
               <a:t>i</a:t>
             </a:r>
             <a:r>
-              <a:rPr sz="1100" b="1" spc="35" dirty="0">
+              <a:rPr b="1" dirty="0" sz="1100" spc="35">
                 <a:solidFill>
                   <a:srgbClr val="2D83C3"/>
                 </a:solidFill>
@@ -2960,7 +2951,7 @@
               <a:t>e</a:t>
             </a:r>
             <a:r>
-              <a:rPr sz="1100" b="1" spc="15" dirty="0">
+              <a:rPr b="1" dirty="0" sz="1100" spc="15">
                 <a:solidFill>
                   <a:srgbClr val="2D83C3"/>
                 </a:solidFill>
@@ -2978,7 +2969,7 @@
       </p:sp>
       <p:sp>
         <p:nvSpPr>
-          <p:cNvPr id="3" name="object 3"/>
+          <p:cNvPr id="1048674" name="object 3"/>
           <p:cNvSpPr/>
           <p:nvPr/>
         </p:nvSpPr>
@@ -2989,9 +2980,7 @@
           </a:xfrm>
           <a:custGeom>
             <a:avLst/>
-            <a:gdLst/>
             <a:ahLst/>
-            <a:cxnLst/>
             <a:rect l="l" t="t" r="r" b="b"/>
             <a:pathLst>
               <a:path w="457200" h="457200">
@@ -3019,16 +3008,13 @@
           </a:solidFill>
         </p:spPr>
         <p:txBody>
-          <a:bodyPr wrap="square" lIns="0" tIns="0" rIns="0" bIns="0" rtlCol="0"/>
-          <a:lstStyle/>
-          <a:p>
-            <a:endParaRPr/>
-          </a:p>
-        </p:txBody>
-      </p:sp>
-      <p:sp>
-        <p:nvSpPr>
-          <p:cNvPr id="4" name="object 4"/>
+          <a:bodyPr bIns="0" lIns="0" rIns="0" rtlCol="0" tIns="0" wrap="square"/>
+          <a:p/>
+        </p:txBody>
+      </p:sp>
+      <p:sp>
+        <p:nvSpPr>
+          <p:cNvPr id="1048675" name="object 4"/>
           <p:cNvSpPr/>
           <p:nvPr/>
         </p:nvSpPr>
@@ -3039,9 +3025,7 @@
           </a:xfrm>
           <a:custGeom>
             <a:avLst/>
-            <a:gdLst/>
             <a:ahLst/>
-            <a:cxnLst/>
             <a:rect l="l" t="t" r="r" b="b"/>
             <a:pathLst>
               <a:path w="314325" h="323850">
@@ -3069,16 +3053,13 @@
           </a:solidFill>
         </p:spPr>
         <p:txBody>
-          <a:bodyPr wrap="square" lIns="0" tIns="0" rIns="0" bIns="0" rtlCol="0"/>
-          <a:lstStyle/>
-          <a:p>
-            <a:endParaRPr/>
-          </a:p>
-        </p:txBody>
-      </p:sp>
-      <p:sp>
-        <p:nvSpPr>
-          <p:cNvPr id="5" name="object 5"/>
+          <a:bodyPr bIns="0" lIns="0" rIns="0" rtlCol="0" tIns="0" wrap="square"/>
+          <a:p/>
+        </p:txBody>
+      </p:sp>
+      <p:sp>
+        <p:nvSpPr>
+          <p:cNvPr id="1048676" name="object 5"/>
           <p:cNvSpPr/>
           <p:nvPr/>
         </p:nvSpPr>
@@ -3089,9 +3070,7 @@
           </a:xfrm>
           <a:custGeom>
             <a:avLst/>
-            <a:gdLst/>
             <a:ahLst/>
-            <a:cxnLst/>
             <a:rect l="l" t="t" r="r" b="b"/>
             <a:pathLst>
               <a:path w="180975" h="180975">
@@ -3119,21 +3098,20 @@
           </a:solidFill>
         </p:spPr>
         <p:txBody>
-          <a:bodyPr wrap="square" lIns="0" tIns="0" rIns="0" bIns="0" rtlCol="0"/>
-          <a:lstStyle/>
-          <a:p>
-            <a:endParaRPr/>
-          </a:p>
+          <a:bodyPr bIns="0" lIns="0" rIns="0" rtlCol="0" tIns="0" wrap="square"/>
+          <a:p/>
         </p:txBody>
       </p:sp>
       <p:pic>
         <p:nvPicPr>
-          <p:cNvPr id="6" name="object 6"/>
-          <p:cNvPicPr/>
+          <p:cNvPr id="2097166" name="object 6"/>
+          <p:cNvPicPr>
+            <a:picLocks/>
+          </p:cNvPicPr>
           <p:nvPr/>
         </p:nvPicPr>
         <p:blipFill>
-          <a:blip r:embed="rId2" cstate="print"/>
+          <a:blip xmlns:r="http://schemas.openxmlformats.org/officeDocument/2006/relationships" r:embed="rId1" cstate="print"/>
           <a:stretch>
             <a:fillRect/>
           </a:stretch>
@@ -3143,14 +3121,12 @@
             <a:off x="66675" y="3381373"/>
             <a:ext cx="2466975" cy="3419475"/>
           </a:xfrm>
-          <a:prstGeom prst="rect">
-            <a:avLst/>
-          </a:prstGeom>
+          <a:prstGeom prst="rect"/>
         </p:spPr>
       </p:pic>
       <p:sp>
         <p:nvSpPr>
-          <p:cNvPr id="7" name="object 7"/>
+          <p:cNvPr id="1048677" name="object 7"/>
           <p:cNvSpPr txBox="1">
             <a:spLocks noGrp="1"/>
           </p:cNvSpPr>
@@ -3161,17 +3137,14 @@
         <p:spPr>
           <a:xfrm>
             <a:off x="739775" y="654938"/>
-            <a:ext cx="8480425" cy="670696"/>
-          </a:xfrm>
-          <a:prstGeom prst="rect">
-            <a:avLst/>
-          </a:prstGeom>
-        </p:spPr>
-        <p:txBody>
-          <a:bodyPr vert="horz" wrap="square" lIns="0" tIns="16510" rIns="0" bIns="0" rtlCol="0">
+            <a:ext cx="8480425" cy="638810"/>
+          </a:xfrm>
+          <a:prstGeom prst="rect"/>
+        </p:spPr>
+        <p:txBody>
+          <a:bodyPr bIns="0" lIns="0" rIns="0" rtlCol="0" tIns="16510" vert="horz" wrap="square">
             <a:spAutoFit/>
           </a:bodyPr>
-          <a:lstStyle/>
           <a:p>
             <a:pPr marL="12700">
               <a:lnSpc>
@@ -3182,16 +3155,16 @@
               </a:spcBef>
             </a:pPr>
             <a:r>
-              <a:rPr lang="en-IN" sz="4250" spc="15" dirty="0"/>
+              <a:rPr dirty="0" sz="4250" lang="en-IN" spc="15"/>
               <a:t>RESULTS AND SCREENSHOTS</a:t>
             </a:r>
-            <a:endParaRPr sz="4250" dirty="0"/>
-          </a:p>
-        </p:txBody>
-      </p:sp>
-      <p:sp>
-        <p:nvSpPr>
-          <p:cNvPr id="8" name="object 8"/>
+            <a:endParaRPr dirty="0" sz="4250"/>
+          </a:p>
+        </p:txBody>
+      </p:sp>
+      <p:sp>
+        <p:nvSpPr>
+          <p:cNvPr id="1048678" name="object 8"/>
           <p:cNvSpPr txBox="1"/>
           <p:nvPr/>
         </p:nvSpPr>
@@ -3200,15 +3173,12 @@
             <a:off x="11277218" y="6473337"/>
             <a:ext cx="228600" cy="191770"/>
           </a:xfrm>
-          <a:prstGeom prst="rect">
-            <a:avLst/>
-          </a:prstGeom>
-        </p:spPr>
-        <p:txBody>
-          <a:bodyPr vert="horz" wrap="square" lIns="0" tIns="6985" rIns="0" bIns="0" rtlCol="0">
+          <a:prstGeom prst="rect"/>
+        </p:spPr>
+        <p:txBody>
+          <a:bodyPr bIns="0" lIns="0" rIns="0" rtlCol="0" tIns="6985" vert="horz" wrap="square">
             <a:spAutoFit/>
           </a:bodyPr>
-          <a:lstStyle/>
           <a:p>
             <a:pPr marL="38100">
               <a:lnSpc>
@@ -3219,7 +3189,7 @@
               </a:spcBef>
             </a:pPr>
             <a:fld id="{81D60167-4931-47E6-BA6A-407CBD079E47}" type="slidenum">
-              <a:rPr sz="1100" spc="10" dirty="0">
+              <a:rPr dirty="0" sz="1100" spc="10">
                 <a:solidFill>
                   <a:srgbClr val="2D936B"/>
                 </a:solidFill>
@@ -3237,66 +3207,80 @@
       </p:sp>
       <p:sp>
         <p:nvSpPr>
-          <p:cNvPr id="9" name="TextBox 8">
-            <a:extLst>
-              <a:ext uri="{FF2B5EF4-FFF2-40B4-BE49-F238E27FC236}">
-                <a16:creationId xmlns:a16="http://schemas.microsoft.com/office/drawing/2014/main" xmlns="" id="{FAD9CEB2-36E1-0550-426B-2FAF97882044}"/>
-              </a:ext>
-            </a:extLst>
-          </p:cNvPr>
+          <p:cNvPr id="1048679" name="TextBox 8"/>
           <p:cNvSpPr txBox="1"/>
           <p:nvPr/>
         </p:nvSpPr>
         <p:spPr>
           <a:xfrm>
-            <a:off x="2743200" y="2354703"/>
-            <a:ext cx="8534018" cy="1200329"/>
-          </a:xfrm>
-          <a:prstGeom prst="rect">
-            <a:avLst/>
-          </a:prstGeom>
+            <a:off x="1276731" y="2004059"/>
+            <a:ext cx="8534018" cy="1424940"/>
+          </a:xfrm>
+          <a:prstGeom prst="rect"/>
           <a:noFill/>
         </p:spPr>
         <p:txBody>
-          <a:bodyPr wrap="square" rtlCol="0">
+          <a:bodyPr rtlCol="0" wrap="square">
             <a:spAutoFit/>
           </a:bodyPr>
-          <a:lstStyle/>
-          <a:p>
-            <a:r>
-              <a:rPr lang="en-US" b="1" dirty="0" smtClean="0">
+          <a:p>
+            <a:r>
+              <a:rPr b="1" dirty="0" lang="en-US" smtClean="0">
                 <a:latin typeface="Times New Roman" panose="02020603050405020304" pitchFamily="18" charset="0"/>
                 <a:cs typeface="Times New Roman" panose="02020603050405020304" pitchFamily="18" charset="0"/>
               </a:rPr>
               <a:t>Result:</a:t>
             </a:r>
             <a:r>
-              <a:rPr lang="en-US" dirty="0">
+              <a:rPr dirty="0" lang="en-US">
                 <a:latin typeface="Times New Roman" panose="02020603050405020304" pitchFamily="18" charset="0"/>
                 <a:cs typeface="Times New Roman" panose="02020603050405020304" pitchFamily="18" charset="0"/>
               </a:rPr>
               <a:t/>
             </a:r>
             <a:br>
-              <a:rPr lang="en-US" dirty="0">
+              <a:rPr dirty="0" lang="en-US">
                 <a:latin typeface="Times New Roman" panose="02020603050405020304" pitchFamily="18" charset="0"/>
                 <a:cs typeface="Times New Roman" panose="02020603050405020304" pitchFamily="18" charset="0"/>
               </a:rPr>
             </a:br>
             <a:r>
-              <a:rPr lang="en-US" dirty="0">
+              <a:rPr dirty="0" lang="en-US">
                 <a:latin typeface="Times New Roman" panose="02020603050405020304" pitchFamily="18" charset="0"/>
                 <a:cs typeface="Times New Roman" panose="02020603050405020304" pitchFamily="18" charset="0"/>
               </a:rPr>
               <a:t>“The digital portfolio was successfully designed and implemented. It allows users to showcase their skills, projects, and achievements in an organized and visually appealing way. The portfolio is fully responsive, easy to update, and accessible across devices.”</a:t>
             </a:r>
-            <a:endParaRPr lang="en-IN" dirty="0">
+            <a:endParaRPr dirty="0" lang="en-IN">
               <a:latin typeface="Times New Roman" panose="02020603050405020304" pitchFamily="18" charset="0"/>
               <a:cs typeface="Times New Roman" panose="02020603050405020304" pitchFamily="18" charset="0"/>
             </a:endParaRPr>
           </a:p>
         </p:txBody>
       </p:sp>
+      <p:pic>
+        <p:nvPicPr>
+          <p:cNvPr id="2097172" name=""/>
+          <p:cNvPicPr>
+            <a:picLocks/>
+          </p:cNvPicPr>
+          <p:nvPr/>
+        </p:nvPicPr>
+        <p:blipFill>
+          <a:blip xmlns:r="http://schemas.openxmlformats.org/officeDocument/2006/relationships" r:embed="rId2"/>
+          <a:srcRect l="0" t="9599" r="0" b="42"/>
+          <a:stretch>
+            <a:fillRect/>
+          </a:stretch>
+        </p:blipFill>
+        <p:spPr>
+          <a:xfrm>
+            <a:off x="2699682" y="4059408"/>
+            <a:ext cx="6292041" cy="1588001"/>
+          </a:xfrm>
+          <a:prstGeom prst="rect"/>
+        </p:spPr>
+      </p:pic>
     </p:spTree>
   </p:cSld>
   <p:clrMapOvr>
@@ -3310,7 +3294,7 @@
   <p:cSld>
     <p:spTree>
       <p:nvGrpSpPr>
-        <p:cNvPr id="1" name=""/>
+        <p:cNvPr id="40" name=""/>
         <p:cNvGrpSpPr/>
         <p:nvPr/>
       </p:nvGrpSpPr>
@@ -3324,7 +3308,7 @@
       </p:grpSpPr>
       <p:sp>
         <p:nvSpPr>
-          <p:cNvPr id="3" name="object 3"/>
+          <p:cNvPr id="1048680" name="object 3"/>
           <p:cNvSpPr/>
           <p:nvPr/>
         </p:nvSpPr>
@@ -3335,9 +3319,7 @@
           </a:xfrm>
           <a:custGeom>
             <a:avLst/>
-            <a:gdLst/>
             <a:ahLst/>
-            <a:cxnLst/>
             <a:rect l="l" t="t" r="r" b="b"/>
             <a:pathLst>
               <a:path w="457200" h="457200">
@@ -3365,16 +3347,13 @@
           </a:solidFill>
         </p:spPr>
         <p:txBody>
-          <a:bodyPr wrap="square" lIns="0" tIns="0" rIns="0" bIns="0" rtlCol="0"/>
-          <a:lstStyle/>
-          <a:p>
-            <a:endParaRPr/>
-          </a:p>
-        </p:txBody>
-      </p:sp>
-      <p:sp>
-        <p:nvSpPr>
-          <p:cNvPr id="4" name="object 4"/>
+          <a:bodyPr bIns="0" lIns="0" rIns="0" rtlCol="0" tIns="0" wrap="square"/>
+          <a:p/>
+        </p:txBody>
+      </p:sp>
+      <p:sp>
+        <p:nvSpPr>
+          <p:cNvPr id="1048681" name="object 4"/>
           <p:cNvSpPr/>
           <p:nvPr/>
         </p:nvSpPr>
@@ -3385,9 +3364,7 @@
           </a:xfrm>
           <a:custGeom>
             <a:avLst/>
-            <a:gdLst/>
             <a:ahLst/>
-            <a:cxnLst/>
             <a:rect l="l" t="t" r="r" b="b"/>
             <a:pathLst>
               <a:path w="314325" h="323850">
@@ -3415,16 +3392,13 @@
           </a:solidFill>
         </p:spPr>
         <p:txBody>
-          <a:bodyPr wrap="square" lIns="0" tIns="0" rIns="0" bIns="0" rtlCol="0"/>
-          <a:lstStyle/>
-          <a:p>
-            <a:endParaRPr/>
-          </a:p>
-        </p:txBody>
-      </p:sp>
-      <p:sp>
-        <p:nvSpPr>
-          <p:cNvPr id="5" name="object 5"/>
+          <a:bodyPr bIns="0" lIns="0" rIns="0" rtlCol="0" tIns="0" wrap="square"/>
+          <a:p/>
+        </p:txBody>
+      </p:sp>
+      <p:sp>
+        <p:nvSpPr>
+          <p:cNvPr id="1048682" name="object 5"/>
           <p:cNvSpPr/>
           <p:nvPr/>
         </p:nvSpPr>
@@ -3435,9 +3409,7 @@
           </a:xfrm>
           <a:custGeom>
             <a:avLst/>
-            <a:gdLst/>
             <a:ahLst/>
-            <a:cxnLst/>
             <a:rect l="l" t="t" r="r" b="b"/>
             <a:pathLst>
               <a:path w="180975" h="180975">
@@ -3465,21 +3437,20 @@
           </a:solidFill>
         </p:spPr>
         <p:txBody>
-          <a:bodyPr wrap="square" lIns="0" tIns="0" rIns="0" bIns="0" rtlCol="0"/>
-          <a:lstStyle/>
-          <a:p>
-            <a:endParaRPr/>
-          </a:p>
+          <a:bodyPr bIns="0" lIns="0" rIns="0" rtlCol="0" tIns="0" wrap="square"/>
+          <a:p/>
         </p:txBody>
       </p:sp>
       <p:pic>
         <p:nvPicPr>
-          <p:cNvPr id="6" name="object 6"/>
-          <p:cNvPicPr/>
+          <p:cNvPr id="2097167" name="object 6"/>
+          <p:cNvPicPr>
+            <a:picLocks/>
+          </p:cNvPicPr>
           <p:nvPr/>
         </p:nvPicPr>
         <p:blipFill>
-          <a:blip r:embed="rId2" cstate="print"/>
+          <a:blip xmlns:r="http://schemas.openxmlformats.org/officeDocument/2006/relationships" r:embed="rId1" cstate="print"/>
           <a:stretch>
             <a:fillRect/>
           </a:stretch>
@@ -3489,14 +3460,12 @@
             <a:off x="1666875" y="6467475"/>
             <a:ext cx="76200" cy="177800"/>
           </a:xfrm>
-          <a:prstGeom prst="rect">
-            <a:avLst/>
-          </a:prstGeom>
+          <a:prstGeom prst="rect"/>
         </p:spPr>
       </p:pic>
       <p:sp>
         <p:nvSpPr>
-          <p:cNvPr id="7" name="object 7"/>
+          <p:cNvPr id="1048683" name="object 7"/>
           <p:cNvSpPr txBox="1">
             <a:spLocks noGrp="1"/>
           </p:cNvSpPr>
@@ -3509,15 +3478,12 @@
             <a:off x="755332" y="385444"/>
             <a:ext cx="4578668" cy="752129"/>
           </a:xfrm>
-          <a:prstGeom prst="rect">
-            <a:avLst/>
-          </a:prstGeom>
-        </p:spPr>
-        <p:txBody>
-          <a:bodyPr vert="horz" wrap="square" lIns="0" tIns="13335" rIns="0" bIns="0" rtlCol="0">
+          <a:prstGeom prst="rect"/>
+        </p:spPr>
+        <p:txBody>
+          <a:bodyPr bIns="0" lIns="0" rIns="0" rtlCol="0" tIns="13335" vert="horz" wrap="square">
             <a:spAutoFit/>
           </a:bodyPr>
-          <a:lstStyle/>
           <a:p>
             <a:pPr marL="12700">
               <a:lnSpc>
@@ -3528,7 +3494,7 @@
               </a:spcBef>
             </a:pPr>
             <a:r>
-              <a:rPr lang="en-IN" dirty="0"/>
+              <a:rPr dirty="0" lang="en-IN"/>
               <a:t>CONCLUSION</a:t>
             </a:r>
             <a:endParaRPr dirty="0"/>
@@ -3537,7 +3503,7 @@
       </p:sp>
       <p:sp>
         <p:nvSpPr>
-          <p:cNvPr id="9" name="object 9"/>
+          <p:cNvPr id="1048684" name="object 9"/>
           <p:cNvSpPr txBox="1"/>
           <p:nvPr/>
         </p:nvSpPr>
@@ -3546,15 +3512,12 @@
             <a:off x="11277218" y="6473337"/>
             <a:ext cx="228600" cy="191770"/>
           </a:xfrm>
-          <a:prstGeom prst="rect">
-            <a:avLst/>
-          </a:prstGeom>
-        </p:spPr>
-        <p:txBody>
-          <a:bodyPr vert="horz" wrap="square" lIns="0" tIns="6985" rIns="0" bIns="0" rtlCol="0">
+          <a:prstGeom prst="rect"/>
+        </p:spPr>
+        <p:txBody>
+          <a:bodyPr bIns="0" lIns="0" rIns="0" rtlCol="0" tIns="6985" vert="horz" wrap="square">
             <a:spAutoFit/>
           </a:bodyPr>
-          <a:lstStyle/>
           <a:p>
             <a:pPr marL="38100">
               <a:lnSpc>
@@ -3565,7 +3528,7 @@
               </a:spcBef>
             </a:pPr>
             <a:fld id="{81D60167-4931-47E6-BA6A-407CBD079E47}" type="slidenum">
-              <a:rPr sz="1100" spc="10" dirty="0">
+              <a:rPr dirty="0" sz="1100" spc="10">
                 <a:solidFill>
                   <a:srgbClr val="2D936B"/>
                 </a:solidFill>
@@ -3583,33 +3546,30 @@
       </p:sp>
       <p:sp>
         <p:nvSpPr>
-          <p:cNvPr id="2" name="Rectangle 1"/>
+          <p:cNvPr id="1048685" name="Rectangle 1"/>
           <p:cNvSpPr/>
           <p:nvPr/>
         </p:nvSpPr>
         <p:spPr>
           <a:xfrm>
             <a:off x="3048000" y="1997839"/>
-            <a:ext cx="6096000" cy="2862322"/>
-          </a:xfrm>
-          <a:prstGeom prst="rect">
-            <a:avLst/>
-          </a:prstGeom>
+            <a:ext cx="6096000" cy="3025140"/>
+          </a:xfrm>
+          <a:prstGeom prst="rect"/>
         </p:spPr>
         <p:txBody>
           <a:bodyPr>
             <a:spAutoFit/>
           </a:bodyPr>
-          <a:lstStyle/>
-          <a:p>
-            <a:r>
-              <a:rPr lang="en-US" b="1" dirty="0"/>
+          <a:p>
+            <a:r>
+              <a:rPr b="1" dirty="0" lang="en-US"/>
               <a:t>Conclusion</a:t>
             </a:r>
           </a:p>
           <a:p>
             <a:r>
-              <a:rPr lang="en-US" dirty="0"/>
+              <a:rPr dirty="0" lang="en-US"/>
               <a:t>The Digital Portfolio serves as a modern and interactive platform for individuals to showcase their personal, academic, and professional achievements. Unlike traditional resumes, it provides a dynamic space to highlight skills, projects, and experiences using multimedia elements. It enhances personal branding, improves accessibility, and creates better opportunities for career growth. Overall, the digital portfolio is an effective tool that bridges the gap between an individual’s potential and the opportunities available in the digital world.</a:t>
             </a:r>
           </a:p>
@@ -3628,7 +3588,7 @@
   <p:cSld>
     <p:spTree>
       <p:nvGrpSpPr>
-        <p:cNvPr id="1" name=""/>
+        <p:cNvPr id="25" name=""/>
         <p:cNvGrpSpPr/>
         <p:nvPr/>
       </p:nvGrpSpPr>
@@ -3642,7 +3602,7 @@
       </p:grpSpPr>
       <p:sp>
         <p:nvSpPr>
-          <p:cNvPr id="2" name="object 2"/>
+          <p:cNvPr id="1048610" name="object 2"/>
           <p:cNvSpPr/>
           <p:nvPr/>
         </p:nvSpPr>
@@ -3653,9 +3613,7 @@
           </a:xfrm>
           <a:custGeom>
             <a:avLst/>
-            <a:gdLst/>
             <a:ahLst/>
-            <a:cxnLst/>
             <a:rect l="l" t="t" r="r" b="b"/>
             <a:pathLst>
               <a:path w="12192000" h="6858000">
@@ -3683,8 +3641,7 @@
           </a:solidFill>
         </p:spPr>
         <p:txBody>
-          <a:bodyPr wrap="square" lIns="0" tIns="0" rIns="0" bIns="0" rtlCol="0"/>
-          <a:lstStyle/>
+          <a:bodyPr bIns="0" lIns="0" rIns="0" rtlCol="0" tIns="0" wrap="square"/>
           <a:p>
             <a:endParaRPr dirty="0">
               <a:latin typeface="Times New Roman" panose="02020603050405020304" pitchFamily="18" charset="0"/>
@@ -3695,7 +3652,7 @@
       </p:sp>
       <p:grpSp>
         <p:nvGrpSpPr>
-          <p:cNvPr id="3" name="object 3"/>
+          <p:cNvPr id="26" name="object 3"/>
           <p:cNvGrpSpPr/>
           <p:nvPr/>
         </p:nvGrpSpPr>
@@ -3709,7 +3666,7 @@
         </p:grpSpPr>
         <p:sp>
           <p:nvSpPr>
-            <p:cNvPr id="4" name="object 4"/>
+            <p:cNvPr id="1048611" name="object 4"/>
             <p:cNvSpPr/>
             <p:nvPr/>
           </p:nvSpPr>
@@ -3720,9 +3677,7 @@
             </a:xfrm>
             <a:custGeom>
               <a:avLst/>
-              <a:gdLst/>
               <a:ahLst/>
-              <a:cxnLst/>
               <a:rect l="l" t="t" r="r" b="b"/>
               <a:pathLst>
                 <a:path w="1218565" h="6853555">
@@ -3742,16 +3697,13 @@
             </a:ln>
           </p:spPr>
           <p:txBody>
-            <a:bodyPr wrap="square" lIns="0" tIns="0" rIns="0" bIns="0" rtlCol="0"/>
-            <a:lstStyle/>
-            <a:p>
-              <a:endParaRPr/>
-            </a:p>
+            <a:bodyPr bIns="0" lIns="0" rIns="0" rtlCol="0" tIns="0" wrap="square"/>
+            <a:p/>
           </p:txBody>
         </p:sp>
         <p:sp>
           <p:nvSpPr>
-            <p:cNvPr id="5" name="object 5"/>
+            <p:cNvPr id="1048612" name="object 5"/>
             <p:cNvSpPr/>
             <p:nvPr/>
           </p:nvSpPr>
@@ -3762,9 +3714,7 @@
             </a:xfrm>
             <a:custGeom>
               <a:avLst/>
-              <a:gdLst/>
               <a:ahLst/>
-              <a:cxnLst/>
               <a:rect l="l" t="t" r="r" b="b"/>
               <a:pathLst>
                 <a:path w="4743450" h="3163570">
@@ -3784,16 +3734,13 @@
             </a:ln>
           </p:spPr>
           <p:txBody>
-            <a:bodyPr wrap="square" lIns="0" tIns="0" rIns="0" bIns="0" rtlCol="0"/>
-            <a:lstStyle/>
-            <a:p>
-              <a:endParaRPr/>
-            </a:p>
+            <a:bodyPr bIns="0" lIns="0" rIns="0" rtlCol="0" tIns="0" wrap="square"/>
+            <a:p/>
           </p:txBody>
         </p:sp>
         <p:sp>
           <p:nvSpPr>
-            <p:cNvPr id="6" name="object 6"/>
+            <p:cNvPr id="1048613" name="object 6"/>
             <p:cNvSpPr/>
             <p:nvPr/>
           </p:nvSpPr>
@@ -3804,9 +3751,7 @@
             </a:xfrm>
             <a:custGeom>
               <a:avLst/>
-              <a:gdLst/>
               <a:ahLst/>
-              <a:cxnLst/>
               <a:rect l="l" t="t" r="r" b="b"/>
               <a:pathLst>
                 <a:path w="3009900" h="6858000">
@@ -3836,16 +3781,13 @@
             </a:solidFill>
           </p:spPr>
           <p:txBody>
-            <a:bodyPr wrap="square" lIns="0" tIns="0" rIns="0" bIns="0" rtlCol="0"/>
-            <a:lstStyle/>
-            <a:p>
-              <a:endParaRPr/>
-            </a:p>
+            <a:bodyPr bIns="0" lIns="0" rIns="0" rtlCol="0" tIns="0" wrap="square"/>
+            <a:p/>
           </p:txBody>
         </p:sp>
         <p:sp>
           <p:nvSpPr>
-            <p:cNvPr id="7" name="object 7"/>
+            <p:cNvPr id="1048614" name="object 7"/>
             <p:cNvSpPr/>
             <p:nvPr/>
           </p:nvSpPr>
@@ -3856,9 +3798,7 @@
             </a:xfrm>
             <a:custGeom>
               <a:avLst/>
-              <a:gdLst/>
               <a:ahLst/>
-              <a:cxnLst/>
               <a:rect l="l" t="t" r="r" b="b"/>
               <a:pathLst>
                 <a:path w="2589529" h="6858000">
@@ -3888,16 +3828,13 @@
             </a:solidFill>
           </p:spPr>
           <p:txBody>
-            <a:bodyPr wrap="square" lIns="0" tIns="0" rIns="0" bIns="0" rtlCol="0"/>
-            <a:lstStyle/>
-            <a:p>
-              <a:endParaRPr/>
-            </a:p>
+            <a:bodyPr bIns="0" lIns="0" rIns="0" rtlCol="0" tIns="0" wrap="square"/>
+            <a:p/>
           </p:txBody>
         </p:sp>
         <p:sp>
           <p:nvSpPr>
-            <p:cNvPr id="8" name="object 8"/>
+            <p:cNvPr id="1048615" name="object 8"/>
             <p:cNvSpPr/>
             <p:nvPr/>
           </p:nvSpPr>
@@ -3908,9 +3845,7 @@
             </a:xfrm>
             <a:custGeom>
               <a:avLst/>
-              <a:gdLst/>
               <a:ahLst/>
-              <a:cxnLst/>
               <a:rect l="l" t="t" r="r" b="b"/>
               <a:pathLst>
                 <a:path w="3257550" h="3810000">
@@ -3937,16 +3872,13 @@
             </a:solidFill>
           </p:spPr>
           <p:txBody>
-            <a:bodyPr wrap="square" lIns="0" tIns="0" rIns="0" bIns="0" rtlCol="0"/>
-            <a:lstStyle/>
-            <a:p>
-              <a:endParaRPr/>
-            </a:p>
+            <a:bodyPr bIns="0" lIns="0" rIns="0" rtlCol="0" tIns="0" wrap="square"/>
+            <a:p/>
           </p:txBody>
         </p:sp>
         <p:sp>
           <p:nvSpPr>
-            <p:cNvPr id="9" name="object 9"/>
+            <p:cNvPr id="1048616" name="object 9"/>
             <p:cNvSpPr/>
             <p:nvPr/>
           </p:nvSpPr>
@@ -3957,9 +3889,7 @@
             </a:xfrm>
             <a:custGeom>
               <a:avLst/>
-              <a:gdLst/>
               <a:ahLst/>
-              <a:cxnLst/>
               <a:rect l="l" t="t" r="r" b="b"/>
               <a:pathLst>
                 <a:path w="2854325" h="6858000">
@@ -3989,16 +3919,13 @@
             </a:solidFill>
           </p:spPr>
           <p:txBody>
-            <a:bodyPr wrap="square" lIns="0" tIns="0" rIns="0" bIns="0" rtlCol="0"/>
-            <a:lstStyle/>
-            <a:p>
-              <a:endParaRPr/>
-            </a:p>
+            <a:bodyPr bIns="0" lIns="0" rIns="0" rtlCol="0" tIns="0" wrap="square"/>
+            <a:p/>
           </p:txBody>
         </p:sp>
         <p:sp>
           <p:nvSpPr>
-            <p:cNvPr id="10" name="object 10"/>
+            <p:cNvPr id="1048617" name="object 10"/>
             <p:cNvSpPr/>
             <p:nvPr/>
           </p:nvSpPr>
@@ -4009,9 +3936,7 @@
             </a:xfrm>
             <a:custGeom>
               <a:avLst/>
-              <a:gdLst/>
               <a:ahLst/>
-              <a:cxnLst/>
               <a:rect l="l" t="t" r="r" b="b"/>
               <a:pathLst>
                 <a:path w="1295400" h="6858000">
@@ -4041,16 +3966,13 @@
             </a:solidFill>
           </p:spPr>
           <p:txBody>
-            <a:bodyPr wrap="square" lIns="0" tIns="0" rIns="0" bIns="0" rtlCol="0"/>
-            <a:lstStyle/>
-            <a:p>
-              <a:endParaRPr/>
-            </a:p>
+            <a:bodyPr bIns="0" lIns="0" rIns="0" rtlCol="0" tIns="0" wrap="square"/>
+            <a:p/>
           </p:txBody>
         </p:sp>
         <p:sp>
           <p:nvSpPr>
-            <p:cNvPr id="11" name="object 11"/>
+            <p:cNvPr id="1048618" name="object 11"/>
             <p:cNvSpPr/>
             <p:nvPr/>
           </p:nvSpPr>
@@ -4061,9 +3983,7 @@
             </a:xfrm>
             <a:custGeom>
               <a:avLst/>
-              <a:gdLst/>
               <a:ahLst/>
-              <a:cxnLst/>
               <a:rect l="l" t="t" r="r" b="b"/>
               <a:pathLst>
                 <a:path w="1256029" h="6858000">
@@ -4093,16 +4013,13 @@
             </a:solidFill>
           </p:spPr>
           <p:txBody>
-            <a:bodyPr wrap="square" lIns="0" tIns="0" rIns="0" bIns="0" rtlCol="0"/>
-            <a:lstStyle/>
-            <a:p>
-              <a:endParaRPr/>
-            </a:p>
+            <a:bodyPr bIns="0" lIns="0" rIns="0" rtlCol="0" tIns="0" wrap="square"/>
+            <a:p/>
           </p:txBody>
         </p:sp>
         <p:sp>
           <p:nvSpPr>
-            <p:cNvPr id="12" name="object 12"/>
+            <p:cNvPr id="1048619" name="object 12"/>
             <p:cNvSpPr/>
             <p:nvPr/>
           </p:nvSpPr>
@@ -4113,9 +4030,7 @@
             </a:xfrm>
             <a:custGeom>
               <a:avLst/>
-              <a:gdLst/>
               <a:ahLst/>
-              <a:cxnLst/>
               <a:rect l="l" t="t" r="r" b="b"/>
               <a:pathLst>
                 <a:path w="1819275" h="3267075">
@@ -4142,17 +4057,14 @@
             </a:solidFill>
           </p:spPr>
           <p:txBody>
-            <a:bodyPr wrap="square" lIns="0" tIns="0" rIns="0" bIns="0" rtlCol="0"/>
-            <a:lstStyle/>
-            <a:p>
-              <a:endParaRPr/>
-            </a:p>
+            <a:bodyPr bIns="0" lIns="0" rIns="0" rtlCol="0" tIns="0" wrap="square"/>
+            <a:p/>
           </p:txBody>
         </p:sp>
       </p:grpSp>
       <p:sp>
         <p:nvSpPr>
-          <p:cNvPr id="13" name="object 13"/>
+          <p:cNvPr id="1048620" name="object 13"/>
           <p:cNvSpPr/>
           <p:nvPr/>
         </p:nvSpPr>
@@ -4163,9 +4075,7 @@
           </a:xfrm>
           <a:custGeom>
             <a:avLst/>
-            <a:gdLst/>
             <a:ahLst/>
-            <a:cxnLst/>
             <a:rect l="l" t="t" r="r" b="b"/>
             <a:pathLst>
               <a:path w="447675" h="2847975">
@@ -4192,16 +4102,13 @@
           </a:solidFill>
         </p:spPr>
         <p:txBody>
-          <a:bodyPr wrap="square" lIns="0" tIns="0" rIns="0" bIns="0" rtlCol="0"/>
-          <a:lstStyle/>
-          <a:p>
-            <a:endParaRPr/>
-          </a:p>
-        </p:txBody>
-      </p:sp>
-      <p:sp>
-        <p:nvSpPr>
-          <p:cNvPr id="14" name="object 14"/>
+          <a:bodyPr bIns="0" lIns="0" rIns="0" rtlCol="0" tIns="0" wrap="square"/>
+          <a:p/>
+        </p:txBody>
+      </p:sp>
+      <p:sp>
+        <p:nvSpPr>
+          <p:cNvPr id="1048621" name="object 14"/>
           <p:cNvSpPr/>
           <p:nvPr/>
         </p:nvSpPr>
@@ -4212,9 +4119,7 @@
           </a:xfrm>
           <a:custGeom>
             <a:avLst/>
-            <a:gdLst/>
             <a:ahLst/>
-            <a:cxnLst/>
             <a:rect l="l" t="t" r="r" b="b"/>
             <a:pathLst>
               <a:path w="457200" h="457200">
@@ -4242,16 +4147,13 @@
           </a:solidFill>
         </p:spPr>
         <p:txBody>
-          <a:bodyPr wrap="square" lIns="0" tIns="0" rIns="0" bIns="0" rtlCol="0"/>
-          <a:lstStyle/>
-          <a:p>
-            <a:endParaRPr/>
-          </a:p>
-        </p:txBody>
-      </p:sp>
-      <p:sp>
-        <p:nvSpPr>
-          <p:cNvPr id="15" name="object 15"/>
+          <a:bodyPr bIns="0" lIns="0" rIns="0" rtlCol="0" tIns="0" wrap="square"/>
+          <a:p/>
+        </p:txBody>
+      </p:sp>
+      <p:sp>
+        <p:nvSpPr>
+          <p:cNvPr id="1048622" name="object 15"/>
           <p:cNvSpPr/>
           <p:nvPr/>
         </p:nvSpPr>
@@ -4262,9 +4164,7 @@
           </a:xfrm>
           <a:custGeom>
             <a:avLst/>
-            <a:gdLst/>
             <a:ahLst/>
-            <a:cxnLst/>
             <a:rect l="l" t="t" r="r" b="b"/>
             <a:pathLst>
               <a:path w="314325" h="323850">
@@ -4292,16 +4192,13 @@
           </a:solidFill>
         </p:spPr>
         <p:txBody>
-          <a:bodyPr wrap="square" lIns="0" tIns="0" rIns="0" bIns="0" rtlCol="0"/>
-          <a:lstStyle/>
-          <a:p>
-            <a:endParaRPr/>
-          </a:p>
-        </p:txBody>
-      </p:sp>
-      <p:sp>
-        <p:nvSpPr>
-          <p:cNvPr id="16" name="object 16"/>
+          <a:bodyPr bIns="0" lIns="0" rIns="0" rtlCol="0" tIns="0" wrap="square"/>
+          <a:p/>
+        </p:txBody>
+      </p:sp>
+      <p:sp>
+        <p:nvSpPr>
+          <p:cNvPr id="1048623" name="object 16"/>
           <p:cNvSpPr/>
           <p:nvPr/>
         </p:nvSpPr>
@@ -4312,9 +4209,7 @@
           </a:xfrm>
           <a:custGeom>
             <a:avLst/>
-            <a:gdLst/>
             <a:ahLst/>
-            <a:cxnLst/>
             <a:rect l="l" t="t" r="r" b="b"/>
             <a:pathLst>
               <a:path w="180975" h="180975">
@@ -4342,16 +4237,13 @@
           </a:solidFill>
         </p:spPr>
         <p:txBody>
-          <a:bodyPr wrap="square" lIns="0" tIns="0" rIns="0" bIns="0" rtlCol="0"/>
-          <a:lstStyle/>
-          <a:p>
-            <a:endParaRPr/>
-          </a:p>
-        </p:txBody>
-      </p:sp>
-      <p:sp>
-        <p:nvSpPr>
-          <p:cNvPr id="17" name="object 17"/>
+          <a:bodyPr bIns="0" lIns="0" rIns="0" rtlCol="0" tIns="0" wrap="square"/>
+          <a:p/>
+        </p:txBody>
+      </p:sp>
+      <p:sp>
+        <p:nvSpPr>
+          <p:cNvPr id="1048624" name="object 17"/>
           <p:cNvSpPr txBox="1">
             <a:spLocks noGrp="1"/>
           </p:cNvSpPr>
@@ -4362,17 +4254,14 @@
         <p:spPr>
           <a:xfrm>
             <a:off x="739775" y="829627"/>
-            <a:ext cx="3909695" cy="1978747"/>
-          </a:xfrm>
-          <a:prstGeom prst="rect">
-            <a:avLst/>
-          </a:prstGeom>
-        </p:spPr>
-        <p:txBody>
-          <a:bodyPr vert="horz" wrap="square" lIns="0" tIns="16510" rIns="0" bIns="0" rtlCol="0">
+            <a:ext cx="3909695" cy="1261110"/>
+          </a:xfrm>
+          <a:prstGeom prst="rect"/>
+        </p:spPr>
+        <p:txBody>
+          <a:bodyPr bIns="0" lIns="0" rIns="0" rtlCol="0" tIns="16510" vert="horz" wrap="square">
             <a:spAutoFit/>
           </a:bodyPr>
-          <a:lstStyle/>
           <a:p>
             <a:pPr marL="12700">
               <a:lnSpc>
@@ -4383,16 +4272,16 @@
               </a:spcBef>
             </a:pPr>
             <a:r>
-              <a:rPr lang="en-US" sz="4250" spc="5" dirty="0" smtClean="0"/>
+              <a:rPr dirty="0" sz="4250" lang="en-US" spc="5" smtClean="0"/>
               <a:t>Interactive digital portfolio</a:t>
             </a:r>
-            <a:endParaRPr sz="4250" dirty="0"/>
+            <a:endParaRPr dirty="0" sz="4250"/>
           </a:p>
         </p:txBody>
       </p:sp>
       <p:grpSp>
         <p:nvGrpSpPr>
-          <p:cNvPr id="18" name="object 18"/>
+          <p:cNvPr id="27" name="object 18"/>
           <p:cNvGrpSpPr/>
           <p:nvPr/>
         </p:nvGrpSpPr>
@@ -4406,12 +4295,14 @@
         </p:grpSpPr>
         <p:pic>
           <p:nvPicPr>
-            <p:cNvPr id="19" name="object 19"/>
-            <p:cNvPicPr/>
+            <p:cNvPr id="2097153" name="object 19"/>
+            <p:cNvPicPr>
+              <a:picLocks/>
+            </p:cNvPicPr>
             <p:nvPr/>
           </p:nvPicPr>
           <p:blipFill>
-            <a:blip r:embed="rId2" cstate="print"/>
+            <a:blip xmlns:r="http://schemas.openxmlformats.org/officeDocument/2006/relationships" r:embed="rId1" cstate="print"/>
             <a:stretch>
               <a:fillRect/>
             </a:stretch>
@@ -4421,19 +4312,19 @@
               <a:off x="676275" y="6467475"/>
               <a:ext cx="2143125" cy="200025"/>
             </a:xfrm>
-            <a:prstGeom prst="rect">
-              <a:avLst/>
-            </a:prstGeom>
+            <a:prstGeom prst="rect"/>
           </p:spPr>
         </p:pic>
         <p:pic>
           <p:nvPicPr>
-            <p:cNvPr id="20" name="object 20"/>
-            <p:cNvPicPr/>
+            <p:cNvPr id="2097154" name="object 20"/>
+            <p:cNvPicPr>
+              <a:picLocks/>
+            </p:cNvPicPr>
             <p:nvPr/>
           </p:nvPicPr>
           <p:blipFill>
-            <a:blip r:embed="rId3" cstate="print"/>
+            <a:blip xmlns:r="http://schemas.openxmlformats.org/officeDocument/2006/relationships" r:embed="rId2" cstate="print"/>
             <a:stretch>
               <a:fillRect/>
             </a:stretch>
@@ -4443,15 +4334,13 @@
               <a:off x="466725" y="6410325"/>
               <a:ext cx="3705225" cy="295275"/>
             </a:xfrm>
-            <a:prstGeom prst="rect">
-              <a:avLst/>
-            </a:prstGeom>
+            <a:prstGeom prst="rect"/>
           </p:spPr>
         </p:pic>
       </p:grpSp>
       <p:sp>
         <p:nvSpPr>
-          <p:cNvPr id="22" name="object 22"/>
+          <p:cNvPr id="1048625" name="object 22"/>
           <p:cNvSpPr txBox="1">
             <a:spLocks noGrp="1"/>
           </p:cNvSpPr>
@@ -4460,15 +4349,12 @@
           </p:nvPr>
         </p:nvSpPr>
         <p:spPr>
-          <a:prstGeom prst="rect">
-            <a:avLst/>
-          </a:prstGeom>
-        </p:spPr>
-        <p:txBody>
-          <a:bodyPr vert="horz" wrap="square" lIns="0" tIns="6985" rIns="0" bIns="0" rtlCol="0">
+          <a:prstGeom prst="rect"/>
+        </p:spPr>
+        <p:txBody>
+          <a:bodyPr bIns="0" lIns="0" rIns="0" rtlCol="0" tIns="6985" vert="horz" wrap="square">
             <a:spAutoFit/>
           </a:bodyPr>
-          <a:lstStyle/>
           <a:p>
             <a:pPr marL="38100">
               <a:lnSpc>
@@ -4479,10 +4365,10 @@
               </a:spcBef>
             </a:pPr>
             <a:fld id="{81D60167-4931-47E6-BA6A-407CBD079E47}" type="slidenum">
-              <a:rPr spc="10" dirty="0"/>
+              <a:rPr dirty="0" spc="10"/>
               <a:t>2</a:t>
             </a:fld>
-            <a:endParaRPr spc="10" dirty="0"/>
+            <a:endParaRPr dirty="0" spc="10"/>
           </a:p>
         </p:txBody>
       </p:sp>
@@ -4499,7 +4385,7 @@
   <p:cSld>
     <p:spTree>
       <p:nvGrpSpPr>
-        <p:cNvPr id="1" name=""/>
+        <p:cNvPr id="28" name=""/>
         <p:cNvGrpSpPr/>
         <p:nvPr/>
       </p:nvGrpSpPr>
@@ -4513,7 +4399,7 @@
       </p:grpSpPr>
       <p:sp>
         <p:nvSpPr>
-          <p:cNvPr id="2" name="object 2"/>
+          <p:cNvPr id="1048626" name="object 2"/>
           <p:cNvSpPr/>
           <p:nvPr/>
         </p:nvSpPr>
@@ -4524,9 +4410,7 @@
           </a:xfrm>
           <a:custGeom>
             <a:avLst/>
-            <a:gdLst/>
             <a:ahLst/>
-            <a:cxnLst/>
             <a:rect l="l" t="t" r="r" b="b"/>
             <a:pathLst>
               <a:path w="12192000" h="6858000">
@@ -4554,8 +4438,7 @@
           </a:solidFill>
         </p:spPr>
         <p:txBody>
-          <a:bodyPr wrap="square" lIns="0" tIns="0" rIns="0" bIns="0" rtlCol="0"/>
-          <a:lstStyle/>
+          <a:bodyPr bIns="0" lIns="0" rIns="0" rtlCol="0" tIns="0" wrap="square"/>
           <a:p>
             <a:endParaRPr dirty="0"/>
           </a:p>
@@ -4563,7 +4446,7 @@
       </p:sp>
       <p:grpSp>
         <p:nvGrpSpPr>
-          <p:cNvPr id="3" name="object 3"/>
+          <p:cNvPr id="29" name="object 3"/>
           <p:cNvGrpSpPr/>
           <p:nvPr/>
         </p:nvGrpSpPr>
@@ -4577,7 +4460,7 @@
         </p:grpSpPr>
         <p:sp>
           <p:nvSpPr>
-            <p:cNvPr id="4" name="object 4"/>
+            <p:cNvPr id="1048627" name="object 4"/>
             <p:cNvSpPr/>
             <p:nvPr/>
           </p:nvSpPr>
@@ -4588,9 +4471,7 @@
             </a:xfrm>
             <a:custGeom>
               <a:avLst/>
-              <a:gdLst/>
               <a:ahLst/>
-              <a:cxnLst/>
               <a:rect l="l" t="t" r="r" b="b"/>
               <a:pathLst>
                 <a:path w="1218565" h="6853555">
@@ -4610,16 +4491,13 @@
             </a:ln>
           </p:spPr>
           <p:txBody>
-            <a:bodyPr wrap="square" lIns="0" tIns="0" rIns="0" bIns="0" rtlCol="0"/>
-            <a:lstStyle/>
-            <a:p>
-              <a:endParaRPr/>
-            </a:p>
+            <a:bodyPr bIns="0" lIns="0" rIns="0" rtlCol="0" tIns="0" wrap="square"/>
+            <a:p/>
           </p:txBody>
         </p:sp>
         <p:sp>
           <p:nvSpPr>
-            <p:cNvPr id="5" name="object 5"/>
+            <p:cNvPr id="1048628" name="object 5"/>
             <p:cNvSpPr/>
             <p:nvPr/>
           </p:nvSpPr>
@@ -4630,9 +4508,7 @@
             </a:xfrm>
             <a:custGeom>
               <a:avLst/>
-              <a:gdLst/>
               <a:ahLst/>
-              <a:cxnLst/>
               <a:rect l="l" t="t" r="r" b="b"/>
               <a:pathLst>
                 <a:path w="4743450" h="3163570">
@@ -4652,16 +4528,13 @@
             </a:ln>
           </p:spPr>
           <p:txBody>
-            <a:bodyPr wrap="square" lIns="0" tIns="0" rIns="0" bIns="0" rtlCol="0"/>
-            <a:lstStyle/>
-            <a:p>
-              <a:endParaRPr/>
-            </a:p>
+            <a:bodyPr bIns="0" lIns="0" rIns="0" rtlCol="0" tIns="0" wrap="square"/>
+            <a:p/>
           </p:txBody>
         </p:sp>
         <p:sp>
           <p:nvSpPr>
-            <p:cNvPr id="6" name="object 6"/>
+            <p:cNvPr id="1048629" name="object 6"/>
             <p:cNvSpPr/>
             <p:nvPr/>
           </p:nvSpPr>
@@ -4672,9 +4545,7 @@
             </a:xfrm>
             <a:custGeom>
               <a:avLst/>
-              <a:gdLst/>
               <a:ahLst/>
-              <a:cxnLst/>
               <a:rect l="l" t="t" r="r" b="b"/>
               <a:pathLst>
                 <a:path w="3009900" h="6858000">
@@ -4704,16 +4575,13 @@
             </a:solidFill>
           </p:spPr>
           <p:txBody>
-            <a:bodyPr wrap="square" lIns="0" tIns="0" rIns="0" bIns="0" rtlCol="0"/>
-            <a:lstStyle/>
-            <a:p>
-              <a:endParaRPr/>
-            </a:p>
+            <a:bodyPr bIns="0" lIns="0" rIns="0" rtlCol="0" tIns="0" wrap="square"/>
+            <a:p/>
           </p:txBody>
         </p:sp>
         <p:sp>
           <p:nvSpPr>
-            <p:cNvPr id="7" name="object 7"/>
+            <p:cNvPr id="1048630" name="object 7"/>
             <p:cNvSpPr/>
             <p:nvPr/>
           </p:nvSpPr>
@@ -4724,9 +4592,7 @@
             </a:xfrm>
             <a:custGeom>
               <a:avLst/>
-              <a:gdLst/>
               <a:ahLst/>
-              <a:cxnLst/>
               <a:rect l="l" t="t" r="r" b="b"/>
               <a:pathLst>
                 <a:path w="2589529" h="6858000">
@@ -4756,16 +4622,13 @@
             </a:solidFill>
           </p:spPr>
           <p:txBody>
-            <a:bodyPr wrap="square" lIns="0" tIns="0" rIns="0" bIns="0" rtlCol="0"/>
-            <a:lstStyle/>
-            <a:p>
-              <a:endParaRPr/>
-            </a:p>
+            <a:bodyPr bIns="0" lIns="0" rIns="0" rtlCol="0" tIns="0" wrap="square"/>
+            <a:p/>
           </p:txBody>
         </p:sp>
         <p:sp>
           <p:nvSpPr>
-            <p:cNvPr id="8" name="object 8"/>
+            <p:cNvPr id="1048631" name="object 8"/>
             <p:cNvSpPr/>
             <p:nvPr/>
           </p:nvSpPr>
@@ -4776,9 +4639,7 @@
             </a:xfrm>
             <a:custGeom>
               <a:avLst/>
-              <a:gdLst/>
               <a:ahLst/>
-              <a:cxnLst/>
               <a:rect l="l" t="t" r="r" b="b"/>
               <a:pathLst>
                 <a:path w="3257550" h="3810000">
@@ -4805,16 +4666,13 @@
             </a:solidFill>
           </p:spPr>
           <p:txBody>
-            <a:bodyPr wrap="square" lIns="0" tIns="0" rIns="0" bIns="0" rtlCol="0"/>
-            <a:lstStyle/>
-            <a:p>
-              <a:endParaRPr/>
-            </a:p>
+            <a:bodyPr bIns="0" lIns="0" rIns="0" rtlCol="0" tIns="0" wrap="square"/>
+            <a:p/>
           </p:txBody>
         </p:sp>
         <p:sp>
           <p:nvSpPr>
-            <p:cNvPr id="9" name="object 9"/>
+            <p:cNvPr id="1048632" name="object 9"/>
             <p:cNvSpPr/>
             <p:nvPr/>
           </p:nvSpPr>
@@ -4825,9 +4683,7 @@
             </a:xfrm>
             <a:custGeom>
               <a:avLst/>
-              <a:gdLst/>
               <a:ahLst/>
-              <a:cxnLst/>
               <a:rect l="l" t="t" r="r" b="b"/>
               <a:pathLst>
                 <a:path w="2854325" h="6858000">
@@ -4857,16 +4713,13 @@
             </a:solidFill>
           </p:spPr>
           <p:txBody>
-            <a:bodyPr wrap="square" lIns="0" tIns="0" rIns="0" bIns="0" rtlCol="0"/>
-            <a:lstStyle/>
-            <a:p>
-              <a:endParaRPr/>
-            </a:p>
+            <a:bodyPr bIns="0" lIns="0" rIns="0" rtlCol="0" tIns="0" wrap="square"/>
+            <a:p/>
           </p:txBody>
         </p:sp>
         <p:sp>
           <p:nvSpPr>
-            <p:cNvPr id="10" name="object 10"/>
+            <p:cNvPr id="1048633" name="object 10"/>
             <p:cNvSpPr/>
             <p:nvPr/>
           </p:nvSpPr>
@@ -4877,9 +4730,7 @@
             </a:xfrm>
             <a:custGeom>
               <a:avLst/>
-              <a:gdLst/>
               <a:ahLst/>
-              <a:cxnLst/>
               <a:rect l="l" t="t" r="r" b="b"/>
               <a:pathLst>
                 <a:path w="1295400" h="6858000">
@@ -4909,16 +4760,13 @@
             </a:solidFill>
           </p:spPr>
           <p:txBody>
-            <a:bodyPr wrap="square" lIns="0" tIns="0" rIns="0" bIns="0" rtlCol="0"/>
-            <a:lstStyle/>
-            <a:p>
-              <a:endParaRPr/>
-            </a:p>
+            <a:bodyPr bIns="0" lIns="0" rIns="0" rtlCol="0" tIns="0" wrap="square"/>
+            <a:p/>
           </p:txBody>
         </p:sp>
         <p:sp>
           <p:nvSpPr>
-            <p:cNvPr id="11" name="object 11"/>
+            <p:cNvPr id="1048634" name="object 11"/>
             <p:cNvSpPr/>
             <p:nvPr/>
           </p:nvSpPr>
@@ -4929,9 +4777,7 @@
             </a:xfrm>
             <a:custGeom>
               <a:avLst/>
-              <a:gdLst/>
               <a:ahLst/>
-              <a:cxnLst/>
               <a:rect l="l" t="t" r="r" b="b"/>
               <a:pathLst>
                 <a:path w="1256029" h="6858000">
@@ -4961,16 +4807,13 @@
             </a:solidFill>
           </p:spPr>
           <p:txBody>
-            <a:bodyPr wrap="square" lIns="0" tIns="0" rIns="0" bIns="0" rtlCol="0"/>
-            <a:lstStyle/>
-            <a:p>
-              <a:endParaRPr/>
-            </a:p>
+            <a:bodyPr bIns="0" lIns="0" rIns="0" rtlCol="0" tIns="0" wrap="square"/>
+            <a:p/>
           </p:txBody>
         </p:sp>
         <p:sp>
           <p:nvSpPr>
-            <p:cNvPr id="12" name="object 12"/>
+            <p:cNvPr id="1048635" name="object 12"/>
             <p:cNvSpPr/>
             <p:nvPr/>
           </p:nvSpPr>
@@ -4981,9 +4824,7 @@
             </a:xfrm>
             <a:custGeom>
               <a:avLst/>
-              <a:gdLst/>
               <a:ahLst/>
-              <a:cxnLst/>
               <a:rect l="l" t="t" r="r" b="b"/>
               <a:pathLst>
                 <a:path w="1819275" h="3267075">
@@ -5010,17 +4851,14 @@
             </a:solidFill>
           </p:spPr>
           <p:txBody>
-            <a:bodyPr wrap="square" lIns="0" tIns="0" rIns="0" bIns="0" rtlCol="0"/>
-            <a:lstStyle/>
-            <a:p>
-              <a:endParaRPr/>
-            </a:p>
+            <a:bodyPr bIns="0" lIns="0" rIns="0" rtlCol="0" tIns="0" wrap="square"/>
+            <a:p/>
           </p:txBody>
         </p:sp>
       </p:grpSp>
       <p:sp>
         <p:nvSpPr>
-          <p:cNvPr id="13" name="object 13"/>
+          <p:cNvPr id="1048636" name="object 13"/>
           <p:cNvSpPr/>
           <p:nvPr/>
         </p:nvSpPr>
@@ -5031,9 +4869,7 @@
           </a:xfrm>
           <a:custGeom>
             <a:avLst/>
-            <a:gdLst/>
             <a:ahLst/>
-            <a:cxnLst/>
             <a:rect l="l" t="t" r="r" b="b"/>
             <a:pathLst>
               <a:path w="447675" h="2847975">
@@ -5060,16 +4896,13 @@
           </a:solidFill>
         </p:spPr>
         <p:txBody>
-          <a:bodyPr wrap="square" lIns="0" tIns="0" rIns="0" bIns="0" rtlCol="0"/>
-          <a:lstStyle/>
-          <a:p>
-            <a:endParaRPr/>
-          </a:p>
-        </p:txBody>
-      </p:sp>
-      <p:sp>
-        <p:nvSpPr>
-          <p:cNvPr id="14" name="object 14"/>
+          <a:bodyPr bIns="0" lIns="0" rIns="0" rtlCol="0" tIns="0" wrap="square"/>
+          <a:p/>
+        </p:txBody>
+      </p:sp>
+      <p:sp>
+        <p:nvSpPr>
+          <p:cNvPr id="1048637" name="object 14"/>
           <p:cNvSpPr txBox="1"/>
           <p:nvPr/>
         </p:nvSpPr>
@@ -5078,15 +4911,12 @@
             <a:off x="752475" y="6486037"/>
             <a:ext cx="1773555" cy="166370"/>
           </a:xfrm>
-          <a:prstGeom prst="rect">
-            <a:avLst/>
-          </a:prstGeom>
-        </p:spPr>
-        <p:txBody>
-          <a:bodyPr vert="horz" wrap="square" lIns="0" tIns="0" rIns="0" bIns="0" rtlCol="0">
+          <a:prstGeom prst="rect"/>
+        </p:spPr>
+        <p:txBody>
+          <a:bodyPr bIns="0" lIns="0" rIns="0" rtlCol="0" tIns="0" vert="horz" wrap="square">
             <a:spAutoFit/>
           </a:bodyPr>
-          <a:lstStyle/>
           <a:p>
             <a:pPr>
               <a:lnSpc>
@@ -5094,7 +4924,7 @@
               </a:lnSpc>
             </a:pPr>
             <a:r>
-              <a:rPr sz="1100" spc="20" dirty="0">
+              <a:rPr dirty="0" sz="1100" spc="20">
                 <a:solidFill>
                   <a:srgbClr val="2D83C3"/>
                 </a:solidFill>
@@ -5104,7 +4934,7 @@
               <a:t>3/21/202</a:t>
             </a:r>
             <a:r>
-              <a:rPr sz="1100" spc="10" dirty="0">
+              <a:rPr dirty="0" sz="1100" spc="10">
                 <a:solidFill>
                   <a:srgbClr val="2D83C3"/>
                 </a:solidFill>
@@ -5114,7 +4944,7 @@
               <a:t>4</a:t>
             </a:r>
             <a:r>
-              <a:rPr sz="1100" dirty="0">
+              <a:rPr dirty="0" sz="1100">
                 <a:solidFill>
                   <a:srgbClr val="2D83C3"/>
                 </a:solidFill>
@@ -5124,7 +4954,7 @@
               <a:t> </a:t>
             </a:r>
             <a:r>
-              <a:rPr sz="1100" spc="130" dirty="0">
+              <a:rPr dirty="0" sz="1100" spc="130">
                 <a:solidFill>
                   <a:srgbClr val="2D83C3"/>
                 </a:solidFill>
@@ -5134,7 +4964,7 @@
               <a:t> </a:t>
             </a:r>
             <a:r>
-              <a:rPr sz="1100" b="1" spc="50" dirty="0">
+              <a:rPr b="1" dirty="0" sz="1100" spc="50">
                 <a:solidFill>
                   <a:srgbClr val="2D83C3"/>
                 </a:solidFill>
@@ -5144,7 +4974,7 @@
               <a:t>A</a:t>
             </a:r>
             <a:r>
-              <a:rPr sz="1100" b="1" spc="15" dirty="0">
+              <a:rPr b="1" dirty="0" sz="1100" spc="15">
                 <a:solidFill>
                   <a:srgbClr val="2D83C3"/>
                 </a:solidFill>
@@ -5154,7 +4984,7 @@
               <a:t>nnu</a:t>
             </a:r>
             <a:r>
-              <a:rPr sz="1100" b="1" spc="10" dirty="0">
+              <a:rPr b="1" dirty="0" sz="1100" spc="10">
                 <a:solidFill>
                   <a:srgbClr val="2D83C3"/>
                 </a:solidFill>
@@ -5164,7 +4994,7 @@
               <a:t>al</a:t>
             </a:r>
             <a:r>
-              <a:rPr sz="1100" b="1" spc="-140" dirty="0">
+              <a:rPr b="1" dirty="0" sz="1100" spc="-140">
                 <a:solidFill>
                   <a:srgbClr val="2D83C3"/>
                 </a:solidFill>
@@ -5174,7 +5004,7 @@
               <a:t> </a:t>
             </a:r>
             <a:r>
-              <a:rPr sz="1100" b="1" dirty="0">
+              <a:rPr b="1" dirty="0" sz="1100">
                 <a:solidFill>
                   <a:srgbClr val="2D83C3"/>
                 </a:solidFill>
@@ -5184,7 +5014,7 @@
               <a:t>R</a:t>
             </a:r>
             <a:r>
-              <a:rPr sz="1100" b="1" spc="35" dirty="0">
+              <a:rPr b="1" dirty="0" sz="1100" spc="35">
                 <a:solidFill>
                   <a:srgbClr val="2D83C3"/>
                 </a:solidFill>
@@ -5194,7 +5024,7 @@
               <a:t>e</a:t>
             </a:r>
             <a:r>
-              <a:rPr sz="1100" b="1" spc="90" dirty="0">
+              <a:rPr b="1" dirty="0" sz="1100" spc="90">
                 <a:solidFill>
                   <a:srgbClr val="2D83C3"/>
                 </a:solidFill>
@@ -5204,7 +5034,7 @@
               <a:t>v</a:t>
             </a:r>
             <a:r>
-              <a:rPr sz="1100" b="1" spc="-35" dirty="0">
+              <a:rPr b="1" dirty="0" sz="1100" spc="-35">
                 <a:solidFill>
                   <a:srgbClr val="2D83C3"/>
                 </a:solidFill>
@@ -5214,7 +5044,7 @@
               <a:t>i</a:t>
             </a:r>
             <a:r>
-              <a:rPr sz="1100" b="1" spc="35" dirty="0">
+              <a:rPr b="1" dirty="0" sz="1100" spc="35">
                 <a:solidFill>
                   <a:srgbClr val="2D83C3"/>
                 </a:solidFill>
@@ -5224,7 +5054,7 @@
               <a:t>e</a:t>
             </a:r>
             <a:r>
-              <a:rPr sz="1100" b="1" spc="15" dirty="0">
+              <a:rPr b="1" dirty="0" sz="1100" spc="15">
                 <a:solidFill>
                   <a:srgbClr val="2D83C3"/>
                 </a:solidFill>
@@ -5242,7 +5072,7 @@
       </p:sp>
       <p:sp>
         <p:nvSpPr>
-          <p:cNvPr id="15" name="object 15"/>
+          <p:cNvPr id="1048638" name="object 15"/>
           <p:cNvSpPr/>
           <p:nvPr/>
         </p:nvSpPr>
@@ -5253,9 +5083,7 @@
           </a:xfrm>
           <a:custGeom>
             <a:avLst/>
-            <a:gdLst/>
             <a:ahLst/>
-            <a:cxnLst/>
             <a:rect l="l" t="t" r="r" b="b"/>
             <a:pathLst>
               <a:path w="361950" h="361950">
@@ -5343,16 +5171,13 @@
           </a:solidFill>
         </p:spPr>
         <p:txBody>
-          <a:bodyPr wrap="square" lIns="0" tIns="0" rIns="0" bIns="0" rtlCol="0"/>
-          <a:lstStyle/>
-          <a:p>
-            <a:endParaRPr/>
-          </a:p>
-        </p:txBody>
-      </p:sp>
-      <p:sp>
-        <p:nvSpPr>
-          <p:cNvPr id="16" name="object 16"/>
+          <a:bodyPr bIns="0" lIns="0" rIns="0" rtlCol="0" tIns="0" wrap="square"/>
+          <a:p/>
+        </p:txBody>
+      </p:sp>
+      <p:sp>
+        <p:nvSpPr>
+          <p:cNvPr id="1048639" name="object 16"/>
           <p:cNvSpPr/>
           <p:nvPr/>
         </p:nvSpPr>
@@ -5363,9 +5188,7 @@
           </a:xfrm>
           <a:custGeom>
             <a:avLst/>
-            <a:gdLst/>
             <a:ahLst/>
-            <a:cxnLst/>
             <a:rect l="l" t="t" r="r" b="b"/>
             <a:pathLst>
               <a:path w="647700" h="647700">
@@ -5513,21 +5336,20 @@
           </a:solidFill>
         </p:spPr>
         <p:txBody>
-          <a:bodyPr wrap="square" lIns="0" tIns="0" rIns="0" bIns="0" rtlCol="0"/>
-          <a:lstStyle/>
-          <a:p>
-            <a:endParaRPr/>
-          </a:p>
+          <a:bodyPr bIns="0" lIns="0" rIns="0" rtlCol="0" tIns="0" wrap="square"/>
+          <a:p/>
         </p:txBody>
       </p:sp>
       <p:pic>
         <p:nvPicPr>
-          <p:cNvPr id="17" name="object 17"/>
-          <p:cNvPicPr/>
+          <p:cNvPr id="2097155" name="object 17"/>
+          <p:cNvPicPr>
+            <a:picLocks/>
+          </p:cNvPicPr>
           <p:nvPr/>
         </p:nvPicPr>
         <p:blipFill>
-          <a:blip r:embed="rId2" cstate="print"/>
+          <a:blip xmlns:r="http://schemas.openxmlformats.org/officeDocument/2006/relationships" r:embed="rId1" cstate="print"/>
           <a:stretch>
             <a:fillRect/>
           </a:stretch>
@@ -5537,14 +5359,12 @@
             <a:off x="10687050" y="6134100"/>
             <a:ext cx="247650" cy="247650"/>
           </a:xfrm>
-          <a:prstGeom prst="rect">
-            <a:avLst/>
-          </a:prstGeom>
+          <a:prstGeom prst="rect"/>
         </p:spPr>
       </p:pic>
       <p:grpSp>
         <p:nvGrpSpPr>
-          <p:cNvPr id="18" name="object 18"/>
+          <p:cNvPr id="30" name="object 18"/>
           <p:cNvGrpSpPr/>
           <p:nvPr/>
         </p:nvGrpSpPr>
@@ -5558,12 +5378,14 @@
         </p:grpSpPr>
         <p:pic>
           <p:nvPicPr>
-            <p:cNvPr id="19" name="object 19"/>
-            <p:cNvPicPr/>
+            <p:cNvPr id="2097156" name="object 19"/>
+            <p:cNvPicPr>
+              <a:picLocks/>
+            </p:cNvPicPr>
             <p:nvPr/>
           </p:nvPicPr>
           <p:blipFill>
-            <a:blip r:embed="rId3" cstate="print"/>
+            <a:blip xmlns:r="http://schemas.openxmlformats.org/officeDocument/2006/relationships" r:embed="rId2" cstate="print"/>
             <a:stretch>
               <a:fillRect/>
             </a:stretch>
@@ -5573,19 +5395,19 @@
               <a:off x="466725" y="6410325"/>
               <a:ext cx="3705225" cy="295275"/>
             </a:xfrm>
-            <a:prstGeom prst="rect">
-              <a:avLst/>
-            </a:prstGeom>
+            <a:prstGeom prst="rect"/>
           </p:spPr>
         </p:pic>
         <p:pic>
           <p:nvPicPr>
-            <p:cNvPr id="20" name="object 20"/>
-            <p:cNvPicPr/>
+            <p:cNvPr id="2097157" name="object 20"/>
+            <p:cNvPicPr>
+              <a:picLocks/>
+            </p:cNvPicPr>
             <p:nvPr/>
           </p:nvPicPr>
           <p:blipFill>
-            <a:blip r:embed="rId4" cstate="print"/>
+            <a:blip xmlns:r="http://schemas.openxmlformats.org/officeDocument/2006/relationships" r:embed="rId3" cstate="print"/>
             <a:stretch>
               <a:fillRect/>
             </a:stretch>
@@ -5595,15 +5417,13 @@
               <a:off x="47625" y="3819523"/>
               <a:ext cx="1733550" cy="3009898"/>
             </a:xfrm>
-            <a:prstGeom prst="rect">
-              <a:avLst/>
-            </a:prstGeom>
+            <a:prstGeom prst="rect"/>
           </p:spPr>
         </p:pic>
       </p:grpSp>
       <p:sp>
         <p:nvSpPr>
-          <p:cNvPr id="21" name="object 21"/>
+          <p:cNvPr id="1048640" name="object 21"/>
           <p:cNvSpPr txBox="1">
             <a:spLocks noGrp="1"/>
           </p:cNvSpPr>
@@ -5614,17 +5434,14 @@
         <p:spPr>
           <a:xfrm>
             <a:off x="739775" y="445388"/>
-            <a:ext cx="2357120" cy="758190"/>
-          </a:xfrm>
-          <a:prstGeom prst="rect">
-            <a:avLst/>
-          </a:prstGeom>
-        </p:spPr>
-        <p:txBody>
-          <a:bodyPr vert="horz" wrap="square" lIns="0" tIns="13335" rIns="0" bIns="0" rtlCol="0">
+            <a:ext cx="2357120" cy="1461135"/>
+          </a:xfrm>
+          <a:prstGeom prst="rect"/>
+        </p:spPr>
+        <p:txBody>
+          <a:bodyPr bIns="0" lIns="0" rIns="0" rtlCol="0" tIns="13335" vert="horz" wrap="square">
             <a:spAutoFit/>
           </a:bodyPr>
-          <a:lstStyle/>
           <a:p>
             <a:pPr marL="12700">
               <a:lnSpc>
@@ -5635,19 +5452,19 @@
               </a:spcBef>
             </a:pPr>
             <a:r>
-              <a:rPr spc="25" dirty="0"/>
+              <a:rPr dirty="0" spc="25"/>
               <a:t>A</a:t>
             </a:r>
             <a:r>
-              <a:rPr spc="-5" dirty="0"/>
+              <a:rPr dirty="0" spc="-5"/>
               <a:t>G</a:t>
             </a:r>
             <a:r>
-              <a:rPr spc="-35" dirty="0"/>
+              <a:rPr dirty="0" spc="-35"/>
               <a:t>E</a:t>
             </a:r>
             <a:r>
-              <a:rPr spc="15" dirty="0"/>
+              <a:rPr dirty="0" spc="15"/>
               <a:t>N</a:t>
             </a:r>
             <a:r>
@@ -5659,7 +5476,7 @@
       </p:sp>
       <p:sp>
         <p:nvSpPr>
-          <p:cNvPr id="22" name="object 22"/>
+          <p:cNvPr id="1048641" name="object 22"/>
           <p:cNvSpPr txBox="1">
             <a:spLocks noGrp="1"/>
           </p:cNvSpPr>
@@ -5668,15 +5485,12 @@
           </p:nvPr>
         </p:nvSpPr>
         <p:spPr>
-          <a:prstGeom prst="rect">
-            <a:avLst/>
-          </a:prstGeom>
-        </p:spPr>
-        <p:txBody>
-          <a:bodyPr vert="horz" wrap="square" lIns="0" tIns="6985" rIns="0" bIns="0" rtlCol="0">
+          <a:prstGeom prst="rect"/>
+        </p:spPr>
+        <p:txBody>
+          <a:bodyPr bIns="0" lIns="0" rIns="0" rtlCol="0" tIns="6985" vert="horz" wrap="square">
             <a:spAutoFit/>
           </a:bodyPr>
-          <a:lstStyle/>
           <a:p>
             <a:pPr marL="38100">
               <a:lnSpc>
@@ -5687,43 +5501,34 @@
               </a:spcBef>
             </a:pPr>
             <a:fld id="{81D60167-4931-47E6-BA6A-407CBD079E47}" type="slidenum">
-              <a:rPr spc="10" dirty="0"/>
+              <a:rPr dirty="0" spc="10"/>
               <a:t>3</a:t>
             </a:fld>
-            <a:endParaRPr spc="10" dirty="0"/>
-          </a:p>
-        </p:txBody>
-      </p:sp>
-      <p:sp>
-        <p:nvSpPr>
-          <p:cNvPr id="23" name="TextBox 22">
-            <a:extLst>
-              <a:ext uri="{FF2B5EF4-FFF2-40B4-BE49-F238E27FC236}">
-                <a16:creationId xmlns:a16="http://schemas.microsoft.com/office/drawing/2014/main" xmlns="" id="{D0827FA3-A9D4-0FE5-45BE-664C8C920E82}"/>
-              </a:ext>
-            </a:extLst>
-          </p:cNvPr>
+            <a:endParaRPr dirty="0" spc="10"/>
+          </a:p>
+        </p:txBody>
+      </p:sp>
+      <p:sp>
+        <p:nvSpPr>
+          <p:cNvPr id="1048642" name="TextBox 22"/>
           <p:cNvSpPr txBox="1"/>
           <p:nvPr/>
         </p:nvSpPr>
         <p:spPr>
           <a:xfrm>
             <a:off x="2509807" y="1041533"/>
-            <a:ext cx="5029200" cy="4832092"/>
-          </a:xfrm>
-          <a:prstGeom prst="rect">
-            <a:avLst/>
-          </a:prstGeom>
+            <a:ext cx="5029200" cy="4701541"/>
+          </a:xfrm>
+          <a:prstGeom prst="rect"/>
           <a:noFill/>
         </p:spPr>
         <p:txBody>
-          <a:bodyPr wrap="square" rtlCol="0">
+          <a:bodyPr rtlCol="0" wrap="square">
             <a:spAutoFit/>
           </a:bodyPr>
-          <a:lstStyle/>
           <a:p>
             <a:pPr algn="l"/>
-            <a:endParaRPr lang="en-US" sz="2800" b="0" i="0" dirty="0">
+            <a:endParaRPr b="0" dirty="0" sz="2800" i="0" lang="en-US">
               <a:solidFill>
                 <a:srgbClr val="0D0D0D"/>
               </a:solidFill>
@@ -5738,7 +5543,7 @@
               <a:buAutoNum type="arabicPeriod"/>
             </a:pPr>
             <a:r>
-              <a:rPr lang="en-US" sz="2800" b="0" i="0" dirty="0">
+              <a:rPr b="0" dirty="0" sz="2800" i="0" lang="en-US">
                 <a:solidFill>
                   <a:srgbClr val="0D0D0D"/>
                 </a:solidFill>
@@ -5755,7 +5560,7 @@
               <a:buAutoNum type="arabicPeriod"/>
             </a:pPr>
             <a:r>
-              <a:rPr lang="en-US" sz="2800" b="0" i="0" dirty="0">
+              <a:rPr b="0" dirty="0" sz="2800" i="0" lang="en-US">
                 <a:solidFill>
                   <a:srgbClr val="0D0D0D"/>
                 </a:solidFill>
@@ -5772,7 +5577,7 @@
               <a:buAutoNum type="arabicPeriod"/>
             </a:pPr>
             <a:r>
-              <a:rPr lang="en-US" sz="2800" b="0" i="0" dirty="0">
+              <a:rPr b="0" dirty="0" sz="2800" i="0" lang="en-US">
                 <a:solidFill>
                   <a:srgbClr val="0D0D0D"/>
                 </a:solidFill>
@@ -5789,7 +5594,7 @@
               <a:buAutoNum type="arabicPeriod"/>
             </a:pPr>
             <a:r>
-              <a:rPr lang="en-US" sz="2800" dirty="0">
+              <a:rPr dirty="0" sz="2800" lang="en-US">
                 <a:solidFill>
                   <a:srgbClr val="0D0D0D"/>
                 </a:solidFill>
@@ -5798,7 +5603,7 @@
               </a:rPr>
               <a:t>Tools and Technologies</a:t>
             </a:r>
-            <a:endParaRPr lang="en-US" sz="2800" b="0" i="0" dirty="0">
+            <a:endParaRPr b="0" dirty="0" sz="2800" i="0" lang="en-US">
               <a:solidFill>
                 <a:srgbClr val="0D0D0D"/>
               </a:solidFill>
@@ -5813,7 +5618,7 @@
               <a:buAutoNum type="arabicPeriod"/>
             </a:pPr>
             <a:r>
-              <a:rPr lang="en-US" sz="2800" b="0" i="0" dirty="0">
+              <a:rPr b="0" dirty="0" sz="2800" i="0" lang="en-US">
                 <a:solidFill>
                   <a:srgbClr val="0D0D0D"/>
                 </a:solidFill>
@@ -5830,7 +5635,7 @@
               <a:buAutoNum type="arabicPeriod"/>
             </a:pPr>
             <a:r>
-              <a:rPr lang="en-US" sz="2800" dirty="0">
+              <a:rPr dirty="0" sz="2800" lang="en-US">
                 <a:solidFill>
                   <a:srgbClr val="0D0D0D"/>
                 </a:solidFill>
@@ -5839,7 +5644,7 @@
               </a:rPr>
               <a:t>Features and Functionality</a:t>
             </a:r>
-            <a:endParaRPr lang="en-US" sz="2800" b="0" i="0" dirty="0">
+            <a:endParaRPr b="0" dirty="0" sz="2800" i="0" lang="en-US">
               <a:solidFill>
                 <a:srgbClr val="0D0D0D"/>
               </a:solidFill>
@@ -5854,7 +5659,7 @@
               <a:buAutoNum type="arabicPeriod"/>
             </a:pPr>
             <a:r>
-              <a:rPr lang="en-US" sz="2800" b="0" i="0" dirty="0">
+              <a:rPr b="0" dirty="0" sz="2800" i="0" lang="en-US">
                 <a:solidFill>
                   <a:srgbClr val="0D0D0D"/>
                 </a:solidFill>
@@ -5865,7 +5670,7 @@
               <a:t>Results and </a:t>
             </a:r>
             <a:r>
-              <a:rPr lang="en-US" sz="2800" dirty="0">
+              <a:rPr dirty="0" sz="2800" lang="en-US">
                 <a:solidFill>
                   <a:srgbClr val="0D0D0D"/>
                 </a:solidFill>
@@ -5874,7 +5679,7 @@
               </a:rPr>
               <a:t>Screenshots</a:t>
             </a:r>
-            <a:endParaRPr lang="en-US" sz="2800" b="0" i="0" dirty="0">
+            <a:endParaRPr b="0" dirty="0" sz="2800" i="0" lang="en-US">
               <a:solidFill>
                 <a:srgbClr val="0D0D0D"/>
               </a:solidFill>
@@ -5889,7 +5694,7 @@
               <a:buAutoNum type="arabicPeriod"/>
             </a:pPr>
             <a:r>
-              <a:rPr lang="en-US" sz="2800" b="0" i="0" dirty="0">
+              <a:rPr b="0" dirty="0" sz="2800" i="0" lang="en-US">
                 <a:solidFill>
                   <a:srgbClr val="0D0D0D"/>
                 </a:solidFill>
@@ -5906,7 +5711,7 @@
               <a:buAutoNum type="arabicPeriod"/>
             </a:pPr>
             <a:r>
-              <a:rPr lang="en-US" sz="2800" dirty="0" err="1">
+              <a:rPr dirty="0" sz="2800" lang="en-US" err="1">
                 <a:solidFill>
                   <a:srgbClr val="0D0D0D"/>
                 </a:solidFill>
@@ -5916,7 +5721,7 @@
               <a:t>Github</a:t>
             </a:r>
             <a:r>
-              <a:rPr lang="en-US" sz="2800" dirty="0">
+              <a:rPr dirty="0" sz="2800" lang="en-US">
                 <a:solidFill>
                   <a:srgbClr val="0D0D0D"/>
                 </a:solidFill>
@@ -5925,7 +5730,7 @@
               </a:rPr>
               <a:t> Link</a:t>
             </a:r>
-            <a:endParaRPr lang="en-US" sz="2800" b="0" i="0" dirty="0">
+            <a:endParaRPr b="0" dirty="0" sz="2800" i="0" lang="en-US">
               <a:solidFill>
                 <a:srgbClr val="0D0D0D"/>
               </a:solidFill>
@@ -5935,7 +5740,7 @@
             </a:endParaRPr>
           </a:p>
           <a:p>
-            <a:endParaRPr lang="en-IN" sz="2800" dirty="0">
+            <a:endParaRPr dirty="0" sz="2800" lang="en-IN">
               <a:latin typeface="Times New Roman" panose="02020603050405020304" pitchFamily="18" charset="0"/>
               <a:cs typeface="Times New Roman" panose="02020603050405020304" pitchFamily="18" charset="0"/>
             </a:endParaRPr>
@@ -5955,7 +5760,7 @@
   <p:cSld>
     <p:spTree>
       <p:nvGrpSpPr>
-        <p:cNvPr id="1" name=""/>
+        <p:cNvPr id="31" name=""/>
         <p:cNvGrpSpPr/>
         <p:nvPr/>
       </p:nvGrpSpPr>
@@ -5969,7 +5774,7 @@
       </p:grpSpPr>
       <p:grpSp>
         <p:nvGrpSpPr>
-          <p:cNvPr id="2" name="object 2"/>
+          <p:cNvPr id="32" name="object 2"/>
           <p:cNvGrpSpPr/>
           <p:nvPr/>
         </p:nvGrpSpPr>
@@ -5983,7 +5788,7 @@
         </p:grpSpPr>
         <p:sp>
           <p:nvSpPr>
-            <p:cNvPr id="3" name="object 3"/>
+            <p:cNvPr id="1048643" name="object 3"/>
             <p:cNvSpPr/>
             <p:nvPr/>
           </p:nvSpPr>
@@ -5994,9 +5799,7 @@
             </a:xfrm>
             <a:custGeom>
               <a:avLst/>
-              <a:gdLst/>
               <a:ahLst/>
-              <a:cxnLst/>
               <a:rect l="l" t="t" r="r" b="b"/>
               <a:pathLst>
                 <a:path w="457200" h="457200">
@@ -6024,16 +5827,13 @@
             </a:solidFill>
           </p:spPr>
           <p:txBody>
-            <a:bodyPr wrap="square" lIns="0" tIns="0" rIns="0" bIns="0" rtlCol="0"/>
-            <a:lstStyle/>
-            <a:p>
-              <a:endParaRPr/>
-            </a:p>
+            <a:bodyPr bIns="0" lIns="0" rIns="0" rtlCol="0" tIns="0" wrap="square"/>
+            <a:p/>
           </p:txBody>
         </p:sp>
         <p:sp>
           <p:nvSpPr>
-            <p:cNvPr id="4" name="object 4"/>
+            <p:cNvPr id="1048644" name="object 4"/>
             <p:cNvSpPr/>
             <p:nvPr/>
           </p:nvSpPr>
@@ -6044,9 +5844,7 @@
             </a:xfrm>
             <a:custGeom>
               <a:avLst/>
-              <a:gdLst/>
               <a:ahLst/>
-              <a:cxnLst/>
               <a:rect l="l" t="t" r="r" b="b"/>
               <a:pathLst>
                 <a:path w="180975" h="180975">
@@ -6074,21 +5872,20 @@
             </a:solidFill>
           </p:spPr>
           <p:txBody>
-            <a:bodyPr wrap="square" lIns="0" tIns="0" rIns="0" bIns="0" rtlCol="0"/>
-            <a:lstStyle/>
-            <a:p>
-              <a:endParaRPr/>
-            </a:p>
+            <a:bodyPr bIns="0" lIns="0" rIns="0" rtlCol="0" tIns="0" wrap="square"/>
+            <a:p/>
           </p:txBody>
         </p:sp>
         <p:pic>
           <p:nvPicPr>
-            <p:cNvPr id="5" name="object 5"/>
-            <p:cNvPicPr/>
+            <p:cNvPr id="2097158" name="object 5"/>
+            <p:cNvPicPr>
+              <a:picLocks/>
+            </p:cNvPicPr>
             <p:nvPr/>
           </p:nvPicPr>
           <p:blipFill>
-            <a:blip r:embed="rId2" cstate="print"/>
+            <a:blip xmlns:r="http://schemas.openxmlformats.org/officeDocument/2006/relationships" r:embed="rId1" cstate="print"/>
             <a:stretch>
               <a:fillRect/>
             </a:stretch>
@@ -6098,15 +5895,13 @@
               <a:off x="7991475" y="2933700"/>
               <a:ext cx="2762250" cy="3257550"/>
             </a:xfrm>
-            <a:prstGeom prst="rect">
-              <a:avLst/>
-            </a:prstGeom>
+            <a:prstGeom prst="rect"/>
           </p:spPr>
         </p:pic>
       </p:grpSp>
       <p:sp>
         <p:nvSpPr>
-          <p:cNvPr id="6" name="object 6"/>
+          <p:cNvPr id="1048645" name="object 6"/>
           <p:cNvSpPr/>
           <p:nvPr/>
         </p:nvSpPr>
@@ -6117,9 +5912,7 @@
           </a:xfrm>
           <a:custGeom>
             <a:avLst/>
-            <a:gdLst/>
             <a:ahLst/>
-            <a:cxnLst/>
             <a:rect l="l" t="t" r="r" b="b"/>
             <a:pathLst>
               <a:path w="314325" h="323850">
@@ -6147,8 +5940,7 @@
           </a:solidFill>
         </p:spPr>
         <p:txBody>
-          <a:bodyPr wrap="square" lIns="0" tIns="0" rIns="0" bIns="0" rtlCol="0"/>
-          <a:lstStyle/>
+          <a:bodyPr bIns="0" lIns="0" rIns="0" rtlCol="0" tIns="0" wrap="square"/>
           <a:p>
             <a:endParaRPr dirty="0"/>
           </a:p>
@@ -6156,7 +5948,7 @@
       </p:sp>
       <p:sp>
         <p:nvSpPr>
-          <p:cNvPr id="7" name="object 7"/>
+          <p:cNvPr id="1048646" name="object 7"/>
           <p:cNvSpPr txBox="1">
             <a:spLocks noGrp="1"/>
           </p:cNvSpPr>
@@ -6167,17 +5959,14 @@
         <p:spPr>
           <a:xfrm>
             <a:off x="834072" y="575055"/>
-            <a:ext cx="5636895" cy="678180"/>
-          </a:xfrm>
-          <a:prstGeom prst="rect">
-            <a:avLst/>
-          </a:prstGeom>
-        </p:spPr>
-        <p:txBody>
-          <a:bodyPr vert="horz" wrap="square" lIns="0" tIns="16510" rIns="0" bIns="0" rtlCol="0">
+            <a:ext cx="5636895" cy="1261110"/>
+          </a:xfrm>
+          <a:prstGeom prst="rect"/>
+        </p:spPr>
+        <p:txBody>
+          <a:bodyPr bIns="0" lIns="0" rIns="0" rtlCol="0" tIns="16510" vert="horz" wrap="square">
             <a:spAutoFit/>
           </a:bodyPr>
-          <a:lstStyle/>
           <a:p>
             <a:pPr marL="12700">
               <a:lnSpc>
@@ -6187,59 +5976,59 @@
                 <a:spcPts val="130"/>
               </a:spcBef>
               <a:tabLst>
-                <a:tab pos="2727960" algn="l"/>
+                <a:tab algn="l" pos="2727960"/>
               </a:tabLst>
             </a:pPr>
             <a:r>
-              <a:rPr sz="4250" spc="-20" dirty="0"/>
+              <a:rPr dirty="0" sz="4250" spc="-20"/>
               <a:t>P</a:t>
             </a:r>
             <a:r>
-              <a:rPr sz="4250" spc="15" dirty="0"/>
+              <a:rPr dirty="0" sz="4250" spc="15"/>
               <a:t>ROB</a:t>
             </a:r>
             <a:r>
-              <a:rPr sz="4250" spc="55" dirty="0"/>
+              <a:rPr dirty="0" sz="4250" spc="55"/>
               <a:t>L</a:t>
             </a:r>
             <a:r>
-              <a:rPr sz="4250" spc="-20" dirty="0"/>
+              <a:rPr dirty="0" sz="4250" spc="-20"/>
               <a:t>E</a:t>
             </a:r>
             <a:r>
-              <a:rPr sz="4250" spc="20" dirty="0"/>
+              <a:rPr dirty="0" sz="4250" spc="20"/>
               <a:t>M</a:t>
             </a:r>
             <a:r>
-              <a:rPr sz="4250" dirty="0"/>
+              <a:rPr dirty="0" sz="4250"/>
               <a:t>	</a:t>
             </a:r>
             <a:r>
-              <a:rPr sz="4250" spc="10" dirty="0"/>
+              <a:rPr dirty="0" sz="4250" spc="10"/>
               <a:t>S</a:t>
             </a:r>
             <a:r>
-              <a:rPr sz="4250" spc="-370" dirty="0"/>
+              <a:rPr dirty="0" sz="4250" spc="-370"/>
               <a:t>T</a:t>
             </a:r>
             <a:r>
-              <a:rPr sz="4250" spc="-375" dirty="0"/>
+              <a:rPr dirty="0" sz="4250" spc="-375"/>
               <a:t>A</a:t>
             </a:r>
             <a:r>
-              <a:rPr sz="4250" spc="15" dirty="0"/>
+              <a:rPr dirty="0" sz="4250" spc="15"/>
               <a:t>T</a:t>
             </a:r>
             <a:r>
-              <a:rPr sz="4250" spc="-10" dirty="0"/>
+              <a:rPr dirty="0" sz="4250" spc="-10"/>
               <a:t>E</a:t>
             </a:r>
             <a:r>
-              <a:rPr sz="4250" spc="-20" dirty="0"/>
+              <a:rPr dirty="0" sz="4250" spc="-20"/>
               <a:t>ME</a:t>
             </a:r>
             <a:r>
-              <a:rPr sz="4250" spc="10" dirty="0"/>
+              <a:rPr dirty="0" sz="4250" spc="10"/>
               <a:t>NT</a:t>
             </a:r>
             <a:endParaRPr sz="4250"/>
@@ -6248,12 +6037,14 @@
       </p:sp>
       <p:pic>
         <p:nvPicPr>
-          <p:cNvPr id="8" name="object 8"/>
-          <p:cNvPicPr/>
+          <p:cNvPr id="2097159" name="object 8"/>
+          <p:cNvPicPr>
+            <a:picLocks/>
+          </p:cNvPicPr>
           <p:nvPr/>
         </p:nvPicPr>
         <p:blipFill>
-          <a:blip r:embed="rId3" cstate="print"/>
+          <a:blip xmlns:r="http://schemas.openxmlformats.org/officeDocument/2006/relationships" r:embed="rId2" cstate="print"/>
           <a:stretch>
             <a:fillRect/>
           </a:stretch>
@@ -6263,14 +6054,12 @@
             <a:off x="676275" y="6467475"/>
             <a:ext cx="2143125" cy="200025"/>
           </a:xfrm>
-          <a:prstGeom prst="rect">
-            <a:avLst/>
-          </a:prstGeom>
+          <a:prstGeom prst="rect"/>
         </p:spPr>
       </p:pic>
       <p:sp>
         <p:nvSpPr>
-          <p:cNvPr id="10" name="object 10"/>
+          <p:cNvPr id="1048647" name="object 10"/>
           <p:cNvSpPr txBox="1">
             <a:spLocks noGrp="1"/>
           </p:cNvSpPr>
@@ -6279,15 +6068,12 @@
           </p:nvPr>
         </p:nvSpPr>
         <p:spPr>
-          <a:prstGeom prst="rect">
-            <a:avLst/>
-          </a:prstGeom>
-        </p:spPr>
-        <p:txBody>
-          <a:bodyPr vert="horz" wrap="square" lIns="0" tIns="6985" rIns="0" bIns="0" rtlCol="0">
+          <a:prstGeom prst="rect"/>
+        </p:spPr>
+        <p:txBody>
+          <a:bodyPr bIns="0" lIns="0" rIns="0" rtlCol="0" tIns="6985" vert="horz" wrap="square">
             <a:spAutoFit/>
           </a:bodyPr>
-          <a:lstStyle/>
           <a:p>
             <a:pPr marL="38100">
               <a:lnSpc>
@@ -6298,54 +6084,51 @@
               </a:spcBef>
             </a:pPr>
             <a:fld id="{81D60167-4931-47E6-BA6A-407CBD079E47}" type="slidenum">
-              <a:rPr spc="10" dirty="0"/>
+              <a:rPr dirty="0" spc="10"/>
               <a:t>4</a:t>
             </a:fld>
-            <a:endParaRPr spc="10" dirty="0"/>
-          </a:p>
-        </p:txBody>
-      </p:sp>
-      <p:sp>
-        <p:nvSpPr>
-          <p:cNvPr id="9" name="Rectangle 8"/>
+            <a:endParaRPr dirty="0" spc="10"/>
+          </a:p>
+        </p:txBody>
+      </p:sp>
+      <p:sp>
+        <p:nvSpPr>
+          <p:cNvPr id="1048648" name="Rectangle 8"/>
           <p:cNvSpPr/>
           <p:nvPr/>
         </p:nvSpPr>
         <p:spPr>
           <a:xfrm>
             <a:off x="3048000" y="2967335"/>
-            <a:ext cx="6096000" cy="3416320"/>
-          </a:xfrm>
-          <a:prstGeom prst="rect">
-            <a:avLst/>
-          </a:prstGeom>
+            <a:ext cx="6096000" cy="3291840"/>
+          </a:xfrm>
+          <a:prstGeom prst="rect"/>
         </p:spPr>
         <p:txBody>
           <a:bodyPr>
             <a:spAutoFit/>
           </a:bodyPr>
-          <a:lstStyle/>
-          <a:p>
-            <a:r>
-              <a:rPr lang="en-US" dirty="0"/>
+          <a:p>
+            <a:r>
+              <a:rPr dirty="0" lang="en-US"/>
               <a:t>In today’s digital era, individuals need an effective way to showcase their skills, achievements, and experiences beyond traditional paper resumes and certificates. Traditional resumes are limited in scope, static in nature, and do not provide space for multimedia elements such as images, videos, project demos, and interactive content. This limitation reduces the ability of an individual to fully demonstrate their capabilities and creativity</a:t>
             </a:r>
             <a:r>
-              <a:rPr lang="en-US" dirty="0" smtClean="0"/>
+              <a:rPr dirty="0" lang="en-US" smtClean="0"/>
               <a:t>.</a:t>
             </a:r>
           </a:p>
           <a:p>
             <a:r>
-              <a:rPr lang="en-US" dirty="0"/>
+              <a:rPr dirty="0" lang="en-US"/>
               <a:t>Therefore, there is a need for a </a:t>
             </a:r>
             <a:r>
-              <a:rPr lang="en-US" b="1" dirty="0"/>
+              <a:rPr b="1" dirty="0" lang="en-US"/>
               <a:t>digital portfolio system</a:t>
             </a:r>
             <a:r>
-              <a:rPr lang="en-US" dirty="0"/>
+              <a:rPr dirty="0" lang="en-US"/>
               <a:t> that allows individuals to create, manage, and showcase their personal and professional information in a modern, interactive, and user-friendly way.</a:t>
             </a:r>
           </a:p>
@@ -6364,7 +6147,7 @@
   <p:cSld>
     <p:spTree>
       <p:nvGrpSpPr>
-        <p:cNvPr id="1" name=""/>
+        <p:cNvPr id="33" name=""/>
         <p:cNvGrpSpPr/>
         <p:nvPr/>
       </p:nvGrpSpPr>
@@ -6378,7 +6161,7 @@
       </p:grpSpPr>
       <p:grpSp>
         <p:nvGrpSpPr>
-          <p:cNvPr id="2" name="object 2"/>
+          <p:cNvPr id="34" name="object 2"/>
           <p:cNvGrpSpPr/>
           <p:nvPr/>
         </p:nvGrpSpPr>
@@ -6392,7 +6175,7 @@
         </p:grpSpPr>
         <p:sp>
           <p:nvSpPr>
-            <p:cNvPr id="3" name="object 3"/>
+            <p:cNvPr id="1048649" name="object 3"/>
             <p:cNvSpPr/>
             <p:nvPr/>
           </p:nvSpPr>
@@ -6403,9 +6186,7 @@
             </a:xfrm>
             <a:custGeom>
               <a:avLst/>
-              <a:gdLst/>
               <a:ahLst/>
-              <a:cxnLst/>
               <a:rect l="l" t="t" r="r" b="b"/>
               <a:pathLst>
                 <a:path w="457200" h="457200">
@@ -6433,16 +6214,13 @@
             </a:solidFill>
           </p:spPr>
           <p:txBody>
-            <a:bodyPr wrap="square" lIns="0" tIns="0" rIns="0" bIns="0" rtlCol="0"/>
-            <a:lstStyle/>
-            <a:p>
-              <a:endParaRPr/>
-            </a:p>
+            <a:bodyPr bIns="0" lIns="0" rIns="0" rtlCol="0" tIns="0" wrap="square"/>
+            <a:p/>
           </p:txBody>
         </p:sp>
         <p:sp>
           <p:nvSpPr>
-            <p:cNvPr id="4" name="object 4"/>
+            <p:cNvPr id="1048650" name="object 4"/>
             <p:cNvSpPr/>
             <p:nvPr/>
           </p:nvSpPr>
@@ -6453,9 +6231,7 @@
             </a:xfrm>
             <a:custGeom>
               <a:avLst/>
-              <a:gdLst/>
               <a:ahLst/>
-              <a:cxnLst/>
               <a:rect l="l" t="t" r="r" b="b"/>
               <a:pathLst>
                 <a:path w="180975" h="180975">
@@ -6483,21 +6259,20 @@
             </a:solidFill>
           </p:spPr>
           <p:txBody>
-            <a:bodyPr wrap="square" lIns="0" tIns="0" rIns="0" bIns="0" rtlCol="0"/>
-            <a:lstStyle/>
-            <a:p>
-              <a:endParaRPr/>
-            </a:p>
+            <a:bodyPr bIns="0" lIns="0" rIns="0" rtlCol="0" tIns="0" wrap="square"/>
+            <a:p/>
           </p:txBody>
         </p:sp>
         <p:pic>
           <p:nvPicPr>
-            <p:cNvPr id="5" name="object 5"/>
-            <p:cNvPicPr/>
+            <p:cNvPr id="2097160" name="object 5"/>
+            <p:cNvPicPr>
+              <a:picLocks/>
+            </p:cNvPicPr>
             <p:nvPr/>
           </p:nvPicPr>
           <p:blipFill>
-            <a:blip r:embed="rId2" cstate="print"/>
+            <a:blip xmlns:r="http://schemas.openxmlformats.org/officeDocument/2006/relationships" r:embed="rId1" cstate="print"/>
             <a:stretch>
               <a:fillRect/>
             </a:stretch>
@@ -6507,15 +6282,13 @@
               <a:off x="8658225" y="2647950"/>
               <a:ext cx="3533775" cy="3810000"/>
             </a:xfrm>
-            <a:prstGeom prst="rect">
-              <a:avLst/>
-            </a:prstGeom>
+            <a:prstGeom prst="rect"/>
           </p:spPr>
         </p:pic>
       </p:grpSp>
       <p:sp>
         <p:nvSpPr>
-          <p:cNvPr id="6" name="object 6"/>
+          <p:cNvPr id="1048651" name="object 6"/>
           <p:cNvSpPr/>
           <p:nvPr/>
         </p:nvSpPr>
@@ -6526,9 +6299,7 @@
           </a:xfrm>
           <a:custGeom>
             <a:avLst/>
-            <a:gdLst/>
             <a:ahLst/>
-            <a:cxnLst/>
             <a:rect l="l" t="t" r="r" b="b"/>
             <a:pathLst>
               <a:path w="314325" h="323850">
@@ -6556,16 +6327,13 @@
           </a:solidFill>
         </p:spPr>
         <p:txBody>
-          <a:bodyPr wrap="square" lIns="0" tIns="0" rIns="0" bIns="0" rtlCol="0"/>
-          <a:lstStyle/>
-          <a:p>
-            <a:endParaRPr/>
-          </a:p>
-        </p:txBody>
-      </p:sp>
-      <p:sp>
-        <p:nvSpPr>
-          <p:cNvPr id="7" name="object 7"/>
+          <a:bodyPr bIns="0" lIns="0" rIns="0" rtlCol="0" tIns="0" wrap="square"/>
+          <a:p/>
+        </p:txBody>
+      </p:sp>
+      <p:sp>
+        <p:nvSpPr>
+          <p:cNvPr id="1048652" name="object 7"/>
           <p:cNvSpPr txBox="1">
             <a:spLocks noGrp="1"/>
           </p:cNvSpPr>
@@ -6576,17 +6344,14 @@
         <p:spPr>
           <a:xfrm>
             <a:off x="739775" y="829627"/>
-            <a:ext cx="5263515" cy="678180"/>
-          </a:xfrm>
-          <a:prstGeom prst="rect">
-            <a:avLst/>
-          </a:prstGeom>
-        </p:spPr>
-        <p:txBody>
-          <a:bodyPr vert="horz" wrap="square" lIns="0" tIns="16510" rIns="0" bIns="0" rtlCol="0">
+            <a:ext cx="5263515" cy="638810"/>
+          </a:xfrm>
+          <a:prstGeom prst="rect"/>
+        </p:spPr>
+        <p:txBody>
+          <a:bodyPr bIns="0" lIns="0" rIns="0" rtlCol="0" tIns="16510" vert="horz" wrap="square">
             <a:spAutoFit/>
           </a:bodyPr>
-          <a:lstStyle/>
           <a:p>
             <a:pPr marL="12700">
               <a:lnSpc>
@@ -6596,15 +6361,15 @@
                 <a:spcPts val="130"/>
               </a:spcBef>
               <a:tabLst>
-                <a:tab pos="2642870" algn="l"/>
+                <a:tab algn="l" pos="2642870"/>
               </a:tabLst>
             </a:pPr>
             <a:r>
-              <a:rPr sz="4250" spc="5" dirty="0"/>
+              <a:rPr dirty="0" sz="4250" spc="5"/>
               <a:t>PROJECT	</a:t>
             </a:r>
             <a:r>
-              <a:rPr sz="4250" spc="-20" dirty="0"/>
+              <a:rPr dirty="0" sz="4250" spc="-20"/>
               <a:t>OVERVIEW</a:t>
             </a:r>
             <a:endParaRPr sz="4250"/>
@@ -6613,12 +6378,14 @@
       </p:sp>
       <p:pic>
         <p:nvPicPr>
-          <p:cNvPr id="8" name="object 8"/>
-          <p:cNvPicPr/>
+          <p:cNvPr id="2097161" name="object 8"/>
+          <p:cNvPicPr>
+            <a:picLocks/>
+          </p:cNvPicPr>
           <p:nvPr/>
         </p:nvPicPr>
         <p:blipFill>
-          <a:blip r:embed="rId3" cstate="print"/>
+          <a:blip xmlns:r="http://schemas.openxmlformats.org/officeDocument/2006/relationships" r:embed="rId2" cstate="print"/>
           <a:stretch>
             <a:fillRect/>
           </a:stretch>
@@ -6628,14 +6395,12 @@
             <a:off x="676275" y="6467475"/>
             <a:ext cx="2143125" cy="200025"/>
           </a:xfrm>
-          <a:prstGeom prst="rect">
-            <a:avLst/>
-          </a:prstGeom>
+          <a:prstGeom prst="rect"/>
         </p:spPr>
       </p:pic>
       <p:sp>
         <p:nvSpPr>
-          <p:cNvPr id="10" name="object 10"/>
+          <p:cNvPr id="1048653" name="object 10"/>
           <p:cNvSpPr txBox="1">
             <a:spLocks noGrp="1"/>
           </p:cNvSpPr>
@@ -6644,15 +6409,12 @@
           </p:nvPr>
         </p:nvSpPr>
         <p:spPr>
-          <a:prstGeom prst="rect">
-            <a:avLst/>
-          </a:prstGeom>
-        </p:spPr>
-        <p:txBody>
-          <a:bodyPr vert="horz" wrap="square" lIns="0" tIns="6985" rIns="0" bIns="0" rtlCol="0">
+          <a:prstGeom prst="rect"/>
+        </p:spPr>
+        <p:txBody>
+          <a:bodyPr bIns="0" lIns="0" rIns="0" rtlCol="0" tIns="6985" vert="horz" wrap="square">
             <a:spAutoFit/>
           </a:bodyPr>
-          <a:lstStyle/>
           <a:p>
             <a:pPr marL="38100">
               <a:lnSpc>
@@ -6663,50 +6425,47 @@
               </a:spcBef>
             </a:pPr>
             <a:fld id="{81D60167-4931-47E6-BA6A-407CBD079E47}" type="slidenum">
-              <a:rPr spc="10" dirty="0"/>
+              <a:rPr dirty="0" spc="10"/>
               <a:t>5</a:t>
             </a:fld>
-            <a:endParaRPr spc="10" dirty="0"/>
-          </a:p>
-        </p:txBody>
-      </p:sp>
-      <p:sp>
-        <p:nvSpPr>
-          <p:cNvPr id="9" name="Rectangle 8"/>
+            <a:endParaRPr dirty="0" spc="10"/>
+          </a:p>
+        </p:txBody>
+      </p:sp>
+      <p:sp>
+        <p:nvSpPr>
+          <p:cNvPr id="1048654" name="Rectangle 8"/>
           <p:cNvSpPr/>
           <p:nvPr/>
         </p:nvSpPr>
         <p:spPr>
           <a:xfrm>
             <a:off x="3048000" y="2551837"/>
-            <a:ext cx="6096000" cy="1754326"/>
-          </a:xfrm>
-          <a:prstGeom prst="rect">
-            <a:avLst/>
-          </a:prstGeom>
+            <a:ext cx="6096000" cy="1958340"/>
+          </a:xfrm>
+          <a:prstGeom prst="rect"/>
         </p:spPr>
         <p:txBody>
           <a:bodyPr>
             <a:spAutoFit/>
           </a:bodyPr>
-          <a:lstStyle/>
-          <a:p>
-            <a:r>
-              <a:rPr lang="en-US" dirty="0">
+          <a:p>
+            <a:r>
+              <a:rPr dirty="0" lang="en-US">
                 <a:latin typeface="Times New Roman" panose="02020603050405020304" pitchFamily="18" charset="0"/>
                 <a:cs typeface="Times New Roman" panose="02020603050405020304" pitchFamily="18" charset="0"/>
               </a:rPr>
               <a:t>The </a:t>
             </a:r>
             <a:r>
-              <a:rPr lang="en-US" b="1" dirty="0">
+              <a:rPr b="1" dirty="0" lang="en-US">
                 <a:latin typeface="Times New Roman" panose="02020603050405020304" pitchFamily="18" charset="0"/>
                 <a:cs typeface="Times New Roman" panose="02020603050405020304" pitchFamily="18" charset="0"/>
               </a:rPr>
               <a:t>Digital Portfolio Project</a:t>
             </a:r>
             <a:r>
-              <a:rPr lang="en-US" dirty="0">
+              <a:rPr dirty="0" lang="en-US">
                 <a:latin typeface="Times New Roman" panose="02020603050405020304" pitchFamily="18" charset="0"/>
                 <a:cs typeface="Times New Roman" panose="02020603050405020304" pitchFamily="18" charset="0"/>
               </a:rPr>
@@ -6728,7 +6487,7 @@
   <p:cSld>
     <p:spTree>
       <p:nvGrpSpPr>
-        <p:cNvPr id="1" name=""/>
+        <p:cNvPr id="35" name=""/>
         <p:cNvGrpSpPr/>
         <p:nvPr/>
       </p:nvGrpSpPr>
@@ -6742,7 +6501,7 @@
       </p:grpSpPr>
       <p:sp>
         <p:nvSpPr>
-          <p:cNvPr id="2" name="object 2"/>
+          <p:cNvPr id="1048655" name="object 2"/>
           <p:cNvSpPr/>
           <p:nvPr/>
         </p:nvSpPr>
@@ -6753,9 +6512,7 @@
           </a:xfrm>
           <a:custGeom>
             <a:avLst/>
-            <a:gdLst/>
             <a:ahLst/>
-            <a:cxnLst/>
             <a:rect l="l" t="t" r="r" b="b"/>
             <a:pathLst>
               <a:path w="457200" h="457200">
@@ -6783,16 +6540,13 @@
           </a:solidFill>
         </p:spPr>
         <p:txBody>
-          <a:bodyPr wrap="square" lIns="0" tIns="0" rIns="0" bIns="0" rtlCol="0"/>
-          <a:lstStyle/>
-          <a:p>
-            <a:endParaRPr/>
-          </a:p>
-        </p:txBody>
-      </p:sp>
-      <p:sp>
-        <p:nvSpPr>
-          <p:cNvPr id="3" name="object 3"/>
+          <a:bodyPr bIns="0" lIns="0" rIns="0" rtlCol="0" tIns="0" wrap="square"/>
+          <a:p/>
+        </p:txBody>
+      </p:sp>
+      <p:sp>
+        <p:nvSpPr>
+          <p:cNvPr id="1048656" name="object 3"/>
           <p:cNvSpPr/>
           <p:nvPr/>
         </p:nvSpPr>
@@ -6803,9 +6557,7 @@
           </a:xfrm>
           <a:custGeom>
             <a:avLst/>
-            <a:gdLst/>
             <a:ahLst/>
-            <a:cxnLst/>
             <a:rect l="l" t="t" r="r" b="b"/>
             <a:pathLst>
               <a:path w="314325" h="323850">
@@ -6833,16 +6585,13 @@
           </a:solidFill>
         </p:spPr>
         <p:txBody>
-          <a:bodyPr wrap="square" lIns="0" tIns="0" rIns="0" bIns="0" rtlCol="0"/>
-          <a:lstStyle/>
-          <a:p>
-            <a:endParaRPr/>
-          </a:p>
-        </p:txBody>
-      </p:sp>
-      <p:sp>
-        <p:nvSpPr>
-          <p:cNvPr id="4" name="object 4"/>
+          <a:bodyPr bIns="0" lIns="0" rIns="0" rtlCol="0" tIns="0" wrap="square"/>
+          <a:p/>
+        </p:txBody>
+      </p:sp>
+      <p:sp>
+        <p:nvSpPr>
+          <p:cNvPr id="1048657" name="object 4"/>
           <p:cNvSpPr/>
           <p:nvPr/>
         </p:nvSpPr>
@@ -6853,9 +6602,7 @@
           </a:xfrm>
           <a:custGeom>
             <a:avLst/>
-            <a:gdLst/>
             <a:ahLst/>
-            <a:cxnLst/>
             <a:rect l="l" t="t" r="r" b="b"/>
             <a:pathLst>
               <a:path w="180975" h="180975">
@@ -6883,16 +6630,13 @@
           </a:solidFill>
         </p:spPr>
         <p:txBody>
-          <a:bodyPr wrap="square" lIns="0" tIns="0" rIns="0" bIns="0" rtlCol="0"/>
-          <a:lstStyle/>
-          <a:p>
-            <a:endParaRPr/>
-          </a:p>
-        </p:txBody>
-      </p:sp>
-      <p:sp>
-        <p:nvSpPr>
-          <p:cNvPr id="5" name="object 5"/>
+          <a:bodyPr bIns="0" lIns="0" rIns="0" rtlCol="0" tIns="0" wrap="square"/>
+          <a:p/>
+        </p:txBody>
+      </p:sp>
+      <p:sp>
+        <p:nvSpPr>
+          <p:cNvPr id="1048658" name="object 5"/>
           <p:cNvSpPr txBox="1">
             <a:spLocks noGrp="1"/>
           </p:cNvSpPr>
@@ -6905,15 +6649,12 @@
             <a:off x="699452" y="891793"/>
             <a:ext cx="5014595" cy="518159"/>
           </a:xfrm>
-          <a:prstGeom prst="rect">
-            <a:avLst/>
-          </a:prstGeom>
-        </p:spPr>
-        <p:txBody>
-          <a:bodyPr vert="horz" wrap="square" lIns="0" tIns="16510" rIns="0" bIns="0" rtlCol="0">
+          <a:prstGeom prst="rect"/>
+        </p:spPr>
+        <p:txBody>
+          <a:bodyPr bIns="0" lIns="0" rIns="0" rtlCol="0" tIns="16510" vert="horz" wrap="square">
             <a:spAutoFit/>
           </a:bodyPr>
-          <a:lstStyle/>
           <a:p>
             <a:pPr marL="12700">
               <a:lnSpc>
@@ -6924,83 +6665,83 @@
               </a:spcBef>
             </a:pPr>
             <a:r>
-              <a:rPr sz="3200" spc="25" dirty="0"/>
+              <a:rPr dirty="0" sz="3200" spc="25"/>
               <a:t>W</a:t>
             </a:r>
             <a:r>
-              <a:rPr sz="3200" spc="-20" dirty="0"/>
+              <a:rPr dirty="0" sz="3200" spc="-20"/>
               <a:t>H</a:t>
             </a:r>
             <a:r>
-              <a:rPr sz="3200" spc="20" dirty="0"/>
+              <a:rPr dirty="0" sz="3200" spc="20"/>
               <a:t>O</a:t>
             </a:r>
             <a:r>
-              <a:rPr sz="3200" spc="-235" dirty="0"/>
+              <a:rPr dirty="0" sz="3200" spc="-235"/>
               <a:t> </a:t>
             </a:r>
             <a:r>
-              <a:rPr sz="3200" spc="-10" dirty="0"/>
+              <a:rPr dirty="0" sz="3200" spc="-10"/>
               <a:t>AR</a:t>
             </a:r>
             <a:r>
-              <a:rPr sz="3200" spc="15" dirty="0"/>
+              <a:rPr dirty="0" sz="3200" spc="15"/>
               <a:t>E</a:t>
             </a:r>
             <a:r>
-              <a:rPr sz="3200" spc="-35" dirty="0"/>
+              <a:rPr dirty="0" sz="3200" spc="-35"/>
               <a:t> </a:t>
             </a:r>
             <a:r>
-              <a:rPr sz="3200" spc="-10" dirty="0"/>
+              <a:rPr dirty="0" sz="3200" spc="-10"/>
               <a:t>T</a:t>
             </a:r>
             <a:r>
-              <a:rPr sz="3200" spc="-15" dirty="0"/>
+              <a:rPr dirty="0" sz="3200" spc="-15"/>
               <a:t>H</a:t>
             </a:r>
             <a:r>
-              <a:rPr sz="3200" spc="15" dirty="0"/>
+              <a:rPr dirty="0" sz="3200" spc="15"/>
               <a:t>E</a:t>
             </a:r>
             <a:r>
-              <a:rPr sz="3200" spc="-35" dirty="0"/>
+              <a:rPr dirty="0" sz="3200" spc="-35"/>
               <a:t> </a:t>
             </a:r>
             <a:r>
-              <a:rPr sz="3200" spc="-20" dirty="0"/>
+              <a:rPr dirty="0" sz="3200" spc="-20"/>
               <a:t>E</a:t>
             </a:r>
             <a:r>
-              <a:rPr sz="3200" spc="30" dirty="0"/>
+              <a:rPr dirty="0" sz="3200" spc="30"/>
               <a:t>N</a:t>
             </a:r>
             <a:r>
-              <a:rPr sz="3200" spc="15" dirty="0"/>
+              <a:rPr dirty="0" sz="3200" spc="15"/>
               <a:t>D</a:t>
             </a:r>
             <a:r>
-              <a:rPr sz="3200" spc="-45" dirty="0"/>
+              <a:rPr dirty="0" sz="3200" spc="-45"/>
               <a:t> </a:t>
             </a:r>
             <a:r>
-              <a:rPr sz="3200" dirty="0"/>
+              <a:rPr dirty="0" sz="3200"/>
               <a:t>U</a:t>
             </a:r>
             <a:r>
-              <a:rPr sz="3200" spc="10" dirty="0"/>
+              <a:rPr dirty="0" sz="3200" spc="10"/>
               <a:t>S</a:t>
             </a:r>
             <a:r>
-              <a:rPr sz="3200" spc="-25" dirty="0"/>
+              <a:rPr dirty="0" sz="3200" spc="-25"/>
               <a:t>E</a:t>
             </a:r>
             <a:r>
-              <a:rPr sz="3200" spc="-10" dirty="0"/>
+              <a:rPr dirty="0" sz="3200" spc="-10"/>
               <a:t>R</a:t>
             </a:r>
             <a:r>
-              <a:rPr sz="3200" spc="5" dirty="0"/>
+              <a:rPr dirty="0" sz="3200" spc="5"/>
               <a:t>S?</a:t>
             </a:r>
             <a:endParaRPr sz="3200"/>
@@ -7009,12 +6750,14 @@
       </p:sp>
       <p:pic>
         <p:nvPicPr>
-          <p:cNvPr id="6" name="object 6"/>
-          <p:cNvPicPr/>
+          <p:cNvPr id="2097162" name="object 6"/>
+          <p:cNvPicPr>
+            <a:picLocks/>
+          </p:cNvPicPr>
           <p:nvPr/>
         </p:nvPicPr>
         <p:blipFill>
-          <a:blip r:embed="rId2" cstate="print"/>
+          <a:blip xmlns:r="http://schemas.openxmlformats.org/officeDocument/2006/relationships" r:embed="rId1" cstate="print"/>
           <a:stretch>
             <a:fillRect/>
           </a:stretch>
@@ -7024,14 +6767,12 @@
             <a:off x="723900" y="6172200"/>
             <a:ext cx="2181225" cy="485775"/>
           </a:xfrm>
-          <a:prstGeom prst="rect">
-            <a:avLst/>
-          </a:prstGeom>
+          <a:prstGeom prst="rect"/>
         </p:spPr>
       </p:pic>
       <p:sp>
         <p:nvSpPr>
-          <p:cNvPr id="8" name="object 8"/>
+          <p:cNvPr id="1048659" name="object 8"/>
           <p:cNvSpPr txBox="1">
             <a:spLocks noGrp="1"/>
           </p:cNvSpPr>
@@ -7040,15 +6781,12 @@
           </p:nvPr>
         </p:nvSpPr>
         <p:spPr>
-          <a:prstGeom prst="rect">
-            <a:avLst/>
-          </a:prstGeom>
-        </p:spPr>
-        <p:txBody>
-          <a:bodyPr vert="horz" wrap="square" lIns="0" tIns="6985" rIns="0" bIns="0" rtlCol="0">
+          <a:prstGeom prst="rect"/>
+        </p:spPr>
+        <p:txBody>
+          <a:bodyPr bIns="0" lIns="0" rIns="0" rtlCol="0" tIns="6985" vert="horz" wrap="square">
             <a:spAutoFit/>
           </a:bodyPr>
-          <a:lstStyle/>
           <a:p>
             <a:pPr marL="38100">
               <a:lnSpc>
@@ -7059,50 +6797,47 @@
               </a:spcBef>
             </a:pPr>
             <a:fld id="{81D60167-4931-47E6-BA6A-407CBD079E47}" type="slidenum">
-              <a:rPr spc="10" dirty="0"/>
+              <a:rPr dirty="0" spc="10"/>
               <a:t>6</a:t>
             </a:fld>
-            <a:endParaRPr spc="10" dirty="0"/>
-          </a:p>
-        </p:txBody>
-      </p:sp>
-      <p:sp>
-        <p:nvSpPr>
-          <p:cNvPr id="7" name="Rectangle 6"/>
+            <a:endParaRPr dirty="0" spc="10"/>
+          </a:p>
+        </p:txBody>
+      </p:sp>
+      <p:sp>
+        <p:nvSpPr>
+          <p:cNvPr id="1048660" name="Rectangle 6"/>
           <p:cNvSpPr/>
           <p:nvPr/>
         </p:nvSpPr>
         <p:spPr>
           <a:xfrm>
             <a:off x="3048000" y="1859340"/>
-            <a:ext cx="6096000" cy="3139321"/>
-          </a:xfrm>
-          <a:prstGeom prst="rect">
-            <a:avLst/>
-          </a:prstGeom>
+            <a:ext cx="6096000" cy="3025140"/>
+          </a:xfrm>
+          <a:prstGeom prst="rect"/>
         </p:spPr>
         <p:txBody>
           <a:bodyPr>
             <a:spAutoFit/>
           </a:bodyPr>
-          <a:lstStyle/>
-          <a:p>
-            <a:r>
-              <a:rPr lang="en-US" dirty="0">
+          <a:p>
+            <a:r>
+              <a:rPr dirty="0" lang="en-US">
                 <a:latin typeface="Times New Roman" panose="02020603050405020304" pitchFamily="18" charset="0"/>
                 <a:cs typeface="Times New Roman" panose="02020603050405020304" pitchFamily="18" charset="0"/>
               </a:rPr>
               <a:t>The </a:t>
             </a:r>
             <a:r>
-              <a:rPr lang="en-US" b="1" dirty="0">
+              <a:rPr b="1" dirty="0" lang="en-US">
                 <a:latin typeface="Times New Roman" panose="02020603050405020304" pitchFamily="18" charset="0"/>
                 <a:cs typeface="Times New Roman" panose="02020603050405020304" pitchFamily="18" charset="0"/>
               </a:rPr>
               <a:t>end users of a digital portfolio</a:t>
             </a:r>
             <a:r>
-              <a:rPr lang="en-US" dirty="0">
+              <a:rPr dirty="0" lang="en-US">
                 <a:latin typeface="Times New Roman" panose="02020603050405020304" pitchFamily="18" charset="0"/>
                 <a:cs typeface="Times New Roman" panose="02020603050405020304" pitchFamily="18" charset="0"/>
               </a:rPr>
@@ -7115,14 +6850,14 @@
               <a:buAutoNum type="arabicPeriod"/>
             </a:pPr>
             <a:r>
-              <a:rPr lang="en-US" b="1" dirty="0">
+              <a:rPr b="1" dirty="0" lang="en-US">
                 <a:latin typeface="Times New Roman" panose="02020603050405020304" pitchFamily="18" charset="0"/>
                 <a:cs typeface="Times New Roman" panose="02020603050405020304" pitchFamily="18" charset="0"/>
               </a:rPr>
               <a:t>Students</a:t>
             </a:r>
             <a:r>
-              <a:rPr lang="en-US" dirty="0">
+              <a:rPr dirty="0" lang="en-US">
                 <a:latin typeface="Times New Roman" panose="02020603050405020304" pitchFamily="18" charset="0"/>
                 <a:cs typeface="Times New Roman" panose="02020603050405020304" pitchFamily="18" charset="0"/>
               </a:rPr>
@@ -7135,14 +6870,14 @@
               <a:buAutoNum type="arabicPeriod"/>
             </a:pPr>
             <a:r>
-              <a:rPr lang="en-US" b="1" dirty="0">
+              <a:rPr b="1" dirty="0" lang="en-US">
                 <a:latin typeface="Times New Roman" panose="02020603050405020304" pitchFamily="18" charset="0"/>
                 <a:cs typeface="Times New Roman" panose="02020603050405020304" pitchFamily="18" charset="0"/>
               </a:rPr>
               <a:t>Job Seekers/Professionals</a:t>
             </a:r>
             <a:r>
-              <a:rPr lang="en-US" dirty="0">
+              <a:rPr dirty="0" lang="en-US">
                 <a:latin typeface="Times New Roman" panose="02020603050405020304" pitchFamily="18" charset="0"/>
                 <a:cs typeface="Times New Roman" panose="02020603050405020304" pitchFamily="18" charset="0"/>
               </a:rPr>
@@ -7155,14 +6890,14 @@
               <a:buAutoNum type="arabicPeriod"/>
             </a:pPr>
             <a:r>
-              <a:rPr lang="en-US" b="1" dirty="0">
+              <a:rPr b="1" dirty="0" lang="en-US">
                 <a:latin typeface="Times New Roman" panose="02020603050405020304" pitchFamily="18" charset="0"/>
                 <a:cs typeface="Times New Roman" panose="02020603050405020304" pitchFamily="18" charset="0"/>
               </a:rPr>
               <a:t>Freelancers/Creators</a:t>
             </a:r>
             <a:r>
-              <a:rPr lang="en-US" dirty="0">
+              <a:rPr dirty="0" lang="en-US">
                 <a:latin typeface="Times New Roman" panose="02020603050405020304" pitchFamily="18" charset="0"/>
                 <a:cs typeface="Times New Roman" panose="02020603050405020304" pitchFamily="18" charset="0"/>
               </a:rPr>
@@ -7175,14 +6910,14 @@
               <a:buAutoNum type="arabicPeriod"/>
             </a:pPr>
             <a:r>
-              <a:rPr lang="en-US" b="1" dirty="0">
+              <a:rPr b="1" dirty="0" lang="en-US">
                 <a:latin typeface="Times New Roman" panose="02020603050405020304" pitchFamily="18" charset="0"/>
                 <a:cs typeface="Times New Roman" panose="02020603050405020304" pitchFamily="18" charset="0"/>
               </a:rPr>
               <a:t>Educators/Researchers</a:t>
             </a:r>
             <a:r>
-              <a:rPr lang="en-US" dirty="0">
+              <a:rPr dirty="0" lang="en-US">
                 <a:latin typeface="Times New Roman" panose="02020603050405020304" pitchFamily="18" charset="0"/>
                 <a:cs typeface="Times New Roman" panose="02020603050405020304" pitchFamily="18" charset="0"/>
               </a:rPr>
@@ -7195,14 +6930,14 @@
               <a:buAutoNum type="arabicPeriod"/>
             </a:pPr>
             <a:r>
-              <a:rPr lang="en-US" b="1" dirty="0">
+              <a:rPr b="1" dirty="0" lang="en-US">
                 <a:latin typeface="Times New Roman" panose="02020603050405020304" pitchFamily="18" charset="0"/>
                 <a:cs typeface="Times New Roman" panose="02020603050405020304" pitchFamily="18" charset="0"/>
               </a:rPr>
               <a:t>Employers/Recruiters</a:t>
             </a:r>
             <a:r>
-              <a:rPr lang="en-US" dirty="0">
+              <a:rPr dirty="0" lang="en-US">
                 <a:latin typeface="Times New Roman" panose="02020603050405020304" pitchFamily="18" charset="0"/>
                 <a:cs typeface="Times New Roman" panose="02020603050405020304" pitchFamily="18" charset="0"/>
               </a:rPr>
@@ -7224,7 +6959,7 @@
   <p:cSld>
     <p:spTree>
       <p:nvGrpSpPr>
-        <p:cNvPr id="1" name=""/>
+        <p:cNvPr id="36" name=""/>
         <p:cNvGrpSpPr/>
         <p:nvPr/>
       </p:nvGrpSpPr>
@@ -7238,12 +6973,14 @@
       </p:grpSpPr>
       <p:pic>
         <p:nvPicPr>
-          <p:cNvPr id="2" name="object 2"/>
-          <p:cNvPicPr/>
+          <p:cNvPr id="2097163" name="object 2"/>
+          <p:cNvPicPr>
+            <a:picLocks/>
+          </p:cNvPicPr>
           <p:nvPr/>
         </p:nvPicPr>
         <p:blipFill>
-          <a:blip r:embed="rId2" cstate="print"/>
+          <a:blip xmlns:r="http://schemas.openxmlformats.org/officeDocument/2006/relationships" r:embed="rId1" cstate="print"/>
           <a:stretch>
             <a:fillRect/>
           </a:stretch>
@@ -7253,14 +6990,12 @@
             <a:off x="0" y="1476375"/>
             <a:ext cx="2695574" cy="3248025"/>
           </a:xfrm>
-          <a:prstGeom prst="rect">
-            <a:avLst/>
-          </a:prstGeom>
+          <a:prstGeom prst="rect"/>
         </p:spPr>
       </p:pic>
       <p:sp>
         <p:nvSpPr>
-          <p:cNvPr id="3" name="object 3"/>
+          <p:cNvPr id="1048661" name="object 3"/>
           <p:cNvSpPr/>
           <p:nvPr/>
         </p:nvSpPr>
@@ -7271,9 +7006,7 @@
           </a:xfrm>
           <a:custGeom>
             <a:avLst/>
-            <a:gdLst/>
             <a:ahLst/>
-            <a:cxnLst/>
             <a:rect l="l" t="t" r="r" b="b"/>
             <a:pathLst>
               <a:path w="457200" h="457200">
@@ -7301,16 +7034,13 @@
           </a:solidFill>
         </p:spPr>
         <p:txBody>
-          <a:bodyPr wrap="square" lIns="0" tIns="0" rIns="0" bIns="0" rtlCol="0"/>
-          <a:lstStyle/>
-          <a:p>
-            <a:endParaRPr/>
-          </a:p>
-        </p:txBody>
-      </p:sp>
-      <p:sp>
-        <p:nvSpPr>
-          <p:cNvPr id="4" name="object 4"/>
+          <a:bodyPr bIns="0" lIns="0" rIns="0" rtlCol="0" tIns="0" wrap="square"/>
+          <a:p/>
+        </p:txBody>
+      </p:sp>
+      <p:sp>
+        <p:nvSpPr>
+          <p:cNvPr id="1048662" name="object 4"/>
           <p:cNvSpPr/>
           <p:nvPr/>
         </p:nvSpPr>
@@ -7321,9 +7051,7 @@
           </a:xfrm>
           <a:custGeom>
             <a:avLst/>
-            <a:gdLst/>
             <a:ahLst/>
-            <a:cxnLst/>
             <a:rect l="l" t="t" r="r" b="b"/>
             <a:pathLst>
               <a:path w="314325" h="323850">
@@ -7351,16 +7079,13 @@
           </a:solidFill>
         </p:spPr>
         <p:txBody>
-          <a:bodyPr wrap="square" lIns="0" tIns="0" rIns="0" bIns="0" rtlCol="0"/>
-          <a:lstStyle/>
-          <a:p>
-            <a:endParaRPr/>
-          </a:p>
-        </p:txBody>
-      </p:sp>
-      <p:sp>
-        <p:nvSpPr>
-          <p:cNvPr id="5" name="object 5"/>
+          <a:bodyPr bIns="0" lIns="0" rIns="0" rtlCol="0" tIns="0" wrap="square"/>
+          <a:p/>
+        </p:txBody>
+      </p:sp>
+      <p:sp>
+        <p:nvSpPr>
+          <p:cNvPr id="1048663" name="object 5"/>
           <p:cNvSpPr/>
           <p:nvPr/>
         </p:nvSpPr>
@@ -7371,9 +7096,7 @@
           </a:xfrm>
           <a:custGeom>
             <a:avLst/>
-            <a:gdLst/>
             <a:ahLst/>
-            <a:cxnLst/>
             <a:rect l="l" t="t" r="r" b="b"/>
             <a:pathLst>
               <a:path w="180975" h="180975">
@@ -7401,16 +7124,13 @@
           </a:solidFill>
         </p:spPr>
         <p:txBody>
-          <a:bodyPr wrap="square" lIns="0" tIns="0" rIns="0" bIns="0" rtlCol="0"/>
-          <a:lstStyle/>
-          <a:p>
-            <a:endParaRPr/>
-          </a:p>
-        </p:txBody>
-      </p:sp>
-      <p:sp>
-        <p:nvSpPr>
-          <p:cNvPr id="6" name="object 6"/>
+          <a:bodyPr bIns="0" lIns="0" rIns="0" rtlCol="0" tIns="0" wrap="square"/>
+          <a:p/>
+        </p:txBody>
+      </p:sp>
+      <p:sp>
+        <p:nvSpPr>
+          <p:cNvPr id="1048664" name="object 6"/>
           <p:cNvSpPr txBox="1">
             <a:spLocks noGrp="1"/>
           </p:cNvSpPr>
@@ -7421,17 +7141,14 @@
         <p:spPr>
           <a:xfrm>
             <a:off x="558165" y="857885"/>
-            <a:ext cx="9763125" cy="575310"/>
-          </a:xfrm>
-          <a:prstGeom prst="rect">
-            <a:avLst/>
-          </a:prstGeom>
-        </p:spPr>
-        <p:txBody>
-          <a:bodyPr vert="horz" wrap="square" lIns="0" tIns="13335" rIns="0" bIns="0" rtlCol="0">
+            <a:ext cx="9763125" cy="546736"/>
+          </a:xfrm>
+          <a:prstGeom prst="rect"/>
+        </p:spPr>
+        <p:txBody>
+          <a:bodyPr bIns="0" lIns="0" rIns="0" rtlCol="0" tIns="13335" vert="horz" wrap="square">
             <a:spAutoFit/>
           </a:bodyPr>
-          <a:lstStyle/>
           <a:p>
             <a:pPr marL="12700">
               <a:lnSpc>
@@ -7442,21 +7159,23 @@
               </a:spcBef>
             </a:pPr>
             <a:r>
-              <a:rPr lang="en-IN" sz="3600" spc="10" dirty="0"/>
+              <a:rPr dirty="0" sz="3600" lang="en-IN" spc="10"/>
               <a:t>TOOLS AND TECHNIQUES</a:t>
             </a:r>
-            <a:endParaRPr sz="3600" dirty="0"/>
+            <a:endParaRPr dirty="0" sz="3600"/>
           </a:p>
         </p:txBody>
       </p:sp>
       <p:pic>
         <p:nvPicPr>
-          <p:cNvPr id="7" name="object 7"/>
-          <p:cNvPicPr/>
+          <p:cNvPr id="2097164" name="object 7"/>
+          <p:cNvPicPr>
+            <a:picLocks/>
+          </p:cNvPicPr>
           <p:nvPr/>
         </p:nvPicPr>
         <p:blipFill>
-          <a:blip r:embed="rId3" cstate="print"/>
+          <a:blip xmlns:r="http://schemas.openxmlformats.org/officeDocument/2006/relationships" r:embed="rId2" cstate="print"/>
           <a:stretch>
             <a:fillRect/>
           </a:stretch>
@@ -7466,14 +7185,12 @@
             <a:off x="676275" y="6467475"/>
             <a:ext cx="2143125" cy="200025"/>
           </a:xfrm>
-          <a:prstGeom prst="rect">
-            <a:avLst/>
-          </a:prstGeom>
+          <a:prstGeom prst="rect"/>
         </p:spPr>
       </p:pic>
       <p:sp>
         <p:nvSpPr>
-          <p:cNvPr id="9" name="object 9"/>
+          <p:cNvPr id="1048665" name="object 9"/>
           <p:cNvSpPr txBox="1">
             <a:spLocks noGrp="1"/>
           </p:cNvSpPr>
@@ -7482,15 +7199,12 @@
           </p:nvPr>
         </p:nvSpPr>
         <p:spPr>
-          <a:prstGeom prst="rect">
-            <a:avLst/>
-          </a:prstGeom>
-        </p:spPr>
-        <p:txBody>
-          <a:bodyPr vert="horz" wrap="square" lIns="0" tIns="6985" rIns="0" bIns="0" rtlCol="0">
+          <a:prstGeom prst="rect"/>
+        </p:spPr>
+        <p:txBody>
+          <a:bodyPr bIns="0" lIns="0" rIns="0" rtlCol="0" tIns="6985" vert="horz" wrap="square">
             <a:spAutoFit/>
           </a:bodyPr>
-          <a:lstStyle/>
           <a:p>
             <a:pPr marL="38100">
               <a:lnSpc>
@@ -7501,36 +7215,33 @@
               </a:spcBef>
             </a:pPr>
             <a:fld id="{81D60167-4931-47E6-BA6A-407CBD079E47}" type="slidenum">
-              <a:rPr spc="10" dirty="0"/>
+              <a:rPr dirty="0" spc="10"/>
               <a:t>7</a:t>
             </a:fld>
-            <a:endParaRPr spc="10" dirty="0"/>
-          </a:p>
-        </p:txBody>
-      </p:sp>
-      <p:sp>
-        <p:nvSpPr>
-          <p:cNvPr id="8" name="Rectangle 7"/>
+            <a:endParaRPr dirty="0" spc="10"/>
+          </a:p>
+        </p:txBody>
+      </p:sp>
+      <p:sp>
+        <p:nvSpPr>
+          <p:cNvPr id="1048666" name="Rectangle 7"/>
           <p:cNvSpPr/>
           <p:nvPr/>
         </p:nvSpPr>
         <p:spPr>
           <a:xfrm>
             <a:off x="3048000" y="1813173"/>
-            <a:ext cx="6096000" cy="3231654"/>
-          </a:xfrm>
-          <a:prstGeom prst="rect">
-            <a:avLst/>
-          </a:prstGeom>
+            <a:ext cx="6096000" cy="3291840"/>
+          </a:xfrm>
+          <a:prstGeom prst="rect"/>
         </p:spPr>
         <p:txBody>
           <a:bodyPr>
             <a:spAutoFit/>
           </a:bodyPr>
-          <a:lstStyle/>
-          <a:p>
-            <a:r>
-              <a:rPr lang="en-US" sz="1200" b="1" dirty="0">
+          <a:p>
+            <a:r>
+              <a:rPr b="1" dirty="0" sz="1200" lang="en-US">
                 <a:latin typeface="Times New Roman" panose="02020603050405020304" pitchFamily="18" charset="0"/>
                 <a:cs typeface="Times New Roman" panose="02020603050405020304" pitchFamily="18" charset="0"/>
               </a:rPr>
@@ -7543,14 +7254,14 @@
               <a:buAutoNum type="arabicPeriod"/>
             </a:pPr>
             <a:r>
-              <a:rPr lang="en-US" sz="1200" b="1" dirty="0">
+              <a:rPr b="1" dirty="0" sz="1200" lang="en-US">
                 <a:latin typeface="Times New Roman" panose="02020603050405020304" pitchFamily="18" charset="0"/>
                 <a:cs typeface="Times New Roman" panose="02020603050405020304" pitchFamily="18" charset="0"/>
               </a:rPr>
               <a:t>Web Development Tools</a:t>
             </a:r>
             <a:r>
-              <a:rPr lang="en-US" sz="1200" dirty="0">
+              <a:rPr dirty="0" sz="1200" lang="en-US">
                 <a:latin typeface="Times New Roman" panose="02020603050405020304" pitchFamily="18" charset="0"/>
                 <a:cs typeface="Times New Roman" panose="02020603050405020304" pitchFamily="18" charset="0"/>
               </a:rPr>
@@ -7563,42 +7274,42 @@
               <a:buAutoNum type="arabicPeriod"/>
             </a:pPr>
             <a:r>
-              <a:rPr lang="en-US" sz="1200" b="1" dirty="0">
+              <a:rPr b="1" dirty="0" sz="1200" lang="en-US">
                 <a:latin typeface="Times New Roman" panose="02020603050405020304" pitchFamily="18" charset="0"/>
                 <a:cs typeface="Times New Roman" panose="02020603050405020304" pitchFamily="18" charset="0"/>
               </a:rPr>
               <a:t>Content Management Systems (CMS)</a:t>
             </a:r>
             <a:r>
-              <a:rPr lang="en-US" sz="1200" dirty="0">
+              <a:rPr dirty="0" sz="1200" lang="en-US">
                 <a:latin typeface="Times New Roman" panose="02020603050405020304" pitchFamily="18" charset="0"/>
                 <a:cs typeface="Times New Roman" panose="02020603050405020304" pitchFamily="18" charset="0"/>
               </a:rPr>
               <a:t> – </a:t>
             </a:r>
             <a:r>
-              <a:rPr lang="en-US" sz="1200" dirty="0" err="1">
+              <a:rPr dirty="0" sz="1200" lang="en-US" err="1">
                 <a:latin typeface="Times New Roman" panose="02020603050405020304" pitchFamily="18" charset="0"/>
                 <a:cs typeface="Times New Roman" panose="02020603050405020304" pitchFamily="18" charset="0"/>
               </a:rPr>
               <a:t>WordPress</a:t>
             </a:r>
             <a:r>
-              <a:rPr lang="en-US" sz="1200" dirty="0">
+              <a:rPr dirty="0" sz="1200" lang="en-US">
                 <a:latin typeface="Times New Roman" panose="02020603050405020304" pitchFamily="18" charset="0"/>
                 <a:cs typeface="Times New Roman" panose="02020603050405020304" pitchFamily="18" charset="0"/>
               </a:rPr>
               <a:t>, </a:t>
             </a:r>
             <a:r>
-              <a:rPr lang="en-US" sz="1200" dirty="0" err="1">
+              <a:rPr dirty="0" sz="1200" lang="en-US" err="1">
                 <a:latin typeface="Times New Roman" panose="02020603050405020304" pitchFamily="18" charset="0"/>
                 <a:cs typeface="Times New Roman" panose="02020603050405020304" pitchFamily="18" charset="0"/>
               </a:rPr>
               <a:t>Wix</a:t>
             </a:r>
             <a:r>
-              <a:rPr lang="en-US" sz="1200" dirty="0">
+              <a:rPr dirty="0" sz="1200" lang="en-US">
                 <a:latin typeface="Times New Roman" panose="02020603050405020304" pitchFamily="18" charset="0"/>
                 <a:cs typeface="Times New Roman" panose="02020603050405020304" pitchFamily="18" charset="0"/>
               </a:rPr>
@@ -7611,42 +7322,42 @@
               <a:buAutoNum type="arabicPeriod"/>
             </a:pPr>
             <a:r>
-              <a:rPr lang="en-US" sz="1200" b="1" dirty="0">
+              <a:rPr b="1" dirty="0" sz="1200" lang="en-US">
                 <a:latin typeface="Times New Roman" panose="02020603050405020304" pitchFamily="18" charset="0"/>
                 <a:cs typeface="Times New Roman" panose="02020603050405020304" pitchFamily="18" charset="0"/>
               </a:rPr>
               <a:t>Design Tools</a:t>
             </a:r>
             <a:r>
-              <a:rPr lang="en-US" sz="1200" dirty="0">
+              <a:rPr dirty="0" sz="1200" lang="en-US">
                 <a:latin typeface="Times New Roman" panose="02020603050405020304" pitchFamily="18" charset="0"/>
                 <a:cs typeface="Times New Roman" panose="02020603050405020304" pitchFamily="18" charset="0"/>
               </a:rPr>
               <a:t> – </a:t>
             </a:r>
             <a:r>
-              <a:rPr lang="en-US" sz="1200" dirty="0" err="1">
+              <a:rPr dirty="0" sz="1200" lang="en-US" err="1">
                 <a:latin typeface="Times New Roman" panose="02020603050405020304" pitchFamily="18" charset="0"/>
                 <a:cs typeface="Times New Roman" panose="02020603050405020304" pitchFamily="18" charset="0"/>
               </a:rPr>
               <a:t>Canva</a:t>
             </a:r>
             <a:r>
-              <a:rPr lang="en-US" sz="1200" dirty="0">
+              <a:rPr dirty="0" sz="1200" lang="en-US">
                 <a:latin typeface="Times New Roman" panose="02020603050405020304" pitchFamily="18" charset="0"/>
                 <a:cs typeface="Times New Roman" panose="02020603050405020304" pitchFamily="18" charset="0"/>
               </a:rPr>
               <a:t>, </a:t>
             </a:r>
             <a:r>
-              <a:rPr lang="en-US" sz="1200" dirty="0" err="1">
+              <a:rPr dirty="0" sz="1200" lang="en-US" err="1">
                 <a:latin typeface="Times New Roman" panose="02020603050405020304" pitchFamily="18" charset="0"/>
                 <a:cs typeface="Times New Roman" panose="02020603050405020304" pitchFamily="18" charset="0"/>
               </a:rPr>
               <a:t>Figma</a:t>
             </a:r>
             <a:r>
-              <a:rPr lang="en-US" sz="1200" dirty="0">
+              <a:rPr dirty="0" sz="1200" lang="en-US">
                 <a:latin typeface="Times New Roman" panose="02020603050405020304" pitchFamily="18" charset="0"/>
                 <a:cs typeface="Times New Roman" panose="02020603050405020304" pitchFamily="18" charset="0"/>
               </a:rPr>
@@ -7659,14 +7370,14 @@
               <a:buAutoNum type="arabicPeriod"/>
             </a:pPr>
             <a:r>
-              <a:rPr lang="en-US" sz="1200" b="1" dirty="0">
+              <a:rPr b="1" dirty="0" sz="1200" lang="en-US">
                 <a:latin typeface="Times New Roman" panose="02020603050405020304" pitchFamily="18" charset="0"/>
                 <a:cs typeface="Times New Roman" panose="02020603050405020304" pitchFamily="18" charset="0"/>
               </a:rPr>
               <a:t>Code Editors</a:t>
             </a:r>
             <a:r>
-              <a:rPr lang="en-US" sz="1200" dirty="0">
+              <a:rPr dirty="0" sz="1200" lang="en-US">
                 <a:latin typeface="Times New Roman" panose="02020603050405020304" pitchFamily="18" charset="0"/>
                 <a:cs typeface="Times New Roman" panose="02020603050405020304" pitchFamily="18" charset="0"/>
               </a:rPr>
@@ -7679,42 +7390,42 @@
               <a:buAutoNum type="arabicPeriod"/>
             </a:pPr>
             <a:r>
-              <a:rPr lang="en-US" sz="1200" b="1" dirty="0">
+              <a:rPr b="1" dirty="0" sz="1200" lang="en-US">
                 <a:latin typeface="Times New Roman" panose="02020603050405020304" pitchFamily="18" charset="0"/>
                 <a:cs typeface="Times New Roman" panose="02020603050405020304" pitchFamily="18" charset="0"/>
               </a:rPr>
               <a:t>Hosting Platforms</a:t>
             </a:r>
             <a:r>
-              <a:rPr lang="en-US" sz="1200" dirty="0">
+              <a:rPr dirty="0" sz="1200" lang="en-US">
                 <a:latin typeface="Times New Roman" panose="02020603050405020304" pitchFamily="18" charset="0"/>
                 <a:cs typeface="Times New Roman" panose="02020603050405020304" pitchFamily="18" charset="0"/>
               </a:rPr>
               <a:t> – </a:t>
             </a:r>
             <a:r>
-              <a:rPr lang="en-US" sz="1200" dirty="0" err="1">
+              <a:rPr dirty="0" sz="1200" lang="en-US" err="1">
                 <a:latin typeface="Times New Roman" panose="02020603050405020304" pitchFamily="18" charset="0"/>
                 <a:cs typeface="Times New Roman" panose="02020603050405020304" pitchFamily="18" charset="0"/>
               </a:rPr>
               <a:t>GitHub</a:t>
             </a:r>
             <a:r>
-              <a:rPr lang="en-US" sz="1200" dirty="0">
+              <a:rPr dirty="0" sz="1200" lang="en-US">
                 <a:latin typeface="Times New Roman" panose="02020603050405020304" pitchFamily="18" charset="0"/>
                 <a:cs typeface="Times New Roman" panose="02020603050405020304" pitchFamily="18" charset="0"/>
               </a:rPr>
               <a:t> Pages, </a:t>
             </a:r>
             <a:r>
-              <a:rPr lang="en-US" sz="1200" dirty="0" err="1">
+              <a:rPr dirty="0" sz="1200" lang="en-US" err="1">
                 <a:latin typeface="Times New Roman" panose="02020603050405020304" pitchFamily="18" charset="0"/>
                 <a:cs typeface="Times New Roman" panose="02020603050405020304" pitchFamily="18" charset="0"/>
               </a:rPr>
               <a:t>Netlify</a:t>
             </a:r>
             <a:r>
-              <a:rPr lang="en-US" sz="1200" dirty="0">
+              <a:rPr dirty="0" sz="1200" lang="en-US">
                 <a:latin typeface="Times New Roman" panose="02020603050405020304" pitchFamily="18" charset="0"/>
                 <a:cs typeface="Times New Roman" panose="02020603050405020304" pitchFamily="18" charset="0"/>
               </a:rPr>
@@ -7723,7 +7434,7 @@
           </a:p>
           <a:p>
             <a:r>
-              <a:rPr lang="en-US" sz="1200" b="1" dirty="0">
+              <a:rPr b="1" dirty="0" sz="1200" lang="en-US">
                 <a:latin typeface="Times New Roman" panose="02020603050405020304" pitchFamily="18" charset="0"/>
                 <a:cs typeface="Times New Roman" panose="02020603050405020304" pitchFamily="18" charset="0"/>
               </a:rPr>
@@ -7736,14 +7447,14 @@
               <a:buAutoNum type="arabicPeriod"/>
             </a:pPr>
             <a:r>
-              <a:rPr lang="en-US" sz="1200" b="1" dirty="0">
+              <a:rPr b="1" dirty="0" sz="1200" lang="en-US">
                 <a:latin typeface="Times New Roman" panose="02020603050405020304" pitchFamily="18" charset="0"/>
                 <a:cs typeface="Times New Roman" panose="02020603050405020304" pitchFamily="18" charset="0"/>
               </a:rPr>
               <a:t>Responsive Web Design</a:t>
             </a:r>
             <a:r>
-              <a:rPr lang="en-US" sz="1200" dirty="0">
+              <a:rPr dirty="0" sz="1200" lang="en-US">
                 <a:latin typeface="Times New Roman" panose="02020603050405020304" pitchFamily="18" charset="0"/>
                 <a:cs typeface="Times New Roman" panose="02020603050405020304" pitchFamily="18" charset="0"/>
               </a:rPr>
@@ -7756,14 +7467,14 @@
               <a:buAutoNum type="arabicPeriod"/>
             </a:pPr>
             <a:r>
-              <a:rPr lang="en-US" sz="1200" b="1" dirty="0">
+              <a:rPr b="1" dirty="0" sz="1200" lang="en-US">
                 <a:latin typeface="Times New Roman" panose="02020603050405020304" pitchFamily="18" charset="0"/>
                 <a:cs typeface="Times New Roman" panose="02020603050405020304" pitchFamily="18" charset="0"/>
               </a:rPr>
               <a:t>UI/UX Design Principles</a:t>
             </a:r>
             <a:r>
-              <a:rPr lang="en-US" sz="1200" dirty="0">
+              <a:rPr dirty="0" sz="1200" lang="en-US">
                 <a:latin typeface="Times New Roman" panose="02020603050405020304" pitchFamily="18" charset="0"/>
                 <a:cs typeface="Times New Roman" panose="02020603050405020304" pitchFamily="18" charset="0"/>
               </a:rPr>
@@ -7776,14 +7487,14 @@
               <a:buAutoNum type="arabicPeriod"/>
             </a:pPr>
             <a:r>
-              <a:rPr lang="en-US" sz="1200" b="1" dirty="0">
+              <a:rPr b="1" dirty="0" sz="1200" lang="en-US">
                 <a:latin typeface="Times New Roman" panose="02020603050405020304" pitchFamily="18" charset="0"/>
                 <a:cs typeface="Times New Roman" panose="02020603050405020304" pitchFamily="18" charset="0"/>
               </a:rPr>
               <a:t>Multimedia Integration</a:t>
             </a:r>
             <a:r>
-              <a:rPr lang="en-US" sz="1200" dirty="0">
+              <a:rPr dirty="0" sz="1200" lang="en-US">
                 <a:latin typeface="Times New Roman" panose="02020603050405020304" pitchFamily="18" charset="0"/>
                 <a:cs typeface="Times New Roman" panose="02020603050405020304" pitchFamily="18" charset="0"/>
               </a:rPr>
@@ -7796,14 +7507,14 @@
               <a:buAutoNum type="arabicPeriod"/>
             </a:pPr>
             <a:r>
-              <a:rPr lang="en-US" sz="1200" b="1" dirty="0">
+              <a:rPr b="1" dirty="0" sz="1200" lang="en-US">
                 <a:latin typeface="Times New Roman" panose="02020603050405020304" pitchFamily="18" charset="0"/>
                 <a:cs typeface="Times New Roman" panose="02020603050405020304" pitchFamily="18" charset="0"/>
               </a:rPr>
               <a:t>Interactive Elements</a:t>
             </a:r>
             <a:r>
-              <a:rPr lang="en-US" sz="1200" dirty="0">
+              <a:rPr dirty="0" sz="1200" lang="en-US">
                 <a:latin typeface="Times New Roman" panose="02020603050405020304" pitchFamily="18" charset="0"/>
                 <a:cs typeface="Times New Roman" panose="02020603050405020304" pitchFamily="18" charset="0"/>
               </a:rPr>
@@ -7816,14 +7527,14 @@
               <a:buAutoNum type="arabicPeriod"/>
             </a:pPr>
             <a:r>
-              <a:rPr lang="en-US" sz="1200" b="1" dirty="0">
+              <a:rPr b="1" dirty="0" sz="1200" lang="en-US">
                 <a:latin typeface="Times New Roman" panose="02020603050405020304" pitchFamily="18" charset="0"/>
                 <a:cs typeface="Times New Roman" panose="02020603050405020304" pitchFamily="18" charset="0"/>
               </a:rPr>
               <a:t>Search Engine Optimization (SEO)</a:t>
             </a:r>
             <a:r>
-              <a:rPr lang="en-US" sz="1200" dirty="0">
+              <a:rPr dirty="0" sz="1200" lang="en-US">
                 <a:latin typeface="Times New Roman" panose="02020603050405020304" pitchFamily="18" charset="0"/>
                 <a:cs typeface="Times New Roman" panose="02020603050405020304" pitchFamily="18" charset="0"/>
               </a:rPr>
@@ -7845,7 +7556,7 @@
   <p:cSld>
     <p:spTree>
       <p:nvGrpSpPr>
-        <p:cNvPr id="1" name=""/>
+        <p:cNvPr id="37" name=""/>
         <p:cNvGrpSpPr/>
         <p:nvPr/>
       </p:nvGrpSpPr>
@@ -7859,7 +7570,7 @@
       </p:grpSpPr>
       <p:sp>
         <p:nvSpPr>
-          <p:cNvPr id="5" name="object 5"/>
+          <p:cNvPr id="1048667" name="object 5"/>
           <p:cNvSpPr/>
           <p:nvPr/>
         </p:nvSpPr>
@@ -7870,9 +7581,7 @@
           </a:xfrm>
           <a:custGeom>
             <a:avLst/>
-            <a:gdLst/>
             <a:ahLst/>
-            <a:cxnLst/>
             <a:rect l="l" t="t" r="r" b="b"/>
             <a:pathLst>
               <a:path w="180975" h="180975">
@@ -7900,21 +7609,20 @@
           </a:solidFill>
         </p:spPr>
         <p:txBody>
-          <a:bodyPr wrap="square" lIns="0" tIns="0" rIns="0" bIns="0" rtlCol="0"/>
-          <a:lstStyle/>
-          <a:p>
-            <a:endParaRPr/>
-          </a:p>
+          <a:bodyPr bIns="0" lIns="0" rIns="0" rtlCol="0" tIns="0" wrap="square"/>
+          <a:p/>
         </p:txBody>
       </p:sp>
       <p:pic>
         <p:nvPicPr>
-          <p:cNvPr id="6" name="object 6"/>
-          <p:cNvPicPr/>
+          <p:cNvPr id="2097165" name="object 6"/>
+          <p:cNvPicPr>
+            <a:picLocks/>
+          </p:cNvPicPr>
           <p:nvPr/>
         </p:nvPicPr>
         <p:blipFill>
-          <a:blip r:embed="rId2" cstate="print"/>
+          <a:blip xmlns:r="http://schemas.openxmlformats.org/officeDocument/2006/relationships" r:embed="rId1" cstate="print"/>
           <a:stretch>
             <a:fillRect/>
           </a:stretch>
@@ -7924,14 +7632,12 @@
             <a:off x="1666875" y="6467475"/>
             <a:ext cx="76200" cy="177800"/>
           </a:xfrm>
-          <a:prstGeom prst="rect">
-            <a:avLst/>
-          </a:prstGeom>
+          <a:prstGeom prst="rect"/>
         </p:spPr>
       </p:pic>
       <p:sp>
         <p:nvSpPr>
-          <p:cNvPr id="9" name="object 9"/>
+          <p:cNvPr id="1048668" name="object 9"/>
           <p:cNvSpPr txBox="1"/>
           <p:nvPr/>
         </p:nvSpPr>
@@ -7940,15 +7646,12 @@
             <a:off x="11277218" y="6473337"/>
             <a:ext cx="228600" cy="191770"/>
           </a:xfrm>
-          <a:prstGeom prst="rect">
-            <a:avLst/>
-          </a:prstGeom>
-        </p:spPr>
-        <p:txBody>
-          <a:bodyPr vert="horz" wrap="square" lIns="0" tIns="6985" rIns="0" bIns="0" rtlCol="0">
+          <a:prstGeom prst="rect"/>
+        </p:spPr>
+        <p:txBody>
+          <a:bodyPr bIns="0" lIns="0" rIns="0" rtlCol="0" tIns="6985" vert="horz" wrap="square">
             <a:spAutoFit/>
           </a:bodyPr>
-          <a:lstStyle/>
           <a:p>
             <a:pPr marL="38100">
               <a:lnSpc>
@@ -7959,7 +7662,7 @@
               </a:spcBef>
             </a:pPr>
             <a:fld id="{81D60167-4931-47E6-BA6A-407CBD079E47}" type="slidenum">
-              <a:rPr sz="1100" spc="10" dirty="0">
+              <a:rPr dirty="0" sz="1100" spc="10">
                 <a:solidFill>
                   <a:srgbClr val="2D936B"/>
                 </a:solidFill>
@@ -7977,7 +7680,7 @@
       </p:sp>
       <p:sp>
         <p:nvSpPr>
-          <p:cNvPr id="8" name="object 8"/>
+          <p:cNvPr id="1048669" name="object 8"/>
           <p:cNvSpPr txBox="1"/>
           <p:nvPr/>
         </p:nvSpPr>
@@ -7986,15 +7689,12 @@
             <a:off x="739775" y="291147"/>
             <a:ext cx="8794750" cy="629018"/>
           </a:xfrm>
-          <a:prstGeom prst="rect">
-            <a:avLst/>
-          </a:prstGeom>
-        </p:spPr>
-        <p:txBody>
-          <a:bodyPr vert="horz" wrap="square" lIns="0" tIns="13335" rIns="0" bIns="0" rtlCol="0">
+          <a:prstGeom prst="rect"/>
+        </p:spPr>
+        <p:txBody>
+          <a:bodyPr bIns="0" lIns="0" rIns="0" rtlCol="0" tIns="13335" vert="horz" wrap="square">
             <a:spAutoFit/>
           </a:bodyPr>
-          <a:lstStyle/>
           <a:p>
             <a:pPr marL="12700">
               <a:lnSpc>
@@ -8005,13 +7705,13 @@
               </a:spcBef>
             </a:pPr>
             <a:r>
-              <a:rPr lang="en-IN" sz="4000" b="1" spc="15" dirty="0">
+              <a:rPr b="1" dirty="0" sz="4000" lang="en-IN" spc="15">
                 <a:latin typeface="Trebuchet MS"/>
                 <a:cs typeface="Trebuchet MS"/>
               </a:rPr>
               <a:t>POTFOLIO DESIGN AND LAYOUT</a:t>
             </a:r>
-            <a:endParaRPr sz="4000" dirty="0">
+            <a:endParaRPr dirty="0" sz="4000">
               <a:latin typeface="Trebuchet MS"/>
               <a:cs typeface="Trebuchet MS"/>
             </a:endParaRPr>
@@ -8020,7 +7720,7 @@
       </p:sp>
       <p:sp>
         <p:nvSpPr>
-          <p:cNvPr id="14" name="object 3"/>
+          <p:cNvPr id="1048670" name="object 3"/>
           <p:cNvSpPr/>
           <p:nvPr/>
         </p:nvSpPr>
@@ -8031,9 +7731,7 @@
           </a:xfrm>
           <a:custGeom>
             <a:avLst/>
-            <a:gdLst/>
             <a:ahLst/>
-            <a:cxnLst/>
             <a:rect l="l" t="t" r="r" b="b"/>
             <a:pathLst>
               <a:path w="457200" h="457200">
@@ -8061,10 +7759,161 @@
           </a:solidFill>
         </p:spPr>
         <p:txBody>
-          <a:bodyPr wrap="square" lIns="0" tIns="0" rIns="0" bIns="0" rtlCol="0"/>
-          <a:lstStyle/>
-          <a:p>
-            <a:endParaRPr/>
+          <a:bodyPr bIns="0" lIns="0" rIns="0" rtlCol="0" tIns="0" wrap="square"/>
+          <a:p/>
+        </p:txBody>
+      </p:sp>
+      <p:sp>
+        <p:nvSpPr>
+          <p:cNvPr id="1048706" name=""/>
+          <p:cNvSpPr txBox="1"/>
+          <p:nvPr/>
+        </p:nvSpPr>
+        <p:spPr>
+          <a:xfrm rot="21600000">
+            <a:off x="1743075" y="1765935"/>
+            <a:ext cx="5809209" cy="4701540"/>
+          </a:xfrm>
+          <a:prstGeom prst="rect"/>
+        </p:spPr>
+        <p:txBody>
+          <a:bodyPr rtlCol="0" wrap="square">
+            <a:spAutoFit/>
+          </a:bodyPr>
+          <a:p>
+            <a:r>
+              <a:rPr sz="2800" lang="en-IN">
+                <a:solidFill>
+                  <a:srgbClr val="000000"/>
+                </a:solidFill>
+              </a:rPr>
+              <a:t>Here’s a short version:</a:t>
+            </a:r>
+            <a:endParaRPr sz="2800" lang="en-IN">
+              <a:solidFill>
+                <a:srgbClr val="000000"/>
+              </a:solidFill>
+            </a:endParaRPr>
+          </a:p>
+          <a:p>
+            <a:r>
+              <a:rPr sz="2800" lang="en-IN">
+                <a:solidFill>
+                  <a:srgbClr val="000000"/>
+                </a:solidFill>
+              </a:rPr>
+              <a:t>Digital Portfolio Layout</a:t>
+            </a:r>
+            <a:endParaRPr sz="2800" lang="en-IN">
+              <a:solidFill>
+                <a:srgbClr val="000000"/>
+              </a:solidFill>
+            </a:endParaRPr>
+          </a:p>
+          <a:p>
+            <a:r>
+              <a:rPr sz="2800" lang="en-IN">
+                <a:solidFill>
+                  <a:srgbClr val="000000"/>
+                </a:solidFill>
+              </a:rPr>
+              <a:t>Intro – Name &amp; tagline</a:t>
+            </a:r>
+            <a:endParaRPr sz="2800" lang="en-IN">
+              <a:solidFill>
+                <a:srgbClr val="000000"/>
+              </a:solidFill>
+            </a:endParaRPr>
+          </a:p>
+          <a:p>
+            <a:r>
+              <a:rPr sz="2800" lang="en-IN">
+                <a:solidFill>
+                  <a:srgbClr val="000000"/>
+                </a:solidFill>
+              </a:rPr>
+              <a:t>About – Short bio &amp; skills</a:t>
+            </a:r>
+            <a:endParaRPr sz="2800" lang="en-IN">
+              <a:solidFill>
+                <a:srgbClr val="000000"/>
+              </a:solidFill>
+            </a:endParaRPr>
+          </a:p>
+          <a:p>
+            <a:r>
+              <a:rPr sz="2800" lang="en-IN">
+                <a:solidFill>
+                  <a:srgbClr val="000000"/>
+                </a:solidFill>
+              </a:rPr>
+              <a:t>Work – Projects with visuals</a:t>
+            </a:r>
+            <a:endParaRPr sz="2800" lang="en-IN">
+              <a:solidFill>
+                <a:srgbClr val="000000"/>
+              </a:solidFill>
+            </a:endParaRPr>
+          </a:p>
+          <a:p>
+            <a:r>
+              <a:rPr sz="2800" lang="en-IN">
+                <a:solidFill>
+                  <a:srgbClr val="000000"/>
+                </a:solidFill>
+              </a:rPr>
+              <a:t>Resume – CV/skills summary</a:t>
+            </a:r>
+            <a:endParaRPr sz="2800" lang="en-IN">
+              <a:solidFill>
+                <a:srgbClr val="000000"/>
+              </a:solidFill>
+            </a:endParaRPr>
+          </a:p>
+          <a:p>
+            <a:r>
+              <a:rPr sz="2800" lang="en-IN">
+                <a:solidFill>
+                  <a:srgbClr val="000000"/>
+                </a:solidFill>
+              </a:rPr>
+              <a:t>Contact – Email &amp; links</a:t>
+            </a:r>
+            <a:endParaRPr sz="2800" lang="en-IN">
+              <a:solidFill>
+                <a:srgbClr val="000000"/>
+              </a:solidFill>
+            </a:endParaRPr>
+          </a:p>
+          <a:p>
+            <a:r>
+              <a:rPr sz="2800" lang="en-IN">
+                <a:solidFill>
+                  <a:srgbClr val="000000"/>
+                </a:solidFill>
+              </a:rPr>
+              <a:t>👉 Keep it clean, simple, and easy to navigate.</a:t>
+            </a:r>
+            <a:endParaRPr sz="2800" lang="en-IN">
+              <a:solidFill>
+                <a:srgbClr val="000000"/>
+              </a:solidFill>
+            </a:endParaRPr>
+          </a:p>
+          <a:p>
+            <a:r>
+              <a:rPr sz="2800" lang="en-IN">
+                <a:solidFill>
+                  <a:srgbClr val="000000"/>
+                </a:solidFill>
+              </a:rPr>
+              <a:t>Want me to make this even shorter, like a one-line summary?</a:t>
+            </a:r>
+            <a:endParaRPr sz="2800" lang="en-IN">
+              <a:solidFill>
+                <a:srgbClr val="000000"/>
+              </a:solidFill>
+            </a:endParaRPr>
           </a:p>
         </p:txBody>
       </p:sp>
@@ -8081,7 +7930,7 @@
   <p:cSld>
     <p:spTree>
       <p:nvGrpSpPr>
-        <p:cNvPr id="1" name=""/>
+        <p:cNvPr id="38" name=""/>
         <p:cNvGrpSpPr/>
         <p:nvPr/>
       </p:nvGrpSpPr>
@@ -8095,13 +7944,7 @@
       </p:grpSpPr>
       <p:sp>
         <p:nvSpPr>
-          <p:cNvPr id="2" name="Title 1">
-            <a:extLst>
-              <a:ext uri="{FF2B5EF4-FFF2-40B4-BE49-F238E27FC236}">
-                <a16:creationId xmlns:a16="http://schemas.microsoft.com/office/drawing/2014/main" xmlns="" id="{6E06195E-16D6-79D8-7A9F-F8EB1FE9E212}"/>
-              </a:ext>
-            </a:extLst>
-          </p:cNvPr>
+          <p:cNvPr id="1048671" name="Title 1"/>
           <p:cNvSpPr>
             <a:spLocks noGrp="1"/>
           </p:cNvSpPr>
@@ -8109,13 +7952,17 @@
             <p:ph type="title"/>
           </p:nvPr>
         </p:nvSpPr>
-        <p:spPr/>
+        <p:spPr>
+          <a:xfrm>
+            <a:off x="755332" y="385444"/>
+            <a:ext cx="10681335" cy="723901"/>
+          </a:xfrm>
+        </p:spPr>
         <p:txBody>
           <a:bodyPr/>
-          <a:lstStyle/>
-          <a:p>
-            <a:r>
-              <a:rPr lang="en-IN" dirty="0"/>
+          <a:p>
+            <a:r>
+              <a:rPr dirty="0" lang="en-IN"/>
               <a:t>FEATURES AND FUNCTIONALITY</a:t>
             </a:r>
           </a:p>
@@ -8123,28 +7970,25 @@
       </p:sp>
       <p:sp>
         <p:nvSpPr>
-          <p:cNvPr id="3" name="Rectangle 2"/>
+          <p:cNvPr id="1048672" name="Rectangle 2"/>
           <p:cNvSpPr/>
           <p:nvPr/>
         </p:nvSpPr>
         <p:spPr>
           <a:xfrm>
             <a:off x="3048000" y="1859340"/>
-            <a:ext cx="6096000" cy="3139321"/>
-          </a:xfrm>
-          <a:prstGeom prst="rect">
-            <a:avLst/>
-          </a:prstGeom>
+            <a:ext cx="6096000" cy="3202940"/>
+          </a:xfrm>
+          <a:prstGeom prst="rect"/>
         </p:spPr>
         <p:txBody>
           <a:bodyPr>
             <a:spAutoFit/>
           </a:bodyPr>
-          <a:lstStyle/>
           <a:p>
             <a:pPr lvl="0"/>
             <a:r>
-              <a:rPr lang="en-US" b="1" dirty="0">
+              <a:rPr b="1" dirty="0" lang="en-US">
                 <a:solidFill>
                   <a:prstClr val="black"/>
                 </a:solidFill>
@@ -8158,7 +8002,7 @@
               <a:buChar char="•"/>
             </a:pPr>
             <a:r>
-              <a:rPr lang="en-US" sz="1200" b="1" dirty="0">
+              <a:rPr b="1" dirty="0" sz="1200" lang="en-US">
                 <a:solidFill>
                   <a:prstClr val="black"/>
                 </a:solidFill>
@@ -8168,7 +8012,7 @@
               <a:t>Personalized Profile</a:t>
             </a:r>
             <a:r>
-              <a:rPr lang="en-US" sz="1200" dirty="0">
+              <a:rPr dirty="0" sz="1200" lang="en-US">
                 <a:solidFill>
                   <a:prstClr val="black"/>
                 </a:solidFill>
@@ -8184,7 +8028,7 @@
               <a:buChar char="•"/>
             </a:pPr>
             <a:r>
-              <a:rPr lang="en-US" sz="1200" b="1" dirty="0">
+              <a:rPr b="1" dirty="0" sz="1200" lang="en-US">
                 <a:solidFill>
                   <a:prstClr val="black"/>
                 </a:solidFill>
@@ -8194,7 +8038,7 @@
               <a:t>Project Showcase</a:t>
             </a:r>
             <a:r>
-              <a:rPr lang="en-US" sz="1200" dirty="0">
+              <a:rPr dirty="0" sz="1200" lang="en-US">
                 <a:solidFill>
                   <a:prstClr val="black"/>
                 </a:solidFill>
@@ -8210,7 +8054,7 @@
               <a:buChar char="•"/>
             </a:pPr>
             <a:r>
-              <a:rPr lang="en-US" sz="1200" b="1" dirty="0">
+              <a:rPr b="1" dirty="0" sz="1200" lang="en-US">
                 <a:solidFill>
                   <a:prstClr val="black"/>
                 </a:solidFill>
@@ -8220,7 +8064,7 @@
               <a:t>Skills Display</a:t>
             </a:r>
             <a:r>
-              <a:rPr lang="en-US" sz="1200" dirty="0">
+              <a:rPr dirty="0" sz="1200" lang="en-US">
                 <a:solidFill>
                   <a:prstClr val="black"/>
                 </a:solidFill>
@@ -8236,7 +8080,7 @@
               <a:buChar char="•"/>
             </a:pPr>
             <a:r>
-              <a:rPr lang="en-US" sz="1200" b="1" dirty="0">
+              <a:rPr b="1" dirty="0" sz="1200" lang="en-US">
                 <a:solidFill>
                   <a:prstClr val="black"/>
                 </a:solidFill>
@@ -8246,7 +8090,7 @@
               <a:t>Education &amp; Experience Section</a:t>
             </a:r>
             <a:r>
-              <a:rPr lang="en-US" sz="1200" dirty="0">
+              <a:rPr dirty="0" sz="1200" lang="en-US">
                 <a:solidFill>
                   <a:prstClr val="black"/>
                 </a:solidFill>
@@ -8262,7 +8106,7 @@
               <a:buChar char="•"/>
             </a:pPr>
             <a:r>
-              <a:rPr lang="en-US" sz="1200" b="1" dirty="0">
+              <a:rPr b="1" dirty="0" sz="1200" lang="en-US">
                 <a:solidFill>
                   <a:prstClr val="black"/>
                 </a:solidFill>
@@ -8272,7 +8116,7 @@
               <a:t>Multimedia Support</a:t>
             </a:r>
             <a:r>
-              <a:rPr lang="en-US" sz="1200" dirty="0">
+              <a:rPr dirty="0" sz="1200" lang="en-US">
                 <a:solidFill>
                   <a:prstClr val="black"/>
                 </a:solidFill>
@@ -8288,7 +8132,7 @@
               <a:buChar char="•"/>
             </a:pPr>
             <a:r>
-              <a:rPr lang="en-US" sz="1200" b="1" dirty="0">
+              <a:rPr b="1" dirty="0" sz="1200" lang="en-US">
                 <a:solidFill>
                   <a:prstClr val="black"/>
                 </a:solidFill>
@@ -8298,7 +8142,7 @@
               <a:t>Responsive Design</a:t>
             </a:r>
             <a:r>
-              <a:rPr lang="en-US" sz="1200" dirty="0">
+              <a:rPr dirty="0" sz="1200" lang="en-US">
                 <a:solidFill>
                   <a:prstClr val="black"/>
                 </a:solidFill>
@@ -8314,7 +8158,7 @@
               <a:buChar char="•"/>
             </a:pPr>
             <a:r>
-              <a:rPr lang="en-US" sz="1200" b="1" dirty="0">
+              <a:rPr b="1" dirty="0" sz="1200" lang="en-US">
                 <a:solidFill>
                   <a:prstClr val="black"/>
                 </a:solidFill>
@@ -8324,7 +8168,7 @@
               <a:t>Search &amp; Navigation</a:t>
             </a:r>
             <a:r>
-              <a:rPr lang="en-US" sz="1200" dirty="0">
+              <a:rPr dirty="0" sz="1200" lang="en-US">
                 <a:solidFill>
                   <a:prstClr val="black"/>
                 </a:solidFill>
@@ -8337,7 +8181,7 @@
           <a:p>
             <a:pPr lvl="0"/>
             <a:r>
-              <a:rPr lang="en-US" sz="1200" b="1" dirty="0">
+              <a:rPr b="1" dirty="0" sz="1200" lang="en-US">
                 <a:solidFill>
                   <a:prstClr val="black"/>
                 </a:solidFill>
@@ -8353,7 +8197,7 @@
               <a:buChar char="•"/>
             </a:pPr>
             <a:r>
-              <a:rPr lang="en-US" sz="1200" b="1" dirty="0">
+              <a:rPr b="1" dirty="0" sz="1200" lang="en-US">
                 <a:solidFill>
                   <a:prstClr val="black"/>
                 </a:solidFill>
@@ -8363,7 +8207,7 @@
               <a:t>Add / Edit / Update Content</a:t>
             </a:r>
             <a:r>
-              <a:rPr lang="en-US" sz="1200" dirty="0">
+              <a:rPr dirty="0" sz="1200" lang="en-US">
                 <a:solidFill>
                   <a:prstClr val="black"/>
                 </a:solidFill>
@@ -8379,7 +8223,7 @@
               <a:buChar char="•"/>
             </a:pPr>
             <a:r>
-              <a:rPr lang="en-US" sz="1200" b="1" dirty="0">
+              <a:rPr b="1" dirty="0" sz="1200" lang="en-US">
                 <a:solidFill>
                   <a:prstClr val="black"/>
                 </a:solidFill>
@@ -8389,7 +8233,7 @@
               <a:t>Interactive Elements</a:t>
             </a:r>
             <a:r>
-              <a:rPr lang="en-US" sz="1200" dirty="0">
+              <a:rPr dirty="0" sz="1200" lang="en-US">
                 <a:solidFill>
                   <a:prstClr val="black"/>
                 </a:solidFill>
@@ -8405,7 +8249,7 @@
               <a:buChar char="•"/>
             </a:pPr>
             <a:r>
-              <a:rPr lang="en-US" sz="1200" b="1" dirty="0">
+              <a:rPr b="1" dirty="0" sz="1200" lang="en-US">
                 <a:solidFill>
                   <a:prstClr val="black"/>
                 </a:solidFill>
@@ -8415,7 +8259,7 @@
               <a:t>Contact Integration</a:t>
             </a:r>
             <a:r>
-              <a:rPr lang="en-US" sz="1200" dirty="0">
+              <a:rPr dirty="0" sz="1200" lang="en-US">
                 <a:solidFill>
                   <a:prstClr val="black"/>
                 </a:solidFill>
@@ -8431,7 +8275,7 @@
               <a:buChar char="•"/>
             </a:pPr>
             <a:r>
-              <a:rPr lang="en-US" sz="1200" b="1" dirty="0">
+              <a:rPr b="1" dirty="0" sz="1200" lang="en-US">
                 <a:solidFill>
                   <a:prstClr val="black"/>
                 </a:solidFill>
@@ -8441,7 +8285,7 @@
               <a:t>Downloadable Resume</a:t>
             </a:r>
             <a:r>
-              <a:rPr lang="en-US" sz="1200" dirty="0">
+              <a:rPr dirty="0" sz="1200" lang="en-US">
                 <a:solidFill>
                   <a:prstClr val="black"/>
                 </a:solidFill>
@@ -8457,7 +8301,7 @@
               <a:buChar char="•"/>
             </a:pPr>
             <a:r>
-              <a:rPr lang="en-US" sz="1200" b="1" dirty="0">
+              <a:rPr b="1" dirty="0" sz="1200" lang="en-US">
                 <a:solidFill>
                   <a:prstClr val="black"/>
                 </a:solidFill>
@@ -8467,7 +8311,7 @@
               <a:t>Sharing Options</a:t>
             </a:r>
             <a:r>
-              <a:rPr lang="en-US" sz="1200" dirty="0">
+              <a:rPr dirty="0" sz="1200" lang="en-US">
                 <a:solidFill>
                   <a:prstClr val="black"/>
                 </a:solidFill>
@@ -8483,7 +8327,7 @@
               <a:buChar char="•"/>
             </a:pPr>
             <a:r>
-              <a:rPr lang="en-US" sz="1200" b="1" dirty="0">
+              <a:rPr b="1" dirty="0" sz="1200" lang="en-US">
                 <a:solidFill>
                   <a:prstClr val="black"/>
                 </a:solidFill>
@@ -8493,7 +8337,7 @@
               <a:t>SEO Optimization</a:t>
             </a:r>
             <a:r>
-              <a:rPr lang="en-US" sz="1200" dirty="0">
+              <a:rPr dirty="0" sz="1200" lang="en-US">
                 <a:solidFill>
                   <a:prstClr val="black"/>
                 </a:solidFill>
@@ -8509,7 +8353,7 @@
               <a:buChar char="•"/>
             </a:pPr>
             <a:r>
-              <a:rPr lang="en-US" sz="1200" b="1" dirty="0">
+              <a:rPr b="1" dirty="0" sz="1200" lang="en-US">
                 <a:solidFill>
                   <a:prstClr val="black"/>
                 </a:solidFill>
@@ -8519,7 +8363,7 @@
               <a:t>Data Security</a:t>
             </a:r>
             <a:r>
-              <a:rPr lang="en-US" sz="1200" dirty="0">
+              <a:rPr dirty="0" sz="1200" lang="en-US">
                 <a:solidFill>
                   <a:prstClr val="black"/>
                 </a:solidFill>
@@ -8528,7 +8372,7 @@
               </a:rPr>
               <a:t> – safe handling of personal details.</a:t>
             </a:r>
-            <a:endParaRPr lang="en-US" sz="1200" dirty="0">
+            <a:endParaRPr dirty="0" sz="1200" lang="en-US">
               <a:solidFill>
                 <a:prstClr val="black"/>
               </a:solidFill>
@@ -8539,11 +8383,6 @@
         </p:txBody>
       </p:sp>
     </p:spTree>
-    <p:extLst>
-      <p:ext uri="{BB962C8B-B14F-4D97-AF65-F5344CB8AC3E}">
-        <p14:creationId xmlns:p14="http://schemas.microsoft.com/office/powerpoint/2010/main" val="2720660618"/>
-      </p:ext>
-    </p:extLst>
   </p:cSld>
   <p:clrMapOvr>
     <a:masterClrMapping/>
@@ -8556,10 +8395,10 @@
   <a:themeElements>
     <a:clrScheme name="Office">
       <a:dk1>
-        <a:sysClr val="windowText" lastClr="000000"/>
+        <a:sysClr lastClr="000000" val="windowText"/>
       </a:dk1>
       <a:lt1>
-        <a:sysClr val="window" lastClr="FFFFFF"/>
+        <a:sysClr lastClr="FFFFFF" val="window"/>
       </a:lt1>
       <a:dk2>
         <a:srgbClr val="1F497D"/>
@@ -8740,7 +8579,7 @@
       <a:effectStyleLst>
         <a:effectStyle>
           <a:effectLst>
-            <a:outerShdw blurRad="40000" dist="20000" dir="5400000" rotWithShape="0">
+            <a:outerShdw blurRad="40000" dir="5400000" dist="20000" rotWithShape="0">
               <a:srgbClr val="000000">
                 <a:alpha val="38000"/>
               </a:srgbClr>
@@ -8749,7 +8588,7 @@
         </a:effectStyle>
         <a:effectStyle>
           <a:effectLst>
-            <a:outerShdw blurRad="40000" dist="23000" dir="5400000" rotWithShape="0">
+            <a:outerShdw blurRad="40000" dir="5400000" dist="23000" rotWithShape="0">
               <a:srgbClr val="000000">
                 <a:alpha val="35000"/>
               </a:srgbClr>
@@ -8758,7 +8597,7 @@
         </a:effectStyle>
         <a:effectStyle>
           <a:effectLst>
-            <a:outerShdw blurRad="40000" dist="23000" dir="5400000" rotWithShape="0">
+            <a:outerShdw blurRad="40000" dir="5400000" dist="23000" rotWithShape="0">
               <a:srgbClr val="000000">
                 <a:alpha val="35000"/>
               </a:srgbClr>
@@ -8768,7 +8607,7 @@
             <a:camera prst="orthographicFront">
               <a:rot lat="0" lon="0" rev="0"/>
             </a:camera>
-            <a:lightRig rig="threePt" dir="t">
+            <a:lightRig dir="t" rig="threePt">
               <a:rot lat="0" lon="0" rev="1200000"/>
             </a:lightRig>
           </a:scene3d>
@@ -8829,8 +8668,6 @@
       </a:bgFillStyleLst>
     </a:fmtScheme>
   </a:themeElements>
-  <a:objectDefaults/>
-  <a:extraClrSchemeLst/>
 </a:theme>
 </file>
 
@@ -8839,10 +8676,10 @@
   <a:themeElements>
     <a:clrScheme name="Office">
       <a:dk1>
-        <a:sysClr val="windowText" lastClr="000000"/>
+        <a:sysClr lastClr="000000" val="windowText"/>
       </a:dk1>
       <a:lt1>
-        <a:sysClr val="window" lastClr="FFFFFF"/>
+        <a:sysClr lastClr="FFFFFF" val="window"/>
       </a:lt1>
       <a:dk2>
         <a:srgbClr val="44546A"/>
@@ -9071,7 +8908,7 @@
         </a:effectStyle>
         <a:effectStyle>
           <a:effectLst>
-            <a:outerShdw blurRad="57150" dist="19050" dir="5400000" algn="ctr" rotWithShape="0">
+            <a:outerShdw algn="ctr" blurRad="57150" dir="5400000" dist="19050" rotWithShape="0">
               <a:srgbClr val="000000">
                 <a:alpha val="63000"/>
               </a:srgbClr>
@@ -9119,12 +8956,5 @@
       </a:bgFillStyleLst>
     </a:fmtScheme>
   </a:themeElements>
-  <a:objectDefaults/>
-  <a:extraClrSchemeLst/>
-  <a:extLst>
-    <a:ext uri="{05A4C25C-085E-4340-85A3-A5531E510DB2}">
-      <thm15:themeFamily xmlns:thm15="http://schemas.microsoft.com/office/thememl/2012/main" name="Office Theme" id="{62F939B6-93AF-4DB8-9C6B-D6C7DFDC589F}" vid="{4A3C46E8-61CC-4603-A589-7422A47A8E4A}"/>
-    </a:ext>
-  </a:extLst>
 </a:theme>
 </file>
--- a/digital portfolio ppt.pptx
+++ b/digital portfolio ppt.pptx
@@ -1,32 +1,32 @@
 
 <file path=ppt/presentation.xml><?xml version="1.0" encoding="utf-8"?>
-<p:presentation xmlns:p="http://schemas.openxmlformats.org/presentationml/2006/main" xmlns:r="http://schemas.openxmlformats.org/officeDocument/2006/relationships" xmlns:a="http://schemas.openxmlformats.org/drawingml/2006/main">
+<p:presentation xmlns:a="http://schemas.openxmlformats.org/drawingml/2006/main" xmlns:r="http://schemas.openxmlformats.org/officeDocument/2006/relationships" xmlns:p="http://schemas.openxmlformats.org/presentationml/2006/main">
   <p:sldMasterIdLst>
     <p:sldMasterId id="2147483648" r:id="rId1"/>
   </p:sldMasterIdLst>
   <p:notesMasterIdLst>
-    <p:notesMasterId r:id="rId2"/>
+    <p:notesMasterId r:id="rId13"/>
   </p:notesMasterIdLst>
   <p:sldIdLst>
+    <p:sldId id="256" r:id="rId2"/>
     <p:sldId id="257" r:id="rId3"/>
     <p:sldId id="258" r:id="rId4"/>
     <p:sldId id="259" r:id="rId5"/>
     <p:sldId id="260" r:id="rId6"/>
     <p:sldId id="261" r:id="rId7"/>
     <p:sldId id="262" r:id="rId8"/>
-    <p:sldId id="263" r:id="rId9"/>
-    <p:sldId id="264" r:id="rId10"/>
-    <p:sldId id="265" r:id="rId11"/>
-    <p:sldId id="266" r:id="rId12"/>
-    <p:sldId id="268" r:id="rId13"/>
+    <p:sldId id="264" r:id="rId9"/>
+    <p:sldId id="269" r:id="rId10"/>
+    <p:sldId id="263" r:id="rId11"/>
+    <p:sldId id="265" r:id="rId12"/>
   </p:sldIdLst>
-  <p:sldSz type="screen16x9" cy="6858000" cx="12192000"/>
+  <p:sldSz cx="12192000" cy="6858000"/>
   <p:notesSz cx="12192000" cy="6858000"/>
   <p:defaultTextStyle>
     <a:defPPr>
       <a:defRPr lang="en-US"/>
     </a:defPPr>
-    <a:lvl1pPr algn="l" defTabSz="914400" eaLnBrk="1" hangingPunct="1" latinLnBrk="0" marL="0" rtl="0">
+    <a:lvl1pPr marL="0" algn="l" defTabSz="914400" rtl="0" eaLnBrk="1" latinLnBrk="0" hangingPunct="1">
       <a:defRPr sz="1800" kern="1200">
         <a:solidFill>
           <a:schemeClr val="tx1"/>
@@ -36,7 +36,7 @@
         <a:cs typeface="+mn-cs"/>
       </a:defRPr>
     </a:lvl1pPr>
-    <a:lvl2pPr algn="l" defTabSz="914400" eaLnBrk="1" hangingPunct="1" latinLnBrk="0" marL="457200" rtl="0">
+    <a:lvl2pPr marL="457200" algn="l" defTabSz="914400" rtl="0" eaLnBrk="1" latinLnBrk="0" hangingPunct="1">
       <a:defRPr sz="1800" kern="1200">
         <a:solidFill>
           <a:schemeClr val="tx1"/>
@@ -46,7 +46,7 @@
         <a:cs typeface="+mn-cs"/>
       </a:defRPr>
     </a:lvl2pPr>
-    <a:lvl3pPr algn="l" defTabSz="914400" eaLnBrk="1" hangingPunct="1" latinLnBrk="0" marL="914400" rtl="0">
+    <a:lvl3pPr marL="914400" algn="l" defTabSz="914400" rtl="0" eaLnBrk="1" latinLnBrk="0" hangingPunct="1">
       <a:defRPr sz="1800" kern="1200">
         <a:solidFill>
           <a:schemeClr val="tx1"/>
@@ -56,7 +56,7 @@
         <a:cs typeface="+mn-cs"/>
       </a:defRPr>
     </a:lvl3pPr>
-    <a:lvl4pPr algn="l" defTabSz="914400" eaLnBrk="1" hangingPunct="1" latinLnBrk="0" marL="1371600" rtl="0">
+    <a:lvl4pPr marL="1371600" algn="l" defTabSz="914400" rtl="0" eaLnBrk="1" latinLnBrk="0" hangingPunct="1">
       <a:defRPr sz="1800" kern="1200">
         <a:solidFill>
           <a:schemeClr val="tx1"/>
@@ -66,7 +66,7 @@
         <a:cs typeface="+mn-cs"/>
       </a:defRPr>
     </a:lvl4pPr>
-    <a:lvl5pPr algn="l" defTabSz="914400" eaLnBrk="1" hangingPunct="1" latinLnBrk="0" marL="1828800" rtl="0">
+    <a:lvl5pPr marL="1828800" algn="l" defTabSz="914400" rtl="0" eaLnBrk="1" latinLnBrk="0" hangingPunct="1">
       <a:defRPr sz="1800" kern="1200">
         <a:solidFill>
           <a:schemeClr val="tx1"/>
@@ -76,7 +76,7 @@
         <a:cs typeface="+mn-cs"/>
       </a:defRPr>
     </a:lvl5pPr>
-    <a:lvl6pPr algn="l" defTabSz="914400" eaLnBrk="1" hangingPunct="1" latinLnBrk="0" marL="2286000" rtl="0">
+    <a:lvl6pPr marL="2286000" algn="l" defTabSz="914400" rtl="0" eaLnBrk="1" latinLnBrk="0" hangingPunct="1">
       <a:defRPr sz="1800" kern="1200">
         <a:solidFill>
           <a:schemeClr val="tx1"/>
@@ -86,7 +86,7 @@
         <a:cs typeface="+mn-cs"/>
       </a:defRPr>
     </a:lvl6pPr>
-    <a:lvl7pPr algn="l" defTabSz="914400" eaLnBrk="1" hangingPunct="1" latinLnBrk="0" marL="2743200" rtl="0">
+    <a:lvl7pPr marL="2743200" algn="l" defTabSz="914400" rtl="0" eaLnBrk="1" latinLnBrk="0" hangingPunct="1">
       <a:defRPr sz="1800" kern="1200">
         <a:solidFill>
           <a:schemeClr val="tx1"/>
@@ -96,7 +96,7 @@
         <a:cs typeface="+mn-cs"/>
       </a:defRPr>
     </a:lvl7pPr>
-    <a:lvl8pPr algn="l" defTabSz="914400" eaLnBrk="1" hangingPunct="1" latinLnBrk="0" marL="3200400" rtl="0">
+    <a:lvl8pPr marL="3200400" algn="l" defTabSz="914400" rtl="0" eaLnBrk="1" latinLnBrk="0" hangingPunct="1">
       <a:defRPr sz="1800" kern="1200">
         <a:solidFill>
           <a:schemeClr val="tx1"/>
@@ -106,7 +106,7 @@
         <a:cs typeface="+mn-cs"/>
       </a:defRPr>
     </a:lvl8pPr>
-    <a:lvl9pPr algn="l" defTabSz="914400" eaLnBrk="1" hangingPunct="1" latinLnBrk="0" marL="3657600" rtl="0">
+    <a:lvl9pPr marL="3657600" algn="l" defTabSz="914400" rtl="0" eaLnBrk="1" latinLnBrk="0" hangingPunct="1">
       <a:defRPr sz="1800" kern="1200">
         <a:solidFill>
           <a:schemeClr val="tx1"/>
@@ -117,6 +117,22 @@
       </a:defRPr>
     </a:lvl9pPr>
   </p:defaultTextStyle>
+  <p:extLst>
+    <p:ext uri="{EFAFB233-063F-42B5-8137-9DF3F51BA10A}">
+      <p15:sldGuideLst xmlns:p15="http://schemas.microsoft.com/office/powerpoint/2012/main">
+        <p15:guide id="1" orient="horz" pos="2880">
+          <p15:clr>
+            <a:srgbClr val="A4A3A4"/>
+          </p15:clr>
+        </p15:guide>
+        <p15:guide id="2" pos="2160">
+          <p15:clr>
+            <a:srgbClr val="A4A3A4"/>
+          </p15:clr>
+        </p15:guide>
+      </p15:sldGuideLst>
+    </p:ext>
+  </p:extLst>
 </p:presentation>
 </file>
 
@@ -130,7 +146,7 @@
     </p:bg>
     <p:spTree>
       <p:nvGrpSpPr>
-        <p:cNvPr id="44" name=""/>
+        <p:cNvPr id="1" name=""/>
         <p:cNvGrpSpPr/>
         <p:nvPr/>
       </p:nvGrpSpPr>
@@ -144,7 +160,7 @@
       </p:grpSpPr>
       <p:sp>
         <p:nvSpPr>
-          <p:cNvPr id="1048700" name="Header Placeholder 1"/>
+          <p:cNvPr id="2" name="Header Placeholder 1"/>
           <p:cNvSpPr>
             <a:spLocks noGrp="1"/>
           </p:cNvSpPr>
@@ -157,10 +173,12 @@
             <a:off x="0" y="0"/>
             <a:ext cx="5283200" cy="344488"/>
           </a:xfrm>
-          <a:prstGeom prst="rect"/>
-        </p:spPr>
-        <p:txBody>
-          <a:bodyPr bIns="45720" lIns="91440" rIns="91440" rtlCol="0" tIns="45720" vert="horz"/>
+          <a:prstGeom prst="rect">
+            <a:avLst/>
+          </a:prstGeom>
+        </p:spPr>
+        <p:txBody>
+          <a:bodyPr vert="horz" lIns="91440" tIns="45720" rIns="91440" bIns="45720" rtlCol="0"/>
           <a:lstStyle>
             <a:lvl1pPr algn="l">
               <a:defRPr sz="1200"/>
@@ -173,7 +191,7 @@
       </p:sp>
       <p:sp>
         <p:nvSpPr>
-          <p:cNvPr id="1048701" name="Date Placeholder 2"/>
+          <p:cNvPr id="3" name="Date Placeholder 2"/>
           <p:cNvSpPr>
             <a:spLocks noGrp="1"/>
           </p:cNvSpPr>
@@ -186,10 +204,12 @@
             <a:off x="6905625" y="0"/>
             <a:ext cx="5283200" cy="344488"/>
           </a:xfrm>
-          <a:prstGeom prst="rect"/>
-        </p:spPr>
-        <p:txBody>
-          <a:bodyPr bIns="45720" lIns="91440" rIns="91440" rtlCol="0" tIns="45720" vert="horz"/>
+          <a:prstGeom prst="rect">
+            <a:avLst/>
+          </a:prstGeom>
+        </p:spPr>
+        <p:txBody>
+          <a:bodyPr vert="horz" lIns="91440" tIns="45720" rIns="91440" bIns="45720" rtlCol="0"/>
           <a:lstStyle>
             <a:lvl1pPr algn="r">
               <a:defRPr sz="1200"/>
@@ -206,9 +226,9 @@
       </p:sp>
       <p:sp>
         <p:nvSpPr>
-          <p:cNvPr id="1048702" name="Slide Image Placeholder 3"/>
+          <p:cNvPr id="4" name="Slide Image Placeholder 3"/>
           <p:cNvSpPr>
-            <a:spLocks noChangeAspect="1" noRot="1" noGrp="1"/>
+            <a:spLocks noGrp="1" noRot="1" noChangeAspect="1"/>
           </p:cNvSpPr>
           <p:nvPr>
             <p:ph type="sldImg" idx="2"/>
@@ -219,7 +239,9 @@
             <a:off x="4038600" y="857250"/>
             <a:ext cx="4114800" cy="2314575"/>
           </a:xfrm>
-          <a:prstGeom prst="rect"/>
+          <a:prstGeom prst="rect">
+            <a:avLst/>
+          </a:prstGeom>
           <a:noFill/>
           <a:ln w="12700">
             <a:solidFill>
@@ -228,7 +250,8 @@
           </a:ln>
         </p:spPr>
         <p:txBody>
-          <a:bodyPr anchor="ctr" bIns="45720" lIns="91440" rIns="91440" rtlCol="0" tIns="45720" vert="horz"/>
+          <a:bodyPr vert="horz" lIns="91440" tIns="45720" rIns="91440" bIns="45720" rtlCol="0" anchor="ctr"/>
+          <a:lstStyle/>
           <a:p>
             <a:endParaRPr lang="en-IN"/>
           </a:p>
@@ -236,7 +259,7 @@
       </p:sp>
       <p:sp>
         <p:nvSpPr>
-          <p:cNvPr id="1048703" name="Notes Placeholder 4"/>
+          <p:cNvPr id="5" name="Notes Placeholder 4"/>
           <p:cNvSpPr>
             <a:spLocks noGrp="1"/>
           </p:cNvSpPr>
@@ -249,10 +272,13 @@
             <a:off x="1219200" y="3300413"/>
             <a:ext cx="9753600" cy="2700337"/>
           </a:xfrm>
-          <a:prstGeom prst="rect"/>
-        </p:spPr>
-        <p:txBody>
-          <a:bodyPr bIns="45720" lIns="91440" rIns="91440" rtlCol="0" tIns="45720" vert="horz"/>
+          <a:prstGeom prst="rect">
+            <a:avLst/>
+          </a:prstGeom>
+        </p:spPr>
+        <p:txBody>
+          <a:bodyPr vert="horz" lIns="91440" tIns="45720" rIns="91440" bIns="45720" rtlCol="0"/>
+          <a:lstStyle/>
           <a:p>
             <a:pPr lvl="0"/>
             <a:r>
@@ -293,7 +319,7 @@
       </p:sp>
       <p:sp>
         <p:nvSpPr>
-          <p:cNvPr id="1048704" name="Footer Placeholder 5"/>
+          <p:cNvPr id="6" name="Footer Placeholder 5"/>
           <p:cNvSpPr>
             <a:spLocks noGrp="1"/>
           </p:cNvSpPr>
@@ -306,10 +332,12 @@
             <a:off x="0" y="6513513"/>
             <a:ext cx="5283200" cy="344487"/>
           </a:xfrm>
-          <a:prstGeom prst="rect"/>
-        </p:spPr>
-        <p:txBody>
-          <a:bodyPr anchor="b" bIns="45720" lIns="91440" rIns="91440" rtlCol="0" tIns="45720" vert="horz"/>
+          <a:prstGeom prst="rect">
+            <a:avLst/>
+          </a:prstGeom>
+        </p:spPr>
+        <p:txBody>
+          <a:bodyPr vert="horz" lIns="91440" tIns="45720" rIns="91440" bIns="45720" rtlCol="0" anchor="b"/>
           <a:lstStyle>
             <a:lvl1pPr algn="l">
               <a:defRPr sz="1200"/>
@@ -322,7 +350,7 @@
       </p:sp>
       <p:sp>
         <p:nvSpPr>
-          <p:cNvPr id="1048705" name="Slide Number Placeholder 6"/>
+          <p:cNvPr id="7" name="Slide Number Placeholder 6"/>
           <p:cNvSpPr>
             <a:spLocks noGrp="1"/>
           </p:cNvSpPr>
@@ -335,10 +363,12 @@
             <a:off x="6905625" y="6513513"/>
             <a:ext cx="5283200" cy="344487"/>
           </a:xfrm>
-          <a:prstGeom prst="rect"/>
-        </p:spPr>
-        <p:txBody>
-          <a:bodyPr anchor="b" bIns="45720" lIns="91440" rIns="91440" rtlCol="0" tIns="45720" vert="horz"/>
+          <a:prstGeom prst="rect">
+            <a:avLst/>
+          </a:prstGeom>
+        </p:spPr>
+        <p:txBody>
+          <a:bodyPr vert="horz" lIns="91440" tIns="45720" rIns="91440" bIns="45720" rtlCol="0" anchor="b"/>
           <a:lstStyle>
             <a:lvl1pPr algn="r">
               <a:defRPr sz="1200"/>
@@ -354,10 +384,15 @@
         </p:txBody>
       </p:sp>
     </p:spTree>
+    <p:extLst>
+      <p:ext uri="{BB962C8B-B14F-4D97-AF65-F5344CB8AC3E}">
+        <p14:creationId xmlns:p14="http://schemas.microsoft.com/office/powerpoint/2010/main" val="2918557904"/>
+      </p:ext>
+    </p:extLst>
   </p:cSld>
-  <p:clrMap accent1="accent1" accent2="accent2" accent3="accent3" accent4="accent4" accent5="accent5" accent6="accent6" bg1="lt1" bg2="lt2" tx1="dk1" tx2="dk2" hlink="hlink" folHlink="folHlink"/>
+  <p:clrMap bg1="lt1" tx1="dk1" bg2="lt2" tx2="dk2" accent1="accent1" accent2="accent2" accent3="accent3" accent4="accent4" accent5="accent5" accent6="accent6" hlink="hlink" folHlink="folHlink"/>
   <p:notesStyle>
-    <a:lvl1pPr algn="l" defTabSz="914400" eaLnBrk="1" hangingPunct="1" latinLnBrk="0" marL="0" rtl="0">
+    <a:lvl1pPr marL="0" algn="l" defTabSz="914400" rtl="0" eaLnBrk="1" latinLnBrk="0" hangingPunct="1">
       <a:defRPr sz="1200" kern="1200">
         <a:solidFill>
           <a:schemeClr val="tx1"/>
@@ -367,7 +402,7 @@
         <a:cs typeface="+mn-cs"/>
       </a:defRPr>
     </a:lvl1pPr>
-    <a:lvl2pPr algn="l" defTabSz="914400" eaLnBrk="1" hangingPunct="1" latinLnBrk="0" marL="457200" rtl="0">
+    <a:lvl2pPr marL="457200" algn="l" defTabSz="914400" rtl="0" eaLnBrk="1" latinLnBrk="0" hangingPunct="1">
       <a:defRPr sz="1200" kern="1200">
         <a:solidFill>
           <a:schemeClr val="tx1"/>
@@ -377,7 +412,7 @@
         <a:cs typeface="+mn-cs"/>
       </a:defRPr>
     </a:lvl2pPr>
-    <a:lvl3pPr algn="l" defTabSz="914400" eaLnBrk="1" hangingPunct="1" latinLnBrk="0" marL="914400" rtl="0">
+    <a:lvl3pPr marL="914400" algn="l" defTabSz="914400" rtl="0" eaLnBrk="1" latinLnBrk="0" hangingPunct="1">
       <a:defRPr sz="1200" kern="1200">
         <a:solidFill>
           <a:schemeClr val="tx1"/>
@@ -387,7 +422,7 @@
         <a:cs typeface="+mn-cs"/>
       </a:defRPr>
     </a:lvl3pPr>
-    <a:lvl4pPr algn="l" defTabSz="914400" eaLnBrk="1" hangingPunct="1" latinLnBrk="0" marL="1371600" rtl="0">
+    <a:lvl4pPr marL="1371600" algn="l" defTabSz="914400" rtl="0" eaLnBrk="1" latinLnBrk="0" hangingPunct="1">
       <a:defRPr sz="1200" kern="1200">
         <a:solidFill>
           <a:schemeClr val="tx1"/>
@@ -397,7 +432,7 @@
         <a:cs typeface="+mn-cs"/>
       </a:defRPr>
     </a:lvl4pPr>
-    <a:lvl5pPr algn="l" defTabSz="914400" eaLnBrk="1" hangingPunct="1" latinLnBrk="0" marL="1828800" rtl="0">
+    <a:lvl5pPr marL="1828800" algn="l" defTabSz="914400" rtl="0" eaLnBrk="1" latinLnBrk="0" hangingPunct="1">
       <a:defRPr sz="1200" kern="1200">
         <a:solidFill>
           <a:schemeClr val="tx1"/>
@@ -407,7 +442,7 @@
         <a:cs typeface="+mn-cs"/>
       </a:defRPr>
     </a:lvl5pPr>
-    <a:lvl6pPr algn="l" defTabSz="914400" eaLnBrk="1" hangingPunct="1" latinLnBrk="0" marL="2286000" rtl="0">
+    <a:lvl6pPr marL="2286000" algn="l" defTabSz="914400" rtl="0" eaLnBrk="1" latinLnBrk="0" hangingPunct="1">
       <a:defRPr sz="1200" kern="1200">
         <a:solidFill>
           <a:schemeClr val="tx1"/>
@@ -417,7 +452,7 @@
         <a:cs typeface="+mn-cs"/>
       </a:defRPr>
     </a:lvl6pPr>
-    <a:lvl7pPr algn="l" defTabSz="914400" eaLnBrk="1" hangingPunct="1" latinLnBrk="0" marL="2743200" rtl="0">
+    <a:lvl7pPr marL="2743200" algn="l" defTabSz="914400" rtl="0" eaLnBrk="1" latinLnBrk="0" hangingPunct="1">
       <a:defRPr sz="1200" kern="1200">
         <a:solidFill>
           <a:schemeClr val="tx1"/>
@@ -427,7 +462,7 @@
         <a:cs typeface="+mn-cs"/>
       </a:defRPr>
     </a:lvl7pPr>
-    <a:lvl8pPr algn="l" defTabSz="914400" eaLnBrk="1" hangingPunct="1" latinLnBrk="0" marL="3200400" rtl="0">
+    <a:lvl8pPr marL="3200400" algn="l" defTabSz="914400" rtl="0" eaLnBrk="1" latinLnBrk="0" hangingPunct="1">
       <a:defRPr sz="1200" kern="1200">
         <a:solidFill>
           <a:schemeClr val="tx1"/>
@@ -437,7 +472,7 @@
         <a:cs typeface="+mn-cs"/>
       </a:defRPr>
     </a:lvl8pPr>
-    <a:lvl9pPr algn="l" defTabSz="914400" eaLnBrk="1" hangingPunct="1" latinLnBrk="0" marL="3657600" rtl="0">
+    <a:lvl9pPr marL="3657600" algn="l" defTabSz="914400" rtl="0" eaLnBrk="1" latinLnBrk="0" hangingPunct="1">
       <a:defRPr sz="1200" kern="1200">
         <a:solidFill>
           <a:schemeClr val="tx1"/>
@@ -456,7 +491,7 @@
   <p:cSld>
     <p:spTree>
       <p:nvGrpSpPr>
-        <p:cNvPr id="22" name=""/>
+        <p:cNvPr id="1" name=""/>
         <p:cNvGrpSpPr/>
         <p:nvPr/>
       </p:nvGrpSpPr>
@@ -470,9 +505,9 @@
       </p:grpSpPr>
       <p:sp>
         <p:nvSpPr>
-          <p:cNvPr id="1048603" name="Slide Image Placeholder 1"/>
+          <p:cNvPr id="2" name="Slide Image Placeholder 1"/>
           <p:cNvSpPr>
-            <a:spLocks noChangeAspect="1" noRot="1" noGrp="1"/>
+            <a:spLocks noGrp="1" noRot="1" noChangeAspect="1"/>
           </p:cNvSpPr>
           <p:nvPr>
             <p:ph type="sldImg"/>
@@ -482,7 +517,7 @@
       </p:sp>
       <p:sp>
         <p:nvSpPr>
-          <p:cNvPr id="1048604" name="Notes Placeholder 2"/>
+          <p:cNvPr id="3" name="Notes Placeholder 2"/>
           <p:cNvSpPr>
             <a:spLocks noGrp="1"/>
           </p:cNvSpPr>
@@ -493,14 +528,15 @@
         <p:spPr/>
         <p:txBody>
           <a:bodyPr/>
-          <a:p>
-            <a:endParaRPr dirty="0" lang="en-IN"/>
-          </a:p>
-        </p:txBody>
-      </p:sp>
-      <p:sp>
-        <p:nvSpPr>
-          <p:cNvPr id="1048605" name="Slide Number Placeholder 3"/>
+          <a:lstStyle/>
+          <a:p>
+            <a:endParaRPr lang="en-IN" dirty="0"/>
+          </a:p>
+        </p:txBody>
+      </p:sp>
+      <p:sp>
+        <p:nvSpPr>
+          <p:cNvPr id="4" name="Slide Number Placeholder 3"/>
           <p:cNvSpPr>
             <a:spLocks noGrp="1"/>
           </p:cNvSpPr>
@@ -511,6 +547,7 @@
         <p:spPr/>
         <p:txBody>
           <a:bodyPr/>
+          <a:lstStyle/>
           <a:p>
             <a:fld id="{F7F439ED-1E90-4106-847A-8EF19031FE2F}" type="slidenum">
               <a:rPr lang="en-IN" smtClean="0"/>
@@ -521,6 +558,11 @@
         </p:txBody>
       </p:sp>
     </p:spTree>
+    <p:extLst>
+      <p:ext uri="{BB962C8B-B14F-4D97-AF65-F5344CB8AC3E}">
+        <p14:creationId xmlns:p14="http://schemas.microsoft.com/office/powerpoint/2010/main" val="404353501"/>
+      </p:ext>
+    </p:extLst>
   </p:cSld>
   <p:clrMapOvr>
     <a:masterClrMapping/>
@@ -529,11 +571,11 @@
 </file>
 
 <file path=ppt/slideLayouts/slideLayout1.xml><?xml version="1.0" encoding="utf-8"?>
-<p:sldLayout xmlns:a="http://schemas.openxmlformats.org/drawingml/2006/main" xmlns:r="http://schemas.openxmlformats.org/officeDocument/2006/relationships" xmlns:p="http://schemas.openxmlformats.org/presentationml/2006/main" preserve="1" type="obj">
+<p:sldLayout xmlns:a="http://schemas.openxmlformats.org/drawingml/2006/main" xmlns:r="http://schemas.openxmlformats.org/officeDocument/2006/relationships" xmlns:p="http://schemas.openxmlformats.org/presentationml/2006/main" type="obj" preserve="1">
   <p:cSld name="Title Slide">
     <p:spTree>
       <p:nvGrpSpPr>
-        <p:cNvPr id="18" name=""/>
+        <p:cNvPr id="1" name=""/>
         <p:cNvGrpSpPr/>
         <p:nvPr/>
       </p:nvGrpSpPr>
@@ -547,7 +589,7 @@
       </p:grpSpPr>
       <p:sp>
         <p:nvSpPr>
-          <p:cNvPr id="1048591" name="Holder 2"/>
+          <p:cNvPr id="2" name="Holder 2"/>
           <p:cNvSpPr>
             <a:spLocks noGrp="1"/>
           </p:cNvSpPr>
@@ -560,15 +602,17 @@
             <a:off x="3195574" y="2067305"/>
             <a:ext cx="5800851" cy="518160"/>
           </a:xfrm>
-          <a:prstGeom prst="rect"/>
-        </p:spPr>
-        <p:txBody>
-          <a:bodyPr bIns="0" lIns="0" rIns="0" tIns="0" wrap="square">
+          <a:prstGeom prst="rect">
+            <a:avLst/>
+          </a:prstGeom>
+        </p:spPr>
+        <p:txBody>
+          <a:bodyPr wrap="square" lIns="0" tIns="0" rIns="0" bIns="0">
             <a:spAutoFit/>
           </a:bodyPr>
           <a:lstStyle>
             <a:lvl1pPr>
-              <a:defRPr b="0" sz="3200" i="0">
+              <a:defRPr sz="3200" b="0" i="0">
                 <a:solidFill>
                   <a:schemeClr val="tx1"/>
                 </a:solidFill>
@@ -577,12 +621,14 @@
               </a:defRPr>
             </a:lvl1pPr>
           </a:lstStyle>
-          <a:p/>
-        </p:txBody>
-      </p:sp>
-      <p:sp>
-        <p:nvSpPr>
-          <p:cNvPr id="1048592" name="Holder 3"/>
+          <a:p>
+            <a:endParaRPr/>
+          </a:p>
+        </p:txBody>
+      </p:sp>
+      <p:sp>
+        <p:nvSpPr>
+          <p:cNvPr id="3" name="Holder 3"/>
           <p:cNvSpPr>
             <a:spLocks noGrp="1"/>
           </p:cNvSpPr>
@@ -595,18 +641,27 @@
             <a:off x="1828800" y="3840480"/>
             <a:ext cx="8534400" cy="1714500"/>
           </a:xfrm>
-          <a:prstGeom prst="rect"/>
-        </p:spPr>
-        <p:txBody>
-          <a:bodyPr bIns="0" lIns="0" rIns="0" tIns="0" wrap="square">
+          <a:prstGeom prst="rect">
+            <a:avLst/>
+          </a:prstGeom>
+        </p:spPr>
+        <p:txBody>
+          <a:bodyPr wrap="square" lIns="0" tIns="0" rIns="0" bIns="0">
             <a:spAutoFit/>
           </a:bodyPr>
-          <a:p/>
-        </p:txBody>
-      </p:sp>
-      <p:sp>
-        <p:nvSpPr>
-          <p:cNvPr id="1048593" name="Holder 4"/>
+          <a:lstStyle>
+            <a:lvl1pPr>
+              <a:defRPr/>
+            </a:lvl1pPr>
+          </a:lstStyle>
+          <a:p>
+            <a:endParaRPr/>
+          </a:p>
+        </p:txBody>
+      </p:sp>
+      <p:sp>
+        <p:nvSpPr>
+          <p:cNvPr id="4" name="Holder 4"/>
           <p:cNvSpPr>
             <a:spLocks noGrp="1"/>
           </p:cNvSpPr>
@@ -616,7 +671,7 @@
         </p:nvSpPr>
         <p:spPr/>
         <p:txBody>
-          <a:bodyPr bIns="0" lIns="0" rIns="0" tIns="0"/>
+          <a:bodyPr lIns="0" tIns="0" rIns="0" bIns="0"/>
           <a:lstStyle>
             <a:lvl1pPr algn="ctr">
               <a:defRPr>
@@ -628,12 +683,14 @@
               </a:defRPr>
             </a:lvl1pPr>
           </a:lstStyle>
-          <a:p/>
-        </p:txBody>
-      </p:sp>
-      <p:sp>
-        <p:nvSpPr>
-          <p:cNvPr id="1048594" name="Holder 5"/>
+          <a:p>
+            <a:endParaRPr/>
+          </a:p>
+        </p:txBody>
+      </p:sp>
+      <p:sp>
+        <p:nvSpPr>
+          <p:cNvPr id="5" name="Holder 5"/>
           <p:cNvSpPr>
             <a:spLocks noGrp="1"/>
           </p:cNvSpPr>
@@ -643,7 +700,7 @@
         </p:nvSpPr>
         <p:spPr/>
         <p:txBody>
-          <a:bodyPr bIns="0" lIns="0" rIns="0" tIns="0"/>
+          <a:bodyPr lIns="0" tIns="0" rIns="0" bIns="0"/>
           <a:lstStyle>
             <a:lvl1pPr algn="l">
               <a:defRPr>
@@ -666,7 +723,7 @@
       </p:sp>
       <p:sp>
         <p:nvSpPr>
-          <p:cNvPr id="1048595" name="Holder 6"/>
+          <p:cNvPr id="6" name="Holder 6"/>
           <p:cNvSpPr>
             <a:spLocks noGrp="1"/>
           </p:cNvSpPr>
@@ -676,10 +733,10 @@
         </p:nvSpPr>
         <p:spPr/>
         <p:txBody>
-          <a:bodyPr bIns="0" lIns="0" rIns="0" tIns="0"/>
+          <a:bodyPr lIns="0" tIns="0" rIns="0" bIns="0"/>
           <a:lstStyle>
             <a:lvl1pPr>
-              <a:defRPr b="0" sz="1100" i="0">
+              <a:defRPr sz="1100" b="0" i="0">
                 <a:solidFill>
                   <a:srgbClr val="2D936B"/>
                 </a:solidFill>
@@ -698,10 +755,10 @@
               </a:spcBef>
             </a:pPr>
             <a:fld id="{81D60167-4931-47E6-BA6A-407CBD079E47}" type="slidenum">
-              <a:rPr dirty="0" spc="10"/>
+              <a:rPr spc="10" dirty="0"/>
               <a:t>‹#›</a:t>
             </a:fld>
-            <a:endParaRPr dirty="0" spc="10"/>
+            <a:endParaRPr spc="10" dirty="0"/>
           </a:p>
         </p:txBody>
       </p:sp>
@@ -714,11 +771,11 @@
 </file>
 
 <file path=ppt/slideLayouts/slideLayout2.xml><?xml version="1.0" encoding="utf-8"?>
-<p:sldLayout xmlns:a="http://schemas.openxmlformats.org/drawingml/2006/main" xmlns:r="http://schemas.openxmlformats.org/officeDocument/2006/relationships" xmlns:p="http://schemas.openxmlformats.org/presentationml/2006/main" preserve="1" type="obj">
+<p:sldLayout xmlns:a="http://schemas.openxmlformats.org/drawingml/2006/main" xmlns:r="http://schemas.openxmlformats.org/officeDocument/2006/relationships" xmlns:p="http://schemas.openxmlformats.org/presentationml/2006/main" type="obj" preserve="1">
   <p:cSld name="Title and Content">
     <p:spTree>
       <p:nvGrpSpPr>
-        <p:cNvPr id="41" name=""/>
+        <p:cNvPr id="1" name=""/>
         <p:cNvGrpSpPr/>
         <p:nvPr/>
       </p:nvGrpSpPr>
@@ -732,7 +789,7 @@
       </p:grpSpPr>
       <p:sp>
         <p:nvSpPr>
-          <p:cNvPr id="1048686" name="Holder 2"/>
+          <p:cNvPr id="2" name="Holder 2"/>
           <p:cNvSpPr>
             <a:spLocks noGrp="1"/>
           </p:cNvSpPr>
@@ -742,10 +799,10 @@
         </p:nvSpPr>
         <p:spPr/>
         <p:txBody>
-          <a:bodyPr bIns="0" lIns="0" rIns="0" tIns="0"/>
+          <a:bodyPr lIns="0" tIns="0" rIns="0" bIns="0"/>
           <a:lstStyle>
             <a:lvl1pPr>
-              <a:defRPr b="1" sz="4800" i="0">
+              <a:defRPr sz="4800" b="1" i="0">
                 <a:solidFill>
                   <a:schemeClr val="tx1"/>
                 </a:solidFill>
@@ -754,12 +811,14 @@
               </a:defRPr>
             </a:lvl1pPr>
           </a:lstStyle>
-          <a:p/>
-        </p:txBody>
-      </p:sp>
-      <p:sp>
-        <p:nvSpPr>
-          <p:cNvPr id="1048687" name="Holder 3"/>
+          <a:p>
+            <a:endParaRPr/>
+          </a:p>
+        </p:txBody>
+      </p:sp>
+      <p:sp>
+        <p:nvSpPr>
+          <p:cNvPr id="3" name="Holder 3"/>
           <p:cNvSpPr>
             <a:spLocks noGrp="1"/>
           </p:cNvSpPr>
@@ -769,13 +828,20 @@
         </p:nvSpPr>
         <p:spPr/>
         <p:txBody>
-          <a:bodyPr bIns="0" lIns="0" rIns="0" tIns="0"/>
-          <a:p/>
-        </p:txBody>
-      </p:sp>
-      <p:sp>
-        <p:nvSpPr>
-          <p:cNvPr id="1048688" name="Holder 4"/>
+          <a:bodyPr lIns="0" tIns="0" rIns="0" bIns="0"/>
+          <a:lstStyle>
+            <a:lvl1pPr>
+              <a:defRPr/>
+            </a:lvl1pPr>
+          </a:lstStyle>
+          <a:p>
+            <a:endParaRPr/>
+          </a:p>
+        </p:txBody>
+      </p:sp>
+      <p:sp>
+        <p:nvSpPr>
+          <p:cNvPr id="4" name="Holder 4"/>
           <p:cNvSpPr>
             <a:spLocks noGrp="1"/>
           </p:cNvSpPr>
@@ -785,7 +851,7 @@
         </p:nvSpPr>
         <p:spPr/>
         <p:txBody>
-          <a:bodyPr bIns="0" lIns="0" rIns="0" tIns="0"/>
+          <a:bodyPr lIns="0" tIns="0" rIns="0" bIns="0"/>
           <a:lstStyle>
             <a:lvl1pPr algn="ctr">
               <a:defRPr>
@@ -797,12 +863,14 @@
               </a:defRPr>
             </a:lvl1pPr>
           </a:lstStyle>
-          <a:p/>
-        </p:txBody>
-      </p:sp>
-      <p:sp>
-        <p:nvSpPr>
-          <p:cNvPr id="1048689" name="Holder 5"/>
+          <a:p>
+            <a:endParaRPr/>
+          </a:p>
+        </p:txBody>
+      </p:sp>
+      <p:sp>
+        <p:nvSpPr>
+          <p:cNvPr id="5" name="Holder 5"/>
           <p:cNvSpPr>
             <a:spLocks noGrp="1"/>
           </p:cNvSpPr>
@@ -812,7 +880,7 @@
         </p:nvSpPr>
         <p:spPr/>
         <p:txBody>
-          <a:bodyPr bIns="0" lIns="0" rIns="0" tIns="0"/>
+          <a:bodyPr lIns="0" tIns="0" rIns="0" bIns="0"/>
           <a:lstStyle>
             <a:lvl1pPr algn="l">
               <a:defRPr>
@@ -835,7 +903,7 @@
       </p:sp>
       <p:sp>
         <p:nvSpPr>
-          <p:cNvPr id="1048690" name="Holder 6"/>
+          <p:cNvPr id="6" name="Holder 6"/>
           <p:cNvSpPr>
             <a:spLocks noGrp="1"/>
           </p:cNvSpPr>
@@ -845,10 +913,10 @@
         </p:nvSpPr>
         <p:spPr/>
         <p:txBody>
-          <a:bodyPr bIns="0" lIns="0" rIns="0" tIns="0"/>
+          <a:bodyPr lIns="0" tIns="0" rIns="0" bIns="0"/>
           <a:lstStyle>
             <a:lvl1pPr>
-              <a:defRPr b="0" sz="1100" i="0">
+              <a:defRPr sz="1100" b="0" i="0">
                 <a:solidFill>
                   <a:srgbClr val="2D936B"/>
                 </a:solidFill>
@@ -867,10 +935,10 @@
               </a:spcBef>
             </a:pPr>
             <a:fld id="{81D60167-4931-47E6-BA6A-407CBD079E47}" type="slidenum">
-              <a:rPr dirty="0" spc="10"/>
+              <a:rPr spc="10" dirty="0"/>
               <a:t>‹#›</a:t>
             </a:fld>
-            <a:endParaRPr dirty="0" spc="10"/>
+            <a:endParaRPr spc="10" dirty="0"/>
           </a:p>
         </p:txBody>
       </p:sp>
@@ -883,11 +951,11 @@
 </file>
 
 <file path=ppt/slideLayouts/slideLayout3.xml><?xml version="1.0" encoding="utf-8"?>
-<p:sldLayout xmlns:a="http://schemas.openxmlformats.org/drawingml/2006/main" xmlns:r="http://schemas.openxmlformats.org/officeDocument/2006/relationships" xmlns:p="http://schemas.openxmlformats.org/presentationml/2006/main" preserve="1" type="obj">
+<p:sldLayout xmlns:a="http://schemas.openxmlformats.org/drawingml/2006/main" xmlns:r="http://schemas.openxmlformats.org/officeDocument/2006/relationships" xmlns:p="http://schemas.openxmlformats.org/presentationml/2006/main" type="obj" preserve="1">
   <p:cSld name="Two Content">
     <p:spTree>
       <p:nvGrpSpPr>
-        <p:cNvPr id="42" name=""/>
+        <p:cNvPr id="1" name=""/>
         <p:cNvGrpSpPr/>
         <p:nvPr/>
       </p:nvGrpSpPr>
@@ -901,7 +969,7 @@
       </p:grpSpPr>
       <p:sp>
         <p:nvSpPr>
-          <p:cNvPr id="1048691" name="Holder 2"/>
+          <p:cNvPr id="2" name="Holder 2"/>
           <p:cNvSpPr>
             <a:spLocks noGrp="1"/>
           </p:cNvSpPr>
@@ -911,10 +979,10 @@
         </p:nvSpPr>
         <p:spPr/>
         <p:txBody>
-          <a:bodyPr bIns="0" lIns="0" rIns="0" tIns="0"/>
+          <a:bodyPr lIns="0" tIns="0" rIns="0" bIns="0"/>
           <a:lstStyle>
             <a:lvl1pPr>
-              <a:defRPr b="1" sz="4800" i="0">
+              <a:defRPr sz="4800" b="1" i="0">
                 <a:solidFill>
                   <a:schemeClr val="tx1"/>
                 </a:solidFill>
@@ -923,12 +991,14 @@
               </a:defRPr>
             </a:lvl1pPr>
           </a:lstStyle>
-          <a:p/>
-        </p:txBody>
-      </p:sp>
-      <p:sp>
-        <p:nvSpPr>
-          <p:cNvPr id="1048692" name="Holder 3"/>
+          <a:p>
+            <a:endParaRPr/>
+          </a:p>
+        </p:txBody>
+      </p:sp>
+      <p:sp>
+        <p:nvSpPr>
+          <p:cNvPr id="3" name="Holder 3"/>
           <p:cNvSpPr>
             <a:spLocks noGrp="1"/>
           </p:cNvSpPr>
@@ -941,18 +1011,27 @@
             <a:off x="609600" y="1577340"/>
             <a:ext cx="5303520" cy="4526280"/>
           </a:xfrm>
-          <a:prstGeom prst="rect"/>
-        </p:spPr>
-        <p:txBody>
-          <a:bodyPr bIns="0" lIns="0" rIns="0" tIns="0" wrap="square">
+          <a:prstGeom prst="rect">
+            <a:avLst/>
+          </a:prstGeom>
+        </p:spPr>
+        <p:txBody>
+          <a:bodyPr wrap="square" lIns="0" tIns="0" rIns="0" bIns="0">
             <a:spAutoFit/>
           </a:bodyPr>
-          <a:p/>
-        </p:txBody>
-      </p:sp>
-      <p:sp>
-        <p:nvSpPr>
-          <p:cNvPr id="1048693" name="Holder 4"/>
+          <a:lstStyle>
+            <a:lvl1pPr>
+              <a:defRPr/>
+            </a:lvl1pPr>
+          </a:lstStyle>
+          <a:p>
+            <a:endParaRPr/>
+          </a:p>
+        </p:txBody>
+      </p:sp>
+      <p:sp>
+        <p:nvSpPr>
+          <p:cNvPr id="4" name="Holder 4"/>
           <p:cNvSpPr>
             <a:spLocks noGrp="1"/>
           </p:cNvSpPr>
@@ -965,18 +1044,27 @@
             <a:off x="6278880" y="1577340"/>
             <a:ext cx="5303520" cy="4526280"/>
           </a:xfrm>
-          <a:prstGeom prst="rect"/>
-        </p:spPr>
-        <p:txBody>
-          <a:bodyPr bIns="0" lIns="0" rIns="0" tIns="0" wrap="square">
+          <a:prstGeom prst="rect">
+            <a:avLst/>
+          </a:prstGeom>
+        </p:spPr>
+        <p:txBody>
+          <a:bodyPr wrap="square" lIns="0" tIns="0" rIns="0" bIns="0">
             <a:spAutoFit/>
           </a:bodyPr>
-          <a:p/>
-        </p:txBody>
-      </p:sp>
-      <p:sp>
-        <p:nvSpPr>
-          <p:cNvPr id="1048694" name="Holder 5"/>
+          <a:lstStyle>
+            <a:lvl1pPr>
+              <a:defRPr/>
+            </a:lvl1pPr>
+          </a:lstStyle>
+          <a:p>
+            <a:endParaRPr/>
+          </a:p>
+        </p:txBody>
+      </p:sp>
+      <p:sp>
+        <p:nvSpPr>
+          <p:cNvPr id="5" name="Holder 5"/>
           <p:cNvSpPr>
             <a:spLocks noGrp="1"/>
           </p:cNvSpPr>
@@ -986,7 +1074,7 @@
         </p:nvSpPr>
         <p:spPr/>
         <p:txBody>
-          <a:bodyPr bIns="0" lIns="0" rIns="0" tIns="0"/>
+          <a:bodyPr lIns="0" tIns="0" rIns="0" bIns="0"/>
           <a:lstStyle>
             <a:lvl1pPr algn="ctr">
               <a:defRPr>
@@ -998,12 +1086,14 @@
               </a:defRPr>
             </a:lvl1pPr>
           </a:lstStyle>
-          <a:p/>
-        </p:txBody>
-      </p:sp>
-      <p:sp>
-        <p:nvSpPr>
-          <p:cNvPr id="1048695" name="Holder 6"/>
+          <a:p>
+            <a:endParaRPr/>
+          </a:p>
+        </p:txBody>
+      </p:sp>
+      <p:sp>
+        <p:nvSpPr>
+          <p:cNvPr id="6" name="Holder 6"/>
           <p:cNvSpPr>
             <a:spLocks noGrp="1"/>
           </p:cNvSpPr>
@@ -1013,7 +1103,7 @@
         </p:nvSpPr>
         <p:spPr/>
         <p:txBody>
-          <a:bodyPr bIns="0" lIns="0" rIns="0" tIns="0"/>
+          <a:bodyPr lIns="0" tIns="0" rIns="0" bIns="0"/>
           <a:lstStyle>
             <a:lvl1pPr algn="l">
               <a:defRPr>
@@ -1036,7 +1126,7 @@
       </p:sp>
       <p:sp>
         <p:nvSpPr>
-          <p:cNvPr id="1048696" name="Holder 7"/>
+          <p:cNvPr id="7" name="Holder 7"/>
           <p:cNvSpPr>
             <a:spLocks noGrp="1"/>
           </p:cNvSpPr>
@@ -1046,10 +1136,10 @@
         </p:nvSpPr>
         <p:spPr/>
         <p:txBody>
-          <a:bodyPr bIns="0" lIns="0" rIns="0" tIns="0"/>
+          <a:bodyPr lIns="0" tIns="0" rIns="0" bIns="0"/>
           <a:lstStyle>
             <a:lvl1pPr>
-              <a:defRPr b="0" sz="1100" i="0">
+              <a:defRPr sz="1100" b="0" i="0">
                 <a:solidFill>
                   <a:srgbClr val="2D936B"/>
                 </a:solidFill>
@@ -1068,10 +1158,10 @@
               </a:spcBef>
             </a:pPr>
             <a:fld id="{81D60167-4931-47E6-BA6A-407CBD079E47}" type="slidenum">
-              <a:rPr dirty="0" spc="10"/>
+              <a:rPr spc="10" dirty="0"/>
               <a:t>‹#›</a:t>
             </a:fld>
-            <a:endParaRPr dirty="0" spc="10"/>
+            <a:endParaRPr spc="10" dirty="0"/>
           </a:p>
         </p:txBody>
       </p:sp>
@@ -1084,11 +1174,11 @@
 </file>
 
 <file path=ppt/slideLayouts/slideLayout4.xml><?xml version="1.0" encoding="utf-8"?>
-<p:sldLayout xmlns:a="http://schemas.openxmlformats.org/drawingml/2006/main" xmlns:r="http://schemas.openxmlformats.org/officeDocument/2006/relationships" xmlns:p="http://schemas.openxmlformats.org/presentationml/2006/main" preserve="1" type="obj">
+<p:sldLayout xmlns:a="http://schemas.openxmlformats.org/drawingml/2006/main" xmlns:r="http://schemas.openxmlformats.org/officeDocument/2006/relationships" xmlns:p="http://schemas.openxmlformats.org/presentationml/2006/main" type="obj" preserve="1">
   <p:cSld name="Title Only">
     <p:spTree>
       <p:nvGrpSpPr>
-        <p:cNvPr id="24" name=""/>
+        <p:cNvPr id="1" name=""/>
         <p:cNvGrpSpPr/>
         <p:nvPr/>
       </p:nvGrpSpPr>
@@ -1102,7 +1192,7 @@
       </p:grpSpPr>
       <p:sp>
         <p:nvSpPr>
-          <p:cNvPr id="1048606" name="Holder 2"/>
+          <p:cNvPr id="2" name="Holder 2"/>
           <p:cNvSpPr>
             <a:spLocks noGrp="1"/>
           </p:cNvSpPr>
@@ -1112,10 +1202,10 @@
         </p:nvSpPr>
         <p:spPr/>
         <p:txBody>
-          <a:bodyPr bIns="0" lIns="0" rIns="0" tIns="0"/>
+          <a:bodyPr lIns="0" tIns="0" rIns="0" bIns="0"/>
           <a:lstStyle>
             <a:lvl1pPr>
-              <a:defRPr b="1" sz="4800" i="0">
+              <a:defRPr sz="4800" b="1" i="0">
                 <a:solidFill>
                   <a:schemeClr val="tx1"/>
                 </a:solidFill>
@@ -1124,12 +1214,14 @@
               </a:defRPr>
             </a:lvl1pPr>
           </a:lstStyle>
-          <a:p/>
-        </p:txBody>
-      </p:sp>
-      <p:sp>
-        <p:nvSpPr>
-          <p:cNvPr id="1048607" name="Holder 3"/>
+          <a:p>
+            <a:endParaRPr/>
+          </a:p>
+        </p:txBody>
+      </p:sp>
+      <p:sp>
+        <p:nvSpPr>
+          <p:cNvPr id="3" name="Holder 3"/>
           <p:cNvSpPr>
             <a:spLocks noGrp="1"/>
           </p:cNvSpPr>
@@ -1139,7 +1231,7 @@
         </p:nvSpPr>
         <p:spPr/>
         <p:txBody>
-          <a:bodyPr bIns="0" lIns="0" rIns="0" tIns="0"/>
+          <a:bodyPr lIns="0" tIns="0" rIns="0" bIns="0"/>
           <a:lstStyle>
             <a:lvl1pPr algn="ctr">
               <a:defRPr>
@@ -1151,12 +1243,14 @@
               </a:defRPr>
             </a:lvl1pPr>
           </a:lstStyle>
-          <a:p/>
-        </p:txBody>
-      </p:sp>
-      <p:sp>
-        <p:nvSpPr>
-          <p:cNvPr id="1048608" name="Holder 4"/>
+          <a:p>
+            <a:endParaRPr/>
+          </a:p>
+        </p:txBody>
+      </p:sp>
+      <p:sp>
+        <p:nvSpPr>
+          <p:cNvPr id="4" name="Holder 4"/>
           <p:cNvSpPr>
             <a:spLocks noGrp="1"/>
           </p:cNvSpPr>
@@ -1166,7 +1260,7 @@
         </p:nvSpPr>
         <p:spPr/>
         <p:txBody>
-          <a:bodyPr bIns="0" lIns="0" rIns="0" tIns="0"/>
+          <a:bodyPr lIns="0" tIns="0" rIns="0" bIns="0"/>
           <a:lstStyle>
             <a:lvl1pPr algn="l">
               <a:defRPr>
@@ -1189,7 +1283,7 @@
       </p:sp>
       <p:sp>
         <p:nvSpPr>
-          <p:cNvPr id="1048609" name="Holder 5"/>
+          <p:cNvPr id="5" name="Holder 5"/>
           <p:cNvSpPr>
             <a:spLocks noGrp="1"/>
           </p:cNvSpPr>
@@ -1199,10 +1293,10 @@
         </p:nvSpPr>
         <p:spPr/>
         <p:txBody>
-          <a:bodyPr bIns="0" lIns="0" rIns="0" tIns="0"/>
+          <a:bodyPr lIns="0" tIns="0" rIns="0" bIns="0"/>
           <a:lstStyle>
             <a:lvl1pPr>
-              <a:defRPr b="0" sz="1100" i="0">
+              <a:defRPr sz="1100" b="0" i="0">
                 <a:solidFill>
                   <a:srgbClr val="2D936B"/>
                 </a:solidFill>
@@ -1221,10 +1315,10 @@
               </a:spcBef>
             </a:pPr>
             <a:fld id="{81D60167-4931-47E6-BA6A-407CBD079E47}" type="slidenum">
-              <a:rPr dirty="0" spc="10"/>
+              <a:rPr spc="10" dirty="0"/>
               <a:t>‹#›</a:t>
             </a:fld>
-            <a:endParaRPr dirty="0" spc="10"/>
+            <a:endParaRPr spc="10" dirty="0"/>
           </a:p>
         </p:txBody>
       </p:sp>
@@ -1237,11 +1331,11 @@
 </file>
 
 <file path=ppt/slideLayouts/slideLayout5.xml><?xml version="1.0" encoding="utf-8"?>
-<p:sldLayout xmlns:a="http://schemas.openxmlformats.org/drawingml/2006/main" xmlns:r="http://schemas.openxmlformats.org/officeDocument/2006/relationships" xmlns:p="http://schemas.openxmlformats.org/presentationml/2006/main" preserve="1" type="obj">
+<p:sldLayout xmlns:a="http://schemas.openxmlformats.org/drawingml/2006/main" xmlns:r="http://schemas.openxmlformats.org/officeDocument/2006/relationships" xmlns:p="http://schemas.openxmlformats.org/presentationml/2006/main" type="obj" preserve="1">
   <p:cSld name="Blank">
     <p:spTree>
       <p:nvGrpSpPr>
-        <p:cNvPr id="43" name=""/>
+        <p:cNvPr id="1" name=""/>
         <p:cNvGrpSpPr/>
         <p:nvPr/>
       </p:nvGrpSpPr>
@@ -1255,7 +1349,7 @@
       </p:grpSpPr>
       <p:sp>
         <p:nvSpPr>
-          <p:cNvPr id="1048697" name="Holder 2"/>
+          <p:cNvPr id="2" name="Holder 2"/>
           <p:cNvSpPr>
             <a:spLocks noGrp="1"/>
           </p:cNvSpPr>
@@ -1265,7 +1359,7 @@
         </p:nvSpPr>
         <p:spPr/>
         <p:txBody>
-          <a:bodyPr bIns="0" lIns="0" rIns="0" tIns="0"/>
+          <a:bodyPr lIns="0" tIns="0" rIns="0" bIns="0"/>
           <a:lstStyle>
             <a:lvl1pPr algn="ctr">
               <a:defRPr>
@@ -1277,12 +1371,14 @@
               </a:defRPr>
             </a:lvl1pPr>
           </a:lstStyle>
-          <a:p/>
-        </p:txBody>
-      </p:sp>
-      <p:sp>
-        <p:nvSpPr>
-          <p:cNvPr id="1048698" name="Holder 3"/>
+          <a:p>
+            <a:endParaRPr/>
+          </a:p>
+        </p:txBody>
+      </p:sp>
+      <p:sp>
+        <p:nvSpPr>
+          <p:cNvPr id="3" name="Holder 3"/>
           <p:cNvSpPr>
             <a:spLocks noGrp="1"/>
           </p:cNvSpPr>
@@ -1292,7 +1388,7 @@
         </p:nvSpPr>
         <p:spPr/>
         <p:txBody>
-          <a:bodyPr bIns="0" lIns="0" rIns="0" tIns="0"/>
+          <a:bodyPr lIns="0" tIns="0" rIns="0" bIns="0"/>
           <a:lstStyle>
             <a:lvl1pPr algn="l">
               <a:defRPr>
@@ -1315,7 +1411,7 @@
       </p:sp>
       <p:sp>
         <p:nvSpPr>
-          <p:cNvPr id="1048699" name="Holder 4"/>
+          <p:cNvPr id="4" name="Holder 4"/>
           <p:cNvSpPr>
             <a:spLocks noGrp="1"/>
           </p:cNvSpPr>
@@ -1325,10 +1421,10 @@
         </p:nvSpPr>
         <p:spPr/>
         <p:txBody>
-          <a:bodyPr bIns="0" lIns="0" rIns="0" tIns="0"/>
+          <a:bodyPr lIns="0" tIns="0" rIns="0" bIns="0"/>
           <a:lstStyle>
             <a:lvl1pPr>
-              <a:defRPr b="0" sz="1100" i="0">
+              <a:defRPr sz="1100" b="0" i="0">
                 <a:solidFill>
                   <a:srgbClr val="2D936B"/>
                 </a:solidFill>
@@ -1347,10 +1443,10 @@
               </a:spcBef>
             </a:pPr>
             <a:fld id="{81D60167-4931-47E6-BA6A-407CBD079E47}" type="slidenum">
-              <a:rPr dirty="0" spc="10"/>
+              <a:rPr spc="10" dirty="0"/>
               <a:t>‹#›</a:t>
             </a:fld>
-            <a:endParaRPr dirty="0" spc="10"/>
+            <a:endParaRPr spc="10" dirty="0"/>
           </a:p>
         </p:txBody>
       </p:sp>
@@ -1375,7 +1471,7 @@
     </p:bg>
     <p:spTree>
       <p:nvGrpSpPr>
-        <p:cNvPr id="12" name=""/>
+        <p:cNvPr id="1" name=""/>
         <p:cNvGrpSpPr/>
         <p:nvPr/>
       </p:nvGrpSpPr>
@@ -1389,7 +1485,7 @@
       </p:grpSpPr>
       <p:sp>
         <p:nvSpPr>
-          <p:cNvPr id="1048576" name="bg object 16"/>
+          <p:cNvPr id="16" name="bg object 16"/>
           <p:cNvSpPr/>
           <p:nvPr/>
         </p:nvSpPr>
@@ -1400,7 +1496,9 @@
           </a:xfrm>
           <a:custGeom>
             <a:avLst/>
+            <a:gdLst/>
             <a:ahLst/>
+            <a:cxnLst/>
             <a:rect l="l" t="t" r="r" b="b"/>
             <a:pathLst>
               <a:path w="1218565" h="6853555">
@@ -1420,13 +1518,16 @@
           </a:ln>
         </p:spPr>
         <p:txBody>
-          <a:bodyPr bIns="0" lIns="0" rIns="0" rtlCol="0" tIns="0" wrap="square"/>
-          <a:p/>
-        </p:txBody>
-      </p:sp>
-      <p:sp>
-        <p:nvSpPr>
-          <p:cNvPr id="1048577" name="bg object 17"/>
+          <a:bodyPr wrap="square" lIns="0" tIns="0" rIns="0" bIns="0" rtlCol="0"/>
+          <a:lstStyle/>
+          <a:p>
+            <a:endParaRPr/>
+          </a:p>
+        </p:txBody>
+      </p:sp>
+      <p:sp>
+        <p:nvSpPr>
+          <p:cNvPr id="17" name="bg object 17"/>
           <p:cNvSpPr/>
           <p:nvPr/>
         </p:nvSpPr>
@@ -1437,7 +1538,9 @@
           </a:xfrm>
           <a:custGeom>
             <a:avLst/>
+            <a:gdLst/>
             <a:ahLst/>
+            <a:cxnLst/>
             <a:rect l="l" t="t" r="r" b="b"/>
             <a:pathLst>
               <a:path w="4743450" h="3163570">
@@ -1457,13 +1560,16 @@
           </a:ln>
         </p:spPr>
         <p:txBody>
-          <a:bodyPr bIns="0" lIns="0" rIns="0" rtlCol="0" tIns="0" wrap="square"/>
-          <a:p/>
-        </p:txBody>
-      </p:sp>
-      <p:sp>
-        <p:nvSpPr>
-          <p:cNvPr id="1048578" name="bg object 18"/>
+          <a:bodyPr wrap="square" lIns="0" tIns="0" rIns="0" bIns="0" rtlCol="0"/>
+          <a:lstStyle/>
+          <a:p>
+            <a:endParaRPr/>
+          </a:p>
+        </p:txBody>
+      </p:sp>
+      <p:sp>
+        <p:nvSpPr>
+          <p:cNvPr id="18" name="bg object 18"/>
           <p:cNvSpPr/>
           <p:nvPr/>
         </p:nvSpPr>
@@ -1474,7 +1580,9 @@
           </a:xfrm>
           <a:custGeom>
             <a:avLst/>
+            <a:gdLst/>
             <a:ahLst/>
+            <a:cxnLst/>
             <a:rect l="l" t="t" r="r" b="b"/>
             <a:pathLst>
               <a:path w="3009900" h="6858000">
@@ -1504,13 +1612,16 @@
           </a:solidFill>
         </p:spPr>
         <p:txBody>
-          <a:bodyPr bIns="0" lIns="0" rIns="0" rtlCol="0" tIns="0" wrap="square"/>
-          <a:p/>
-        </p:txBody>
-      </p:sp>
-      <p:sp>
-        <p:nvSpPr>
-          <p:cNvPr id="1048579" name="bg object 19"/>
+          <a:bodyPr wrap="square" lIns="0" tIns="0" rIns="0" bIns="0" rtlCol="0"/>
+          <a:lstStyle/>
+          <a:p>
+            <a:endParaRPr/>
+          </a:p>
+        </p:txBody>
+      </p:sp>
+      <p:sp>
+        <p:nvSpPr>
+          <p:cNvPr id="19" name="bg object 19"/>
           <p:cNvSpPr/>
           <p:nvPr/>
         </p:nvSpPr>
@@ -1521,7 +1632,9 @@
           </a:xfrm>
           <a:custGeom>
             <a:avLst/>
+            <a:gdLst/>
             <a:ahLst/>
+            <a:cxnLst/>
             <a:rect l="l" t="t" r="r" b="b"/>
             <a:pathLst>
               <a:path w="2589529" h="6858000">
@@ -1551,13 +1664,16 @@
           </a:solidFill>
         </p:spPr>
         <p:txBody>
-          <a:bodyPr bIns="0" lIns="0" rIns="0" rtlCol="0" tIns="0" wrap="square"/>
-          <a:p/>
-        </p:txBody>
-      </p:sp>
-      <p:sp>
-        <p:nvSpPr>
-          <p:cNvPr id="1048580" name="bg object 20"/>
+          <a:bodyPr wrap="square" lIns="0" tIns="0" rIns="0" bIns="0" rtlCol="0"/>
+          <a:lstStyle/>
+          <a:p>
+            <a:endParaRPr/>
+          </a:p>
+        </p:txBody>
+      </p:sp>
+      <p:sp>
+        <p:nvSpPr>
+          <p:cNvPr id="20" name="bg object 20"/>
           <p:cNvSpPr/>
           <p:nvPr/>
         </p:nvSpPr>
@@ -1568,7 +1684,9 @@
           </a:xfrm>
           <a:custGeom>
             <a:avLst/>
+            <a:gdLst/>
             <a:ahLst/>
+            <a:cxnLst/>
             <a:rect l="l" t="t" r="r" b="b"/>
             <a:pathLst>
               <a:path w="3257550" h="3810000">
@@ -1595,13 +1713,16 @@
           </a:solidFill>
         </p:spPr>
         <p:txBody>
-          <a:bodyPr bIns="0" lIns="0" rIns="0" rtlCol="0" tIns="0" wrap="square"/>
-          <a:p/>
-        </p:txBody>
-      </p:sp>
-      <p:sp>
-        <p:nvSpPr>
-          <p:cNvPr id="1048581" name="bg object 21"/>
+          <a:bodyPr wrap="square" lIns="0" tIns="0" rIns="0" bIns="0" rtlCol="0"/>
+          <a:lstStyle/>
+          <a:p>
+            <a:endParaRPr/>
+          </a:p>
+        </p:txBody>
+      </p:sp>
+      <p:sp>
+        <p:nvSpPr>
+          <p:cNvPr id="21" name="bg object 21"/>
           <p:cNvSpPr/>
           <p:nvPr/>
         </p:nvSpPr>
@@ -1612,7 +1733,9 @@
           </a:xfrm>
           <a:custGeom>
             <a:avLst/>
+            <a:gdLst/>
             <a:ahLst/>
+            <a:cxnLst/>
             <a:rect l="l" t="t" r="r" b="b"/>
             <a:pathLst>
               <a:path w="2854325" h="6858000">
@@ -1642,13 +1765,16 @@
           </a:solidFill>
         </p:spPr>
         <p:txBody>
-          <a:bodyPr bIns="0" lIns="0" rIns="0" rtlCol="0" tIns="0" wrap="square"/>
-          <a:p/>
-        </p:txBody>
-      </p:sp>
-      <p:sp>
-        <p:nvSpPr>
-          <p:cNvPr id="1048582" name="bg object 22"/>
+          <a:bodyPr wrap="square" lIns="0" tIns="0" rIns="0" bIns="0" rtlCol="0"/>
+          <a:lstStyle/>
+          <a:p>
+            <a:endParaRPr/>
+          </a:p>
+        </p:txBody>
+      </p:sp>
+      <p:sp>
+        <p:nvSpPr>
+          <p:cNvPr id="22" name="bg object 22"/>
           <p:cNvSpPr/>
           <p:nvPr/>
         </p:nvSpPr>
@@ -1659,7 +1785,9 @@
           </a:xfrm>
           <a:custGeom>
             <a:avLst/>
+            <a:gdLst/>
             <a:ahLst/>
+            <a:cxnLst/>
             <a:rect l="l" t="t" r="r" b="b"/>
             <a:pathLst>
               <a:path w="1295400" h="6858000">
@@ -1689,13 +1817,16 @@
           </a:solidFill>
         </p:spPr>
         <p:txBody>
-          <a:bodyPr bIns="0" lIns="0" rIns="0" rtlCol="0" tIns="0" wrap="square"/>
-          <a:p/>
-        </p:txBody>
-      </p:sp>
-      <p:sp>
-        <p:nvSpPr>
-          <p:cNvPr id="1048583" name="bg object 23"/>
+          <a:bodyPr wrap="square" lIns="0" tIns="0" rIns="0" bIns="0" rtlCol="0"/>
+          <a:lstStyle/>
+          <a:p>
+            <a:endParaRPr/>
+          </a:p>
+        </p:txBody>
+      </p:sp>
+      <p:sp>
+        <p:nvSpPr>
+          <p:cNvPr id="23" name="bg object 23"/>
           <p:cNvSpPr/>
           <p:nvPr/>
         </p:nvSpPr>
@@ -1706,7 +1837,9 @@
           </a:xfrm>
           <a:custGeom>
             <a:avLst/>
+            <a:gdLst/>
             <a:ahLst/>
+            <a:cxnLst/>
             <a:rect l="l" t="t" r="r" b="b"/>
             <a:pathLst>
               <a:path w="1256029" h="6858000">
@@ -1736,13 +1869,16 @@
           </a:solidFill>
         </p:spPr>
         <p:txBody>
-          <a:bodyPr bIns="0" lIns="0" rIns="0" rtlCol="0" tIns="0" wrap="square"/>
-          <a:p/>
-        </p:txBody>
-      </p:sp>
-      <p:sp>
-        <p:nvSpPr>
-          <p:cNvPr id="1048584" name="bg object 24"/>
+          <a:bodyPr wrap="square" lIns="0" tIns="0" rIns="0" bIns="0" rtlCol="0"/>
+          <a:lstStyle/>
+          <a:p>
+            <a:endParaRPr/>
+          </a:p>
+        </p:txBody>
+      </p:sp>
+      <p:sp>
+        <p:nvSpPr>
+          <p:cNvPr id="24" name="bg object 24"/>
           <p:cNvSpPr/>
           <p:nvPr/>
         </p:nvSpPr>
@@ -1753,7 +1889,9 @@
           </a:xfrm>
           <a:custGeom>
             <a:avLst/>
+            <a:gdLst/>
             <a:ahLst/>
+            <a:cxnLst/>
             <a:rect l="l" t="t" r="r" b="b"/>
             <a:pathLst>
               <a:path w="1819275" h="3267075">
@@ -1780,13 +1918,16 @@
           </a:solidFill>
         </p:spPr>
         <p:txBody>
-          <a:bodyPr bIns="0" lIns="0" rIns="0" rtlCol="0" tIns="0" wrap="square"/>
-          <a:p/>
-        </p:txBody>
-      </p:sp>
-      <p:sp>
-        <p:nvSpPr>
-          <p:cNvPr id="1048585" name="bg object 25"/>
+          <a:bodyPr wrap="square" lIns="0" tIns="0" rIns="0" bIns="0" rtlCol="0"/>
+          <a:lstStyle/>
+          <a:p>
+            <a:endParaRPr/>
+          </a:p>
+        </p:txBody>
+      </p:sp>
+      <p:sp>
+        <p:nvSpPr>
+          <p:cNvPr id="25" name="bg object 25"/>
           <p:cNvSpPr/>
           <p:nvPr/>
         </p:nvSpPr>
@@ -1797,7 +1938,9 @@
           </a:xfrm>
           <a:custGeom>
             <a:avLst/>
+            <a:gdLst/>
             <a:ahLst/>
+            <a:cxnLst/>
             <a:rect l="l" t="t" r="r" b="b"/>
             <a:pathLst>
               <a:path w="447675" h="2847975">
@@ -1824,13 +1967,16 @@
           </a:solidFill>
         </p:spPr>
         <p:txBody>
-          <a:bodyPr bIns="0" lIns="0" rIns="0" rtlCol="0" tIns="0" wrap="square"/>
-          <a:p/>
-        </p:txBody>
-      </p:sp>
-      <p:sp>
-        <p:nvSpPr>
-          <p:cNvPr id="1048586" name="Holder 2"/>
+          <a:bodyPr wrap="square" lIns="0" tIns="0" rIns="0" bIns="0" rtlCol="0"/>
+          <a:lstStyle/>
+          <a:p>
+            <a:endParaRPr/>
+          </a:p>
+        </p:txBody>
+      </p:sp>
+      <p:sp>
+        <p:nvSpPr>
+          <p:cNvPr id="2" name="Holder 2"/>
           <p:cNvSpPr>
             <a:spLocks noGrp="1"/>
           </p:cNvSpPr>
@@ -1843,15 +1989,17 @@
             <a:off x="755332" y="385444"/>
             <a:ext cx="10681335" cy="758190"/>
           </a:xfrm>
-          <a:prstGeom prst="rect"/>
-        </p:spPr>
-        <p:txBody>
-          <a:bodyPr bIns="0" lIns="0" rIns="0" tIns="0" wrap="square">
+          <a:prstGeom prst="rect">
+            <a:avLst/>
+          </a:prstGeom>
+        </p:spPr>
+        <p:txBody>
+          <a:bodyPr wrap="square" lIns="0" tIns="0" rIns="0" bIns="0">
             <a:spAutoFit/>
           </a:bodyPr>
           <a:lstStyle>
             <a:lvl1pPr>
-              <a:defRPr b="1" sz="4800" i="0">
+              <a:defRPr sz="4800" b="1" i="0">
                 <a:solidFill>
                   <a:schemeClr val="tx1"/>
                 </a:solidFill>
@@ -1860,12 +2008,14 @@
               </a:defRPr>
             </a:lvl1pPr>
           </a:lstStyle>
-          <a:p/>
-        </p:txBody>
-      </p:sp>
-      <p:sp>
-        <p:nvSpPr>
-          <p:cNvPr id="1048587" name="Holder 3"/>
+          <a:p>
+            <a:endParaRPr/>
+          </a:p>
+        </p:txBody>
+      </p:sp>
+      <p:sp>
+        <p:nvSpPr>
+          <p:cNvPr id="3" name="Holder 3"/>
           <p:cNvSpPr>
             <a:spLocks noGrp="1"/>
           </p:cNvSpPr>
@@ -1878,18 +2028,27 @@
             <a:off x="609600" y="1577340"/>
             <a:ext cx="10972800" cy="4526280"/>
           </a:xfrm>
-          <a:prstGeom prst="rect"/>
-        </p:spPr>
-        <p:txBody>
-          <a:bodyPr bIns="0" lIns="0" rIns="0" tIns="0" wrap="square">
+          <a:prstGeom prst="rect">
+            <a:avLst/>
+          </a:prstGeom>
+        </p:spPr>
+        <p:txBody>
+          <a:bodyPr wrap="square" lIns="0" tIns="0" rIns="0" bIns="0">
             <a:spAutoFit/>
           </a:bodyPr>
-          <a:p/>
-        </p:txBody>
-      </p:sp>
-      <p:sp>
-        <p:nvSpPr>
-          <p:cNvPr id="1048588" name="Holder 4"/>
+          <a:lstStyle>
+            <a:lvl1pPr>
+              <a:defRPr/>
+            </a:lvl1pPr>
+          </a:lstStyle>
+          <a:p>
+            <a:endParaRPr/>
+          </a:p>
+        </p:txBody>
+      </p:sp>
+      <p:sp>
+        <p:nvSpPr>
+          <p:cNvPr id="4" name="Holder 4"/>
           <p:cNvSpPr>
             <a:spLocks noGrp="1"/>
           </p:cNvSpPr>
@@ -1902,10 +2061,12 @@
             <a:off x="4145280" y="6377940"/>
             <a:ext cx="3901440" cy="342900"/>
           </a:xfrm>
-          <a:prstGeom prst="rect"/>
-        </p:spPr>
-        <p:txBody>
-          <a:bodyPr bIns="0" lIns="0" rIns="0" tIns="0" wrap="square">
+          <a:prstGeom prst="rect">
+            <a:avLst/>
+          </a:prstGeom>
+        </p:spPr>
+        <p:txBody>
+          <a:bodyPr wrap="square" lIns="0" tIns="0" rIns="0" bIns="0">
             <a:spAutoFit/>
           </a:bodyPr>
           <a:lstStyle>
@@ -1919,12 +2080,14 @@
               </a:defRPr>
             </a:lvl1pPr>
           </a:lstStyle>
-          <a:p/>
-        </p:txBody>
-      </p:sp>
-      <p:sp>
-        <p:nvSpPr>
-          <p:cNvPr id="1048589" name="Holder 5"/>
+          <a:p>
+            <a:endParaRPr/>
+          </a:p>
+        </p:txBody>
+      </p:sp>
+      <p:sp>
+        <p:nvSpPr>
+          <p:cNvPr id="5" name="Holder 5"/>
           <p:cNvSpPr>
             <a:spLocks noGrp="1"/>
           </p:cNvSpPr>
@@ -1937,10 +2100,12 @@
             <a:off x="609600" y="6377940"/>
             <a:ext cx="2804160" cy="342900"/>
           </a:xfrm>
-          <a:prstGeom prst="rect"/>
-        </p:spPr>
-        <p:txBody>
-          <a:bodyPr bIns="0" lIns="0" rIns="0" tIns="0" wrap="square">
+          <a:prstGeom prst="rect">
+            <a:avLst/>
+          </a:prstGeom>
+        </p:spPr>
+        <p:txBody>
+          <a:bodyPr wrap="square" lIns="0" tIns="0" rIns="0" bIns="0">
             <a:spAutoFit/>
           </a:bodyPr>
           <a:lstStyle>
@@ -1965,7 +2130,7 @@
       </p:sp>
       <p:sp>
         <p:nvSpPr>
-          <p:cNvPr id="1048590" name="Holder 6"/>
+          <p:cNvPr id="6" name="Holder 6"/>
           <p:cNvSpPr>
             <a:spLocks noGrp="1"/>
           </p:cNvSpPr>
@@ -1978,15 +2143,17 @@
             <a:off x="11353418" y="6473337"/>
             <a:ext cx="151129" cy="191770"/>
           </a:xfrm>
-          <a:prstGeom prst="rect"/>
-        </p:spPr>
-        <p:txBody>
-          <a:bodyPr bIns="0" lIns="0" rIns="0" tIns="0" wrap="square">
+          <a:prstGeom prst="rect">
+            <a:avLst/>
+          </a:prstGeom>
+        </p:spPr>
+        <p:txBody>
+          <a:bodyPr wrap="square" lIns="0" tIns="0" rIns="0" bIns="0">
             <a:spAutoFit/>
           </a:bodyPr>
           <a:lstStyle>
             <a:lvl1pPr>
-              <a:defRPr b="0" sz="1100" i="0">
+              <a:defRPr sz="1100" b="0" i="0">
                 <a:solidFill>
                   <a:srgbClr val="2D936B"/>
                 </a:solidFill>
@@ -2005,22 +2172,22 @@
               </a:spcBef>
             </a:pPr>
             <a:fld id="{81D60167-4931-47E6-BA6A-407CBD079E47}" type="slidenum">
-              <a:rPr dirty="0" spc="10"/>
+              <a:rPr spc="10" dirty="0"/>
               <a:t>‹#›</a:t>
             </a:fld>
-            <a:endParaRPr dirty="0" spc="10"/>
+            <a:endParaRPr spc="10" dirty="0"/>
           </a:p>
         </p:txBody>
       </p:sp>
     </p:spTree>
   </p:cSld>
-  <p:clrMap accent1="accent1" accent2="accent2" accent3="accent3" accent4="accent4" accent5="accent5" accent6="accent6" bg1="lt1" bg2="lt2" tx1="dk1" tx2="dk2" hlink="hlink" folHlink="folHlink"/>
+  <p:clrMap bg1="lt1" tx1="dk1" bg2="lt2" tx2="dk2" accent1="accent1" accent2="accent2" accent3="accent3" accent4="accent4" accent5="accent5" accent6="accent6" hlink="hlink" folHlink="folHlink"/>
   <p:sldLayoutIdLst>
-    <p:sldLayoutId id="2147483649" r:id="rId1"/>
-    <p:sldLayoutId id="2147483650" r:id="rId2"/>
-    <p:sldLayoutId id="2147483651" r:id="rId3"/>
-    <p:sldLayoutId id="2147483652" r:id="rId4"/>
-    <p:sldLayoutId id="2147483653" r:id="rId5"/>
+    <p:sldLayoutId id="2147483661" r:id="rId1"/>
+    <p:sldLayoutId id="2147483662" r:id="rId2"/>
+    <p:sldLayoutId id="2147483663" r:id="rId3"/>
+    <p:sldLayoutId id="2147483664" r:id="rId4"/>
+    <p:sldLayoutId id="2147483665" r:id="rId5"/>
   </p:sldLayoutIdLst>
   <p:txStyles>
     <p:titleStyle>
@@ -2171,7 +2338,7 @@
   <p:cSld>
     <p:spTree>
       <p:nvGrpSpPr>
-        <p:cNvPr id="19" name=""/>
+        <p:cNvPr id="1" name=""/>
         <p:cNvGrpSpPr/>
         <p:nvPr/>
       </p:nvGrpSpPr>
@@ -2185,7 +2352,7 @@
       </p:grpSpPr>
       <p:grpSp>
         <p:nvGrpSpPr>
-          <p:cNvPr id="20" name="object 2"/>
+          <p:cNvPr id="2" name="object 2"/>
           <p:cNvGrpSpPr/>
           <p:nvPr/>
         </p:nvGrpSpPr>
@@ -2199,7 +2366,7 @@
         </p:grpSpPr>
         <p:sp>
           <p:nvSpPr>
-            <p:cNvPr id="1048596" name="object 3"/>
+            <p:cNvPr id="3" name="object 3"/>
             <p:cNvSpPr/>
             <p:nvPr/>
           </p:nvSpPr>
@@ -2210,7 +2377,9 @@
             </a:xfrm>
             <a:custGeom>
               <a:avLst/>
+              <a:gdLst/>
               <a:ahLst/>
+              <a:cxnLst/>
               <a:rect l="l" t="t" r="r" b="b"/>
               <a:pathLst>
                 <a:path w="1228725" h="1057275">
@@ -2244,13 +2413,16 @@
             </a:solidFill>
           </p:spPr>
           <p:txBody>
-            <a:bodyPr bIns="0" lIns="0" rIns="0" rtlCol="0" tIns="0" wrap="square"/>
-            <a:p/>
+            <a:bodyPr wrap="square" lIns="0" tIns="0" rIns="0" bIns="0" rtlCol="0"/>
+            <a:lstStyle/>
+            <a:p>
+              <a:endParaRPr/>
+            </a:p>
           </p:txBody>
         </p:sp>
         <p:sp>
           <p:nvSpPr>
-            <p:cNvPr id="1048597" name="object 4"/>
+            <p:cNvPr id="4" name="object 4"/>
             <p:cNvSpPr/>
             <p:nvPr/>
           </p:nvSpPr>
@@ -2261,7 +2433,9 @@
             </a:xfrm>
             <a:custGeom>
               <a:avLst/>
+              <a:gdLst/>
               <a:ahLst/>
+              <a:cxnLst/>
               <a:rect l="l" t="t" r="r" b="b"/>
               <a:pathLst>
                 <a:path w="647700" h="561975">
@@ -2295,14 +2469,17 @@
             </a:solidFill>
           </p:spPr>
           <p:txBody>
-            <a:bodyPr bIns="0" lIns="0" rIns="0" rtlCol="0" tIns="0" wrap="square"/>
-            <a:p/>
+            <a:bodyPr wrap="square" lIns="0" tIns="0" rIns="0" bIns="0" rtlCol="0"/>
+            <a:lstStyle/>
+            <a:p>
+              <a:endParaRPr/>
+            </a:p>
           </p:txBody>
         </p:sp>
       </p:grpSp>
       <p:sp>
         <p:nvSpPr>
-          <p:cNvPr id="1048598" name="object 5"/>
+          <p:cNvPr id="5" name="object 5"/>
           <p:cNvSpPr/>
           <p:nvPr/>
         </p:nvSpPr>
@@ -2313,7 +2490,9 @@
           </a:xfrm>
           <a:custGeom>
             <a:avLst/>
+            <a:gdLst/>
             <a:ahLst/>
+            <a:cxnLst/>
             <a:rect l="l" t="t" r="r" b="b"/>
             <a:pathLst>
               <a:path w="1666875" h="1438275">
@@ -2347,13 +2526,16 @@
           </a:solidFill>
         </p:spPr>
         <p:txBody>
-          <a:bodyPr bIns="0" lIns="0" rIns="0" rtlCol="0" tIns="0" wrap="square"/>
-          <a:p/>
-        </p:txBody>
-      </p:sp>
-      <p:sp>
-        <p:nvSpPr>
-          <p:cNvPr id="1048599" name="object 6"/>
+          <a:bodyPr wrap="square" lIns="0" tIns="0" rIns="0" bIns="0" rtlCol="0"/>
+          <a:lstStyle/>
+          <a:p>
+            <a:endParaRPr/>
+          </a:p>
+        </p:txBody>
+      </p:sp>
+      <p:sp>
+        <p:nvSpPr>
+          <p:cNvPr id="6" name="object 6"/>
           <p:cNvSpPr/>
           <p:nvPr/>
         </p:nvSpPr>
@@ -2364,7 +2546,9 @@
           </a:xfrm>
           <a:custGeom>
             <a:avLst/>
+            <a:gdLst/>
             <a:ahLst/>
+            <a:cxnLst/>
             <a:rect l="l" t="t" r="r" b="b"/>
             <a:pathLst>
               <a:path w="723900" h="619125">
@@ -2398,13 +2582,16 @@
           </a:solidFill>
         </p:spPr>
         <p:txBody>
-          <a:bodyPr bIns="0" lIns="0" rIns="0" rtlCol="0" tIns="0" wrap="square"/>
-          <a:p/>
-        </p:txBody>
-      </p:sp>
-      <p:sp>
-        <p:nvSpPr>
-          <p:cNvPr id="1048600" name="object 7"/>
+          <a:bodyPr wrap="square" lIns="0" tIns="0" rIns="0" bIns="0" rtlCol="0"/>
+          <a:lstStyle/>
+          <a:p>
+            <a:endParaRPr/>
+          </a:p>
+        </p:txBody>
+      </p:sp>
+      <p:sp>
+        <p:nvSpPr>
+          <p:cNvPr id="7" name="object 7"/>
           <p:cNvSpPr txBox="1">
             <a:spLocks noGrp="1"/>
           </p:cNvSpPr>
@@ -2417,12 +2604,15 @@
             <a:off x="1523999" y="19665"/>
             <a:ext cx="7629525" cy="1001556"/>
           </a:xfrm>
-          <a:prstGeom prst="rect"/>
-        </p:spPr>
-        <p:txBody>
-          <a:bodyPr bIns="0" lIns="0" rIns="0" rtlCol="0" tIns="16510" vert="horz" wrap="square">
+          <a:prstGeom prst="rect">
+            <a:avLst/>
+          </a:prstGeom>
+        </p:spPr>
+        <p:txBody>
+          <a:bodyPr vert="horz" wrap="square" lIns="0" tIns="16510" rIns="0" bIns="0" rtlCol="0">
             <a:spAutoFit/>
           </a:bodyPr>
+          <a:lstStyle/>
           <a:p>
             <a:pPr marL="3213735">
               <a:spcBef>
@@ -2430,7 +2620,7 @@
               </a:spcBef>
             </a:pPr>
             <a:r>
-              <a:rPr b="1" dirty="0" i="0" lang="en-US">
+              <a:rPr lang="en-US" b="1" i="0" dirty="0">
                 <a:solidFill>
                   <a:srgbClr val="0F0F0F"/>
                 </a:solidFill>
@@ -2441,7 +2631,7 @@
               <a:t>Digital Portfolio </a:t>
             </a:r>
             <a:r>
-              <a:rPr b="1" dirty="0" i="0" lang="en-US">
+              <a:rPr lang="en-US" b="1" i="0" dirty="0">
                 <a:solidFill>
                   <a:srgbClr val="0F0F0F"/>
                 </a:solidFill>
@@ -2451,7 +2641,7 @@
               <a:t/>
             </a:r>
             <a:br>
-              <a:rPr b="1" dirty="0" i="0" lang="en-US">
+              <a:rPr lang="en-US" b="1" i="0" dirty="0">
                 <a:solidFill>
                   <a:srgbClr val="0F0F0F"/>
                 </a:solidFill>
@@ -2459,20 +2649,18 @@
                 <a:latin typeface="Roboto" panose="020F0502020204030204" pitchFamily="2" charset="0"/>
               </a:rPr>
             </a:br>
-            <a:endParaRPr dirty="0" spc="15"/>
+            <a:endParaRPr spc="15" dirty="0"/>
           </a:p>
         </p:txBody>
       </p:sp>
       <p:pic>
         <p:nvPicPr>
-          <p:cNvPr id="2097152" name="object 9"/>
-          <p:cNvPicPr>
-            <a:picLocks/>
-          </p:cNvPicPr>
+          <p:cNvPr id="9" name="object 9"/>
+          <p:cNvPicPr/>
           <p:nvPr/>
         </p:nvPicPr>
         <p:blipFill>
-          <a:blip xmlns:r="http://schemas.openxmlformats.org/officeDocument/2006/relationships" r:embed="rId1" cstate="print"/>
+          <a:blip r:embed="rId3" cstate="print"/>
           <a:stretch>
             <a:fillRect/>
           </a:stretch>
@@ -2482,12 +2670,14 @@
             <a:off x="676275" y="6467475"/>
             <a:ext cx="2143125" cy="200025"/>
           </a:xfrm>
-          <a:prstGeom prst="rect"/>
+          <a:prstGeom prst="rect">
+            <a:avLst/>
+          </a:prstGeom>
         </p:spPr>
       </p:pic>
       <p:sp>
         <p:nvSpPr>
-          <p:cNvPr id="1048601" name="object 11"/>
+          <p:cNvPr id="11" name="object 11"/>
           <p:cNvSpPr txBox="1">
             <a:spLocks noGrp="1"/>
           </p:cNvSpPr>
@@ -2496,12 +2686,15 @@
           </p:nvPr>
         </p:nvSpPr>
         <p:spPr>
-          <a:prstGeom prst="rect"/>
-        </p:spPr>
-        <p:txBody>
-          <a:bodyPr bIns="0" lIns="0" rIns="0" rtlCol="0" tIns="6985" vert="horz" wrap="square">
+          <a:prstGeom prst="rect">
+            <a:avLst/>
+          </a:prstGeom>
+        </p:spPr>
+        <p:txBody>
+          <a:bodyPr vert="horz" wrap="square" lIns="0" tIns="6985" rIns="0" bIns="0" rtlCol="0">
             <a:spAutoFit/>
           </a:bodyPr>
+          <a:lstStyle/>
           <a:p>
             <a:pPr marL="38100">
               <a:lnSpc>
@@ -2512,263 +2705,76 @@
               </a:spcBef>
             </a:pPr>
             <a:fld id="{81D60167-4931-47E6-BA6A-407CBD079E47}" type="slidenum">
-              <a:rPr dirty="0" spc="10"/>
+              <a:rPr spc="10" dirty="0"/>
               <a:t>1</a:t>
             </a:fld>
-            <a:endParaRPr dirty="0" spc="10"/>
-          </a:p>
-        </p:txBody>
-      </p:sp>
-      <p:sp>
-        <p:nvSpPr>
-          <p:cNvPr id="1048602" name="TextBox 13" descr="STUDENT NAME: Madhavan T REGISTER NO AND NMID: asunm126212400641 DEPARTMENT: BCA COLLEGE: JAYA COLLEGE OF ARTS &amp; SCIENCE/UNIVERSITY OF MADRAS"/>
+            <a:endParaRPr spc="10" dirty="0"/>
+          </a:p>
+        </p:txBody>
+      </p:sp>
+      <p:sp>
+        <p:nvSpPr>
+          <p:cNvPr id="14" name="TextBox 13" descr="STUDENT NAME: Madhavan T&#10;REGISTER NO AND NMID: asunm126212400641&#10;DEPARTMENT: BCA&#10;COLLEGE: JAYA COLLEGE OF ARTS &amp; SCIENCE/UNIVERSITY OF MADRAS">
+            <a:extLst>
+              <a:ext uri="{FF2B5EF4-FFF2-40B4-BE49-F238E27FC236}">
+                <a16:creationId xmlns:a16="http://schemas.microsoft.com/office/drawing/2014/main" xmlns="" id="{D55ADE35-C35B-07C1-F5AA-C33B3DDB802E}"/>
+              </a:ext>
+              <a:ext uri="{C183D7F6-B498-43B3-948B-1728B52AA6E4}">
+                <adec:decorative xmlns:adec="http://schemas.microsoft.com/office/drawing/2017/decorative" xmlns="" val="0"/>
+              </a:ext>
+            </a:extLst>
+          </p:cNvPr>
           <p:cNvSpPr txBox="1"/>
           <p:nvPr/>
         </p:nvSpPr>
         <p:spPr>
           <a:xfrm>
             <a:off x="2554542" y="3314150"/>
-            <a:ext cx="8610600" cy="1869440"/>
-          </a:xfrm>
-          <a:prstGeom prst="rect"/>
+            <a:ext cx="8610600" cy="1938992"/>
+          </a:xfrm>
+          <a:prstGeom prst="rect">
+            <a:avLst/>
+          </a:prstGeom>
           <a:noFill/>
         </p:spPr>
         <p:txBody>
-          <a:bodyPr anchor="t" bIns="45720" lIns="91440" rIns="91440" rtlCol="0" tIns="45720" wrap="square">
+          <a:bodyPr wrap="square" lIns="91440" tIns="45720" rIns="91440" bIns="45720" rtlCol="0" anchor="t">
             <a:spAutoFit/>
           </a:bodyPr>
-          <a:p>
-            <a:r>
-              <a:rPr dirty="0" sz="2400" lang="en-US"/>
+          <a:lstStyle/>
+          <a:p>
+            <a:r>
+              <a:rPr lang="en-US" sz="2400" dirty="0"/>
               <a:t>STUDENT NAME: </a:t>
             </a:r>
-            <a:r>
-              <a:rPr altLang="en-IN" dirty="0" sz="2400" lang="en-US"/>
-              <a:t>N</a:t>
-            </a:r>
-            <a:r>
-              <a:rPr altLang="en-IN" dirty="0" sz="2400" lang="en-US"/>
-              <a:t>.</a:t>
-            </a:r>
-            <a:r>
-              <a:rPr altLang="en-IN" dirty="0" sz="2400" lang="en-US"/>
-              <a:t>P</a:t>
-            </a:r>
-            <a:r>
-              <a:rPr altLang="en-IN" dirty="0" sz="2400" lang="en-US"/>
-              <a:t>o</a:t>
-            </a:r>
-            <a:r>
-              <a:rPr altLang="en-IN" dirty="0" sz="2400" lang="en-US"/>
-              <a:t>o</a:t>
-            </a:r>
-            <a:r>
-              <a:rPr altLang="en-IN" dirty="0" sz="2400" lang="en-US"/>
-              <a:t>r</a:t>
-            </a:r>
-            <a:r>
-              <a:rPr altLang="en-IN" dirty="0" sz="2400" lang="en-US"/>
-              <a:t>nima</a:t>
-            </a:r>
-            <a:endParaRPr altLang="en-US" lang="zh-CN"/>
-          </a:p>
-          <a:p>
-            <a:r>
-              <a:rPr dirty="0" sz="2400" lang="en-US"/>
+          </a:p>
+          <a:p>
+            <a:r>
+              <a:rPr lang="en-US" sz="2400" dirty="0"/>
               <a:t>REGISTER NO AND NMID: </a:t>
             </a:r>
-            <a:r>
-              <a:rPr altLang="en-IN" dirty="0" sz="2400" lang="en-US"/>
-              <a:t>2</a:t>
-            </a:r>
-            <a:r>
-              <a:rPr altLang="en-IN" dirty="0" sz="2400" lang="en-US"/>
-              <a:t>1</a:t>
-            </a:r>
-            <a:r>
-              <a:rPr altLang="en-IN" dirty="0" sz="2400" lang="en-US"/>
-              <a:t>2</a:t>
-            </a:r>
-            <a:r>
-              <a:rPr altLang="en-IN" dirty="0" sz="2400" lang="en-US"/>
-              <a:t>4</a:t>
-            </a:r>
-            <a:r>
-              <a:rPr altLang="en-IN" dirty="0" sz="2400" lang="en-US"/>
-              <a:t>0</a:t>
-            </a:r>
-            <a:r>
-              <a:rPr altLang="en-IN" dirty="0" sz="2400" lang="en-US"/>
-              <a:t>0</a:t>
-            </a:r>
-            <a:r>
-              <a:rPr altLang="en-IN" dirty="0" sz="2400" lang="en-US"/>
-              <a:t>6</a:t>
-            </a:r>
-            <a:r>
-              <a:rPr altLang="en-IN" dirty="0" sz="2400" lang="en-US"/>
-              <a:t>9</a:t>
-            </a:r>
-            <a:r>
-              <a:rPr altLang="en-IN" dirty="0" sz="2400" lang="en-US"/>
-              <a:t>5</a:t>
-            </a:r>
-            <a:endParaRPr dirty="0" sz="2400" lang="en-US">
+            <a:endParaRPr lang="en-US" sz="2400" dirty="0">
               <a:cs typeface="Calibri"/>
             </a:endParaRPr>
           </a:p>
           <a:p>
             <a:r>
-              <a:rPr dirty="0" sz="2400" lang="en-US"/>
+              <a:rPr lang="en-US" sz="2400" dirty="0"/>
               <a:t>DEPARTMENT: </a:t>
             </a:r>
-            <a:r>
-              <a:rPr altLang="en-IN" dirty="0" sz="2400" lang="en-US"/>
-              <a:t>B</a:t>
-            </a:r>
-            <a:r>
-              <a:rPr altLang="en-IN" dirty="0" sz="2400" lang="en-US"/>
-              <a:t>C</a:t>
-            </a:r>
-            <a:r>
-              <a:rPr altLang="en-IN" dirty="0" sz="2400" lang="en-US"/>
-              <a:t>A</a:t>
-            </a:r>
-            <a:endParaRPr altLang="en-US" lang="zh-CN"/>
-          </a:p>
-          <a:p>
-            <a:r>
-              <a:rPr dirty="0" sz="2400" lang="en-US"/>
-              <a:t>COLLEGE: </a:t>
-            </a:r>
-            <a:r>
-              <a:rPr altLang="en-IN" dirty="0" sz="2400" lang="en-US"/>
-              <a:t>J</a:t>
-            </a:r>
-            <a:r>
-              <a:rPr altLang="en-IN" dirty="0" sz="2400" lang="en-US"/>
-              <a:t>a</a:t>
-            </a:r>
-            <a:r>
-              <a:rPr altLang="en-IN" dirty="0" sz="2400" lang="en-US"/>
-              <a:t>y</a:t>
-            </a:r>
-            <a:r>
-              <a:rPr altLang="en-IN" dirty="0" sz="2400" lang="en-US"/>
-              <a:t>a</a:t>
-            </a:r>
-            <a:r>
-              <a:rPr altLang="en-IN" dirty="0" sz="2400" lang="en-US"/>
-              <a:t> </a:t>
-            </a:r>
-            <a:r>
-              <a:rPr altLang="en-IN" dirty="0" sz="2400" lang="en-US"/>
-              <a:t>c</a:t>
-            </a:r>
-            <a:r>
-              <a:rPr altLang="en-IN" dirty="0" sz="2400" lang="en-US"/>
-              <a:t>o</a:t>
-            </a:r>
-            <a:r>
-              <a:rPr altLang="en-IN" dirty="0" sz="2400" lang="en-US"/>
-              <a:t>l</a:t>
-            </a:r>
-            <a:r>
-              <a:rPr altLang="en-IN" dirty="0" sz="2400" lang="en-US"/>
-              <a:t>lege</a:t>
-            </a:r>
-            <a:r>
-              <a:rPr altLang="en-IN" dirty="0" sz="2400" lang="en-US"/>
-              <a:t> </a:t>
-            </a:r>
-            <a:r>
-              <a:rPr altLang="en-IN" dirty="0" sz="2400" lang="en-US"/>
-              <a:t>a</a:t>
-            </a:r>
-            <a:r>
-              <a:rPr altLang="en-IN" dirty="0" sz="2400" lang="en-US"/>
-              <a:t>r</a:t>
-            </a:r>
-            <a:r>
-              <a:rPr altLang="en-IN" dirty="0" sz="2400" lang="en-US"/>
-              <a:t>ts</a:t>
-            </a:r>
-            <a:r>
-              <a:rPr altLang="en-IN" dirty="0" sz="2400" lang="en-US"/>
-              <a:t> </a:t>
-            </a:r>
-            <a:r>
-              <a:rPr altLang="en-IN" dirty="0" sz="2400" lang="en-US"/>
-              <a:t>&amp;</a:t>
-            </a:r>
-            <a:r>
-              <a:rPr altLang="en-IN" dirty="0" sz="2400" lang="en-US"/>
-              <a:t>s</a:t>
-            </a:r>
-            <a:r>
-              <a:rPr altLang="en-IN" dirty="0" sz="2400" lang="en-US"/>
-              <a:t>c</a:t>
-            </a:r>
-            <a:r>
-              <a:rPr altLang="en-IN" dirty="0" sz="2400" lang="en-US"/>
-              <a:t>ience</a:t>
-            </a:r>
-            <a:r>
-              <a:rPr altLang="en-IN" dirty="0" sz="2400" lang="en-US"/>
-              <a:t>/</a:t>
-            </a:r>
-            <a:r>
-              <a:rPr altLang="en-IN" dirty="0" sz="2400" lang="en-US"/>
-              <a:t>m</a:t>
-            </a:r>
-            <a:r>
-              <a:rPr altLang="en-IN" dirty="0" sz="2400" lang="en-US"/>
-              <a:t>a</a:t>
-            </a:r>
-            <a:r>
-              <a:rPr altLang="en-IN" dirty="0" sz="2400" lang="en-US"/>
-              <a:t>d</a:t>
-            </a:r>
-            <a:r>
-              <a:rPr altLang="en-IN" dirty="0" sz="2400" lang="en-US"/>
-              <a:t>r</a:t>
-            </a:r>
-            <a:r>
-              <a:rPr altLang="en-IN" dirty="0" sz="2400" lang="en-US"/>
-              <a:t>as</a:t>
-            </a:r>
-            <a:r>
-              <a:rPr altLang="en-IN" dirty="0" sz="2400" lang="en-US"/>
-              <a:t> </a:t>
-            </a:r>
-            <a:r>
-              <a:rPr altLang="en-IN" dirty="0" sz="2400" lang="en-US"/>
-              <a:t>u</a:t>
-            </a:r>
-            <a:r>
-              <a:rPr altLang="en-IN" dirty="0" sz="2400" lang="en-US"/>
-              <a:t>n</a:t>
-            </a:r>
-            <a:r>
-              <a:rPr altLang="en-IN" dirty="0" sz="2400" lang="en-US"/>
-              <a:t>i</a:t>
-            </a:r>
-            <a:r>
-              <a:rPr altLang="en-IN" dirty="0" sz="2400" lang="en-US"/>
-              <a:t>v</a:t>
-            </a:r>
-            <a:r>
-              <a:rPr altLang="en-IN" dirty="0" sz="2400" lang="en-US"/>
-              <a:t>ersity</a:t>
-            </a:r>
-            <a:endParaRPr altLang="en-US" lang="zh-CN"/>
-          </a:p>
-          <a:p>
-            <a:r>
-              <a:rPr dirty="0" sz="2400" lang="en-US"/>
+          </a:p>
+          <a:p>
+            <a:r>
+              <a:rPr lang="en-US" sz="2400" dirty="0"/>
+              <a:t>COLLEGE: COLLEGE/ UNIVERSITY</a:t>
+            </a:r>
+          </a:p>
+          <a:p>
+            <a:r>
+              <a:rPr lang="en-US" sz="2400" dirty="0"/>
               <a:t>           </a:t>
             </a:r>
-            <a:endParaRPr dirty="0" sz="2400" lang="en-IN"/>
+            <a:endParaRPr lang="en-IN" sz="2400" dirty="0"/>
           </a:p>
         </p:txBody>
       </p:sp>
@@ -2785,7 +2791,7 @@
   <p:cSld>
     <p:spTree>
       <p:nvGrpSpPr>
-        <p:cNvPr id="39" name=""/>
+        <p:cNvPr id="1" name=""/>
         <p:cNvGrpSpPr/>
         <p:nvPr/>
       </p:nvGrpSpPr>
@@ -2799,7 +2805,7 @@
       </p:grpSpPr>
       <p:sp>
         <p:nvSpPr>
-          <p:cNvPr id="1048673" name="object 2"/>
+          <p:cNvPr id="2" name="object 2"/>
           <p:cNvSpPr txBox="1"/>
           <p:nvPr/>
         </p:nvSpPr>
@@ -2808,12 +2814,15 @@
             <a:off x="752475" y="6486037"/>
             <a:ext cx="1773555" cy="166370"/>
           </a:xfrm>
-          <a:prstGeom prst="rect"/>
-        </p:spPr>
-        <p:txBody>
-          <a:bodyPr bIns="0" lIns="0" rIns="0" rtlCol="0" tIns="0" vert="horz" wrap="square">
+          <a:prstGeom prst="rect">
+            <a:avLst/>
+          </a:prstGeom>
+        </p:spPr>
+        <p:txBody>
+          <a:bodyPr vert="horz" wrap="square" lIns="0" tIns="0" rIns="0" bIns="0" rtlCol="0">
             <a:spAutoFit/>
           </a:bodyPr>
+          <a:lstStyle/>
           <a:p>
             <a:pPr>
               <a:lnSpc>
@@ -2821,7 +2830,7 @@
               </a:lnSpc>
             </a:pPr>
             <a:r>
-              <a:rPr dirty="0" sz="1100" spc="20">
+              <a:rPr sz="1100" spc="20" dirty="0">
                 <a:solidFill>
                   <a:srgbClr val="2D83C3"/>
                 </a:solidFill>
@@ -2831,7 +2840,7 @@
               <a:t>3/21/202</a:t>
             </a:r>
             <a:r>
-              <a:rPr dirty="0" sz="1100" spc="10">
+              <a:rPr sz="1100" spc="10" dirty="0">
                 <a:solidFill>
                   <a:srgbClr val="2D83C3"/>
                 </a:solidFill>
@@ -2841,7 +2850,7 @@
               <a:t>4</a:t>
             </a:r>
             <a:r>
-              <a:rPr dirty="0" sz="1100">
+              <a:rPr sz="1100" dirty="0">
                 <a:solidFill>
                   <a:srgbClr val="2D83C3"/>
                 </a:solidFill>
@@ -2851,7 +2860,7 @@
               <a:t> </a:t>
             </a:r>
             <a:r>
-              <a:rPr dirty="0" sz="1100" spc="130">
+              <a:rPr sz="1100" spc="130" dirty="0">
                 <a:solidFill>
                   <a:srgbClr val="2D83C3"/>
                 </a:solidFill>
@@ -2861,7 +2870,7 @@
               <a:t> </a:t>
             </a:r>
             <a:r>
-              <a:rPr b="1" dirty="0" sz="1100" spc="50">
+              <a:rPr sz="1100" b="1" spc="50" dirty="0">
                 <a:solidFill>
                   <a:srgbClr val="2D83C3"/>
                 </a:solidFill>
@@ -2871,7 +2880,7 @@
               <a:t>A</a:t>
             </a:r>
             <a:r>
-              <a:rPr b="1" dirty="0" sz="1100" spc="15">
+              <a:rPr sz="1100" b="1" spc="15" dirty="0">
                 <a:solidFill>
                   <a:srgbClr val="2D83C3"/>
                 </a:solidFill>
@@ -2881,7 +2890,7 @@
               <a:t>nnu</a:t>
             </a:r>
             <a:r>
-              <a:rPr b="1" dirty="0" sz="1100" spc="10">
+              <a:rPr sz="1100" b="1" spc="10" dirty="0">
                 <a:solidFill>
                   <a:srgbClr val="2D83C3"/>
                 </a:solidFill>
@@ -2891,7 +2900,7 @@
               <a:t>al</a:t>
             </a:r>
             <a:r>
-              <a:rPr b="1" dirty="0" sz="1100" spc="-140">
+              <a:rPr sz="1100" b="1" spc="-140" dirty="0">
                 <a:solidFill>
                   <a:srgbClr val="2D83C3"/>
                 </a:solidFill>
@@ -2901,7 +2910,7 @@
               <a:t> </a:t>
             </a:r>
             <a:r>
-              <a:rPr b="1" dirty="0" sz="1100">
+              <a:rPr sz="1100" b="1" dirty="0">
                 <a:solidFill>
                   <a:srgbClr val="2D83C3"/>
                 </a:solidFill>
@@ -2911,7 +2920,7 @@
               <a:t>R</a:t>
             </a:r>
             <a:r>
-              <a:rPr b="1" dirty="0" sz="1100" spc="35">
+              <a:rPr sz="1100" b="1" spc="35" dirty="0">
                 <a:solidFill>
                   <a:srgbClr val="2D83C3"/>
                 </a:solidFill>
@@ -2921,7 +2930,7 @@
               <a:t>e</a:t>
             </a:r>
             <a:r>
-              <a:rPr b="1" dirty="0" sz="1100" spc="90">
+              <a:rPr sz="1100" b="1" spc="90" dirty="0">
                 <a:solidFill>
                   <a:srgbClr val="2D83C3"/>
                 </a:solidFill>
@@ -2931,7 +2940,7 @@
               <a:t>v</a:t>
             </a:r>
             <a:r>
-              <a:rPr b="1" dirty="0" sz="1100" spc="-35">
+              <a:rPr sz="1100" b="1" spc="-35" dirty="0">
                 <a:solidFill>
                   <a:srgbClr val="2D83C3"/>
                 </a:solidFill>
@@ -2941,7 +2950,7 @@
               <a:t>i</a:t>
             </a:r>
             <a:r>
-              <a:rPr b="1" dirty="0" sz="1100" spc="35">
+              <a:rPr sz="1100" b="1" spc="35" dirty="0">
                 <a:solidFill>
                   <a:srgbClr val="2D83C3"/>
                 </a:solidFill>
@@ -2951,7 +2960,7 @@
               <a:t>e</a:t>
             </a:r>
             <a:r>
-              <a:rPr b="1" dirty="0" sz="1100" spc="15">
+              <a:rPr sz="1100" b="1" spc="15" dirty="0">
                 <a:solidFill>
                   <a:srgbClr val="2D83C3"/>
                 </a:solidFill>
@@ -2969,7 +2978,7 @@
       </p:sp>
       <p:sp>
         <p:nvSpPr>
-          <p:cNvPr id="1048674" name="object 3"/>
+          <p:cNvPr id="3" name="object 3"/>
           <p:cNvSpPr/>
           <p:nvPr/>
         </p:nvSpPr>
@@ -2980,7 +2989,9 @@
           </a:xfrm>
           <a:custGeom>
             <a:avLst/>
+            <a:gdLst/>
             <a:ahLst/>
+            <a:cxnLst/>
             <a:rect l="l" t="t" r="r" b="b"/>
             <a:pathLst>
               <a:path w="457200" h="457200">
@@ -3008,13 +3019,16 @@
           </a:solidFill>
         </p:spPr>
         <p:txBody>
-          <a:bodyPr bIns="0" lIns="0" rIns="0" rtlCol="0" tIns="0" wrap="square"/>
-          <a:p/>
-        </p:txBody>
-      </p:sp>
-      <p:sp>
-        <p:nvSpPr>
-          <p:cNvPr id="1048675" name="object 4"/>
+          <a:bodyPr wrap="square" lIns="0" tIns="0" rIns="0" bIns="0" rtlCol="0"/>
+          <a:lstStyle/>
+          <a:p>
+            <a:endParaRPr/>
+          </a:p>
+        </p:txBody>
+      </p:sp>
+      <p:sp>
+        <p:nvSpPr>
+          <p:cNvPr id="4" name="object 4"/>
           <p:cNvSpPr/>
           <p:nvPr/>
         </p:nvSpPr>
@@ -3025,7 +3039,9 @@
           </a:xfrm>
           <a:custGeom>
             <a:avLst/>
+            <a:gdLst/>
             <a:ahLst/>
+            <a:cxnLst/>
             <a:rect l="l" t="t" r="r" b="b"/>
             <a:pathLst>
               <a:path w="314325" h="323850">
@@ -3053,13 +3069,16 @@
           </a:solidFill>
         </p:spPr>
         <p:txBody>
-          <a:bodyPr bIns="0" lIns="0" rIns="0" rtlCol="0" tIns="0" wrap="square"/>
-          <a:p/>
-        </p:txBody>
-      </p:sp>
-      <p:sp>
-        <p:nvSpPr>
-          <p:cNvPr id="1048676" name="object 5"/>
+          <a:bodyPr wrap="square" lIns="0" tIns="0" rIns="0" bIns="0" rtlCol="0"/>
+          <a:lstStyle/>
+          <a:p>
+            <a:endParaRPr/>
+          </a:p>
+        </p:txBody>
+      </p:sp>
+      <p:sp>
+        <p:nvSpPr>
+          <p:cNvPr id="5" name="object 5"/>
           <p:cNvSpPr/>
           <p:nvPr/>
         </p:nvSpPr>
@@ -3070,7 +3089,9 @@
           </a:xfrm>
           <a:custGeom>
             <a:avLst/>
+            <a:gdLst/>
             <a:ahLst/>
+            <a:cxnLst/>
             <a:rect l="l" t="t" r="r" b="b"/>
             <a:pathLst>
               <a:path w="180975" h="180975">
@@ -3098,20 +3119,21 @@
           </a:solidFill>
         </p:spPr>
         <p:txBody>
-          <a:bodyPr bIns="0" lIns="0" rIns="0" rtlCol="0" tIns="0" wrap="square"/>
-          <a:p/>
+          <a:bodyPr wrap="square" lIns="0" tIns="0" rIns="0" bIns="0" rtlCol="0"/>
+          <a:lstStyle/>
+          <a:p>
+            <a:endParaRPr/>
+          </a:p>
         </p:txBody>
       </p:sp>
       <p:pic>
         <p:nvPicPr>
-          <p:cNvPr id="2097166" name="object 6"/>
-          <p:cNvPicPr>
-            <a:picLocks/>
-          </p:cNvPicPr>
+          <p:cNvPr id="6" name="object 6"/>
+          <p:cNvPicPr/>
           <p:nvPr/>
         </p:nvPicPr>
         <p:blipFill>
-          <a:blip xmlns:r="http://schemas.openxmlformats.org/officeDocument/2006/relationships" r:embed="rId1" cstate="print"/>
+          <a:blip r:embed="rId2" cstate="print"/>
           <a:stretch>
             <a:fillRect/>
           </a:stretch>
@@ -3121,12 +3143,14 @@
             <a:off x="66675" y="3381373"/>
             <a:ext cx="2466975" cy="3419475"/>
           </a:xfrm>
-          <a:prstGeom prst="rect"/>
+          <a:prstGeom prst="rect">
+            <a:avLst/>
+          </a:prstGeom>
         </p:spPr>
       </p:pic>
       <p:sp>
         <p:nvSpPr>
-          <p:cNvPr id="1048677" name="object 7"/>
+          <p:cNvPr id="7" name="object 7"/>
           <p:cNvSpPr txBox="1">
             <a:spLocks noGrp="1"/>
           </p:cNvSpPr>
@@ -3137,14 +3161,17 @@
         <p:spPr>
           <a:xfrm>
             <a:off x="739775" y="654938"/>
-            <a:ext cx="8480425" cy="638810"/>
-          </a:xfrm>
-          <a:prstGeom prst="rect"/>
-        </p:spPr>
-        <p:txBody>
-          <a:bodyPr bIns="0" lIns="0" rIns="0" rtlCol="0" tIns="16510" vert="horz" wrap="square">
+            <a:ext cx="8480425" cy="670696"/>
+          </a:xfrm>
+          <a:prstGeom prst="rect">
+            <a:avLst/>
+          </a:prstGeom>
+        </p:spPr>
+        <p:txBody>
+          <a:bodyPr vert="horz" wrap="square" lIns="0" tIns="16510" rIns="0" bIns="0" rtlCol="0">
             <a:spAutoFit/>
           </a:bodyPr>
+          <a:lstStyle/>
           <a:p>
             <a:pPr marL="12700">
               <a:lnSpc>
@@ -3155,16 +3182,16 @@
               </a:spcBef>
             </a:pPr>
             <a:r>
-              <a:rPr dirty="0" sz="4250" lang="en-IN" spc="15"/>
+              <a:rPr lang="en-IN" sz="4250" spc="15" dirty="0"/>
               <a:t>RESULTS AND SCREENSHOTS</a:t>
             </a:r>
-            <a:endParaRPr dirty="0" sz="4250"/>
-          </a:p>
-        </p:txBody>
-      </p:sp>
-      <p:sp>
-        <p:nvSpPr>
-          <p:cNvPr id="1048678" name="object 8"/>
+            <a:endParaRPr sz="4250" dirty="0"/>
+          </a:p>
+        </p:txBody>
+      </p:sp>
+      <p:sp>
+        <p:nvSpPr>
+          <p:cNvPr id="8" name="object 8"/>
           <p:cNvSpPr txBox="1"/>
           <p:nvPr/>
         </p:nvSpPr>
@@ -3173,12 +3200,15 @@
             <a:off x="11277218" y="6473337"/>
             <a:ext cx="228600" cy="191770"/>
           </a:xfrm>
-          <a:prstGeom prst="rect"/>
-        </p:spPr>
-        <p:txBody>
-          <a:bodyPr bIns="0" lIns="0" rIns="0" rtlCol="0" tIns="6985" vert="horz" wrap="square">
+          <a:prstGeom prst="rect">
+            <a:avLst/>
+          </a:prstGeom>
+        </p:spPr>
+        <p:txBody>
+          <a:bodyPr vert="horz" wrap="square" lIns="0" tIns="6985" rIns="0" bIns="0" rtlCol="0">
             <a:spAutoFit/>
           </a:bodyPr>
+          <a:lstStyle/>
           <a:p>
             <a:pPr marL="38100">
               <a:lnSpc>
@@ -3189,7 +3219,7 @@
               </a:spcBef>
             </a:pPr>
             <a:fld id="{81D60167-4931-47E6-BA6A-407CBD079E47}" type="slidenum">
-              <a:rPr dirty="0" sz="1100" spc="10">
+              <a:rPr sz="1100" spc="10" dirty="0">
                 <a:solidFill>
                   <a:srgbClr val="2D936B"/>
                 </a:solidFill>
@@ -3207,80 +3237,66 @@
       </p:sp>
       <p:sp>
         <p:nvSpPr>
-          <p:cNvPr id="1048679" name="TextBox 8"/>
+          <p:cNvPr id="9" name="TextBox 8">
+            <a:extLst>
+              <a:ext uri="{FF2B5EF4-FFF2-40B4-BE49-F238E27FC236}">
+                <a16:creationId xmlns:a16="http://schemas.microsoft.com/office/drawing/2014/main" xmlns="" id="{FAD9CEB2-36E1-0550-426B-2FAF97882044}"/>
+              </a:ext>
+            </a:extLst>
+          </p:cNvPr>
           <p:cNvSpPr txBox="1"/>
           <p:nvPr/>
         </p:nvSpPr>
         <p:spPr>
           <a:xfrm>
-            <a:off x="1276731" y="2004059"/>
-            <a:ext cx="8534018" cy="1424940"/>
-          </a:xfrm>
-          <a:prstGeom prst="rect"/>
+            <a:off x="2743200" y="2354703"/>
+            <a:ext cx="8534018" cy="1200329"/>
+          </a:xfrm>
+          <a:prstGeom prst="rect">
+            <a:avLst/>
+          </a:prstGeom>
           <a:noFill/>
         </p:spPr>
         <p:txBody>
-          <a:bodyPr rtlCol="0" wrap="square">
+          <a:bodyPr wrap="square" rtlCol="0">
             <a:spAutoFit/>
           </a:bodyPr>
-          <a:p>
-            <a:r>
-              <a:rPr b="1" dirty="0" lang="en-US" smtClean="0">
+          <a:lstStyle/>
+          <a:p>
+            <a:r>
+              <a:rPr lang="en-US" b="1" dirty="0" smtClean="0">
                 <a:latin typeface="Times New Roman" panose="02020603050405020304" pitchFamily="18" charset="0"/>
                 <a:cs typeface="Times New Roman" panose="02020603050405020304" pitchFamily="18" charset="0"/>
               </a:rPr>
               <a:t>Result:</a:t>
             </a:r>
             <a:r>
-              <a:rPr dirty="0" lang="en-US">
+              <a:rPr lang="en-US" dirty="0">
                 <a:latin typeface="Times New Roman" panose="02020603050405020304" pitchFamily="18" charset="0"/>
                 <a:cs typeface="Times New Roman" panose="02020603050405020304" pitchFamily="18" charset="0"/>
               </a:rPr>
               <a:t/>
             </a:r>
             <a:br>
-              <a:rPr dirty="0" lang="en-US">
+              <a:rPr lang="en-US" dirty="0">
                 <a:latin typeface="Times New Roman" panose="02020603050405020304" pitchFamily="18" charset="0"/>
                 <a:cs typeface="Times New Roman" panose="02020603050405020304" pitchFamily="18" charset="0"/>
               </a:rPr>
             </a:br>
             <a:r>
-              <a:rPr dirty="0" lang="en-US">
+              <a:rPr lang="en-US" dirty="0">
                 <a:latin typeface="Times New Roman" panose="02020603050405020304" pitchFamily="18" charset="0"/>
                 <a:cs typeface="Times New Roman" panose="02020603050405020304" pitchFamily="18" charset="0"/>
               </a:rPr>
               <a:t>“The digital portfolio was successfully designed and implemented. It allows users to showcase their skills, projects, and achievements in an organized and visually appealing way. The portfolio is fully responsive, easy to update, and accessible across devices.”</a:t>
             </a:r>
-            <a:endParaRPr dirty="0" lang="en-IN">
+            <a:endParaRPr lang="en-IN" dirty="0">
               <a:latin typeface="Times New Roman" panose="02020603050405020304" pitchFamily="18" charset="0"/>
               <a:cs typeface="Times New Roman" panose="02020603050405020304" pitchFamily="18" charset="0"/>
             </a:endParaRPr>
           </a:p>
         </p:txBody>
       </p:sp>
-      <p:pic>
-        <p:nvPicPr>
-          <p:cNvPr id="2097172" name=""/>
-          <p:cNvPicPr>
-            <a:picLocks/>
-          </p:cNvPicPr>
-          <p:nvPr/>
-        </p:nvPicPr>
-        <p:blipFill>
-          <a:blip xmlns:r="http://schemas.openxmlformats.org/officeDocument/2006/relationships" r:embed="rId2"/>
-          <a:srcRect l="0" t="9599" r="0" b="42"/>
-          <a:stretch>
-            <a:fillRect/>
-          </a:stretch>
-        </p:blipFill>
-        <p:spPr>
-          <a:xfrm>
-            <a:off x="2699682" y="4059408"/>
-            <a:ext cx="6292041" cy="1588001"/>
-          </a:xfrm>
-          <a:prstGeom prst="rect"/>
-        </p:spPr>
-      </p:pic>
     </p:spTree>
   </p:cSld>
   <p:clrMapOvr>
@@ -3294,7 +3310,7 @@
   <p:cSld>
     <p:spTree>
       <p:nvGrpSpPr>
-        <p:cNvPr id="40" name=""/>
+        <p:cNvPr id="1" name=""/>
         <p:cNvGrpSpPr/>
         <p:nvPr/>
       </p:nvGrpSpPr>
@@ -3308,7 +3324,7 @@
       </p:grpSpPr>
       <p:sp>
         <p:nvSpPr>
-          <p:cNvPr id="1048680" name="object 3"/>
+          <p:cNvPr id="3" name="object 3"/>
           <p:cNvSpPr/>
           <p:nvPr/>
         </p:nvSpPr>
@@ -3319,7 +3335,9 @@
           </a:xfrm>
           <a:custGeom>
             <a:avLst/>
+            <a:gdLst/>
             <a:ahLst/>
+            <a:cxnLst/>
             <a:rect l="l" t="t" r="r" b="b"/>
             <a:pathLst>
               <a:path w="457200" h="457200">
@@ -3347,13 +3365,16 @@
           </a:solidFill>
         </p:spPr>
         <p:txBody>
-          <a:bodyPr bIns="0" lIns="0" rIns="0" rtlCol="0" tIns="0" wrap="square"/>
-          <a:p/>
-        </p:txBody>
-      </p:sp>
-      <p:sp>
-        <p:nvSpPr>
-          <p:cNvPr id="1048681" name="object 4"/>
+          <a:bodyPr wrap="square" lIns="0" tIns="0" rIns="0" bIns="0" rtlCol="0"/>
+          <a:lstStyle/>
+          <a:p>
+            <a:endParaRPr/>
+          </a:p>
+        </p:txBody>
+      </p:sp>
+      <p:sp>
+        <p:nvSpPr>
+          <p:cNvPr id="4" name="object 4"/>
           <p:cNvSpPr/>
           <p:nvPr/>
         </p:nvSpPr>
@@ -3364,7 +3385,9 @@
           </a:xfrm>
           <a:custGeom>
             <a:avLst/>
+            <a:gdLst/>
             <a:ahLst/>
+            <a:cxnLst/>
             <a:rect l="l" t="t" r="r" b="b"/>
             <a:pathLst>
               <a:path w="314325" h="323850">
@@ -3392,13 +3415,16 @@
           </a:solidFill>
         </p:spPr>
         <p:txBody>
-          <a:bodyPr bIns="0" lIns="0" rIns="0" rtlCol="0" tIns="0" wrap="square"/>
-          <a:p/>
-        </p:txBody>
-      </p:sp>
-      <p:sp>
-        <p:nvSpPr>
-          <p:cNvPr id="1048682" name="object 5"/>
+          <a:bodyPr wrap="square" lIns="0" tIns="0" rIns="0" bIns="0" rtlCol="0"/>
+          <a:lstStyle/>
+          <a:p>
+            <a:endParaRPr/>
+          </a:p>
+        </p:txBody>
+      </p:sp>
+      <p:sp>
+        <p:nvSpPr>
+          <p:cNvPr id="5" name="object 5"/>
           <p:cNvSpPr/>
           <p:nvPr/>
         </p:nvSpPr>
@@ -3409,7 +3435,9 @@
           </a:xfrm>
           <a:custGeom>
             <a:avLst/>
+            <a:gdLst/>
             <a:ahLst/>
+            <a:cxnLst/>
             <a:rect l="l" t="t" r="r" b="b"/>
             <a:pathLst>
               <a:path w="180975" h="180975">
@@ -3437,20 +3465,21 @@
           </a:solidFill>
         </p:spPr>
         <p:txBody>
-          <a:bodyPr bIns="0" lIns="0" rIns="0" rtlCol="0" tIns="0" wrap="square"/>
-          <a:p/>
+          <a:bodyPr wrap="square" lIns="0" tIns="0" rIns="0" bIns="0" rtlCol="0"/>
+          <a:lstStyle/>
+          <a:p>
+            <a:endParaRPr/>
+          </a:p>
         </p:txBody>
       </p:sp>
       <p:pic>
         <p:nvPicPr>
-          <p:cNvPr id="2097167" name="object 6"/>
-          <p:cNvPicPr>
-            <a:picLocks/>
-          </p:cNvPicPr>
+          <p:cNvPr id="6" name="object 6"/>
+          <p:cNvPicPr/>
           <p:nvPr/>
         </p:nvPicPr>
         <p:blipFill>
-          <a:blip xmlns:r="http://schemas.openxmlformats.org/officeDocument/2006/relationships" r:embed="rId1" cstate="print"/>
+          <a:blip r:embed="rId2" cstate="print"/>
           <a:stretch>
             <a:fillRect/>
           </a:stretch>
@@ -3460,12 +3489,14 @@
             <a:off x="1666875" y="6467475"/>
             <a:ext cx="76200" cy="177800"/>
           </a:xfrm>
-          <a:prstGeom prst="rect"/>
+          <a:prstGeom prst="rect">
+            <a:avLst/>
+          </a:prstGeom>
         </p:spPr>
       </p:pic>
       <p:sp>
         <p:nvSpPr>
-          <p:cNvPr id="1048683" name="object 7"/>
+          <p:cNvPr id="7" name="object 7"/>
           <p:cNvSpPr txBox="1">
             <a:spLocks noGrp="1"/>
           </p:cNvSpPr>
@@ -3478,12 +3509,15 @@
             <a:off x="755332" y="385444"/>
             <a:ext cx="4578668" cy="752129"/>
           </a:xfrm>
-          <a:prstGeom prst="rect"/>
-        </p:spPr>
-        <p:txBody>
-          <a:bodyPr bIns="0" lIns="0" rIns="0" rtlCol="0" tIns="13335" vert="horz" wrap="square">
+          <a:prstGeom prst="rect">
+            <a:avLst/>
+          </a:prstGeom>
+        </p:spPr>
+        <p:txBody>
+          <a:bodyPr vert="horz" wrap="square" lIns="0" tIns="13335" rIns="0" bIns="0" rtlCol="0">
             <a:spAutoFit/>
           </a:bodyPr>
+          <a:lstStyle/>
           <a:p>
             <a:pPr marL="12700">
               <a:lnSpc>
@@ -3494,7 +3528,7 @@
               </a:spcBef>
             </a:pPr>
             <a:r>
-              <a:rPr dirty="0" lang="en-IN"/>
+              <a:rPr lang="en-IN" dirty="0"/>
               <a:t>CONCLUSION</a:t>
             </a:r>
             <a:endParaRPr dirty="0"/>
@@ -3503,7 +3537,7 @@
       </p:sp>
       <p:sp>
         <p:nvSpPr>
-          <p:cNvPr id="1048684" name="object 9"/>
+          <p:cNvPr id="9" name="object 9"/>
           <p:cNvSpPr txBox="1"/>
           <p:nvPr/>
         </p:nvSpPr>
@@ -3512,12 +3546,15 @@
             <a:off x="11277218" y="6473337"/>
             <a:ext cx="228600" cy="191770"/>
           </a:xfrm>
-          <a:prstGeom prst="rect"/>
-        </p:spPr>
-        <p:txBody>
-          <a:bodyPr bIns="0" lIns="0" rIns="0" rtlCol="0" tIns="6985" vert="horz" wrap="square">
+          <a:prstGeom prst="rect">
+            <a:avLst/>
+          </a:prstGeom>
+        </p:spPr>
+        <p:txBody>
+          <a:bodyPr vert="horz" wrap="square" lIns="0" tIns="6985" rIns="0" bIns="0" rtlCol="0">
             <a:spAutoFit/>
           </a:bodyPr>
+          <a:lstStyle/>
           <a:p>
             <a:pPr marL="38100">
               <a:lnSpc>
@@ -3528,7 +3565,7 @@
               </a:spcBef>
             </a:pPr>
             <a:fld id="{81D60167-4931-47E6-BA6A-407CBD079E47}" type="slidenum">
-              <a:rPr dirty="0" sz="1100" spc="10">
+              <a:rPr sz="1100" spc="10" dirty="0">
                 <a:solidFill>
                   <a:srgbClr val="2D936B"/>
                 </a:solidFill>
@@ -3546,30 +3583,33 @@
       </p:sp>
       <p:sp>
         <p:nvSpPr>
-          <p:cNvPr id="1048685" name="Rectangle 1"/>
+          <p:cNvPr id="2" name="Rectangle 1"/>
           <p:cNvSpPr/>
           <p:nvPr/>
         </p:nvSpPr>
         <p:spPr>
           <a:xfrm>
             <a:off x="3048000" y="1997839"/>
-            <a:ext cx="6096000" cy="3025140"/>
-          </a:xfrm>
-          <a:prstGeom prst="rect"/>
+            <a:ext cx="6096000" cy="2862322"/>
+          </a:xfrm>
+          <a:prstGeom prst="rect">
+            <a:avLst/>
+          </a:prstGeom>
         </p:spPr>
         <p:txBody>
           <a:bodyPr>
             <a:spAutoFit/>
           </a:bodyPr>
-          <a:p>
-            <a:r>
-              <a:rPr b="1" dirty="0" lang="en-US"/>
+          <a:lstStyle/>
+          <a:p>
+            <a:r>
+              <a:rPr lang="en-US" b="1" dirty="0"/>
               <a:t>Conclusion</a:t>
             </a:r>
           </a:p>
           <a:p>
             <a:r>
-              <a:rPr dirty="0" lang="en-US"/>
+              <a:rPr lang="en-US" dirty="0"/>
               <a:t>The Digital Portfolio serves as a modern and interactive platform for individuals to showcase their personal, academic, and professional achievements. Unlike traditional resumes, it provides a dynamic space to highlight skills, projects, and experiences using multimedia elements. It enhances personal branding, improves accessibility, and creates better opportunities for career growth. Overall, the digital portfolio is an effective tool that bridges the gap between an individual’s potential and the opportunities available in the digital world.</a:t>
             </a:r>
           </a:p>
@@ -3588,7 +3628,7 @@
   <p:cSld>
     <p:spTree>
       <p:nvGrpSpPr>
-        <p:cNvPr id="25" name=""/>
+        <p:cNvPr id="1" name=""/>
         <p:cNvGrpSpPr/>
         <p:nvPr/>
       </p:nvGrpSpPr>
@@ -3602,7 +3642,7 @@
       </p:grpSpPr>
       <p:sp>
         <p:nvSpPr>
-          <p:cNvPr id="1048610" name="object 2"/>
+          <p:cNvPr id="2" name="object 2"/>
           <p:cNvSpPr/>
           <p:nvPr/>
         </p:nvSpPr>
@@ -3613,7 +3653,9 @@
           </a:xfrm>
           <a:custGeom>
             <a:avLst/>
+            <a:gdLst/>
             <a:ahLst/>
+            <a:cxnLst/>
             <a:rect l="l" t="t" r="r" b="b"/>
             <a:pathLst>
               <a:path w="12192000" h="6858000">
@@ -3641,7 +3683,8 @@
           </a:solidFill>
         </p:spPr>
         <p:txBody>
-          <a:bodyPr bIns="0" lIns="0" rIns="0" rtlCol="0" tIns="0" wrap="square"/>
+          <a:bodyPr wrap="square" lIns="0" tIns="0" rIns="0" bIns="0" rtlCol="0"/>
+          <a:lstStyle/>
           <a:p>
             <a:endParaRPr dirty="0">
               <a:latin typeface="Times New Roman" panose="02020603050405020304" pitchFamily="18" charset="0"/>
@@ -3652,7 +3695,7 @@
       </p:sp>
       <p:grpSp>
         <p:nvGrpSpPr>
-          <p:cNvPr id="26" name="object 3"/>
+          <p:cNvPr id="3" name="object 3"/>
           <p:cNvGrpSpPr/>
           <p:nvPr/>
         </p:nvGrpSpPr>
@@ -3666,7 +3709,7 @@
         </p:grpSpPr>
         <p:sp>
           <p:nvSpPr>
-            <p:cNvPr id="1048611" name="object 4"/>
+            <p:cNvPr id="4" name="object 4"/>
             <p:cNvSpPr/>
             <p:nvPr/>
           </p:nvSpPr>
@@ -3677,7 +3720,9 @@
             </a:xfrm>
             <a:custGeom>
               <a:avLst/>
+              <a:gdLst/>
               <a:ahLst/>
+              <a:cxnLst/>
               <a:rect l="l" t="t" r="r" b="b"/>
               <a:pathLst>
                 <a:path w="1218565" h="6853555">
@@ -3697,13 +3742,16 @@
             </a:ln>
           </p:spPr>
           <p:txBody>
-            <a:bodyPr bIns="0" lIns="0" rIns="0" rtlCol="0" tIns="0" wrap="square"/>
-            <a:p/>
+            <a:bodyPr wrap="square" lIns="0" tIns="0" rIns="0" bIns="0" rtlCol="0"/>
+            <a:lstStyle/>
+            <a:p>
+              <a:endParaRPr/>
+            </a:p>
           </p:txBody>
         </p:sp>
         <p:sp>
           <p:nvSpPr>
-            <p:cNvPr id="1048612" name="object 5"/>
+            <p:cNvPr id="5" name="object 5"/>
             <p:cNvSpPr/>
             <p:nvPr/>
           </p:nvSpPr>
@@ -3714,7 +3762,9 @@
             </a:xfrm>
             <a:custGeom>
               <a:avLst/>
+              <a:gdLst/>
               <a:ahLst/>
+              <a:cxnLst/>
               <a:rect l="l" t="t" r="r" b="b"/>
               <a:pathLst>
                 <a:path w="4743450" h="3163570">
@@ -3734,13 +3784,16 @@
             </a:ln>
           </p:spPr>
           <p:txBody>
-            <a:bodyPr bIns="0" lIns="0" rIns="0" rtlCol="0" tIns="0" wrap="square"/>
-            <a:p/>
+            <a:bodyPr wrap="square" lIns="0" tIns="0" rIns="0" bIns="0" rtlCol="0"/>
+            <a:lstStyle/>
+            <a:p>
+              <a:endParaRPr/>
+            </a:p>
           </p:txBody>
         </p:sp>
         <p:sp>
           <p:nvSpPr>
-            <p:cNvPr id="1048613" name="object 6"/>
+            <p:cNvPr id="6" name="object 6"/>
             <p:cNvSpPr/>
             <p:nvPr/>
           </p:nvSpPr>
@@ -3751,7 +3804,9 @@
             </a:xfrm>
             <a:custGeom>
               <a:avLst/>
+              <a:gdLst/>
               <a:ahLst/>
+              <a:cxnLst/>
               <a:rect l="l" t="t" r="r" b="b"/>
               <a:pathLst>
                 <a:path w="3009900" h="6858000">
@@ -3781,13 +3836,16 @@
             </a:solidFill>
           </p:spPr>
           <p:txBody>
-            <a:bodyPr bIns="0" lIns="0" rIns="0" rtlCol="0" tIns="0" wrap="square"/>
-            <a:p/>
+            <a:bodyPr wrap="square" lIns="0" tIns="0" rIns="0" bIns="0" rtlCol="0"/>
+            <a:lstStyle/>
+            <a:p>
+              <a:endParaRPr/>
+            </a:p>
           </p:txBody>
         </p:sp>
         <p:sp>
           <p:nvSpPr>
-            <p:cNvPr id="1048614" name="object 7"/>
+            <p:cNvPr id="7" name="object 7"/>
             <p:cNvSpPr/>
             <p:nvPr/>
           </p:nvSpPr>
@@ -3798,7 +3856,9 @@
             </a:xfrm>
             <a:custGeom>
               <a:avLst/>
+              <a:gdLst/>
               <a:ahLst/>
+              <a:cxnLst/>
               <a:rect l="l" t="t" r="r" b="b"/>
               <a:pathLst>
                 <a:path w="2589529" h="6858000">
@@ -3828,13 +3888,16 @@
             </a:solidFill>
           </p:spPr>
           <p:txBody>
-            <a:bodyPr bIns="0" lIns="0" rIns="0" rtlCol="0" tIns="0" wrap="square"/>
-            <a:p/>
+            <a:bodyPr wrap="square" lIns="0" tIns="0" rIns="0" bIns="0" rtlCol="0"/>
+            <a:lstStyle/>
+            <a:p>
+              <a:endParaRPr/>
+            </a:p>
           </p:txBody>
         </p:sp>
         <p:sp>
           <p:nvSpPr>
-            <p:cNvPr id="1048615" name="object 8"/>
+            <p:cNvPr id="8" name="object 8"/>
             <p:cNvSpPr/>
             <p:nvPr/>
           </p:nvSpPr>
@@ -3845,7 +3908,9 @@
             </a:xfrm>
             <a:custGeom>
               <a:avLst/>
+              <a:gdLst/>
               <a:ahLst/>
+              <a:cxnLst/>
               <a:rect l="l" t="t" r="r" b="b"/>
               <a:pathLst>
                 <a:path w="3257550" h="3810000">
@@ -3872,13 +3937,16 @@
             </a:solidFill>
           </p:spPr>
           <p:txBody>
-            <a:bodyPr bIns="0" lIns="0" rIns="0" rtlCol="0" tIns="0" wrap="square"/>
-            <a:p/>
+            <a:bodyPr wrap="square" lIns="0" tIns="0" rIns="0" bIns="0" rtlCol="0"/>
+            <a:lstStyle/>
+            <a:p>
+              <a:endParaRPr/>
+            </a:p>
           </p:txBody>
         </p:sp>
         <p:sp>
           <p:nvSpPr>
-            <p:cNvPr id="1048616" name="object 9"/>
+            <p:cNvPr id="9" name="object 9"/>
             <p:cNvSpPr/>
             <p:nvPr/>
           </p:nvSpPr>
@@ -3889,7 +3957,9 @@
             </a:xfrm>
             <a:custGeom>
               <a:avLst/>
+              <a:gdLst/>
               <a:ahLst/>
+              <a:cxnLst/>
               <a:rect l="l" t="t" r="r" b="b"/>
               <a:pathLst>
                 <a:path w="2854325" h="6858000">
@@ -3919,13 +3989,16 @@
             </a:solidFill>
           </p:spPr>
           <p:txBody>
-            <a:bodyPr bIns="0" lIns="0" rIns="0" rtlCol="0" tIns="0" wrap="square"/>
-            <a:p/>
+            <a:bodyPr wrap="square" lIns="0" tIns="0" rIns="0" bIns="0" rtlCol="0"/>
+            <a:lstStyle/>
+            <a:p>
+              <a:endParaRPr/>
+            </a:p>
           </p:txBody>
         </p:sp>
         <p:sp>
           <p:nvSpPr>
-            <p:cNvPr id="1048617" name="object 10"/>
+            <p:cNvPr id="10" name="object 10"/>
             <p:cNvSpPr/>
             <p:nvPr/>
           </p:nvSpPr>
@@ -3936,7 +4009,9 @@
             </a:xfrm>
             <a:custGeom>
               <a:avLst/>
+              <a:gdLst/>
               <a:ahLst/>
+              <a:cxnLst/>
               <a:rect l="l" t="t" r="r" b="b"/>
               <a:pathLst>
                 <a:path w="1295400" h="6858000">
@@ -3966,13 +4041,16 @@
             </a:solidFill>
           </p:spPr>
           <p:txBody>
-            <a:bodyPr bIns="0" lIns="0" rIns="0" rtlCol="0" tIns="0" wrap="square"/>
-            <a:p/>
+            <a:bodyPr wrap="square" lIns="0" tIns="0" rIns="0" bIns="0" rtlCol="0"/>
+            <a:lstStyle/>
+            <a:p>
+              <a:endParaRPr/>
+            </a:p>
           </p:txBody>
         </p:sp>
         <p:sp>
           <p:nvSpPr>
-            <p:cNvPr id="1048618" name="object 11"/>
+            <p:cNvPr id="11" name="object 11"/>
             <p:cNvSpPr/>
             <p:nvPr/>
           </p:nvSpPr>
@@ -3983,7 +4061,9 @@
             </a:xfrm>
             <a:custGeom>
               <a:avLst/>
+              <a:gdLst/>
               <a:ahLst/>
+              <a:cxnLst/>
               <a:rect l="l" t="t" r="r" b="b"/>
               <a:pathLst>
                 <a:path w="1256029" h="6858000">
@@ -4013,13 +4093,16 @@
             </a:solidFill>
           </p:spPr>
           <p:txBody>
-            <a:bodyPr bIns="0" lIns="0" rIns="0" rtlCol="0" tIns="0" wrap="square"/>
-            <a:p/>
+            <a:bodyPr wrap="square" lIns="0" tIns="0" rIns="0" bIns="0" rtlCol="0"/>
+            <a:lstStyle/>
+            <a:p>
+              <a:endParaRPr/>
+            </a:p>
           </p:txBody>
         </p:sp>
         <p:sp>
           <p:nvSpPr>
-            <p:cNvPr id="1048619" name="object 12"/>
+            <p:cNvPr id="12" name="object 12"/>
             <p:cNvSpPr/>
             <p:nvPr/>
           </p:nvSpPr>
@@ -4030,7 +4113,9 @@
             </a:xfrm>
             <a:custGeom>
               <a:avLst/>
+              <a:gdLst/>
               <a:ahLst/>
+              <a:cxnLst/>
               <a:rect l="l" t="t" r="r" b="b"/>
               <a:pathLst>
                 <a:path w="1819275" h="3267075">
@@ -4057,14 +4142,17 @@
             </a:solidFill>
           </p:spPr>
           <p:txBody>
-            <a:bodyPr bIns="0" lIns="0" rIns="0" rtlCol="0" tIns="0" wrap="square"/>
-            <a:p/>
+            <a:bodyPr wrap="square" lIns="0" tIns="0" rIns="0" bIns="0" rtlCol="0"/>
+            <a:lstStyle/>
+            <a:p>
+              <a:endParaRPr/>
+            </a:p>
           </p:txBody>
         </p:sp>
       </p:grpSp>
       <p:sp>
         <p:nvSpPr>
-          <p:cNvPr id="1048620" name="object 13"/>
+          <p:cNvPr id="13" name="object 13"/>
           <p:cNvSpPr/>
           <p:nvPr/>
         </p:nvSpPr>
@@ -4075,7 +4163,9 @@
           </a:xfrm>
           <a:custGeom>
             <a:avLst/>
+            <a:gdLst/>
             <a:ahLst/>
+            <a:cxnLst/>
             <a:rect l="l" t="t" r="r" b="b"/>
             <a:pathLst>
               <a:path w="447675" h="2847975">
@@ -4102,13 +4192,16 @@
           </a:solidFill>
         </p:spPr>
         <p:txBody>
-          <a:bodyPr bIns="0" lIns="0" rIns="0" rtlCol="0" tIns="0" wrap="square"/>
-          <a:p/>
-        </p:txBody>
-      </p:sp>
-      <p:sp>
-        <p:nvSpPr>
-          <p:cNvPr id="1048621" name="object 14"/>
+          <a:bodyPr wrap="square" lIns="0" tIns="0" rIns="0" bIns="0" rtlCol="0"/>
+          <a:lstStyle/>
+          <a:p>
+            <a:endParaRPr/>
+          </a:p>
+        </p:txBody>
+      </p:sp>
+      <p:sp>
+        <p:nvSpPr>
+          <p:cNvPr id="14" name="object 14"/>
           <p:cNvSpPr/>
           <p:nvPr/>
         </p:nvSpPr>
@@ -4119,7 +4212,9 @@
           </a:xfrm>
           <a:custGeom>
             <a:avLst/>
+            <a:gdLst/>
             <a:ahLst/>
+            <a:cxnLst/>
             <a:rect l="l" t="t" r="r" b="b"/>
             <a:pathLst>
               <a:path w="457200" h="457200">
@@ -4147,13 +4242,16 @@
           </a:solidFill>
         </p:spPr>
         <p:txBody>
-          <a:bodyPr bIns="0" lIns="0" rIns="0" rtlCol="0" tIns="0" wrap="square"/>
-          <a:p/>
-        </p:txBody>
-      </p:sp>
-      <p:sp>
-        <p:nvSpPr>
-          <p:cNvPr id="1048622" name="object 15"/>
+          <a:bodyPr wrap="square" lIns="0" tIns="0" rIns="0" bIns="0" rtlCol="0"/>
+          <a:lstStyle/>
+          <a:p>
+            <a:endParaRPr/>
+          </a:p>
+        </p:txBody>
+      </p:sp>
+      <p:sp>
+        <p:nvSpPr>
+          <p:cNvPr id="15" name="object 15"/>
           <p:cNvSpPr/>
           <p:nvPr/>
         </p:nvSpPr>
@@ -4164,7 +4262,9 @@
           </a:xfrm>
           <a:custGeom>
             <a:avLst/>
+            <a:gdLst/>
             <a:ahLst/>
+            <a:cxnLst/>
             <a:rect l="l" t="t" r="r" b="b"/>
             <a:pathLst>
               <a:path w="314325" h="323850">
@@ -4192,13 +4292,16 @@
           </a:solidFill>
         </p:spPr>
         <p:txBody>
-          <a:bodyPr bIns="0" lIns="0" rIns="0" rtlCol="0" tIns="0" wrap="square"/>
-          <a:p/>
-        </p:txBody>
-      </p:sp>
-      <p:sp>
-        <p:nvSpPr>
-          <p:cNvPr id="1048623" name="object 16"/>
+          <a:bodyPr wrap="square" lIns="0" tIns="0" rIns="0" bIns="0" rtlCol="0"/>
+          <a:lstStyle/>
+          <a:p>
+            <a:endParaRPr/>
+          </a:p>
+        </p:txBody>
+      </p:sp>
+      <p:sp>
+        <p:nvSpPr>
+          <p:cNvPr id="16" name="object 16"/>
           <p:cNvSpPr/>
           <p:nvPr/>
         </p:nvSpPr>
@@ -4209,7 +4312,9 @@
           </a:xfrm>
           <a:custGeom>
             <a:avLst/>
+            <a:gdLst/>
             <a:ahLst/>
+            <a:cxnLst/>
             <a:rect l="l" t="t" r="r" b="b"/>
             <a:pathLst>
               <a:path w="180975" h="180975">
@@ -4237,13 +4342,16 @@
           </a:solidFill>
         </p:spPr>
         <p:txBody>
-          <a:bodyPr bIns="0" lIns="0" rIns="0" rtlCol="0" tIns="0" wrap="square"/>
-          <a:p/>
-        </p:txBody>
-      </p:sp>
-      <p:sp>
-        <p:nvSpPr>
-          <p:cNvPr id="1048624" name="object 17"/>
+          <a:bodyPr wrap="square" lIns="0" tIns="0" rIns="0" bIns="0" rtlCol="0"/>
+          <a:lstStyle/>
+          <a:p>
+            <a:endParaRPr/>
+          </a:p>
+        </p:txBody>
+      </p:sp>
+      <p:sp>
+        <p:nvSpPr>
+          <p:cNvPr id="17" name="object 17"/>
           <p:cNvSpPr txBox="1">
             <a:spLocks noGrp="1"/>
           </p:cNvSpPr>
@@ -4254,14 +4362,17 @@
         <p:spPr>
           <a:xfrm>
             <a:off x="739775" y="829627"/>
-            <a:ext cx="3909695" cy="1261110"/>
-          </a:xfrm>
-          <a:prstGeom prst="rect"/>
-        </p:spPr>
-        <p:txBody>
-          <a:bodyPr bIns="0" lIns="0" rIns="0" rtlCol="0" tIns="16510" vert="horz" wrap="square">
+            <a:ext cx="3909695" cy="1978747"/>
+          </a:xfrm>
+          <a:prstGeom prst="rect">
+            <a:avLst/>
+          </a:prstGeom>
+        </p:spPr>
+        <p:txBody>
+          <a:bodyPr vert="horz" wrap="square" lIns="0" tIns="16510" rIns="0" bIns="0" rtlCol="0">
             <a:spAutoFit/>
           </a:bodyPr>
+          <a:lstStyle/>
           <a:p>
             <a:pPr marL="12700">
               <a:lnSpc>
@@ -4272,16 +4383,16 @@
               </a:spcBef>
             </a:pPr>
             <a:r>
-              <a:rPr dirty="0" sz="4250" lang="en-US" spc="5" smtClean="0"/>
+              <a:rPr lang="en-US" sz="4250" spc="5" dirty="0" smtClean="0"/>
               <a:t>Interactive digital portfolio</a:t>
             </a:r>
-            <a:endParaRPr dirty="0" sz="4250"/>
+            <a:endParaRPr sz="4250" dirty="0"/>
           </a:p>
         </p:txBody>
       </p:sp>
       <p:grpSp>
         <p:nvGrpSpPr>
-          <p:cNvPr id="27" name="object 18"/>
+          <p:cNvPr id="18" name="object 18"/>
           <p:cNvGrpSpPr/>
           <p:nvPr/>
         </p:nvGrpSpPr>
@@ -4295,14 +4406,12 @@
         </p:grpSpPr>
         <p:pic>
           <p:nvPicPr>
-            <p:cNvPr id="2097153" name="object 19"/>
-            <p:cNvPicPr>
-              <a:picLocks/>
-            </p:cNvPicPr>
+            <p:cNvPr id="19" name="object 19"/>
+            <p:cNvPicPr/>
             <p:nvPr/>
           </p:nvPicPr>
           <p:blipFill>
-            <a:blip xmlns:r="http://schemas.openxmlformats.org/officeDocument/2006/relationships" r:embed="rId1" cstate="print"/>
+            <a:blip r:embed="rId2" cstate="print"/>
             <a:stretch>
               <a:fillRect/>
             </a:stretch>
@@ -4312,19 +4421,19 @@
               <a:off x="676275" y="6467475"/>
               <a:ext cx="2143125" cy="200025"/>
             </a:xfrm>
-            <a:prstGeom prst="rect"/>
+            <a:prstGeom prst="rect">
+              <a:avLst/>
+            </a:prstGeom>
           </p:spPr>
         </p:pic>
         <p:pic>
           <p:nvPicPr>
-            <p:cNvPr id="2097154" name="object 20"/>
-            <p:cNvPicPr>
-              <a:picLocks/>
-            </p:cNvPicPr>
+            <p:cNvPr id="20" name="object 20"/>
+            <p:cNvPicPr/>
             <p:nvPr/>
           </p:nvPicPr>
           <p:blipFill>
-            <a:blip xmlns:r="http://schemas.openxmlformats.org/officeDocument/2006/relationships" r:embed="rId2" cstate="print"/>
+            <a:blip r:embed="rId3" cstate="print"/>
             <a:stretch>
               <a:fillRect/>
             </a:stretch>
@@ -4334,13 +4443,15 @@
               <a:off x="466725" y="6410325"/>
               <a:ext cx="3705225" cy="295275"/>
             </a:xfrm>
-            <a:prstGeom prst="rect"/>
+            <a:prstGeom prst="rect">
+              <a:avLst/>
+            </a:prstGeom>
           </p:spPr>
         </p:pic>
       </p:grpSp>
       <p:sp>
         <p:nvSpPr>
-          <p:cNvPr id="1048625" name="object 22"/>
+          <p:cNvPr id="22" name="object 22"/>
           <p:cNvSpPr txBox="1">
             <a:spLocks noGrp="1"/>
           </p:cNvSpPr>
@@ -4349,12 +4460,15 @@
           </p:nvPr>
         </p:nvSpPr>
         <p:spPr>
-          <a:prstGeom prst="rect"/>
-        </p:spPr>
-        <p:txBody>
-          <a:bodyPr bIns="0" lIns="0" rIns="0" rtlCol="0" tIns="6985" vert="horz" wrap="square">
+          <a:prstGeom prst="rect">
+            <a:avLst/>
+          </a:prstGeom>
+        </p:spPr>
+        <p:txBody>
+          <a:bodyPr vert="horz" wrap="square" lIns="0" tIns="6985" rIns="0" bIns="0" rtlCol="0">
             <a:spAutoFit/>
           </a:bodyPr>
+          <a:lstStyle/>
           <a:p>
             <a:pPr marL="38100">
               <a:lnSpc>
@@ -4365,10 +4479,10 @@
               </a:spcBef>
             </a:pPr>
             <a:fld id="{81D60167-4931-47E6-BA6A-407CBD079E47}" type="slidenum">
-              <a:rPr dirty="0" spc="10"/>
+              <a:rPr spc="10" dirty="0"/>
               <a:t>2</a:t>
             </a:fld>
-            <a:endParaRPr dirty="0" spc="10"/>
+            <a:endParaRPr spc="10" dirty="0"/>
           </a:p>
         </p:txBody>
       </p:sp>
@@ -4385,7 +4499,7 @@
   <p:cSld>
     <p:spTree>
       <p:nvGrpSpPr>
-        <p:cNvPr id="28" name=""/>
+        <p:cNvPr id="1" name=""/>
         <p:cNvGrpSpPr/>
         <p:nvPr/>
       </p:nvGrpSpPr>
@@ -4399,7 +4513,7 @@
       </p:grpSpPr>
       <p:sp>
         <p:nvSpPr>
-          <p:cNvPr id="1048626" name="object 2"/>
+          <p:cNvPr id="2" name="object 2"/>
           <p:cNvSpPr/>
           <p:nvPr/>
         </p:nvSpPr>
@@ -4410,7 +4524,9 @@
           </a:xfrm>
           <a:custGeom>
             <a:avLst/>
+            <a:gdLst/>
             <a:ahLst/>
+            <a:cxnLst/>
             <a:rect l="l" t="t" r="r" b="b"/>
             <a:pathLst>
               <a:path w="12192000" h="6858000">
@@ -4438,7 +4554,8 @@
           </a:solidFill>
         </p:spPr>
         <p:txBody>
-          <a:bodyPr bIns="0" lIns="0" rIns="0" rtlCol="0" tIns="0" wrap="square"/>
+          <a:bodyPr wrap="square" lIns="0" tIns="0" rIns="0" bIns="0" rtlCol="0"/>
+          <a:lstStyle/>
           <a:p>
             <a:endParaRPr dirty="0"/>
           </a:p>
@@ -4446,7 +4563,7 @@
       </p:sp>
       <p:grpSp>
         <p:nvGrpSpPr>
-          <p:cNvPr id="29" name="object 3"/>
+          <p:cNvPr id="3" name="object 3"/>
           <p:cNvGrpSpPr/>
           <p:nvPr/>
         </p:nvGrpSpPr>
@@ -4460,7 +4577,7 @@
         </p:grpSpPr>
         <p:sp>
           <p:nvSpPr>
-            <p:cNvPr id="1048627" name="object 4"/>
+            <p:cNvPr id="4" name="object 4"/>
             <p:cNvSpPr/>
             <p:nvPr/>
           </p:nvSpPr>
@@ -4471,7 +4588,9 @@
             </a:xfrm>
             <a:custGeom>
               <a:avLst/>
+              <a:gdLst/>
               <a:ahLst/>
+              <a:cxnLst/>
               <a:rect l="l" t="t" r="r" b="b"/>
               <a:pathLst>
                 <a:path w="1218565" h="6853555">
@@ -4491,13 +4610,16 @@
             </a:ln>
           </p:spPr>
           <p:txBody>
-            <a:bodyPr bIns="0" lIns="0" rIns="0" rtlCol="0" tIns="0" wrap="square"/>
-            <a:p/>
+            <a:bodyPr wrap="square" lIns="0" tIns="0" rIns="0" bIns="0" rtlCol="0"/>
+            <a:lstStyle/>
+            <a:p>
+              <a:endParaRPr/>
+            </a:p>
           </p:txBody>
         </p:sp>
         <p:sp>
           <p:nvSpPr>
-            <p:cNvPr id="1048628" name="object 5"/>
+            <p:cNvPr id="5" name="object 5"/>
             <p:cNvSpPr/>
             <p:nvPr/>
           </p:nvSpPr>
@@ -4508,7 +4630,9 @@
             </a:xfrm>
             <a:custGeom>
               <a:avLst/>
+              <a:gdLst/>
               <a:ahLst/>
+              <a:cxnLst/>
               <a:rect l="l" t="t" r="r" b="b"/>
               <a:pathLst>
                 <a:path w="4743450" h="3163570">
@@ -4528,13 +4652,16 @@
             </a:ln>
           </p:spPr>
           <p:txBody>
-            <a:bodyPr bIns="0" lIns="0" rIns="0" rtlCol="0" tIns="0" wrap="square"/>
-            <a:p/>
+            <a:bodyPr wrap="square" lIns="0" tIns="0" rIns="0" bIns="0" rtlCol="0"/>
+            <a:lstStyle/>
+            <a:p>
+              <a:endParaRPr/>
+            </a:p>
           </p:txBody>
         </p:sp>
         <p:sp>
           <p:nvSpPr>
-            <p:cNvPr id="1048629" name="object 6"/>
+            <p:cNvPr id="6" name="object 6"/>
             <p:cNvSpPr/>
             <p:nvPr/>
           </p:nvSpPr>
@@ -4545,7 +4672,9 @@
             </a:xfrm>
             <a:custGeom>
               <a:avLst/>
+              <a:gdLst/>
               <a:ahLst/>
+              <a:cxnLst/>
               <a:rect l="l" t="t" r="r" b="b"/>
               <a:pathLst>
                 <a:path w="3009900" h="6858000">
@@ -4575,13 +4704,16 @@
             </a:solidFill>
           </p:spPr>
           <p:txBody>
-            <a:bodyPr bIns="0" lIns="0" rIns="0" rtlCol="0" tIns="0" wrap="square"/>
-            <a:p/>
+            <a:bodyPr wrap="square" lIns="0" tIns="0" rIns="0" bIns="0" rtlCol="0"/>
+            <a:lstStyle/>
+            <a:p>
+              <a:endParaRPr/>
+            </a:p>
           </p:txBody>
         </p:sp>
         <p:sp>
           <p:nvSpPr>
-            <p:cNvPr id="1048630" name="object 7"/>
+            <p:cNvPr id="7" name="object 7"/>
             <p:cNvSpPr/>
             <p:nvPr/>
           </p:nvSpPr>
@@ -4592,7 +4724,9 @@
             </a:xfrm>
             <a:custGeom>
               <a:avLst/>
+              <a:gdLst/>
               <a:ahLst/>
+              <a:cxnLst/>
               <a:rect l="l" t="t" r="r" b="b"/>
               <a:pathLst>
                 <a:path w="2589529" h="6858000">
@@ -4622,13 +4756,16 @@
             </a:solidFill>
           </p:spPr>
           <p:txBody>
-            <a:bodyPr bIns="0" lIns="0" rIns="0" rtlCol="0" tIns="0" wrap="square"/>
-            <a:p/>
+            <a:bodyPr wrap="square" lIns="0" tIns="0" rIns="0" bIns="0" rtlCol="0"/>
+            <a:lstStyle/>
+            <a:p>
+              <a:endParaRPr/>
+            </a:p>
           </p:txBody>
         </p:sp>
         <p:sp>
           <p:nvSpPr>
-            <p:cNvPr id="1048631" name="object 8"/>
+            <p:cNvPr id="8" name="object 8"/>
             <p:cNvSpPr/>
             <p:nvPr/>
           </p:nvSpPr>
@@ -4639,7 +4776,9 @@
             </a:xfrm>
             <a:custGeom>
               <a:avLst/>
+              <a:gdLst/>
               <a:ahLst/>
+              <a:cxnLst/>
               <a:rect l="l" t="t" r="r" b="b"/>
               <a:pathLst>
                 <a:path w="3257550" h="3810000">
@@ -4666,13 +4805,16 @@
             </a:solidFill>
           </p:spPr>
           <p:txBody>
-            <a:bodyPr bIns="0" lIns="0" rIns="0" rtlCol="0" tIns="0" wrap="square"/>
-            <a:p/>
+            <a:bodyPr wrap="square" lIns="0" tIns="0" rIns="0" bIns="0" rtlCol="0"/>
+            <a:lstStyle/>
+            <a:p>
+              <a:endParaRPr/>
+            </a:p>
           </p:txBody>
         </p:sp>
         <p:sp>
           <p:nvSpPr>
-            <p:cNvPr id="1048632" name="object 9"/>
+            <p:cNvPr id="9" name="object 9"/>
             <p:cNvSpPr/>
             <p:nvPr/>
           </p:nvSpPr>
@@ -4683,7 +4825,9 @@
             </a:xfrm>
             <a:custGeom>
               <a:avLst/>
+              <a:gdLst/>
               <a:ahLst/>
+              <a:cxnLst/>
               <a:rect l="l" t="t" r="r" b="b"/>
               <a:pathLst>
                 <a:path w="2854325" h="6858000">
@@ -4713,13 +4857,16 @@
             </a:solidFill>
           </p:spPr>
           <p:txBody>
-            <a:bodyPr bIns="0" lIns="0" rIns="0" rtlCol="0" tIns="0" wrap="square"/>
-            <a:p/>
+            <a:bodyPr wrap="square" lIns="0" tIns="0" rIns="0" bIns="0" rtlCol="0"/>
+            <a:lstStyle/>
+            <a:p>
+              <a:endParaRPr/>
+            </a:p>
           </p:txBody>
         </p:sp>
         <p:sp>
           <p:nvSpPr>
-            <p:cNvPr id="1048633" name="object 10"/>
+            <p:cNvPr id="10" name="object 10"/>
             <p:cNvSpPr/>
             <p:nvPr/>
           </p:nvSpPr>
@@ -4730,7 +4877,9 @@
             </a:xfrm>
             <a:custGeom>
               <a:avLst/>
+              <a:gdLst/>
               <a:ahLst/>
+              <a:cxnLst/>
               <a:rect l="l" t="t" r="r" b="b"/>
               <a:pathLst>
                 <a:path w="1295400" h="6858000">
@@ -4760,13 +4909,16 @@
             </a:solidFill>
           </p:spPr>
           <p:txBody>
-            <a:bodyPr bIns="0" lIns="0" rIns="0" rtlCol="0" tIns="0" wrap="square"/>
-            <a:p/>
+            <a:bodyPr wrap="square" lIns="0" tIns="0" rIns="0" bIns="0" rtlCol="0"/>
+            <a:lstStyle/>
+            <a:p>
+              <a:endParaRPr/>
+            </a:p>
           </p:txBody>
         </p:sp>
         <p:sp>
           <p:nvSpPr>
-            <p:cNvPr id="1048634" name="object 11"/>
+            <p:cNvPr id="11" name="object 11"/>
             <p:cNvSpPr/>
             <p:nvPr/>
           </p:nvSpPr>
@@ -4777,7 +4929,9 @@
             </a:xfrm>
             <a:custGeom>
               <a:avLst/>
+              <a:gdLst/>
               <a:ahLst/>
+              <a:cxnLst/>
               <a:rect l="l" t="t" r="r" b="b"/>
               <a:pathLst>
                 <a:path w="1256029" h="6858000">
@@ -4807,13 +4961,16 @@
             </a:solidFill>
           </p:spPr>
           <p:txBody>
-            <a:bodyPr bIns="0" lIns="0" rIns="0" rtlCol="0" tIns="0" wrap="square"/>
-            <a:p/>
+            <a:bodyPr wrap="square" lIns="0" tIns="0" rIns="0" bIns="0" rtlCol="0"/>
+            <a:lstStyle/>
+            <a:p>
+              <a:endParaRPr/>
+            </a:p>
           </p:txBody>
         </p:sp>
         <p:sp>
           <p:nvSpPr>
-            <p:cNvPr id="1048635" name="object 12"/>
+            <p:cNvPr id="12" name="object 12"/>
             <p:cNvSpPr/>
             <p:nvPr/>
           </p:nvSpPr>
@@ -4824,7 +4981,9 @@
             </a:xfrm>
             <a:custGeom>
               <a:avLst/>
+              <a:gdLst/>
               <a:ahLst/>
+              <a:cxnLst/>
               <a:rect l="l" t="t" r="r" b="b"/>
               <a:pathLst>
                 <a:path w="1819275" h="3267075">
@@ -4851,14 +5010,17 @@
             </a:solidFill>
           </p:spPr>
           <p:txBody>
-            <a:bodyPr bIns="0" lIns="0" rIns="0" rtlCol="0" tIns="0" wrap="square"/>
-            <a:p/>
+            <a:bodyPr wrap="square" lIns="0" tIns="0" rIns="0" bIns="0" rtlCol="0"/>
+            <a:lstStyle/>
+            <a:p>
+              <a:endParaRPr/>
+            </a:p>
           </p:txBody>
         </p:sp>
       </p:grpSp>
       <p:sp>
         <p:nvSpPr>
-          <p:cNvPr id="1048636" name="object 13"/>
+          <p:cNvPr id="13" name="object 13"/>
           <p:cNvSpPr/>
           <p:nvPr/>
         </p:nvSpPr>
@@ -4869,7 +5031,9 @@
           </a:xfrm>
           <a:custGeom>
             <a:avLst/>
+            <a:gdLst/>
             <a:ahLst/>
+            <a:cxnLst/>
             <a:rect l="l" t="t" r="r" b="b"/>
             <a:pathLst>
               <a:path w="447675" h="2847975">
@@ -4896,13 +5060,16 @@
           </a:solidFill>
         </p:spPr>
         <p:txBody>
-          <a:bodyPr bIns="0" lIns="0" rIns="0" rtlCol="0" tIns="0" wrap="square"/>
-          <a:p/>
-        </p:txBody>
-      </p:sp>
-      <p:sp>
-        <p:nvSpPr>
-          <p:cNvPr id="1048637" name="object 14"/>
+          <a:bodyPr wrap="square" lIns="0" tIns="0" rIns="0" bIns="0" rtlCol="0"/>
+          <a:lstStyle/>
+          <a:p>
+            <a:endParaRPr/>
+          </a:p>
+        </p:txBody>
+      </p:sp>
+      <p:sp>
+        <p:nvSpPr>
+          <p:cNvPr id="14" name="object 14"/>
           <p:cNvSpPr txBox="1"/>
           <p:nvPr/>
         </p:nvSpPr>
@@ -4911,12 +5078,15 @@
             <a:off x="752475" y="6486037"/>
             <a:ext cx="1773555" cy="166370"/>
           </a:xfrm>
-          <a:prstGeom prst="rect"/>
-        </p:spPr>
-        <p:txBody>
-          <a:bodyPr bIns="0" lIns="0" rIns="0" rtlCol="0" tIns="0" vert="horz" wrap="square">
+          <a:prstGeom prst="rect">
+            <a:avLst/>
+          </a:prstGeom>
+        </p:spPr>
+        <p:txBody>
+          <a:bodyPr vert="horz" wrap="square" lIns="0" tIns="0" rIns="0" bIns="0" rtlCol="0">
             <a:spAutoFit/>
           </a:bodyPr>
+          <a:lstStyle/>
           <a:p>
             <a:pPr>
               <a:lnSpc>
@@ -4924,7 +5094,7 @@
               </a:lnSpc>
             </a:pPr>
             <a:r>
-              <a:rPr dirty="0" sz="1100" spc="20">
+              <a:rPr sz="1100" spc="20" dirty="0">
                 <a:solidFill>
                   <a:srgbClr val="2D83C3"/>
                 </a:solidFill>
@@ -4934,7 +5104,7 @@
               <a:t>3/21/202</a:t>
             </a:r>
             <a:r>
-              <a:rPr dirty="0" sz="1100" spc="10">
+              <a:rPr sz="1100" spc="10" dirty="0">
                 <a:solidFill>
                   <a:srgbClr val="2D83C3"/>
                 </a:solidFill>
@@ -4944,7 +5114,7 @@
               <a:t>4</a:t>
             </a:r>
             <a:r>
-              <a:rPr dirty="0" sz="1100">
+              <a:rPr sz="1100" dirty="0">
                 <a:solidFill>
                   <a:srgbClr val="2D83C3"/>
                 </a:solidFill>
@@ -4954,7 +5124,7 @@
               <a:t> </a:t>
             </a:r>
             <a:r>
-              <a:rPr dirty="0" sz="1100" spc="130">
+              <a:rPr sz="1100" spc="130" dirty="0">
                 <a:solidFill>
                   <a:srgbClr val="2D83C3"/>
                 </a:solidFill>
@@ -4964,7 +5134,7 @@
               <a:t> </a:t>
             </a:r>
             <a:r>
-              <a:rPr b="1" dirty="0" sz="1100" spc="50">
+              <a:rPr sz="1100" b="1" spc="50" dirty="0">
                 <a:solidFill>
                   <a:srgbClr val="2D83C3"/>
                 </a:solidFill>
@@ -4974,7 +5144,7 @@
               <a:t>A</a:t>
             </a:r>
             <a:r>
-              <a:rPr b="1" dirty="0" sz="1100" spc="15">
+              <a:rPr sz="1100" b="1" spc="15" dirty="0">
                 <a:solidFill>
                   <a:srgbClr val="2D83C3"/>
                 </a:solidFill>
@@ -4984,7 +5154,7 @@
               <a:t>nnu</a:t>
             </a:r>
             <a:r>
-              <a:rPr b="1" dirty="0" sz="1100" spc="10">
+              <a:rPr sz="1100" b="1" spc="10" dirty="0">
                 <a:solidFill>
                   <a:srgbClr val="2D83C3"/>
                 </a:solidFill>
@@ -4994,7 +5164,7 @@
               <a:t>al</a:t>
             </a:r>
             <a:r>
-              <a:rPr b="1" dirty="0" sz="1100" spc="-140">
+              <a:rPr sz="1100" b="1" spc="-140" dirty="0">
                 <a:solidFill>
                   <a:srgbClr val="2D83C3"/>
                 </a:solidFill>
@@ -5004,7 +5174,7 @@
               <a:t> </a:t>
             </a:r>
             <a:r>
-              <a:rPr b="1" dirty="0" sz="1100">
+              <a:rPr sz="1100" b="1" dirty="0">
                 <a:solidFill>
                   <a:srgbClr val="2D83C3"/>
                 </a:solidFill>
@@ -5014,7 +5184,7 @@
               <a:t>R</a:t>
             </a:r>
             <a:r>
-              <a:rPr b="1" dirty="0" sz="1100" spc="35">
+              <a:rPr sz="1100" b="1" spc="35" dirty="0">
                 <a:solidFill>
                   <a:srgbClr val="2D83C3"/>
                 </a:solidFill>
@@ -5024,7 +5194,7 @@
               <a:t>e</a:t>
             </a:r>
             <a:r>
-              <a:rPr b="1" dirty="0" sz="1100" spc="90">
+              <a:rPr sz="1100" b="1" spc="90" dirty="0">
                 <a:solidFill>
                   <a:srgbClr val="2D83C3"/>
                 </a:solidFill>
@@ -5034,7 +5204,7 @@
               <a:t>v</a:t>
             </a:r>
             <a:r>
-              <a:rPr b="1" dirty="0" sz="1100" spc="-35">
+              <a:rPr sz="1100" b="1" spc="-35" dirty="0">
                 <a:solidFill>
                   <a:srgbClr val="2D83C3"/>
                 </a:solidFill>
@@ -5044,7 +5214,7 @@
               <a:t>i</a:t>
             </a:r>
             <a:r>
-              <a:rPr b="1" dirty="0" sz="1100" spc="35">
+              <a:rPr sz="1100" b="1" spc="35" dirty="0">
                 <a:solidFill>
                   <a:srgbClr val="2D83C3"/>
                 </a:solidFill>
@@ -5054,7 +5224,7 @@
               <a:t>e</a:t>
             </a:r>
             <a:r>
-              <a:rPr b="1" dirty="0" sz="1100" spc="15">
+              <a:rPr sz="1100" b="1" spc="15" dirty="0">
                 <a:solidFill>
                   <a:srgbClr val="2D83C3"/>
                 </a:solidFill>
@@ -5072,7 +5242,7 @@
       </p:sp>
       <p:sp>
         <p:nvSpPr>
-          <p:cNvPr id="1048638" name="object 15"/>
+          <p:cNvPr id="15" name="object 15"/>
           <p:cNvSpPr/>
           <p:nvPr/>
         </p:nvSpPr>
@@ -5083,7 +5253,9 @@
           </a:xfrm>
           <a:custGeom>
             <a:avLst/>
+            <a:gdLst/>
             <a:ahLst/>
+            <a:cxnLst/>
             <a:rect l="l" t="t" r="r" b="b"/>
             <a:pathLst>
               <a:path w="361950" h="361950">
@@ -5171,13 +5343,16 @@
           </a:solidFill>
         </p:spPr>
         <p:txBody>
-          <a:bodyPr bIns="0" lIns="0" rIns="0" rtlCol="0" tIns="0" wrap="square"/>
-          <a:p/>
-        </p:txBody>
-      </p:sp>
-      <p:sp>
-        <p:nvSpPr>
-          <p:cNvPr id="1048639" name="object 16"/>
+          <a:bodyPr wrap="square" lIns="0" tIns="0" rIns="0" bIns="0" rtlCol="0"/>
+          <a:lstStyle/>
+          <a:p>
+            <a:endParaRPr/>
+          </a:p>
+        </p:txBody>
+      </p:sp>
+      <p:sp>
+        <p:nvSpPr>
+          <p:cNvPr id="16" name="object 16"/>
           <p:cNvSpPr/>
           <p:nvPr/>
         </p:nvSpPr>
@@ -5188,7 +5363,9 @@
           </a:xfrm>
           <a:custGeom>
             <a:avLst/>
+            <a:gdLst/>
             <a:ahLst/>
+            <a:cxnLst/>
             <a:rect l="l" t="t" r="r" b="b"/>
             <a:pathLst>
               <a:path w="647700" h="647700">
@@ -5336,20 +5513,21 @@
           </a:solidFill>
         </p:spPr>
         <p:txBody>
-          <a:bodyPr bIns="0" lIns="0" rIns="0" rtlCol="0" tIns="0" wrap="square"/>
-          <a:p/>
+          <a:bodyPr wrap="square" lIns="0" tIns="0" rIns="0" bIns="0" rtlCol="0"/>
+          <a:lstStyle/>
+          <a:p>
+            <a:endParaRPr/>
+          </a:p>
         </p:txBody>
       </p:sp>
       <p:pic>
         <p:nvPicPr>
-          <p:cNvPr id="2097155" name="object 17"/>
-          <p:cNvPicPr>
-            <a:picLocks/>
-          </p:cNvPicPr>
+          <p:cNvPr id="17" name="object 17"/>
+          <p:cNvPicPr/>
           <p:nvPr/>
         </p:nvPicPr>
         <p:blipFill>
-          <a:blip xmlns:r="http://schemas.openxmlformats.org/officeDocument/2006/relationships" r:embed="rId1" cstate="print"/>
+          <a:blip r:embed="rId2" cstate="print"/>
           <a:stretch>
             <a:fillRect/>
           </a:stretch>
@@ -5359,12 +5537,14 @@
             <a:off x="10687050" y="6134100"/>
             <a:ext cx="247650" cy="247650"/>
           </a:xfrm>
-          <a:prstGeom prst="rect"/>
+          <a:prstGeom prst="rect">
+            <a:avLst/>
+          </a:prstGeom>
         </p:spPr>
       </p:pic>
       <p:grpSp>
         <p:nvGrpSpPr>
-          <p:cNvPr id="30" name="object 18"/>
+          <p:cNvPr id="18" name="object 18"/>
           <p:cNvGrpSpPr/>
           <p:nvPr/>
         </p:nvGrpSpPr>
@@ -5378,14 +5558,12 @@
         </p:grpSpPr>
         <p:pic>
           <p:nvPicPr>
-            <p:cNvPr id="2097156" name="object 19"/>
-            <p:cNvPicPr>
-              <a:picLocks/>
-            </p:cNvPicPr>
+            <p:cNvPr id="19" name="object 19"/>
+            <p:cNvPicPr/>
             <p:nvPr/>
           </p:nvPicPr>
           <p:blipFill>
-            <a:blip xmlns:r="http://schemas.openxmlformats.org/officeDocument/2006/relationships" r:embed="rId2" cstate="print"/>
+            <a:blip r:embed="rId3" cstate="print"/>
             <a:stretch>
               <a:fillRect/>
             </a:stretch>
@@ -5395,19 +5573,19 @@
               <a:off x="466725" y="6410325"/>
               <a:ext cx="3705225" cy="295275"/>
             </a:xfrm>
-            <a:prstGeom prst="rect"/>
+            <a:prstGeom prst="rect">
+              <a:avLst/>
+            </a:prstGeom>
           </p:spPr>
         </p:pic>
         <p:pic>
           <p:nvPicPr>
-            <p:cNvPr id="2097157" name="object 20"/>
-            <p:cNvPicPr>
-              <a:picLocks/>
-            </p:cNvPicPr>
+            <p:cNvPr id="20" name="object 20"/>
+            <p:cNvPicPr/>
             <p:nvPr/>
           </p:nvPicPr>
           <p:blipFill>
-            <a:blip xmlns:r="http://schemas.openxmlformats.org/officeDocument/2006/relationships" r:embed="rId3" cstate="print"/>
+            <a:blip r:embed="rId4" cstate="print"/>
             <a:stretch>
               <a:fillRect/>
             </a:stretch>
@@ -5417,13 +5595,15 @@
               <a:off x="47625" y="3819523"/>
               <a:ext cx="1733550" cy="3009898"/>
             </a:xfrm>
-            <a:prstGeom prst="rect"/>
+            <a:prstGeom prst="rect">
+              <a:avLst/>
+            </a:prstGeom>
           </p:spPr>
         </p:pic>
       </p:grpSp>
       <p:sp>
         <p:nvSpPr>
-          <p:cNvPr id="1048640" name="object 21"/>
+          <p:cNvPr id="21" name="object 21"/>
           <p:cNvSpPr txBox="1">
             <a:spLocks noGrp="1"/>
           </p:cNvSpPr>
@@ -5434,14 +5614,17 @@
         <p:spPr>
           <a:xfrm>
             <a:off x="739775" y="445388"/>
-            <a:ext cx="2357120" cy="1461135"/>
-          </a:xfrm>
-          <a:prstGeom prst="rect"/>
-        </p:spPr>
-        <p:txBody>
-          <a:bodyPr bIns="0" lIns="0" rIns="0" rtlCol="0" tIns="13335" vert="horz" wrap="square">
+            <a:ext cx="2357120" cy="758190"/>
+          </a:xfrm>
+          <a:prstGeom prst="rect">
+            <a:avLst/>
+          </a:prstGeom>
+        </p:spPr>
+        <p:txBody>
+          <a:bodyPr vert="horz" wrap="square" lIns="0" tIns="13335" rIns="0" bIns="0" rtlCol="0">
             <a:spAutoFit/>
           </a:bodyPr>
+          <a:lstStyle/>
           <a:p>
             <a:pPr marL="12700">
               <a:lnSpc>
@@ -5452,19 +5635,19 @@
               </a:spcBef>
             </a:pPr>
             <a:r>
-              <a:rPr dirty="0" spc="25"/>
+              <a:rPr spc="25" dirty="0"/>
               <a:t>A</a:t>
             </a:r>
             <a:r>
-              <a:rPr dirty="0" spc="-5"/>
+              <a:rPr spc="-5" dirty="0"/>
               <a:t>G</a:t>
             </a:r>
             <a:r>
-              <a:rPr dirty="0" spc="-35"/>
+              <a:rPr spc="-35" dirty="0"/>
               <a:t>E</a:t>
             </a:r>
             <a:r>
-              <a:rPr dirty="0" spc="15"/>
+              <a:rPr spc="15" dirty="0"/>
               <a:t>N</a:t>
             </a:r>
             <a:r>
@@ -5476,7 +5659,7 @@
       </p:sp>
       <p:sp>
         <p:nvSpPr>
-          <p:cNvPr id="1048641" name="object 22"/>
+          <p:cNvPr id="22" name="object 22"/>
           <p:cNvSpPr txBox="1">
             <a:spLocks noGrp="1"/>
           </p:cNvSpPr>
@@ -5485,12 +5668,15 @@
           </p:nvPr>
         </p:nvSpPr>
         <p:spPr>
-          <a:prstGeom prst="rect"/>
-        </p:spPr>
-        <p:txBody>
-          <a:bodyPr bIns="0" lIns="0" rIns="0" rtlCol="0" tIns="6985" vert="horz" wrap="square">
+          <a:prstGeom prst="rect">
+            <a:avLst/>
+          </a:prstGeom>
+        </p:spPr>
+        <p:txBody>
+          <a:bodyPr vert="horz" wrap="square" lIns="0" tIns="6985" rIns="0" bIns="0" rtlCol="0">
             <a:spAutoFit/>
           </a:bodyPr>
+          <a:lstStyle/>
           <a:p>
             <a:pPr marL="38100">
               <a:lnSpc>
@@ -5501,34 +5687,43 @@
               </a:spcBef>
             </a:pPr>
             <a:fld id="{81D60167-4931-47E6-BA6A-407CBD079E47}" type="slidenum">
-              <a:rPr dirty="0" spc="10"/>
+              <a:rPr spc="10" dirty="0"/>
               <a:t>3</a:t>
             </a:fld>
-            <a:endParaRPr dirty="0" spc="10"/>
-          </a:p>
-        </p:txBody>
-      </p:sp>
-      <p:sp>
-        <p:nvSpPr>
-          <p:cNvPr id="1048642" name="TextBox 22"/>
+            <a:endParaRPr spc="10" dirty="0"/>
+          </a:p>
+        </p:txBody>
+      </p:sp>
+      <p:sp>
+        <p:nvSpPr>
+          <p:cNvPr id="23" name="TextBox 22">
+            <a:extLst>
+              <a:ext uri="{FF2B5EF4-FFF2-40B4-BE49-F238E27FC236}">
+                <a16:creationId xmlns:a16="http://schemas.microsoft.com/office/drawing/2014/main" xmlns="" id="{D0827FA3-A9D4-0FE5-45BE-664C8C920E82}"/>
+              </a:ext>
+            </a:extLst>
+          </p:cNvPr>
           <p:cNvSpPr txBox="1"/>
           <p:nvPr/>
         </p:nvSpPr>
         <p:spPr>
           <a:xfrm>
             <a:off x="2509807" y="1041533"/>
-            <a:ext cx="5029200" cy="4701541"/>
-          </a:xfrm>
-          <a:prstGeom prst="rect"/>
+            <a:ext cx="5029200" cy="4832092"/>
+          </a:xfrm>
+          <a:prstGeom prst="rect">
+            <a:avLst/>
+          </a:prstGeom>
           <a:noFill/>
         </p:spPr>
         <p:txBody>
-          <a:bodyPr rtlCol="0" wrap="square">
+          <a:bodyPr wrap="square" rtlCol="0">
             <a:spAutoFit/>
           </a:bodyPr>
+          <a:lstStyle/>
           <a:p>
             <a:pPr algn="l"/>
-            <a:endParaRPr b="0" dirty="0" sz="2800" i="0" lang="en-US">
+            <a:endParaRPr lang="en-US" sz="2800" b="0" i="0" dirty="0">
               <a:solidFill>
                 <a:srgbClr val="0D0D0D"/>
               </a:solidFill>
@@ -5543,7 +5738,7 @@
               <a:buAutoNum type="arabicPeriod"/>
             </a:pPr>
             <a:r>
-              <a:rPr b="0" dirty="0" sz="2800" i="0" lang="en-US">
+              <a:rPr lang="en-US" sz="2800" b="0" i="0" dirty="0">
                 <a:solidFill>
                   <a:srgbClr val="0D0D0D"/>
                 </a:solidFill>
@@ -5560,7 +5755,7 @@
               <a:buAutoNum type="arabicPeriod"/>
             </a:pPr>
             <a:r>
-              <a:rPr b="0" dirty="0" sz="2800" i="0" lang="en-US">
+              <a:rPr lang="en-US" sz="2800" b="0" i="0" dirty="0">
                 <a:solidFill>
                   <a:srgbClr val="0D0D0D"/>
                 </a:solidFill>
@@ -5577,7 +5772,7 @@
               <a:buAutoNum type="arabicPeriod"/>
             </a:pPr>
             <a:r>
-              <a:rPr b="0" dirty="0" sz="2800" i="0" lang="en-US">
+              <a:rPr lang="en-US" sz="2800" b="0" i="0" dirty="0">
                 <a:solidFill>
                   <a:srgbClr val="0D0D0D"/>
                 </a:solidFill>
@@ -5594,7 +5789,7 @@
               <a:buAutoNum type="arabicPeriod"/>
             </a:pPr>
             <a:r>
-              <a:rPr dirty="0" sz="2800" lang="en-US">
+              <a:rPr lang="en-US" sz="2800" dirty="0">
                 <a:solidFill>
                   <a:srgbClr val="0D0D0D"/>
                 </a:solidFill>
@@ -5603,7 +5798,7 @@
               </a:rPr>
               <a:t>Tools and Technologies</a:t>
             </a:r>
-            <a:endParaRPr b="0" dirty="0" sz="2800" i="0" lang="en-US">
+            <a:endParaRPr lang="en-US" sz="2800" b="0" i="0" dirty="0">
               <a:solidFill>
                 <a:srgbClr val="0D0D0D"/>
               </a:solidFill>
@@ -5618,7 +5813,7 @@
               <a:buAutoNum type="arabicPeriod"/>
             </a:pPr>
             <a:r>
-              <a:rPr b="0" dirty="0" sz="2800" i="0" lang="en-US">
+              <a:rPr lang="en-US" sz="2800" b="0" i="0" dirty="0">
                 <a:solidFill>
                   <a:srgbClr val="0D0D0D"/>
                 </a:solidFill>
@@ -5635,7 +5830,7 @@
               <a:buAutoNum type="arabicPeriod"/>
             </a:pPr>
             <a:r>
-              <a:rPr dirty="0" sz="2800" lang="en-US">
+              <a:rPr lang="en-US" sz="2800" dirty="0">
                 <a:solidFill>
                   <a:srgbClr val="0D0D0D"/>
                 </a:solidFill>
@@ -5644,7 +5839,7 @@
               </a:rPr>
               <a:t>Features and Functionality</a:t>
             </a:r>
-            <a:endParaRPr b="0" dirty="0" sz="2800" i="0" lang="en-US">
+            <a:endParaRPr lang="en-US" sz="2800" b="0" i="0" dirty="0">
               <a:solidFill>
                 <a:srgbClr val="0D0D0D"/>
               </a:solidFill>
@@ -5659,7 +5854,7 @@
               <a:buAutoNum type="arabicPeriod"/>
             </a:pPr>
             <a:r>
-              <a:rPr b="0" dirty="0" sz="2800" i="0" lang="en-US">
+              <a:rPr lang="en-US" sz="2800" b="0" i="0" dirty="0">
                 <a:solidFill>
                   <a:srgbClr val="0D0D0D"/>
                 </a:solidFill>
@@ -5670,7 +5865,7 @@
               <a:t>Results and </a:t>
             </a:r>
             <a:r>
-              <a:rPr dirty="0" sz="2800" lang="en-US">
+              <a:rPr lang="en-US" sz="2800" dirty="0">
                 <a:solidFill>
                   <a:srgbClr val="0D0D0D"/>
                 </a:solidFill>
@@ -5679,7 +5874,7 @@
               </a:rPr>
               <a:t>Screenshots</a:t>
             </a:r>
-            <a:endParaRPr b="0" dirty="0" sz="2800" i="0" lang="en-US">
+            <a:endParaRPr lang="en-US" sz="2800" b="0" i="0" dirty="0">
               <a:solidFill>
                 <a:srgbClr val="0D0D0D"/>
               </a:solidFill>
@@ -5694,7 +5889,7 @@
               <a:buAutoNum type="arabicPeriod"/>
             </a:pPr>
             <a:r>
-              <a:rPr b="0" dirty="0" sz="2800" i="0" lang="en-US">
+              <a:rPr lang="en-US" sz="2800" b="0" i="0" dirty="0">
                 <a:solidFill>
                   <a:srgbClr val="0D0D0D"/>
                 </a:solidFill>
@@ -5711,7 +5906,7 @@
               <a:buAutoNum type="arabicPeriod"/>
             </a:pPr>
             <a:r>
-              <a:rPr dirty="0" sz="2800" lang="en-US" err="1">
+              <a:rPr lang="en-US" sz="2800" dirty="0" err="1">
                 <a:solidFill>
                   <a:srgbClr val="0D0D0D"/>
                 </a:solidFill>
@@ -5721,7 +5916,7 @@
               <a:t>Github</a:t>
             </a:r>
             <a:r>
-              <a:rPr dirty="0" sz="2800" lang="en-US">
+              <a:rPr lang="en-US" sz="2800" dirty="0">
                 <a:solidFill>
                   <a:srgbClr val="0D0D0D"/>
                 </a:solidFill>
@@ -5730,7 +5925,7 @@
               </a:rPr>
               <a:t> Link</a:t>
             </a:r>
-            <a:endParaRPr b="0" dirty="0" sz="2800" i="0" lang="en-US">
+            <a:endParaRPr lang="en-US" sz="2800" b="0" i="0" dirty="0">
               <a:solidFill>
                 <a:srgbClr val="0D0D0D"/>
               </a:solidFill>
@@ -5740,7 +5935,7 @@
             </a:endParaRPr>
           </a:p>
           <a:p>
-            <a:endParaRPr dirty="0" sz="2800" lang="en-IN">
+            <a:endParaRPr lang="en-IN" sz="2800" dirty="0">
               <a:latin typeface="Times New Roman" panose="02020603050405020304" pitchFamily="18" charset="0"/>
               <a:cs typeface="Times New Roman" panose="02020603050405020304" pitchFamily="18" charset="0"/>
             </a:endParaRPr>
@@ -5760,7 +5955,7 @@
   <p:cSld>
     <p:spTree>
       <p:nvGrpSpPr>
-        <p:cNvPr id="31" name=""/>
+        <p:cNvPr id="1" name=""/>
         <p:cNvGrpSpPr/>
         <p:nvPr/>
       </p:nvGrpSpPr>
@@ -5774,7 +5969,7 @@
       </p:grpSpPr>
       <p:grpSp>
         <p:nvGrpSpPr>
-          <p:cNvPr id="32" name="object 2"/>
+          <p:cNvPr id="2" name="object 2"/>
           <p:cNvGrpSpPr/>
           <p:nvPr/>
         </p:nvGrpSpPr>
@@ -5788,7 +5983,7 @@
         </p:grpSpPr>
         <p:sp>
           <p:nvSpPr>
-            <p:cNvPr id="1048643" name="object 3"/>
+            <p:cNvPr id="3" name="object 3"/>
             <p:cNvSpPr/>
             <p:nvPr/>
           </p:nvSpPr>
@@ -5799,7 +5994,9 @@
             </a:xfrm>
             <a:custGeom>
               <a:avLst/>
+              <a:gdLst/>
               <a:ahLst/>
+              <a:cxnLst/>
               <a:rect l="l" t="t" r="r" b="b"/>
               <a:pathLst>
                 <a:path w="457200" h="457200">
@@ -5827,13 +6024,16 @@
             </a:solidFill>
           </p:spPr>
           <p:txBody>
-            <a:bodyPr bIns="0" lIns="0" rIns="0" rtlCol="0" tIns="0" wrap="square"/>
-            <a:p/>
+            <a:bodyPr wrap="square" lIns="0" tIns="0" rIns="0" bIns="0" rtlCol="0"/>
+            <a:lstStyle/>
+            <a:p>
+              <a:endParaRPr/>
+            </a:p>
           </p:txBody>
         </p:sp>
         <p:sp>
           <p:nvSpPr>
-            <p:cNvPr id="1048644" name="object 4"/>
+            <p:cNvPr id="4" name="object 4"/>
             <p:cNvSpPr/>
             <p:nvPr/>
           </p:nvSpPr>
@@ -5844,7 +6044,9 @@
             </a:xfrm>
             <a:custGeom>
               <a:avLst/>
+              <a:gdLst/>
               <a:ahLst/>
+              <a:cxnLst/>
               <a:rect l="l" t="t" r="r" b="b"/>
               <a:pathLst>
                 <a:path w="180975" h="180975">
@@ -5872,20 +6074,21 @@
             </a:solidFill>
           </p:spPr>
           <p:txBody>
-            <a:bodyPr bIns="0" lIns="0" rIns="0" rtlCol="0" tIns="0" wrap="square"/>
-            <a:p/>
+            <a:bodyPr wrap="square" lIns="0" tIns="0" rIns="0" bIns="0" rtlCol="0"/>
+            <a:lstStyle/>
+            <a:p>
+              <a:endParaRPr/>
+            </a:p>
           </p:txBody>
         </p:sp>
         <p:pic>
           <p:nvPicPr>
-            <p:cNvPr id="2097158" name="object 5"/>
-            <p:cNvPicPr>
-              <a:picLocks/>
-            </p:cNvPicPr>
+            <p:cNvPr id="5" name="object 5"/>
+            <p:cNvPicPr/>
             <p:nvPr/>
           </p:nvPicPr>
           <p:blipFill>
-            <a:blip xmlns:r="http://schemas.openxmlformats.org/officeDocument/2006/relationships" r:embed="rId1" cstate="print"/>
+            <a:blip r:embed="rId2" cstate="print"/>
             <a:stretch>
               <a:fillRect/>
             </a:stretch>
@@ -5895,13 +6098,15 @@
               <a:off x="7991475" y="2933700"/>
               <a:ext cx="2762250" cy="3257550"/>
             </a:xfrm>
-            <a:prstGeom prst="rect"/>
+            <a:prstGeom prst="rect">
+              <a:avLst/>
+            </a:prstGeom>
           </p:spPr>
         </p:pic>
       </p:grpSp>
       <p:sp>
         <p:nvSpPr>
-          <p:cNvPr id="1048645" name="object 6"/>
+          <p:cNvPr id="6" name="object 6"/>
           <p:cNvSpPr/>
           <p:nvPr/>
         </p:nvSpPr>
@@ -5912,7 +6117,9 @@
           </a:xfrm>
           <a:custGeom>
             <a:avLst/>
+            <a:gdLst/>
             <a:ahLst/>
+            <a:cxnLst/>
             <a:rect l="l" t="t" r="r" b="b"/>
             <a:pathLst>
               <a:path w="314325" h="323850">
@@ -5940,7 +6147,8 @@
           </a:solidFill>
         </p:spPr>
         <p:txBody>
-          <a:bodyPr bIns="0" lIns="0" rIns="0" rtlCol="0" tIns="0" wrap="square"/>
+          <a:bodyPr wrap="square" lIns="0" tIns="0" rIns="0" bIns="0" rtlCol="0"/>
+          <a:lstStyle/>
           <a:p>
             <a:endParaRPr dirty="0"/>
           </a:p>
@@ -5948,7 +6156,7 @@
       </p:sp>
       <p:sp>
         <p:nvSpPr>
-          <p:cNvPr id="1048646" name="object 7"/>
+          <p:cNvPr id="7" name="object 7"/>
           <p:cNvSpPr txBox="1">
             <a:spLocks noGrp="1"/>
           </p:cNvSpPr>
@@ -5959,14 +6167,17 @@
         <p:spPr>
           <a:xfrm>
             <a:off x="834072" y="575055"/>
-            <a:ext cx="5636895" cy="1261110"/>
-          </a:xfrm>
-          <a:prstGeom prst="rect"/>
-        </p:spPr>
-        <p:txBody>
-          <a:bodyPr bIns="0" lIns="0" rIns="0" rtlCol="0" tIns="16510" vert="horz" wrap="square">
+            <a:ext cx="5636895" cy="678180"/>
+          </a:xfrm>
+          <a:prstGeom prst="rect">
+            <a:avLst/>
+          </a:prstGeom>
+        </p:spPr>
+        <p:txBody>
+          <a:bodyPr vert="horz" wrap="square" lIns="0" tIns="16510" rIns="0" bIns="0" rtlCol="0">
             <a:spAutoFit/>
           </a:bodyPr>
+          <a:lstStyle/>
           <a:p>
             <a:pPr marL="12700">
               <a:lnSpc>
@@ -5976,59 +6187,59 @@
                 <a:spcPts val="130"/>
               </a:spcBef>
               <a:tabLst>
-                <a:tab algn="l" pos="2727960"/>
+                <a:tab pos="2727960" algn="l"/>
               </a:tabLst>
             </a:pPr>
             <a:r>
-              <a:rPr dirty="0" sz="4250" spc="-20"/>
+              <a:rPr sz="4250" spc="-20" dirty="0"/>
               <a:t>P</a:t>
             </a:r>
             <a:r>
-              <a:rPr dirty="0" sz="4250" spc="15"/>
+              <a:rPr sz="4250" spc="15" dirty="0"/>
               <a:t>ROB</a:t>
             </a:r>
             <a:r>
-              <a:rPr dirty="0" sz="4250" spc="55"/>
+              <a:rPr sz="4250" spc="55" dirty="0"/>
               <a:t>L</a:t>
             </a:r>
             <a:r>
-              <a:rPr dirty="0" sz="4250" spc="-20"/>
+              <a:rPr sz="4250" spc="-20" dirty="0"/>
               <a:t>E</a:t>
             </a:r>
             <a:r>
-              <a:rPr dirty="0" sz="4250" spc="20"/>
+              <a:rPr sz="4250" spc="20" dirty="0"/>
               <a:t>M</a:t>
             </a:r>
             <a:r>
-              <a:rPr dirty="0" sz="4250"/>
+              <a:rPr sz="4250" dirty="0"/>
               <a:t>	</a:t>
             </a:r>
             <a:r>
-              <a:rPr dirty="0" sz="4250" spc="10"/>
+              <a:rPr sz="4250" spc="10" dirty="0"/>
               <a:t>S</a:t>
             </a:r>
             <a:r>
-              <a:rPr dirty="0" sz="4250" spc="-370"/>
+              <a:rPr sz="4250" spc="-370" dirty="0"/>
               <a:t>T</a:t>
             </a:r>
             <a:r>
-              <a:rPr dirty="0" sz="4250" spc="-375"/>
+              <a:rPr sz="4250" spc="-375" dirty="0"/>
               <a:t>A</a:t>
             </a:r>
             <a:r>
-              <a:rPr dirty="0" sz="4250" spc="15"/>
+              <a:rPr sz="4250" spc="15" dirty="0"/>
               <a:t>T</a:t>
             </a:r>
             <a:r>
-              <a:rPr dirty="0" sz="4250" spc="-10"/>
+              <a:rPr sz="4250" spc="-10" dirty="0"/>
               <a:t>E</a:t>
             </a:r>
             <a:r>
-              <a:rPr dirty="0" sz="4250" spc="-20"/>
+              <a:rPr sz="4250" spc="-20" dirty="0"/>
               <a:t>ME</a:t>
             </a:r>
             <a:r>
-              <a:rPr dirty="0" sz="4250" spc="10"/>
+              <a:rPr sz="4250" spc="10" dirty="0"/>
               <a:t>NT</a:t>
             </a:r>
             <a:endParaRPr sz="4250"/>
@@ -6037,14 +6248,12 @@
       </p:sp>
       <p:pic>
         <p:nvPicPr>
-          <p:cNvPr id="2097159" name="object 8"/>
-          <p:cNvPicPr>
-            <a:picLocks/>
-          </p:cNvPicPr>
+          <p:cNvPr id="8" name="object 8"/>
+          <p:cNvPicPr/>
           <p:nvPr/>
         </p:nvPicPr>
         <p:blipFill>
-          <a:blip xmlns:r="http://schemas.openxmlformats.org/officeDocument/2006/relationships" r:embed="rId2" cstate="print"/>
+          <a:blip r:embed="rId3" cstate="print"/>
           <a:stretch>
             <a:fillRect/>
           </a:stretch>
@@ -6054,12 +6263,14 @@
             <a:off x="676275" y="6467475"/>
             <a:ext cx="2143125" cy="200025"/>
           </a:xfrm>
-          <a:prstGeom prst="rect"/>
+          <a:prstGeom prst="rect">
+            <a:avLst/>
+          </a:prstGeom>
         </p:spPr>
       </p:pic>
       <p:sp>
         <p:nvSpPr>
-          <p:cNvPr id="1048647" name="object 10"/>
+          <p:cNvPr id="10" name="object 10"/>
           <p:cNvSpPr txBox="1">
             <a:spLocks noGrp="1"/>
           </p:cNvSpPr>
@@ -6068,12 +6279,15 @@
           </p:nvPr>
         </p:nvSpPr>
         <p:spPr>
-          <a:prstGeom prst="rect"/>
-        </p:spPr>
-        <p:txBody>
-          <a:bodyPr bIns="0" lIns="0" rIns="0" rtlCol="0" tIns="6985" vert="horz" wrap="square">
+          <a:prstGeom prst="rect">
+            <a:avLst/>
+          </a:prstGeom>
+        </p:spPr>
+        <p:txBody>
+          <a:bodyPr vert="horz" wrap="square" lIns="0" tIns="6985" rIns="0" bIns="0" rtlCol="0">
             <a:spAutoFit/>
           </a:bodyPr>
+          <a:lstStyle/>
           <a:p>
             <a:pPr marL="38100">
               <a:lnSpc>
@@ -6084,51 +6298,54 @@
               </a:spcBef>
             </a:pPr>
             <a:fld id="{81D60167-4931-47E6-BA6A-407CBD079E47}" type="slidenum">
-              <a:rPr dirty="0" spc="10"/>
+              <a:rPr spc="10" dirty="0"/>
               <a:t>4</a:t>
             </a:fld>
-            <a:endParaRPr dirty="0" spc="10"/>
-          </a:p>
-        </p:txBody>
-      </p:sp>
-      <p:sp>
-        <p:nvSpPr>
-          <p:cNvPr id="1048648" name="Rectangle 8"/>
+            <a:endParaRPr spc="10" dirty="0"/>
+          </a:p>
+        </p:txBody>
+      </p:sp>
+      <p:sp>
+        <p:nvSpPr>
+          <p:cNvPr id="9" name="Rectangle 8"/>
           <p:cNvSpPr/>
           <p:nvPr/>
         </p:nvSpPr>
         <p:spPr>
           <a:xfrm>
             <a:off x="3048000" y="2967335"/>
-            <a:ext cx="6096000" cy="3291840"/>
-          </a:xfrm>
-          <a:prstGeom prst="rect"/>
+            <a:ext cx="6096000" cy="3416320"/>
+          </a:xfrm>
+          <a:prstGeom prst="rect">
+            <a:avLst/>
+          </a:prstGeom>
         </p:spPr>
         <p:txBody>
           <a:bodyPr>
             <a:spAutoFit/>
           </a:bodyPr>
-          <a:p>
-            <a:r>
-              <a:rPr dirty="0" lang="en-US"/>
+          <a:lstStyle/>
+          <a:p>
+            <a:r>
+              <a:rPr lang="en-US" dirty="0"/>
               <a:t>In today’s digital era, individuals need an effective way to showcase their skills, achievements, and experiences beyond traditional paper resumes and certificates. Traditional resumes are limited in scope, static in nature, and do not provide space for multimedia elements such as images, videos, project demos, and interactive content. This limitation reduces the ability of an individual to fully demonstrate their capabilities and creativity</a:t>
             </a:r>
             <a:r>
-              <a:rPr dirty="0" lang="en-US" smtClean="0"/>
+              <a:rPr lang="en-US" dirty="0" smtClean="0"/>
               <a:t>.</a:t>
             </a:r>
           </a:p>
           <a:p>
             <a:r>
-              <a:rPr dirty="0" lang="en-US"/>
+              <a:rPr lang="en-US" dirty="0"/>
               <a:t>Therefore, there is a need for a </a:t>
             </a:r>
             <a:r>
-              <a:rPr b="1" dirty="0" lang="en-US"/>
+              <a:rPr lang="en-US" b="1" dirty="0"/>
               <a:t>digital portfolio system</a:t>
             </a:r>
             <a:r>
-              <a:rPr dirty="0" lang="en-US"/>
+              <a:rPr lang="en-US" dirty="0"/>
               <a:t> that allows individuals to create, manage, and showcase their personal and professional information in a modern, interactive, and user-friendly way.</a:t>
             </a:r>
           </a:p>
@@ -6147,7 +6364,7 @@
   <p:cSld>
     <p:spTree>
       <p:nvGrpSpPr>
-        <p:cNvPr id="33" name=""/>
+        <p:cNvPr id="1" name=""/>
         <p:cNvGrpSpPr/>
         <p:nvPr/>
       </p:nvGrpSpPr>
@@ -6161,7 +6378,7 @@
       </p:grpSpPr>
       <p:grpSp>
         <p:nvGrpSpPr>
-          <p:cNvPr id="34" name="object 2"/>
+          <p:cNvPr id="2" name="object 2"/>
           <p:cNvGrpSpPr/>
           <p:nvPr/>
         </p:nvGrpSpPr>
@@ -6175,7 +6392,7 @@
         </p:grpSpPr>
         <p:sp>
           <p:nvSpPr>
-            <p:cNvPr id="1048649" name="object 3"/>
+            <p:cNvPr id="3" name="object 3"/>
             <p:cNvSpPr/>
             <p:nvPr/>
           </p:nvSpPr>
@@ -6186,7 +6403,9 @@
             </a:xfrm>
             <a:custGeom>
               <a:avLst/>
+              <a:gdLst/>
               <a:ahLst/>
+              <a:cxnLst/>
               <a:rect l="l" t="t" r="r" b="b"/>
               <a:pathLst>
                 <a:path w="457200" h="457200">
@@ -6214,13 +6433,16 @@
             </a:solidFill>
           </p:spPr>
           <p:txBody>
-            <a:bodyPr bIns="0" lIns="0" rIns="0" rtlCol="0" tIns="0" wrap="square"/>
-            <a:p/>
+            <a:bodyPr wrap="square" lIns="0" tIns="0" rIns="0" bIns="0" rtlCol="0"/>
+            <a:lstStyle/>
+            <a:p>
+              <a:endParaRPr/>
+            </a:p>
           </p:txBody>
         </p:sp>
         <p:sp>
           <p:nvSpPr>
-            <p:cNvPr id="1048650" name="object 4"/>
+            <p:cNvPr id="4" name="object 4"/>
             <p:cNvSpPr/>
             <p:nvPr/>
           </p:nvSpPr>
@@ -6231,7 +6453,9 @@
             </a:xfrm>
             <a:custGeom>
               <a:avLst/>
+              <a:gdLst/>
               <a:ahLst/>
+              <a:cxnLst/>
               <a:rect l="l" t="t" r="r" b="b"/>
               <a:pathLst>
                 <a:path w="180975" h="180975">
@@ -6259,20 +6483,21 @@
             </a:solidFill>
           </p:spPr>
           <p:txBody>
-            <a:bodyPr bIns="0" lIns="0" rIns="0" rtlCol="0" tIns="0" wrap="square"/>
-            <a:p/>
+            <a:bodyPr wrap="square" lIns="0" tIns="0" rIns="0" bIns="0" rtlCol="0"/>
+            <a:lstStyle/>
+            <a:p>
+              <a:endParaRPr/>
+            </a:p>
           </p:txBody>
         </p:sp>
         <p:pic>
           <p:nvPicPr>
-            <p:cNvPr id="2097160" name="object 5"/>
-            <p:cNvPicPr>
-              <a:picLocks/>
-            </p:cNvPicPr>
+            <p:cNvPr id="5" name="object 5"/>
+            <p:cNvPicPr/>
             <p:nvPr/>
           </p:nvPicPr>
           <p:blipFill>
-            <a:blip xmlns:r="http://schemas.openxmlformats.org/officeDocument/2006/relationships" r:embed="rId1" cstate="print"/>
+            <a:blip r:embed="rId2" cstate="print"/>
             <a:stretch>
               <a:fillRect/>
             </a:stretch>
@@ -6282,13 +6507,15 @@
               <a:off x="8658225" y="2647950"/>
               <a:ext cx="3533775" cy="3810000"/>
             </a:xfrm>
-            <a:prstGeom prst="rect"/>
+            <a:prstGeom prst="rect">
+              <a:avLst/>
+            </a:prstGeom>
           </p:spPr>
         </p:pic>
       </p:grpSp>
       <p:sp>
         <p:nvSpPr>
-          <p:cNvPr id="1048651" name="object 6"/>
+          <p:cNvPr id="6" name="object 6"/>
           <p:cNvSpPr/>
           <p:nvPr/>
         </p:nvSpPr>
@@ -6299,7 +6526,9 @@
           </a:xfrm>
           <a:custGeom>
             <a:avLst/>
+            <a:gdLst/>
             <a:ahLst/>
+            <a:cxnLst/>
             <a:rect l="l" t="t" r="r" b="b"/>
             <a:pathLst>
               <a:path w="314325" h="323850">
@@ -6327,13 +6556,16 @@
           </a:solidFill>
         </p:spPr>
         <p:txBody>
-          <a:bodyPr bIns="0" lIns="0" rIns="0" rtlCol="0" tIns="0" wrap="square"/>
-          <a:p/>
-        </p:txBody>
-      </p:sp>
-      <p:sp>
-        <p:nvSpPr>
-          <p:cNvPr id="1048652" name="object 7"/>
+          <a:bodyPr wrap="square" lIns="0" tIns="0" rIns="0" bIns="0" rtlCol="0"/>
+          <a:lstStyle/>
+          <a:p>
+            <a:endParaRPr/>
+          </a:p>
+        </p:txBody>
+      </p:sp>
+      <p:sp>
+        <p:nvSpPr>
+          <p:cNvPr id="7" name="object 7"/>
           <p:cNvSpPr txBox="1">
             <a:spLocks noGrp="1"/>
           </p:cNvSpPr>
@@ -6344,14 +6576,17 @@
         <p:spPr>
           <a:xfrm>
             <a:off x="739775" y="829627"/>
-            <a:ext cx="5263515" cy="638810"/>
-          </a:xfrm>
-          <a:prstGeom prst="rect"/>
-        </p:spPr>
-        <p:txBody>
-          <a:bodyPr bIns="0" lIns="0" rIns="0" rtlCol="0" tIns="16510" vert="horz" wrap="square">
+            <a:ext cx="5263515" cy="678180"/>
+          </a:xfrm>
+          <a:prstGeom prst="rect">
+            <a:avLst/>
+          </a:prstGeom>
+        </p:spPr>
+        <p:txBody>
+          <a:bodyPr vert="horz" wrap="square" lIns="0" tIns="16510" rIns="0" bIns="0" rtlCol="0">
             <a:spAutoFit/>
           </a:bodyPr>
+          <a:lstStyle/>
           <a:p>
             <a:pPr marL="12700">
               <a:lnSpc>
@@ -6361,15 +6596,15 @@
                 <a:spcPts val="130"/>
               </a:spcBef>
               <a:tabLst>
-                <a:tab algn="l" pos="2642870"/>
+                <a:tab pos="2642870" algn="l"/>
               </a:tabLst>
             </a:pPr>
             <a:r>
-              <a:rPr dirty="0" sz="4250" spc="5"/>
+              <a:rPr sz="4250" spc="5" dirty="0"/>
               <a:t>PROJECT	</a:t>
             </a:r>
             <a:r>
-              <a:rPr dirty="0" sz="4250" spc="-20"/>
+              <a:rPr sz="4250" spc="-20" dirty="0"/>
               <a:t>OVERVIEW</a:t>
             </a:r>
             <a:endParaRPr sz="4250"/>
@@ -6378,14 +6613,12 @@
       </p:sp>
       <p:pic>
         <p:nvPicPr>
-          <p:cNvPr id="2097161" name="object 8"/>
-          <p:cNvPicPr>
-            <a:picLocks/>
-          </p:cNvPicPr>
+          <p:cNvPr id="8" name="object 8"/>
+          <p:cNvPicPr/>
           <p:nvPr/>
         </p:nvPicPr>
         <p:blipFill>
-          <a:blip xmlns:r="http://schemas.openxmlformats.org/officeDocument/2006/relationships" r:embed="rId2" cstate="print"/>
+          <a:blip r:embed="rId3" cstate="print"/>
           <a:stretch>
             <a:fillRect/>
           </a:stretch>
@@ -6395,12 +6628,14 @@
             <a:off x="676275" y="6467475"/>
             <a:ext cx="2143125" cy="200025"/>
           </a:xfrm>
-          <a:prstGeom prst="rect"/>
+          <a:prstGeom prst="rect">
+            <a:avLst/>
+          </a:prstGeom>
         </p:spPr>
       </p:pic>
       <p:sp>
         <p:nvSpPr>
-          <p:cNvPr id="1048653" name="object 10"/>
+          <p:cNvPr id="10" name="object 10"/>
           <p:cNvSpPr txBox="1">
             <a:spLocks noGrp="1"/>
           </p:cNvSpPr>
@@ -6409,12 +6644,15 @@
           </p:nvPr>
         </p:nvSpPr>
         <p:spPr>
-          <a:prstGeom prst="rect"/>
-        </p:spPr>
-        <p:txBody>
-          <a:bodyPr bIns="0" lIns="0" rIns="0" rtlCol="0" tIns="6985" vert="horz" wrap="square">
+          <a:prstGeom prst="rect">
+            <a:avLst/>
+          </a:prstGeom>
+        </p:spPr>
+        <p:txBody>
+          <a:bodyPr vert="horz" wrap="square" lIns="0" tIns="6985" rIns="0" bIns="0" rtlCol="0">
             <a:spAutoFit/>
           </a:bodyPr>
+          <a:lstStyle/>
           <a:p>
             <a:pPr marL="38100">
               <a:lnSpc>
@@ -6425,47 +6663,50 @@
               </a:spcBef>
             </a:pPr>
             <a:fld id="{81D60167-4931-47E6-BA6A-407CBD079E47}" type="slidenum">
-              <a:rPr dirty="0" spc="10"/>
+              <a:rPr spc="10" dirty="0"/>
               <a:t>5</a:t>
             </a:fld>
-            <a:endParaRPr dirty="0" spc="10"/>
-          </a:p>
-        </p:txBody>
-      </p:sp>
-      <p:sp>
-        <p:nvSpPr>
-          <p:cNvPr id="1048654" name="Rectangle 8"/>
+            <a:endParaRPr spc="10" dirty="0"/>
+          </a:p>
+        </p:txBody>
+      </p:sp>
+      <p:sp>
+        <p:nvSpPr>
+          <p:cNvPr id="9" name="Rectangle 8"/>
           <p:cNvSpPr/>
           <p:nvPr/>
         </p:nvSpPr>
         <p:spPr>
           <a:xfrm>
             <a:off x="3048000" y="2551837"/>
-            <a:ext cx="6096000" cy="1958340"/>
-          </a:xfrm>
-          <a:prstGeom prst="rect"/>
+            <a:ext cx="6096000" cy="1754326"/>
+          </a:xfrm>
+          <a:prstGeom prst="rect">
+            <a:avLst/>
+          </a:prstGeom>
         </p:spPr>
         <p:txBody>
           <a:bodyPr>
             <a:spAutoFit/>
           </a:bodyPr>
-          <a:p>
-            <a:r>
-              <a:rPr dirty="0" lang="en-US">
+          <a:lstStyle/>
+          <a:p>
+            <a:r>
+              <a:rPr lang="en-US" dirty="0">
                 <a:latin typeface="Times New Roman" panose="02020603050405020304" pitchFamily="18" charset="0"/>
                 <a:cs typeface="Times New Roman" panose="02020603050405020304" pitchFamily="18" charset="0"/>
               </a:rPr>
               <a:t>The </a:t>
             </a:r>
             <a:r>
-              <a:rPr b="1" dirty="0" lang="en-US">
+              <a:rPr lang="en-US" b="1" dirty="0">
                 <a:latin typeface="Times New Roman" panose="02020603050405020304" pitchFamily="18" charset="0"/>
                 <a:cs typeface="Times New Roman" panose="02020603050405020304" pitchFamily="18" charset="0"/>
               </a:rPr>
               <a:t>Digital Portfolio Project</a:t>
             </a:r>
             <a:r>
-              <a:rPr dirty="0" lang="en-US">
+              <a:rPr lang="en-US" dirty="0">
                 <a:latin typeface="Times New Roman" panose="02020603050405020304" pitchFamily="18" charset="0"/>
                 <a:cs typeface="Times New Roman" panose="02020603050405020304" pitchFamily="18" charset="0"/>
               </a:rPr>
@@ -6487,7 +6728,7 @@
   <p:cSld>
     <p:spTree>
       <p:nvGrpSpPr>
-        <p:cNvPr id="35" name=""/>
+        <p:cNvPr id="1" name=""/>
         <p:cNvGrpSpPr/>
         <p:nvPr/>
       </p:nvGrpSpPr>
@@ -6501,7 +6742,7 @@
       </p:grpSpPr>
       <p:sp>
         <p:nvSpPr>
-          <p:cNvPr id="1048655" name="object 2"/>
+          <p:cNvPr id="2" name="object 2"/>
           <p:cNvSpPr/>
           <p:nvPr/>
         </p:nvSpPr>
@@ -6512,7 +6753,9 @@
           </a:xfrm>
           <a:custGeom>
             <a:avLst/>
+            <a:gdLst/>
             <a:ahLst/>
+            <a:cxnLst/>
             <a:rect l="l" t="t" r="r" b="b"/>
             <a:pathLst>
               <a:path w="457200" h="457200">
@@ -6540,13 +6783,16 @@
           </a:solidFill>
         </p:spPr>
         <p:txBody>
-          <a:bodyPr bIns="0" lIns="0" rIns="0" rtlCol="0" tIns="0" wrap="square"/>
-          <a:p/>
-        </p:txBody>
-      </p:sp>
-      <p:sp>
-        <p:nvSpPr>
-          <p:cNvPr id="1048656" name="object 3"/>
+          <a:bodyPr wrap="square" lIns="0" tIns="0" rIns="0" bIns="0" rtlCol="0"/>
+          <a:lstStyle/>
+          <a:p>
+            <a:endParaRPr/>
+          </a:p>
+        </p:txBody>
+      </p:sp>
+      <p:sp>
+        <p:nvSpPr>
+          <p:cNvPr id="3" name="object 3"/>
           <p:cNvSpPr/>
           <p:nvPr/>
         </p:nvSpPr>
@@ -6557,7 +6803,9 @@
           </a:xfrm>
           <a:custGeom>
             <a:avLst/>
+            <a:gdLst/>
             <a:ahLst/>
+            <a:cxnLst/>
             <a:rect l="l" t="t" r="r" b="b"/>
             <a:pathLst>
               <a:path w="314325" h="323850">
@@ -6585,13 +6833,16 @@
           </a:solidFill>
         </p:spPr>
         <p:txBody>
-          <a:bodyPr bIns="0" lIns="0" rIns="0" rtlCol="0" tIns="0" wrap="square"/>
-          <a:p/>
-        </p:txBody>
-      </p:sp>
-      <p:sp>
-        <p:nvSpPr>
-          <p:cNvPr id="1048657" name="object 4"/>
+          <a:bodyPr wrap="square" lIns="0" tIns="0" rIns="0" bIns="0" rtlCol="0"/>
+          <a:lstStyle/>
+          <a:p>
+            <a:endParaRPr/>
+          </a:p>
+        </p:txBody>
+      </p:sp>
+      <p:sp>
+        <p:nvSpPr>
+          <p:cNvPr id="4" name="object 4"/>
           <p:cNvSpPr/>
           <p:nvPr/>
         </p:nvSpPr>
@@ -6602,7 +6853,9 @@
           </a:xfrm>
           <a:custGeom>
             <a:avLst/>
+            <a:gdLst/>
             <a:ahLst/>
+            <a:cxnLst/>
             <a:rect l="l" t="t" r="r" b="b"/>
             <a:pathLst>
               <a:path w="180975" h="180975">
@@ -6630,13 +6883,16 @@
           </a:solidFill>
         </p:spPr>
         <p:txBody>
-          <a:bodyPr bIns="0" lIns="0" rIns="0" rtlCol="0" tIns="0" wrap="square"/>
-          <a:p/>
-        </p:txBody>
-      </p:sp>
-      <p:sp>
-        <p:nvSpPr>
-          <p:cNvPr id="1048658" name="object 5"/>
+          <a:bodyPr wrap="square" lIns="0" tIns="0" rIns="0" bIns="0" rtlCol="0"/>
+          <a:lstStyle/>
+          <a:p>
+            <a:endParaRPr/>
+          </a:p>
+        </p:txBody>
+      </p:sp>
+      <p:sp>
+        <p:nvSpPr>
+          <p:cNvPr id="5" name="object 5"/>
           <p:cNvSpPr txBox="1">
             <a:spLocks noGrp="1"/>
           </p:cNvSpPr>
@@ -6649,12 +6905,15 @@
             <a:off x="699452" y="891793"/>
             <a:ext cx="5014595" cy="518159"/>
           </a:xfrm>
-          <a:prstGeom prst="rect"/>
-        </p:spPr>
-        <p:txBody>
-          <a:bodyPr bIns="0" lIns="0" rIns="0" rtlCol="0" tIns="16510" vert="horz" wrap="square">
+          <a:prstGeom prst="rect">
+            <a:avLst/>
+          </a:prstGeom>
+        </p:spPr>
+        <p:txBody>
+          <a:bodyPr vert="horz" wrap="square" lIns="0" tIns="16510" rIns="0" bIns="0" rtlCol="0">
             <a:spAutoFit/>
           </a:bodyPr>
+          <a:lstStyle/>
           <a:p>
             <a:pPr marL="12700">
               <a:lnSpc>
@@ -6665,83 +6924,83 @@
               </a:spcBef>
             </a:pPr>
             <a:r>
-              <a:rPr dirty="0" sz="3200" spc="25"/>
+              <a:rPr sz="3200" spc="25" dirty="0"/>
               <a:t>W</a:t>
             </a:r>
             <a:r>
-              <a:rPr dirty="0" sz="3200" spc="-20"/>
+              <a:rPr sz="3200" spc="-20" dirty="0"/>
               <a:t>H</a:t>
             </a:r>
             <a:r>
-              <a:rPr dirty="0" sz="3200" spc="20"/>
+              <a:rPr sz="3200" spc="20" dirty="0"/>
               <a:t>O</a:t>
             </a:r>
             <a:r>
-              <a:rPr dirty="0" sz="3200" spc="-235"/>
+              <a:rPr sz="3200" spc="-235" dirty="0"/>
               <a:t> </a:t>
             </a:r>
             <a:r>
-              <a:rPr dirty="0" sz="3200" spc="-10"/>
+              <a:rPr sz="3200" spc="-10" dirty="0"/>
               <a:t>AR</a:t>
             </a:r>
             <a:r>
-              <a:rPr dirty="0" sz="3200" spc="15"/>
+              <a:rPr sz="3200" spc="15" dirty="0"/>
               <a:t>E</a:t>
             </a:r>
             <a:r>
-              <a:rPr dirty="0" sz="3200" spc="-35"/>
+              <a:rPr sz="3200" spc="-35" dirty="0"/>
               <a:t> </a:t>
             </a:r>
             <a:r>
-              <a:rPr dirty="0" sz="3200" spc="-10"/>
+              <a:rPr sz="3200" spc="-10" dirty="0"/>
               <a:t>T</a:t>
             </a:r>
             <a:r>
-              <a:rPr dirty="0" sz="3200" spc="-15"/>
+              <a:rPr sz="3200" spc="-15" dirty="0"/>
               <a:t>H</a:t>
             </a:r>
             <a:r>
-              <a:rPr dirty="0" sz="3200" spc="15"/>
+              <a:rPr sz="3200" spc="15" dirty="0"/>
               <a:t>E</a:t>
             </a:r>
             <a:r>
-              <a:rPr dirty="0" sz="3200" spc="-35"/>
+              <a:rPr sz="3200" spc="-35" dirty="0"/>
               <a:t> </a:t>
             </a:r>
             <a:r>
-              <a:rPr dirty="0" sz="3200" spc="-20"/>
+              <a:rPr sz="3200" spc="-20" dirty="0"/>
               <a:t>E</a:t>
             </a:r>
             <a:r>
-              <a:rPr dirty="0" sz="3200" spc="30"/>
+              <a:rPr sz="3200" spc="30" dirty="0"/>
               <a:t>N</a:t>
             </a:r>
             <a:r>
-              <a:rPr dirty="0" sz="3200" spc="15"/>
+              <a:rPr sz="3200" spc="15" dirty="0"/>
               <a:t>D</a:t>
             </a:r>
             <a:r>
-              <a:rPr dirty="0" sz="3200" spc="-45"/>
+              <a:rPr sz="3200" spc="-45" dirty="0"/>
               <a:t> </a:t>
             </a:r>
             <a:r>
-              <a:rPr dirty="0" sz="3200"/>
+              <a:rPr sz="3200" dirty="0"/>
               <a:t>U</a:t>
             </a:r>
             <a:r>
-              <a:rPr dirty="0" sz="3200" spc="10"/>
+              <a:rPr sz="3200" spc="10" dirty="0"/>
               <a:t>S</a:t>
             </a:r>
             <a:r>
-              <a:rPr dirty="0" sz="3200" spc="-25"/>
+              <a:rPr sz="3200" spc="-25" dirty="0"/>
               <a:t>E</a:t>
             </a:r>
             <a:r>
-              <a:rPr dirty="0" sz="3200" spc="-10"/>
+              <a:rPr sz="3200" spc="-10" dirty="0"/>
               <a:t>R</a:t>
             </a:r>
             <a:r>
-              <a:rPr dirty="0" sz="3200" spc="5"/>
+              <a:rPr sz="3200" spc="5" dirty="0"/>
               <a:t>S?</a:t>
             </a:r>
             <a:endParaRPr sz="3200"/>
@@ -6750,14 +7009,12 @@
       </p:sp>
       <p:pic>
         <p:nvPicPr>
-          <p:cNvPr id="2097162" name="object 6"/>
-          <p:cNvPicPr>
-            <a:picLocks/>
-          </p:cNvPicPr>
+          <p:cNvPr id="6" name="object 6"/>
+          <p:cNvPicPr/>
           <p:nvPr/>
         </p:nvPicPr>
         <p:blipFill>
-          <a:blip xmlns:r="http://schemas.openxmlformats.org/officeDocument/2006/relationships" r:embed="rId1" cstate="print"/>
+          <a:blip r:embed="rId2" cstate="print"/>
           <a:stretch>
             <a:fillRect/>
           </a:stretch>
@@ -6767,12 +7024,14 @@
             <a:off x="723900" y="6172200"/>
             <a:ext cx="2181225" cy="485775"/>
           </a:xfrm>
-          <a:prstGeom prst="rect"/>
+          <a:prstGeom prst="rect">
+            <a:avLst/>
+          </a:prstGeom>
         </p:spPr>
       </p:pic>
       <p:sp>
         <p:nvSpPr>
-          <p:cNvPr id="1048659" name="object 8"/>
+          <p:cNvPr id="8" name="object 8"/>
           <p:cNvSpPr txBox="1">
             <a:spLocks noGrp="1"/>
           </p:cNvSpPr>
@@ -6781,12 +7040,15 @@
           </p:nvPr>
         </p:nvSpPr>
         <p:spPr>
-          <a:prstGeom prst="rect"/>
-        </p:spPr>
-        <p:txBody>
-          <a:bodyPr bIns="0" lIns="0" rIns="0" rtlCol="0" tIns="6985" vert="horz" wrap="square">
+          <a:prstGeom prst="rect">
+            <a:avLst/>
+          </a:prstGeom>
+        </p:spPr>
+        <p:txBody>
+          <a:bodyPr vert="horz" wrap="square" lIns="0" tIns="6985" rIns="0" bIns="0" rtlCol="0">
             <a:spAutoFit/>
           </a:bodyPr>
+          <a:lstStyle/>
           <a:p>
             <a:pPr marL="38100">
               <a:lnSpc>
@@ -6797,47 +7059,50 @@
               </a:spcBef>
             </a:pPr>
             <a:fld id="{81D60167-4931-47E6-BA6A-407CBD079E47}" type="slidenum">
-              <a:rPr dirty="0" spc="10"/>
+              <a:rPr spc="10" dirty="0"/>
               <a:t>6</a:t>
             </a:fld>
-            <a:endParaRPr dirty="0" spc="10"/>
-          </a:p>
-        </p:txBody>
-      </p:sp>
-      <p:sp>
-        <p:nvSpPr>
-          <p:cNvPr id="1048660" name="Rectangle 6"/>
+            <a:endParaRPr spc="10" dirty="0"/>
+          </a:p>
+        </p:txBody>
+      </p:sp>
+      <p:sp>
+        <p:nvSpPr>
+          <p:cNvPr id="7" name="Rectangle 6"/>
           <p:cNvSpPr/>
           <p:nvPr/>
         </p:nvSpPr>
         <p:spPr>
           <a:xfrm>
             <a:off x="3048000" y="1859340"/>
-            <a:ext cx="6096000" cy="3025140"/>
-          </a:xfrm>
-          <a:prstGeom prst="rect"/>
+            <a:ext cx="6096000" cy="3139321"/>
+          </a:xfrm>
+          <a:prstGeom prst="rect">
+            <a:avLst/>
+          </a:prstGeom>
         </p:spPr>
         <p:txBody>
           <a:bodyPr>
             <a:spAutoFit/>
           </a:bodyPr>
-          <a:p>
-            <a:r>
-              <a:rPr dirty="0" lang="en-US">
+          <a:lstStyle/>
+          <a:p>
+            <a:r>
+              <a:rPr lang="en-US" dirty="0">
                 <a:latin typeface="Times New Roman" panose="02020603050405020304" pitchFamily="18" charset="0"/>
                 <a:cs typeface="Times New Roman" panose="02020603050405020304" pitchFamily="18" charset="0"/>
               </a:rPr>
               <a:t>The </a:t>
             </a:r>
             <a:r>
-              <a:rPr b="1" dirty="0" lang="en-US">
+              <a:rPr lang="en-US" b="1" dirty="0">
                 <a:latin typeface="Times New Roman" panose="02020603050405020304" pitchFamily="18" charset="0"/>
                 <a:cs typeface="Times New Roman" panose="02020603050405020304" pitchFamily="18" charset="0"/>
               </a:rPr>
               <a:t>end users of a digital portfolio</a:t>
             </a:r>
             <a:r>
-              <a:rPr dirty="0" lang="en-US">
+              <a:rPr lang="en-US" dirty="0">
                 <a:latin typeface="Times New Roman" panose="02020603050405020304" pitchFamily="18" charset="0"/>
                 <a:cs typeface="Times New Roman" panose="02020603050405020304" pitchFamily="18" charset="0"/>
               </a:rPr>
@@ -6850,14 +7115,14 @@
               <a:buAutoNum type="arabicPeriod"/>
             </a:pPr>
             <a:r>
-              <a:rPr b="1" dirty="0" lang="en-US">
+              <a:rPr lang="en-US" b="1" dirty="0">
                 <a:latin typeface="Times New Roman" panose="02020603050405020304" pitchFamily="18" charset="0"/>
                 <a:cs typeface="Times New Roman" panose="02020603050405020304" pitchFamily="18" charset="0"/>
               </a:rPr>
               <a:t>Students</a:t>
             </a:r>
             <a:r>
-              <a:rPr dirty="0" lang="en-US">
+              <a:rPr lang="en-US" dirty="0">
                 <a:latin typeface="Times New Roman" panose="02020603050405020304" pitchFamily="18" charset="0"/>
                 <a:cs typeface="Times New Roman" panose="02020603050405020304" pitchFamily="18" charset="0"/>
               </a:rPr>
@@ -6870,14 +7135,14 @@
               <a:buAutoNum type="arabicPeriod"/>
             </a:pPr>
             <a:r>
-              <a:rPr b="1" dirty="0" lang="en-US">
+              <a:rPr lang="en-US" b="1" dirty="0">
                 <a:latin typeface="Times New Roman" panose="02020603050405020304" pitchFamily="18" charset="0"/>
                 <a:cs typeface="Times New Roman" panose="02020603050405020304" pitchFamily="18" charset="0"/>
               </a:rPr>
               <a:t>Job Seekers/Professionals</a:t>
             </a:r>
             <a:r>
-              <a:rPr dirty="0" lang="en-US">
+              <a:rPr lang="en-US" dirty="0">
                 <a:latin typeface="Times New Roman" panose="02020603050405020304" pitchFamily="18" charset="0"/>
                 <a:cs typeface="Times New Roman" panose="02020603050405020304" pitchFamily="18" charset="0"/>
               </a:rPr>
@@ -6890,14 +7155,14 @@
               <a:buAutoNum type="arabicPeriod"/>
             </a:pPr>
             <a:r>
-              <a:rPr b="1" dirty="0" lang="en-US">
+              <a:rPr lang="en-US" b="1" dirty="0">
                 <a:latin typeface="Times New Roman" panose="02020603050405020304" pitchFamily="18" charset="0"/>
                 <a:cs typeface="Times New Roman" panose="02020603050405020304" pitchFamily="18" charset="0"/>
               </a:rPr>
               <a:t>Freelancers/Creators</a:t>
             </a:r>
             <a:r>
-              <a:rPr dirty="0" lang="en-US">
+              <a:rPr lang="en-US" dirty="0">
                 <a:latin typeface="Times New Roman" panose="02020603050405020304" pitchFamily="18" charset="0"/>
                 <a:cs typeface="Times New Roman" panose="02020603050405020304" pitchFamily="18" charset="0"/>
               </a:rPr>
@@ -6910,14 +7175,14 @@
               <a:buAutoNum type="arabicPeriod"/>
             </a:pPr>
             <a:r>
-              <a:rPr b="1" dirty="0" lang="en-US">
+              <a:rPr lang="en-US" b="1" dirty="0">
                 <a:latin typeface="Times New Roman" panose="02020603050405020304" pitchFamily="18" charset="0"/>
                 <a:cs typeface="Times New Roman" panose="02020603050405020304" pitchFamily="18" charset="0"/>
               </a:rPr>
               <a:t>Educators/Researchers</a:t>
             </a:r>
             <a:r>
-              <a:rPr dirty="0" lang="en-US">
+              <a:rPr lang="en-US" dirty="0">
                 <a:latin typeface="Times New Roman" panose="02020603050405020304" pitchFamily="18" charset="0"/>
                 <a:cs typeface="Times New Roman" panose="02020603050405020304" pitchFamily="18" charset="0"/>
               </a:rPr>
@@ -6930,14 +7195,14 @@
               <a:buAutoNum type="arabicPeriod"/>
             </a:pPr>
             <a:r>
-              <a:rPr b="1" dirty="0" lang="en-US">
+              <a:rPr lang="en-US" b="1" dirty="0">
                 <a:latin typeface="Times New Roman" panose="02020603050405020304" pitchFamily="18" charset="0"/>
                 <a:cs typeface="Times New Roman" panose="02020603050405020304" pitchFamily="18" charset="0"/>
               </a:rPr>
               <a:t>Employers/Recruiters</a:t>
             </a:r>
             <a:r>
-              <a:rPr dirty="0" lang="en-US">
+              <a:rPr lang="en-US" dirty="0">
                 <a:latin typeface="Times New Roman" panose="02020603050405020304" pitchFamily="18" charset="0"/>
                 <a:cs typeface="Times New Roman" panose="02020603050405020304" pitchFamily="18" charset="0"/>
               </a:rPr>
@@ -6959,7 +7224,7 @@
   <p:cSld>
     <p:spTree>
       <p:nvGrpSpPr>
-        <p:cNvPr id="36" name=""/>
+        <p:cNvPr id="1" name=""/>
         <p:cNvGrpSpPr/>
         <p:nvPr/>
       </p:nvGrpSpPr>
@@ -6973,14 +7238,12 @@
       </p:grpSpPr>
       <p:pic>
         <p:nvPicPr>
-          <p:cNvPr id="2097163" name="object 2"/>
-          <p:cNvPicPr>
-            <a:picLocks/>
-          </p:cNvPicPr>
+          <p:cNvPr id="2" name="object 2"/>
+          <p:cNvPicPr/>
           <p:nvPr/>
         </p:nvPicPr>
         <p:blipFill>
-          <a:blip xmlns:r="http://schemas.openxmlformats.org/officeDocument/2006/relationships" r:embed="rId1" cstate="print"/>
+          <a:blip r:embed="rId2" cstate="print"/>
           <a:stretch>
             <a:fillRect/>
           </a:stretch>
@@ -6990,12 +7253,14 @@
             <a:off x="0" y="1476375"/>
             <a:ext cx="2695574" cy="3248025"/>
           </a:xfrm>
-          <a:prstGeom prst="rect"/>
+          <a:prstGeom prst="rect">
+            <a:avLst/>
+          </a:prstGeom>
         </p:spPr>
       </p:pic>
       <p:sp>
         <p:nvSpPr>
-          <p:cNvPr id="1048661" name="object 3"/>
+          <p:cNvPr id="3" name="object 3"/>
           <p:cNvSpPr/>
           <p:nvPr/>
         </p:nvSpPr>
@@ -7006,7 +7271,9 @@
           </a:xfrm>
           <a:custGeom>
             <a:avLst/>
+            <a:gdLst/>
             <a:ahLst/>
+            <a:cxnLst/>
             <a:rect l="l" t="t" r="r" b="b"/>
             <a:pathLst>
               <a:path w="457200" h="457200">
@@ -7034,13 +7301,16 @@
           </a:solidFill>
         </p:spPr>
         <p:txBody>
-          <a:bodyPr bIns="0" lIns="0" rIns="0" rtlCol="0" tIns="0" wrap="square"/>
-          <a:p/>
-        </p:txBody>
-      </p:sp>
-      <p:sp>
-        <p:nvSpPr>
-          <p:cNvPr id="1048662" name="object 4"/>
+          <a:bodyPr wrap="square" lIns="0" tIns="0" rIns="0" bIns="0" rtlCol="0"/>
+          <a:lstStyle/>
+          <a:p>
+            <a:endParaRPr/>
+          </a:p>
+        </p:txBody>
+      </p:sp>
+      <p:sp>
+        <p:nvSpPr>
+          <p:cNvPr id="4" name="object 4"/>
           <p:cNvSpPr/>
           <p:nvPr/>
         </p:nvSpPr>
@@ -7051,7 +7321,9 @@
           </a:xfrm>
           <a:custGeom>
             <a:avLst/>
+            <a:gdLst/>
             <a:ahLst/>
+            <a:cxnLst/>
             <a:rect l="l" t="t" r="r" b="b"/>
             <a:pathLst>
               <a:path w="314325" h="323850">
@@ -7079,13 +7351,16 @@
           </a:solidFill>
         </p:spPr>
         <p:txBody>
-          <a:bodyPr bIns="0" lIns="0" rIns="0" rtlCol="0" tIns="0" wrap="square"/>
-          <a:p/>
-        </p:txBody>
-      </p:sp>
-      <p:sp>
-        <p:nvSpPr>
-          <p:cNvPr id="1048663" name="object 5"/>
+          <a:bodyPr wrap="square" lIns="0" tIns="0" rIns="0" bIns="0" rtlCol="0"/>
+          <a:lstStyle/>
+          <a:p>
+            <a:endParaRPr/>
+          </a:p>
+        </p:txBody>
+      </p:sp>
+      <p:sp>
+        <p:nvSpPr>
+          <p:cNvPr id="5" name="object 5"/>
           <p:cNvSpPr/>
           <p:nvPr/>
         </p:nvSpPr>
@@ -7096,7 +7371,9 @@
           </a:xfrm>
           <a:custGeom>
             <a:avLst/>
+            <a:gdLst/>
             <a:ahLst/>
+            <a:cxnLst/>
             <a:rect l="l" t="t" r="r" b="b"/>
             <a:pathLst>
               <a:path w="180975" h="180975">
@@ -7124,13 +7401,16 @@
           </a:solidFill>
         </p:spPr>
         <p:txBody>
-          <a:bodyPr bIns="0" lIns="0" rIns="0" rtlCol="0" tIns="0" wrap="square"/>
-          <a:p/>
-        </p:txBody>
-      </p:sp>
-      <p:sp>
-        <p:nvSpPr>
-          <p:cNvPr id="1048664" name="object 6"/>
+          <a:bodyPr wrap="square" lIns="0" tIns="0" rIns="0" bIns="0" rtlCol="0"/>
+          <a:lstStyle/>
+          <a:p>
+            <a:endParaRPr/>
+          </a:p>
+        </p:txBody>
+      </p:sp>
+      <p:sp>
+        <p:nvSpPr>
+          <p:cNvPr id="6" name="object 6"/>
           <p:cNvSpPr txBox="1">
             <a:spLocks noGrp="1"/>
           </p:cNvSpPr>
@@ -7141,14 +7421,17 @@
         <p:spPr>
           <a:xfrm>
             <a:off x="558165" y="857885"/>
-            <a:ext cx="9763125" cy="546736"/>
-          </a:xfrm>
-          <a:prstGeom prst="rect"/>
-        </p:spPr>
-        <p:txBody>
-          <a:bodyPr bIns="0" lIns="0" rIns="0" rtlCol="0" tIns="13335" vert="horz" wrap="square">
+            <a:ext cx="9763125" cy="575310"/>
+          </a:xfrm>
+          <a:prstGeom prst="rect">
+            <a:avLst/>
+          </a:prstGeom>
+        </p:spPr>
+        <p:txBody>
+          <a:bodyPr vert="horz" wrap="square" lIns="0" tIns="13335" rIns="0" bIns="0" rtlCol="0">
             <a:spAutoFit/>
           </a:bodyPr>
+          <a:lstStyle/>
           <a:p>
             <a:pPr marL="12700">
               <a:lnSpc>
@@ -7159,23 +7442,21 @@
               </a:spcBef>
             </a:pPr>
             <a:r>
-              <a:rPr dirty="0" sz="3600" lang="en-IN" spc="10"/>
+              <a:rPr lang="en-IN" sz="3600" spc="10" dirty="0"/>
               <a:t>TOOLS AND TECHNIQUES</a:t>
             </a:r>
-            <a:endParaRPr dirty="0" sz="3600"/>
+            <a:endParaRPr sz="3600" dirty="0"/>
           </a:p>
         </p:txBody>
       </p:sp>
       <p:pic>
         <p:nvPicPr>
-          <p:cNvPr id="2097164" name="object 7"/>
-          <p:cNvPicPr>
-            <a:picLocks/>
-          </p:cNvPicPr>
+          <p:cNvPr id="7" name="object 7"/>
+          <p:cNvPicPr/>
           <p:nvPr/>
         </p:nvPicPr>
         <p:blipFill>
-          <a:blip xmlns:r="http://schemas.openxmlformats.org/officeDocument/2006/relationships" r:embed="rId2" cstate="print"/>
+          <a:blip r:embed="rId3" cstate="print"/>
           <a:stretch>
             <a:fillRect/>
           </a:stretch>
@@ -7185,12 +7466,14 @@
             <a:off x="676275" y="6467475"/>
             <a:ext cx="2143125" cy="200025"/>
           </a:xfrm>
-          <a:prstGeom prst="rect"/>
+          <a:prstGeom prst="rect">
+            <a:avLst/>
+          </a:prstGeom>
         </p:spPr>
       </p:pic>
       <p:sp>
         <p:nvSpPr>
-          <p:cNvPr id="1048665" name="object 9"/>
+          <p:cNvPr id="9" name="object 9"/>
           <p:cNvSpPr txBox="1">
             <a:spLocks noGrp="1"/>
           </p:cNvSpPr>
@@ -7199,12 +7482,15 @@
           </p:nvPr>
         </p:nvSpPr>
         <p:spPr>
-          <a:prstGeom prst="rect"/>
-        </p:spPr>
-        <p:txBody>
-          <a:bodyPr bIns="0" lIns="0" rIns="0" rtlCol="0" tIns="6985" vert="horz" wrap="square">
+          <a:prstGeom prst="rect">
+            <a:avLst/>
+          </a:prstGeom>
+        </p:spPr>
+        <p:txBody>
+          <a:bodyPr vert="horz" wrap="square" lIns="0" tIns="6985" rIns="0" bIns="0" rtlCol="0">
             <a:spAutoFit/>
           </a:bodyPr>
+          <a:lstStyle/>
           <a:p>
             <a:pPr marL="38100">
               <a:lnSpc>
@@ -7215,33 +7501,36 @@
               </a:spcBef>
             </a:pPr>
             <a:fld id="{81D60167-4931-47E6-BA6A-407CBD079E47}" type="slidenum">
-              <a:rPr dirty="0" spc="10"/>
+              <a:rPr spc="10" dirty="0"/>
               <a:t>7</a:t>
             </a:fld>
-            <a:endParaRPr dirty="0" spc="10"/>
-          </a:p>
-        </p:txBody>
-      </p:sp>
-      <p:sp>
-        <p:nvSpPr>
-          <p:cNvPr id="1048666" name="Rectangle 7"/>
+            <a:endParaRPr spc="10" dirty="0"/>
+          </a:p>
+        </p:txBody>
+      </p:sp>
+      <p:sp>
+        <p:nvSpPr>
+          <p:cNvPr id="8" name="Rectangle 7"/>
           <p:cNvSpPr/>
           <p:nvPr/>
         </p:nvSpPr>
         <p:spPr>
           <a:xfrm>
             <a:off x="3048000" y="1813173"/>
-            <a:ext cx="6096000" cy="3291840"/>
-          </a:xfrm>
-          <a:prstGeom prst="rect"/>
+            <a:ext cx="6096000" cy="3231654"/>
+          </a:xfrm>
+          <a:prstGeom prst="rect">
+            <a:avLst/>
+          </a:prstGeom>
         </p:spPr>
         <p:txBody>
           <a:bodyPr>
             <a:spAutoFit/>
           </a:bodyPr>
-          <a:p>
-            <a:r>
-              <a:rPr b="1" dirty="0" sz="1200" lang="en-US">
+          <a:lstStyle/>
+          <a:p>
+            <a:r>
+              <a:rPr lang="en-US" sz="1200" b="1" dirty="0">
                 <a:latin typeface="Times New Roman" panose="02020603050405020304" pitchFamily="18" charset="0"/>
                 <a:cs typeface="Times New Roman" panose="02020603050405020304" pitchFamily="18" charset="0"/>
               </a:rPr>
@@ -7254,14 +7543,14 @@
               <a:buAutoNum type="arabicPeriod"/>
             </a:pPr>
             <a:r>
-              <a:rPr b="1" dirty="0" sz="1200" lang="en-US">
+              <a:rPr lang="en-US" sz="1200" b="1" dirty="0">
                 <a:latin typeface="Times New Roman" panose="02020603050405020304" pitchFamily="18" charset="0"/>
                 <a:cs typeface="Times New Roman" panose="02020603050405020304" pitchFamily="18" charset="0"/>
               </a:rPr>
               <a:t>Web Development Tools</a:t>
             </a:r>
             <a:r>
-              <a:rPr dirty="0" sz="1200" lang="en-US">
+              <a:rPr lang="en-US" sz="1200" dirty="0">
                 <a:latin typeface="Times New Roman" panose="02020603050405020304" pitchFamily="18" charset="0"/>
                 <a:cs typeface="Times New Roman" panose="02020603050405020304" pitchFamily="18" charset="0"/>
               </a:rPr>
@@ -7274,42 +7563,42 @@
               <a:buAutoNum type="arabicPeriod"/>
             </a:pPr>
             <a:r>
-              <a:rPr b="1" dirty="0" sz="1200" lang="en-US">
+              <a:rPr lang="en-US" sz="1200" b="1" dirty="0">
                 <a:latin typeface="Times New Roman" panose="02020603050405020304" pitchFamily="18" charset="0"/>
                 <a:cs typeface="Times New Roman" panose="02020603050405020304" pitchFamily="18" charset="0"/>
               </a:rPr>
               <a:t>Content Management Systems (CMS)</a:t>
             </a:r>
             <a:r>
-              <a:rPr dirty="0" sz="1200" lang="en-US">
+              <a:rPr lang="en-US" sz="1200" dirty="0">
                 <a:latin typeface="Times New Roman" panose="02020603050405020304" pitchFamily="18" charset="0"/>
                 <a:cs typeface="Times New Roman" panose="02020603050405020304" pitchFamily="18" charset="0"/>
               </a:rPr>
               <a:t> – </a:t>
             </a:r>
             <a:r>
-              <a:rPr dirty="0" sz="1200" lang="en-US" err="1">
+              <a:rPr lang="en-US" sz="1200" dirty="0" err="1">
                 <a:latin typeface="Times New Roman" panose="02020603050405020304" pitchFamily="18" charset="0"/>
                 <a:cs typeface="Times New Roman" panose="02020603050405020304" pitchFamily="18" charset="0"/>
               </a:rPr>
               <a:t>WordPress</a:t>
             </a:r>
             <a:r>
-              <a:rPr dirty="0" sz="1200" lang="en-US">
+              <a:rPr lang="en-US" sz="1200" dirty="0">
                 <a:latin typeface="Times New Roman" panose="02020603050405020304" pitchFamily="18" charset="0"/>
                 <a:cs typeface="Times New Roman" panose="02020603050405020304" pitchFamily="18" charset="0"/>
               </a:rPr>
               <a:t>, </a:t>
             </a:r>
             <a:r>
-              <a:rPr dirty="0" sz="1200" lang="en-US" err="1">
+              <a:rPr lang="en-US" sz="1200" dirty="0" err="1">
                 <a:latin typeface="Times New Roman" panose="02020603050405020304" pitchFamily="18" charset="0"/>
                 <a:cs typeface="Times New Roman" panose="02020603050405020304" pitchFamily="18" charset="0"/>
               </a:rPr>
               <a:t>Wix</a:t>
             </a:r>
             <a:r>
-              <a:rPr dirty="0" sz="1200" lang="en-US">
+              <a:rPr lang="en-US" sz="1200" dirty="0">
                 <a:latin typeface="Times New Roman" panose="02020603050405020304" pitchFamily="18" charset="0"/>
                 <a:cs typeface="Times New Roman" panose="02020603050405020304" pitchFamily="18" charset="0"/>
               </a:rPr>
@@ -7322,42 +7611,42 @@
               <a:buAutoNum type="arabicPeriod"/>
             </a:pPr>
             <a:r>
-              <a:rPr b="1" dirty="0" sz="1200" lang="en-US">
+              <a:rPr lang="en-US" sz="1200" b="1" dirty="0">
                 <a:latin typeface="Times New Roman" panose="02020603050405020304" pitchFamily="18" charset="0"/>
                 <a:cs typeface="Times New Roman" panose="02020603050405020304" pitchFamily="18" charset="0"/>
               </a:rPr>
               <a:t>Design Tools</a:t>
             </a:r>
             <a:r>
-              <a:rPr dirty="0" sz="1200" lang="en-US">
+              <a:rPr lang="en-US" sz="1200" dirty="0">
                 <a:latin typeface="Times New Roman" panose="02020603050405020304" pitchFamily="18" charset="0"/>
                 <a:cs typeface="Times New Roman" panose="02020603050405020304" pitchFamily="18" charset="0"/>
               </a:rPr>
               <a:t> – </a:t>
             </a:r>
             <a:r>
-              <a:rPr dirty="0" sz="1200" lang="en-US" err="1">
+              <a:rPr lang="en-US" sz="1200" dirty="0" err="1">
                 <a:latin typeface="Times New Roman" panose="02020603050405020304" pitchFamily="18" charset="0"/>
                 <a:cs typeface="Times New Roman" panose="02020603050405020304" pitchFamily="18" charset="0"/>
               </a:rPr>
               <a:t>Canva</a:t>
             </a:r>
             <a:r>
-              <a:rPr dirty="0" sz="1200" lang="en-US">
+              <a:rPr lang="en-US" sz="1200" dirty="0">
                 <a:latin typeface="Times New Roman" panose="02020603050405020304" pitchFamily="18" charset="0"/>
                 <a:cs typeface="Times New Roman" panose="02020603050405020304" pitchFamily="18" charset="0"/>
               </a:rPr>
               <a:t>, </a:t>
             </a:r>
             <a:r>
-              <a:rPr dirty="0" sz="1200" lang="en-US" err="1">
+              <a:rPr lang="en-US" sz="1200" dirty="0" err="1">
                 <a:latin typeface="Times New Roman" panose="02020603050405020304" pitchFamily="18" charset="0"/>
                 <a:cs typeface="Times New Roman" panose="02020603050405020304" pitchFamily="18" charset="0"/>
               </a:rPr>
               <a:t>Figma</a:t>
             </a:r>
             <a:r>
-              <a:rPr dirty="0" sz="1200" lang="en-US">
+              <a:rPr lang="en-US" sz="1200" dirty="0">
                 <a:latin typeface="Times New Roman" panose="02020603050405020304" pitchFamily="18" charset="0"/>
                 <a:cs typeface="Times New Roman" panose="02020603050405020304" pitchFamily="18" charset="0"/>
               </a:rPr>
@@ -7370,14 +7659,14 @@
               <a:buAutoNum type="arabicPeriod"/>
             </a:pPr>
             <a:r>
-              <a:rPr b="1" dirty="0" sz="1200" lang="en-US">
+              <a:rPr lang="en-US" sz="1200" b="1" dirty="0">
                 <a:latin typeface="Times New Roman" panose="02020603050405020304" pitchFamily="18" charset="0"/>
                 <a:cs typeface="Times New Roman" panose="02020603050405020304" pitchFamily="18" charset="0"/>
               </a:rPr>
               <a:t>Code Editors</a:t>
             </a:r>
             <a:r>
-              <a:rPr dirty="0" sz="1200" lang="en-US">
+              <a:rPr lang="en-US" sz="1200" dirty="0">
                 <a:latin typeface="Times New Roman" panose="02020603050405020304" pitchFamily="18" charset="0"/>
                 <a:cs typeface="Times New Roman" panose="02020603050405020304" pitchFamily="18" charset="0"/>
               </a:rPr>
@@ -7390,42 +7679,42 @@
               <a:buAutoNum type="arabicPeriod"/>
             </a:pPr>
             <a:r>
-              <a:rPr b="1" dirty="0" sz="1200" lang="en-US">
+              <a:rPr lang="en-US" sz="1200" b="1" dirty="0">
                 <a:latin typeface="Times New Roman" panose="02020603050405020304" pitchFamily="18" charset="0"/>
                 <a:cs typeface="Times New Roman" panose="02020603050405020304" pitchFamily="18" charset="0"/>
               </a:rPr>
               <a:t>Hosting Platforms</a:t>
             </a:r>
             <a:r>
-              <a:rPr dirty="0" sz="1200" lang="en-US">
+              <a:rPr lang="en-US" sz="1200" dirty="0">
                 <a:latin typeface="Times New Roman" panose="02020603050405020304" pitchFamily="18" charset="0"/>
                 <a:cs typeface="Times New Roman" panose="02020603050405020304" pitchFamily="18" charset="0"/>
               </a:rPr>
               <a:t> – </a:t>
             </a:r>
             <a:r>
-              <a:rPr dirty="0" sz="1200" lang="en-US" err="1">
+              <a:rPr lang="en-US" sz="1200" dirty="0" err="1">
                 <a:latin typeface="Times New Roman" panose="02020603050405020304" pitchFamily="18" charset="0"/>
                 <a:cs typeface="Times New Roman" panose="02020603050405020304" pitchFamily="18" charset="0"/>
               </a:rPr>
               <a:t>GitHub</a:t>
             </a:r>
             <a:r>
-              <a:rPr dirty="0" sz="1200" lang="en-US">
+              <a:rPr lang="en-US" sz="1200" dirty="0">
                 <a:latin typeface="Times New Roman" panose="02020603050405020304" pitchFamily="18" charset="0"/>
                 <a:cs typeface="Times New Roman" panose="02020603050405020304" pitchFamily="18" charset="0"/>
               </a:rPr>
               <a:t> Pages, </a:t>
             </a:r>
             <a:r>
-              <a:rPr dirty="0" sz="1200" lang="en-US" err="1">
+              <a:rPr lang="en-US" sz="1200" dirty="0" err="1">
                 <a:latin typeface="Times New Roman" panose="02020603050405020304" pitchFamily="18" charset="0"/>
                 <a:cs typeface="Times New Roman" panose="02020603050405020304" pitchFamily="18" charset="0"/>
               </a:rPr>
               <a:t>Netlify</a:t>
             </a:r>
             <a:r>
-              <a:rPr dirty="0" sz="1200" lang="en-US">
+              <a:rPr lang="en-US" sz="1200" dirty="0">
                 <a:latin typeface="Times New Roman" panose="02020603050405020304" pitchFamily="18" charset="0"/>
                 <a:cs typeface="Times New Roman" panose="02020603050405020304" pitchFamily="18" charset="0"/>
               </a:rPr>
@@ -7434,7 +7723,7 @@
           </a:p>
           <a:p>
             <a:r>
-              <a:rPr b="1" dirty="0" sz="1200" lang="en-US">
+              <a:rPr lang="en-US" sz="1200" b="1" dirty="0">
                 <a:latin typeface="Times New Roman" panose="02020603050405020304" pitchFamily="18" charset="0"/>
                 <a:cs typeface="Times New Roman" panose="02020603050405020304" pitchFamily="18" charset="0"/>
               </a:rPr>
@@ -7447,14 +7736,14 @@
               <a:buAutoNum type="arabicPeriod"/>
             </a:pPr>
             <a:r>
-              <a:rPr b="1" dirty="0" sz="1200" lang="en-US">
+              <a:rPr lang="en-US" sz="1200" b="1" dirty="0">
                 <a:latin typeface="Times New Roman" panose="02020603050405020304" pitchFamily="18" charset="0"/>
                 <a:cs typeface="Times New Roman" panose="02020603050405020304" pitchFamily="18" charset="0"/>
               </a:rPr>
               <a:t>Responsive Web Design</a:t>
             </a:r>
             <a:r>
-              <a:rPr dirty="0" sz="1200" lang="en-US">
+              <a:rPr lang="en-US" sz="1200" dirty="0">
                 <a:latin typeface="Times New Roman" panose="02020603050405020304" pitchFamily="18" charset="0"/>
                 <a:cs typeface="Times New Roman" panose="02020603050405020304" pitchFamily="18" charset="0"/>
               </a:rPr>
@@ -7467,14 +7756,14 @@
               <a:buAutoNum type="arabicPeriod"/>
             </a:pPr>
             <a:r>
-              <a:rPr b="1" dirty="0" sz="1200" lang="en-US">
+              <a:rPr lang="en-US" sz="1200" b="1" dirty="0">
                 <a:latin typeface="Times New Roman" panose="02020603050405020304" pitchFamily="18" charset="0"/>
                 <a:cs typeface="Times New Roman" panose="02020603050405020304" pitchFamily="18" charset="0"/>
               </a:rPr>
               <a:t>UI/UX Design Principles</a:t>
             </a:r>
             <a:r>
-              <a:rPr dirty="0" sz="1200" lang="en-US">
+              <a:rPr lang="en-US" sz="1200" dirty="0">
                 <a:latin typeface="Times New Roman" panose="02020603050405020304" pitchFamily="18" charset="0"/>
                 <a:cs typeface="Times New Roman" panose="02020603050405020304" pitchFamily="18" charset="0"/>
               </a:rPr>
@@ -7487,14 +7776,14 @@
               <a:buAutoNum type="arabicPeriod"/>
             </a:pPr>
             <a:r>
-              <a:rPr b="1" dirty="0" sz="1200" lang="en-US">
+              <a:rPr lang="en-US" sz="1200" b="1" dirty="0">
                 <a:latin typeface="Times New Roman" panose="02020603050405020304" pitchFamily="18" charset="0"/>
                 <a:cs typeface="Times New Roman" panose="02020603050405020304" pitchFamily="18" charset="0"/>
               </a:rPr>
               <a:t>Multimedia Integration</a:t>
             </a:r>
             <a:r>
-              <a:rPr dirty="0" sz="1200" lang="en-US">
+              <a:rPr lang="en-US" sz="1200" dirty="0">
                 <a:latin typeface="Times New Roman" panose="02020603050405020304" pitchFamily="18" charset="0"/>
                 <a:cs typeface="Times New Roman" panose="02020603050405020304" pitchFamily="18" charset="0"/>
               </a:rPr>
@@ -7507,14 +7796,14 @@
               <a:buAutoNum type="arabicPeriod"/>
             </a:pPr>
             <a:r>
-              <a:rPr b="1" dirty="0" sz="1200" lang="en-US">
+              <a:rPr lang="en-US" sz="1200" b="1" dirty="0">
                 <a:latin typeface="Times New Roman" panose="02020603050405020304" pitchFamily="18" charset="0"/>
                 <a:cs typeface="Times New Roman" panose="02020603050405020304" pitchFamily="18" charset="0"/>
               </a:rPr>
               <a:t>Interactive Elements</a:t>
             </a:r>
             <a:r>
-              <a:rPr dirty="0" sz="1200" lang="en-US">
+              <a:rPr lang="en-US" sz="1200" dirty="0">
                 <a:latin typeface="Times New Roman" panose="02020603050405020304" pitchFamily="18" charset="0"/>
                 <a:cs typeface="Times New Roman" panose="02020603050405020304" pitchFamily="18" charset="0"/>
               </a:rPr>
@@ -7527,14 +7816,14 @@
               <a:buAutoNum type="arabicPeriod"/>
             </a:pPr>
             <a:r>
-              <a:rPr b="1" dirty="0" sz="1200" lang="en-US">
+              <a:rPr lang="en-US" sz="1200" b="1" dirty="0">
                 <a:latin typeface="Times New Roman" panose="02020603050405020304" pitchFamily="18" charset="0"/>
                 <a:cs typeface="Times New Roman" panose="02020603050405020304" pitchFamily="18" charset="0"/>
               </a:rPr>
               <a:t>Search Engine Optimization (SEO)</a:t>
             </a:r>
             <a:r>
-              <a:rPr dirty="0" sz="1200" lang="en-US">
+              <a:rPr lang="en-US" sz="1200" dirty="0">
                 <a:latin typeface="Times New Roman" panose="02020603050405020304" pitchFamily="18" charset="0"/>
                 <a:cs typeface="Times New Roman" panose="02020603050405020304" pitchFamily="18" charset="0"/>
               </a:rPr>
@@ -7556,7 +7845,7 @@
   <p:cSld>
     <p:spTree>
       <p:nvGrpSpPr>
-        <p:cNvPr id="37" name=""/>
+        <p:cNvPr id="1" name=""/>
         <p:cNvGrpSpPr/>
         <p:nvPr/>
       </p:nvGrpSpPr>
@@ -7570,7 +7859,7 @@
       </p:grpSpPr>
       <p:sp>
         <p:nvSpPr>
-          <p:cNvPr id="1048667" name="object 5"/>
+          <p:cNvPr id="5" name="object 5"/>
           <p:cNvSpPr/>
           <p:nvPr/>
         </p:nvSpPr>
@@ -7581,7 +7870,9 @@
           </a:xfrm>
           <a:custGeom>
             <a:avLst/>
+            <a:gdLst/>
             <a:ahLst/>
+            <a:cxnLst/>
             <a:rect l="l" t="t" r="r" b="b"/>
             <a:pathLst>
               <a:path w="180975" h="180975">
@@ -7609,20 +7900,21 @@
           </a:solidFill>
         </p:spPr>
         <p:txBody>
-          <a:bodyPr bIns="0" lIns="0" rIns="0" rtlCol="0" tIns="0" wrap="square"/>
-          <a:p/>
+          <a:bodyPr wrap="square" lIns="0" tIns="0" rIns="0" bIns="0" rtlCol="0"/>
+          <a:lstStyle/>
+          <a:p>
+            <a:endParaRPr/>
+          </a:p>
         </p:txBody>
       </p:sp>
       <p:pic>
         <p:nvPicPr>
-          <p:cNvPr id="2097165" name="object 6"/>
-          <p:cNvPicPr>
-            <a:picLocks/>
-          </p:cNvPicPr>
+          <p:cNvPr id="6" name="object 6"/>
+          <p:cNvPicPr/>
           <p:nvPr/>
         </p:nvPicPr>
         <p:blipFill>
-          <a:blip xmlns:r="http://schemas.openxmlformats.org/officeDocument/2006/relationships" r:embed="rId1" cstate="print"/>
+          <a:blip r:embed="rId2" cstate="print"/>
           <a:stretch>
             <a:fillRect/>
           </a:stretch>
@@ -7632,12 +7924,14 @@
             <a:off x="1666875" y="6467475"/>
             <a:ext cx="76200" cy="177800"/>
           </a:xfrm>
-          <a:prstGeom prst="rect"/>
+          <a:prstGeom prst="rect">
+            <a:avLst/>
+          </a:prstGeom>
         </p:spPr>
       </p:pic>
       <p:sp>
         <p:nvSpPr>
-          <p:cNvPr id="1048668" name="object 9"/>
+          <p:cNvPr id="9" name="object 9"/>
           <p:cNvSpPr txBox="1"/>
           <p:nvPr/>
         </p:nvSpPr>
@@ -7646,12 +7940,15 @@
             <a:off x="11277218" y="6473337"/>
             <a:ext cx="228600" cy="191770"/>
           </a:xfrm>
-          <a:prstGeom prst="rect"/>
-        </p:spPr>
-        <p:txBody>
-          <a:bodyPr bIns="0" lIns="0" rIns="0" rtlCol="0" tIns="6985" vert="horz" wrap="square">
+          <a:prstGeom prst="rect">
+            <a:avLst/>
+          </a:prstGeom>
+        </p:spPr>
+        <p:txBody>
+          <a:bodyPr vert="horz" wrap="square" lIns="0" tIns="6985" rIns="0" bIns="0" rtlCol="0">
             <a:spAutoFit/>
           </a:bodyPr>
+          <a:lstStyle/>
           <a:p>
             <a:pPr marL="38100">
               <a:lnSpc>
@@ -7662,7 +7959,7 @@
               </a:spcBef>
             </a:pPr>
             <a:fld id="{81D60167-4931-47E6-BA6A-407CBD079E47}" type="slidenum">
-              <a:rPr dirty="0" sz="1100" spc="10">
+              <a:rPr sz="1100" spc="10" dirty="0">
                 <a:solidFill>
                   <a:srgbClr val="2D936B"/>
                 </a:solidFill>
@@ -7680,7 +7977,7 @@
       </p:sp>
       <p:sp>
         <p:nvSpPr>
-          <p:cNvPr id="1048669" name="object 8"/>
+          <p:cNvPr id="8" name="object 8"/>
           <p:cNvSpPr txBox="1"/>
           <p:nvPr/>
         </p:nvSpPr>
@@ -7689,12 +7986,15 @@
             <a:off x="739775" y="291147"/>
             <a:ext cx="8794750" cy="629018"/>
           </a:xfrm>
-          <a:prstGeom prst="rect"/>
-        </p:spPr>
-        <p:txBody>
-          <a:bodyPr bIns="0" lIns="0" rIns="0" rtlCol="0" tIns="13335" vert="horz" wrap="square">
+          <a:prstGeom prst="rect">
+            <a:avLst/>
+          </a:prstGeom>
+        </p:spPr>
+        <p:txBody>
+          <a:bodyPr vert="horz" wrap="square" lIns="0" tIns="13335" rIns="0" bIns="0" rtlCol="0">
             <a:spAutoFit/>
           </a:bodyPr>
+          <a:lstStyle/>
           <a:p>
             <a:pPr marL="12700">
               <a:lnSpc>
@@ -7705,13 +8005,13 @@
               </a:spcBef>
             </a:pPr>
             <a:r>
-              <a:rPr b="1" dirty="0" sz="4000" lang="en-IN" spc="15">
+              <a:rPr lang="en-IN" sz="4000" b="1" spc="15" dirty="0">
                 <a:latin typeface="Trebuchet MS"/>
                 <a:cs typeface="Trebuchet MS"/>
               </a:rPr>
               <a:t>POTFOLIO DESIGN AND LAYOUT</a:t>
             </a:r>
-            <a:endParaRPr dirty="0" sz="4000">
+            <a:endParaRPr sz="4000" dirty="0">
               <a:latin typeface="Trebuchet MS"/>
               <a:cs typeface="Trebuchet MS"/>
             </a:endParaRPr>
@@ -7720,7 +8020,7 @@
       </p:sp>
       <p:sp>
         <p:nvSpPr>
-          <p:cNvPr id="1048670" name="object 3"/>
+          <p:cNvPr id="14" name="object 3"/>
           <p:cNvSpPr/>
           <p:nvPr/>
         </p:nvSpPr>
@@ -7731,7 +8031,9 @@
           </a:xfrm>
           <a:custGeom>
             <a:avLst/>
+            <a:gdLst/>
             <a:ahLst/>
+            <a:cxnLst/>
             <a:rect l="l" t="t" r="r" b="b"/>
             <a:pathLst>
               <a:path w="457200" h="457200">
@@ -7759,161 +8061,10 @@
           </a:solidFill>
         </p:spPr>
         <p:txBody>
-          <a:bodyPr bIns="0" lIns="0" rIns="0" rtlCol="0" tIns="0" wrap="square"/>
-          <a:p/>
-        </p:txBody>
-      </p:sp>
-      <p:sp>
-        <p:nvSpPr>
-          <p:cNvPr id="1048706" name=""/>
-          <p:cNvSpPr txBox="1"/>
-          <p:nvPr/>
-        </p:nvSpPr>
-        <p:spPr>
-          <a:xfrm rot="21600000">
-            <a:off x="1743075" y="1765935"/>
-            <a:ext cx="5809209" cy="4701540"/>
-          </a:xfrm>
-          <a:prstGeom prst="rect"/>
-        </p:spPr>
-        <p:txBody>
-          <a:bodyPr rtlCol="0" wrap="square">
-            <a:spAutoFit/>
-          </a:bodyPr>
-          <a:p>
-            <a:r>
-              <a:rPr sz="2800" lang="en-IN">
-                <a:solidFill>
-                  <a:srgbClr val="000000"/>
-                </a:solidFill>
-              </a:rPr>
-              <a:t>Here’s a short version:</a:t>
-            </a:r>
-            <a:endParaRPr sz="2800" lang="en-IN">
-              <a:solidFill>
-                <a:srgbClr val="000000"/>
-              </a:solidFill>
-            </a:endParaRPr>
-          </a:p>
-          <a:p>
-            <a:r>
-              <a:rPr sz="2800" lang="en-IN">
-                <a:solidFill>
-                  <a:srgbClr val="000000"/>
-                </a:solidFill>
-              </a:rPr>
-              <a:t>Digital Portfolio Layout</a:t>
-            </a:r>
-            <a:endParaRPr sz="2800" lang="en-IN">
-              <a:solidFill>
-                <a:srgbClr val="000000"/>
-              </a:solidFill>
-            </a:endParaRPr>
-          </a:p>
-          <a:p>
-            <a:r>
-              <a:rPr sz="2800" lang="en-IN">
-                <a:solidFill>
-                  <a:srgbClr val="000000"/>
-                </a:solidFill>
-              </a:rPr>
-              <a:t>Intro – Name &amp; tagline</a:t>
-            </a:r>
-            <a:endParaRPr sz="2800" lang="en-IN">
-              <a:solidFill>
-                <a:srgbClr val="000000"/>
-              </a:solidFill>
-            </a:endParaRPr>
-          </a:p>
-          <a:p>
-            <a:r>
-              <a:rPr sz="2800" lang="en-IN">
-                <a:solidFill>
-                  <a:srgbClr val="000000"/>
-                </a:solidFill>
-              </a:rPr>
-              <a:t>About – Short bio &amp; skills</a:t>
-            </a:r>
-            <a:endParaRPr sz="2800" lang="en-IN">
-              <a:solidFill>
-                <a:srgbClr val="000000"/>
-              </a:solidFill>
-            </a:endParaRPr>
-          </a:p>
-          <a:p>
-            <a:r>
-              <a:rPr sz="2800" lang="en-IN">
-                <a:solidFill>
-                  <a:srgbClr val="000000"/>
-                </a:solidFill>
-              </a:rPr>
-              <a:t>Work – Projects with visuals</a:t>
-            </a:r>
-            <a:endParaRPr sz="2800" lang="en-IN">
-              <a:solidFill>
-                <a:srgbClr val="000000"/>
-              </a:solidFill>
-            </a:endParaRPr>
-          </a:p>
-          <a:p>
-            <a:r>
-              <a:rPr sz="2800" lang="en-IN">
-                <a:solidFill>
-                  <a:srgbClr val="000000"/>
-                </a:solidFill>
-              </a:rPr>
-              <a:t>Resume – CV/skills summary</a:t>
-            </a:r>
-            <a:endParaRPr sz="2800" lang="en-IN">
-              <a:solidFill>
-                <a:srgbClr val="000000"/>
-              </a:solidFill>
-            </a:endParaRPr>
-          </a:p>
-          <a:p>
-            <a:r>
-              <a:rPr sz="2800" lang="en-IN">
-                <a:solidFill>
-                  <a:srgbClr val="000000"/>
-                </a:solidFill>
-              </a:rPr>
-              <a:t>Contact – Email &amp; links</a:t>
-            </a:r>
-            <a:endParaRPr sz="2800" lang="en-IN">
-              <a:solidFill>
-                <a:srgbClr val="000000"/>
-              </a:solidFill>
-            </a:endParaRPr>
-          </a:p>
-          <a:p>
-            <a:r>
-              <a:rPr sz="2800" lang="en-IN">
-                <a:solidFill>
-                  <a:srgbClr val="000000"/>
-                </a:solidFill>
-              </a:rPr>
-              <a:t>👉 Keep it clean, simple, and easy to navigate.</a:t>
-            </a:r>
-            <a:endParaRPr sz="2800" lang="en-IN">
-              <a:solidFill>
-                <a:srgbClr val="000000"/>
-              </a:solidFill>
-            </a:endParaRPr>
-          </a:p>
-          <a:p>
-            <a:r>
-              <a:rPr sz="2800" lang="en-IN">
-                <a:solidFill>
-                  <a:srgbClr val="000000"/>
-                </a:solidFill>
-              </a:rPr>
-              <a:t>Want me to make this even shorter, like a one-line summary?</a:t>
-            </a:r>
-            <a:endParaRPr sz="2800" lang="en-IN">
-              <a:solidFill>
-                <a:srgbClr val="000000"/>
-              </a:solidFill>
-            </a:endParaRPr>
+          <a:bodyPr wrap="square" lIns="0" tIns="0" rIns="0" bIns="0" rtlCol="0"/>
+          <a:lstStyle/>
+          <a:p>
+            <a:endParaRPr/>
           </a:p>
         </p:txBody>
       </p:sp>
@@ -7930,7 +8081,7 @@
   <p:cSld>
     <p:spTree>
       <p:nvGrpSpPr>
-        <p:cNvPr id="38" name=""/>
+        <p:cNvPr id="1" name=""/>
         <p:cNvGrpSpPr/>
         <p:nvPr/>
       </p:nvGrpSpPr>
@@ -7944,7 +8095,13 @@
       </p:grpSpPr>
       <p:sp>
         <p:nvSpPr>
-          <p:cNvPr id="1048671" name="Title 1"/>
+          <p:cNvPr id="2" name="Title 1">
+            <a:extLst>
+              <a:ext uri="{FF2B5EF4-FFF2-40B4-BE49-F238E27FC236}">
+                <a16:creationId xmlns:a16="http://schemas.microsoft.com/office/drawing/2014/main" xmlns="" id="{6E06195E-16D6-79D8-7A9F-F8EB1FE9E212}"/>
+              </a:ext>
+            </a:extLst>
+          </p:cNvPr>
           <p:cNvSpPr>
             <a:spLocks noGrp="1"/>
           </p:cNvSpPr>
@@ -7952,17 +8109,13 @@
             <p:ph type="title"/>
           </p:nvPr>
         </p:nvSpPr>
-        <p:spPr>
-          <a:xfrm>
-            <a:off x="755332" y="385444"/>
-            <a:ext cx="10681335" cy="723901"/>
-          </a:xfrm>
-        </p:spPr>
+        <p:spPr/>
         <p:txBody>
           <a:bodyPr/>
-          <a:p>
-            <a:r>
-              <a:rPr dirty="0" lang="en-IN"/>
+          <a:lstStyle/>
+          <a:p>
+            <a:r>
+              <a:rPr lang="en-IN" dirty="0"/>
               <a:t>FEATURES AND FUNCTIONALITY</a:t>
             </a:r>
           </a:p>
@@ -7970,25 +8123,28 @@
       </p:sp>
       <p:sp>
         <p:nvSpPr>
-          <p:cNvPr id="1048672" name="Rectangle 2"/>
+          <p:cNvPr id="3" name="Rectangle 2"/>
           <p:cNvSpPr/>
           <p:nvPr/>
         </p:nvSpPr>
         <p:spPr>
           <a:xfrm>
             <a:off x="3048000" y="1859340"/>
-            <a:ext cx="6096000" cy="3202940"/>
-          </a:xfrm>
-          <a:prstGeom prst="rect"/>
+            <a:ext cx="6096000" cy="3139321"/>
+          </a:xfrm>
+          <a:prstGeom prst="rect">
+            <a:avLst/>
+          </a:prstGeom>
         </p:spPr>
         <p:txBody>
           <a:bodyPr>
             <a:spAutoFit/>
           </a:bodyPr>
+          <a:lstStyle/>
           <a:p>
             <a:pPr lvl="0"/>
             <a:r>
-              <a:rPr b="1" dirty="0" lang="en-US">
+              <a:rPr lang="en-US" b="1" dirty="0">
                 <a:solidFill>
                   <a:prstClr val="black"/>
                 </a:solidFill>
@@ -8002,7 +8158,7 @@
               <a:buChar char="•"/>
             </a:pPr>
             <a:r>
-              <a:rPr b="1" dirty="0" sz="1200" lang="en-US">
+              <a:rPr lang="en-US" sz="1200" b="1" dirty="0">
                 <a:solidFill>
                   <a:prstClr val="black"/>
                 </a:solidFill>
@@ -8012,7 +8168,7 @@
               <a:t>Personalized Profile</a:t>
             </a:r>
             <a:r>
-              <a:rPr dirty="0" sz="1200" lang="en-US">
+              <a:rPr lang="en-US" sz="1200" dirty="0">
                 <a:solidFill>
                   <a:prstClr val="black"/>
                 </a:solidFill>
@@ -8028,7 +8184,7 @@
               <a:buChar char="•"/>
             </a:pPr>
             <a:r>
-              <a:rPr b="1" dirty="0" sz="1200" lang="en-US">
+              <a:rPr lang="en-US" sz="1200" b="1" dirty="0">
                 <a:solidFill>
                   <a:prstClr val="black"/>
                 </a:solidFill>
@@ -8038,7 +8194,7 @@
               <a:t>Project Showcase</a:t>
             </a:r>
             <a:r>
-              <a:rPr dirty="0" sz="1200" lang="en-US">
+              <a:rPr lang="en-US" sz="1200" dirty="0">
                 <a:solidFill>
                   <a:prstClr val="black"/>
                 </a:solidFill>
@@ -8054,7 +8210,7 @@
               <a:buChar char="•"/>
             </a:pPr>
             <a:r>
-              <a:rPr b="1" dirty="0" sz="1200" lang="en-US">
+              <a:rPr lang="en-US" sz="1200" b="1" dirty="0">
                 <a:solidFill>
                   <a:prstClr val="black"/>
                 </a:solidFill>
@@ -8064,7 +8220,7 @@
               <a:t>Skills Display</a:t>
             </a:r>
             <a:r>
-              <a:rPr dirty="0" sz="1200" lang="en-US">
+              <a:rPr lang="en-US" sz="1200" dirty="0">
                 <a:solidFill>
                   <a:prstClr val="black"/>
                 </a:solidFill>
@@ -8080,7 +8236,7 @@
               <a:buChar char="•"/>
             </a:pPr>
             <a:r>
-              <a:rPr b="1" dirty="0" sz="1200" lang="en-US">
+              <a:rPr lang="en-US" sz="1200" b="1" dirty="0">
                 <a:solidFill>
                   <a:prstClr val="black"/>
                 </a:solidFill>
@@ -8090,7 +8246,7 @@
               <a:t>Education &amp; Experience Section</a:t>
             </a:r>
             <a:r>
-              <a:rPr dirty="0" sz="1200" lang="en-US">
+              <a:rPr lang="en-US" sz="1200" dirty="0">
                 <a:solidFill>
                   <a:prstClr val="black"/>
                 </a:solidFill>
@@ -8106,7 +8262,7 @@
               <a:buChar char="•"/>
             </a:pPr>
             <a:r>
-              <a:rPr b="1" dirty="0" sz="1200" lang="en-US">
+              <a:rPr lang="en-US" sz="1200" b="1" dirty="0">
                 <a:solidFill>
                   <a:prstClr val="black"/>
                 </a:solidFill>
@@ -8116,7 +8272,7 @@
               <a:t>Multimedia Support</a:t>
             </a:r>
             <a:r>
-              <a:rPr dirty="0" sz="1200" lang="en-US">
+              <a:rPr lang="en-US" sz="1200" dirty="0">
                 <a:solidFill>
                   <a:prstClr val="black"/>
                 </a:solidFill>
@@ -8132,7 +8288,7 @@
               <a:buChar char="•"/>
             </a:pPr>
             <a:r>
-              <a:rPr b="1" dirty="0" sz="1200" lang="en-US">
+              <a:rPr lang="en-US" sz="1200" b="1" dirty="0">
                 <a:solidFill>
                   <a:prstClr val="black"/>
                 </a:solidFill>
@@ -8142,7 +8298,7 @@
               <a:t>Responsive Design</a:t>
             </a:r>
             <a:r>
-              <a:rPr dirty="0" sz="1200" lang="en-US">
+              <a:rPr lang="en-US" sz="1200" dirty="0">
                 <a:solidFill>
                   <a:prstClr val="black"/>
                 </a:solidFill>
@@ -8158,7 +8314,7 @@
               <a:buChar char="•"/>
             </a:pPr>
             <a:r>
-              <a:rPr b="1" dirty="0" sz="1200" lang="en-US">
+              <a:rPr lang="en-US" sz="1200" b="1" dirty="0">
                 <a:solidFill>
                   <a:prstClr val="black"/>
                 </a:solidFill>
@@ -8168,7 +8324,7 @@
               <a:t>Search &amp; Navigation</a:t>
             </a:r>
             <a:r>
-              <a:rPr dirty="0" sz="1200" lang="en-US">
+              <a:rPr lang="en-US" sz="1200" dirty="0">
                 <a:solidFill>
                   <a:prstClr val="black"/>
                 </a:solidFill>
@@ -8181,7 +8337,7 @@
           <a:p>
             <a:pPr lvl="0"/>
             <a:r>
-              <a:rPr b="1" dirty="0" sz="1200" lang="en-US">
+              <a:rPr lang="en-US" sz="1200" b="1" dirty="0">
                 <a:solidFill>
                   <a:prstClr val="black"/>
                 </a:solidFill>
@@ -8197,7 +8353,7 @@
               <a:buChar char="•"/>
             </a:pPr>
             <a:r>
-              <a:rPr b="1" dirty="0" sz="1200" lang="en-US">
+              <a:rPr lang="en-US" sz="1200" b="1" dirty="0">
                 <a:solidFill>
                   <a:prstClr val="black"/>
                 </a:solidFill>
@@ -8207,7 +8363,7 @@
               <a:t>Add / Edit / Update Content</a:t>
             </a:r>
             <a:r>
-              <a:rPr dirty="0" sz="1200" lang="en-US">
+              <a:rPr lang="en-US" sz="1200" dirty="0">
                 <a:solidFill>
                   <a:prstClr val="black"/>
                 </a:solidFill>
@@ -8223,7 +8379,7 @@
               <a:buChar char="•"/>
             </a:pPr>
             <a:r>
-              <a:rPr b="1" dirty="0" sz="1200" lang="en-US">
+              <a:rPr lang="en-US" sz="1200" b="1" dirty="0">
                 <a:solidFill>
                   <a:prstClr val="black"/>
                 </a:solidFill>
@@ -8233,7 +8389,7 @@
               <a:t>Interactive Elements</a:t>
             </a:r>
             <a:r>
-              <a:rPr dirty="0" sz="1200" lang="en-US">
+              <a:rPr lang="en-US" sz="1200" dirty="0">
                 <a:solidFill>
                   <a:prstClr val="black"/>
                 </a:solidFill>
@@ -8249,7 +8405,7 @@
               <a:buChar char="•"/>
             </a:pPr>
             <a:r>
-              <a:rPr b="1" dirty="0" sz="1200" lang="en-US">
+              <a:rPr lang="en-US" sz="1200" b="1" dirty="0">
                 <a:solidFill>
                   <a:prstClr val="black"/>
                 </a:solidFill>
@@ -8259,7 +8415,7 @@
               <a:t>Contact Integration</a:t>
             </a:r>
             <a:r>
-              <a:rPr dirty="0" sz="1200" lang="en-US">
+              <a:rPr lang="en-US" sz="1200" dirty="0">
                 <a:solidFill>
                   <a:prstClr val="black"/>
                 </a:solidFill>
@@ -8275,7 +8431,7 @@
               <a:buChar char="•"/>
             </a:pPr>
             <a:r>
-              <a:rPr b="1" dirty="0" sz="1200" lang="en-US">
+              <a:rPr lang="en-US" sz="1200" b="1" dirty="0">
                 <a:solidFill>
                   <a:prstClr val="black"/>
                 </a:solidFill>
@@ -8285,7 +8441,7 @@
               <a:t>Downloadable Resume</a:t>
             </a:r>
             <a:r>
-              <a:rPr dirty="0" sz="1200" lang="en-US">
+              <a:rPr lang="en-US" sz="1200" dirty="0">
                 <a:solidFill>
                   <a:prstClr val="black"/>
                 </a:solidFill>
@@ -8301,7 +8457,7 @@
               <a:buChar char="•"/>
             </a:pPr>
             <a:r>
-              <a:rPr b="1" dirty="0" sz="1200" lang="en-US">
+              <a:rPr lang="en-US" sz="1200" b="1" dirty="0">
                 <a:solidFill>
                   <a:prstClr val="black"/>
                 </a:solidFill>
@@ -8311,7 +8467,7 @@
               <a:t>Sharing Options</a:t>
             </a:r>
             <a:r>
-              <a:rPr dirty="0" sz="1200" lang="en-US">
+              <a:rPr lang="en-US" sz="1200" dirty="0">
                 <a:solidFill>
                   <a:prstClr val="black"/>
                 </a:solidFill>
@@ -8327,7 +8483,7 @@
               <a:buChar char="•"/>
             </a:pPr>
             <a:r>
-              <a:rPr b="1" dirty="0" sz="1200" lang="en-US">
+              <a:rPr lang="en-US" sz="1200" b="1" dirty="0">
                 <a:solidFill>
                   <a:prstClr val="black"/>
                 </a:solidFill>
@@ -8337,7 +8493,7 @@
               <a:t>SEO Optimization</a:t>
             </a:r>
             <a:r>
-              <a:rPr dirty="0" sz="1200" lang="en-US">
+              <a:rPr lang="en-US" sz="1200" dirty="0">
                 <a:solidFill>
                   <a:prstClr val="black"/>
                 </a:solidFill>
@@ -8353,7 +8509,7 @@
               <a:buChar char="•"/>
             </a:pPr>
             <a:r>
-              <a:rPr b="1" dirty="0" sz="1200" lang="en-US">
+              <a:rPr lang="en-US" sz="1200" b="1" dirty="0">
                 <a:solidFill>
                   <a:prstClr val="black"/>
                 </a:solidFill>
@@ -8363,7 +8519,7 @@
               <a:t>Data Security</a:t>
             </a:r>
             <a:r>
-              <a:rPr dirty="0" sz="1200" lang="en-US">
+              <a:rPr lang="en-US" sz="1200" dirty="0">
                 <a:solidFill>
                   <a:prstClr val="black"/>
                 </a:solidFill>
@@ -8372,7 +8528,7 @@
               </a:rPr>
               <a:t> – safe handling of personal details.</a:t>
             </a:r>
-            <a:endParaRPr dirty="0" sz="1200" lang="en-US">
+            <a:endParaRPr lang="en-US" sz="1200" dirty="0">
               <a:solidFill>
                 <a:prstClr val="black"/>
               </a:solidFill>
@@ -8383,6 +8539,11 @@
         </p:txBody>
       </p:sp>
     </p:spTree>
+    <p:extLst>
+      <p:ext uri="{BB962C8B-B14F-4D97-AF65-F5344CB8AC3E}">
+        <p14:creationId xmlns:p14="http://schemas.microsoft.com/office/powerpoint/2010/main" val="2720660618"/>
+      </p:ext>
+    </p:extLst>
   </p:cSld>
   <p:clrMapOvr>
     <a:masterClrMapping/>
@@ -8395,10 +8556,10 @@
   <a:themeElements>
     <a:clrScheme name="Office">
       <a:dk1>
-        <a:sysClr lastClr="000000" val="windowText"/>
+        <a:sysClr val="windowText" lastClr="000000"/>
       </a:dk1>
       <a:lt1>
-        <a:sysClr lastClr="FFFFFF" val="window"/>
+        <a:sysClr val="window" lastClr="FFFFFF"/>
       </a:lt1>
       <a:dk2>
         <a:srgbClr val="1F497D"/>
@@ -8579,7 +8740,7 @@
       <a:effectStyleLst>
         <a:effectStyle>
           <a:effectLst>
-            <a:outerShdw blurRad="40000" dir="5400000" dist="20000" rotWithShape="0">
+            <a:outerShdw blurRad="40000" dist="20000" dir="5400000" rotWithShape="0">
               <a:srgbClr val="000000">
                 <a:alpha val="38000"/>
               </a:srgbClr>
@@ -8588,7 +8749,7 @@
         </a:effectStyle>
         <a:effectStyle>
           <a:effectLst>
-            <a:outerShdw blurRad="40000" dir="5400000" dist="23000" rotWithShape="0">
+            <a:outerShdw blurRad="40000" dist="23000" dir="5400000" rotWithShape="0">
               <a:srgbClr val="000000">
                 <a:alpha val="35000"/>
               </a:srgbClr>
@@ -8597,7 +8758,7 @@
         </a:effectStyle>
         <a:effectStyle>
           <a:effectLst>
-            <a:outerShdw blurRad="40000" dir="5400000" dist="23000" rotWithShape="0">
+            <a:outerShdw blurRad="40000" dist="23000" dir="5400000" rotWithShape="0">
               <a:srgbClr val="000000">
                 <a:alpha val="35000"/>
               </a:srgbClr>
@@ -8607,7 +8768,7 @@
             <a:camera prst="orthographicFront">
               <a:rot lat="0" lon="0" rev="0"/>
             </a:camera>
-            <a:lightRig dir="t" rig="threePt">
+            <a:lightRig rig="threePt" dir="t">
               <a:rot lat="0" lon="0" rev="1200000"/>
             </a:lightRig>
           </a:scene3d>
@@ -8668,6 +8829,8 @@
       </a:bgFillStyleLst>
     </a:fmtScheme>
   </a:themeElements>
+  <a:objectDefaults/>
+  <a:extraClrSchemeLst/>
 </a:theme>
 </file>
 
@@ -8676,10 +8839,10 @@
   <a:themeElements>
     <a:clrScheme name="Office">
       <a:dk1>
-        <a:sysClr lastClr="000000" val="windowText"/>
+        <a:sysClr val="windowText" lastClr="000000"/>
       </a:dk1>
       <a:lt1>
-        <a:sysClr lastClr="FFFFFF" val="window"/>
+        <a:sysClr val="window" lastClr="FFFFFF"/>
       </a:lt1>
       <a:dk2>
         <a:srgbClr val="44546A"/>
@@ -8908,7 +9071,7 @@
         </a:effectStyle>
         <a:effectStyle>
           <a:effectLst>
-            <a:outerShdw algn="ctr" blurRad="57150" dir="5400000" dist="19050" rotWithShape="0">
+            <a:outerShdw blurRad="57150" dist="19050" dir="5400000" algn="ctr" rotWithShape="0">
               <a:srgbClr val="000000">
                 <a:alpha val="63000"/>
               </a:srgbClr>
@@ -8956,5 +9119,12 @@
       </a:bgFillStyleLst>
     </a:fmtScheme>
   </a:themeElements>
+  <a:objectDefaults/>
+  <a:extraClrSchemeLst/>
+  <a:extLst>
+    <a:ext uri="{05A4C25C-085E-4340-85A3-A5531E510DB2}">
+      <thm15:themeFamily xmlns:thm15="http://schemas.microsoft.com/office/thememl/2012/main" name="Office Theme" id="{62F939B6-93AF-4DB8-9C6B-D6C7DFDC589F}" vid="{4A3C46E8-61CC-4603-A589-7422A47A8E4A}"/>
+    </a:ext>
+  </a:extLst>
 </a:theme>
 </file>